--- a/doc/prd.pptx
+++ b/doc/prd.pptx
@@ -6,18 +6,40 @@
   </p:sldMasterIdLst>
   <p:sldIdLst>
     <p:sldId id="256" r:id="rId2"/>
-    <p:sldId id="257" r:id="rId3"/>
-    <p:sldId id="258" r:id="rId4"/>
-    <p:sldId id="264" r:id="rId5"/>
-    <p:sldId id="261" r:id="rId6"/>
-    <p:sldId id="265" r:id="rId7"/>
-    <p:sldId id="259" r:id="rId8"/>
-    <p:sldId id="266" r:id="rId9"/>
-    <p:sldId id="260" r:id="rId10"/>
-    <p:sldId id="268" r:id="rId11"/>
-    <p:sldId id="262" r:id="rId12"/>
-    <p:sldId id="263" r:id="rId13"/>
-    <p:sldId id="267" r:id="rId14"/>
+    <p:sldId id="270" r:id="rId3"/>
+    <p:sldId id="271" r:id="rId4"/>
+    <p:sldId id="257" r:id="rId5"/>
+    <p:sldId id="269" r:id="rId6"/>
+    <p:sldId id="272" r:id="rId7"/>
+    <p:sldId id="273" r:id="rId8"/>
+    <p:sldId id="274" r:id="rId9"/>
+    <p:sldId id="275" r:id="rId10"/>
+    <p:sldId id="276" r:id="rId11"/>
+    <p:sldId id="277" r:id="rId12"/>
+    <p:sldId id="278" r:id="rId13"/>
+    <p:sldId id="279" r:id="rId14"/>
+    <p:sldId id="280" r:id="rId15"/>
+    <p:sldId id="287" r:id="rId16"/>
+    <p:sldId id="289" r:id="rId17"/>
+    <p:sldId id="258" r:id="rId18"/>
+    <p:sldId id="281" r:id="rId19"/>
+    <p:sldId id="282" r:id="rId20"/>
+    <p:sldId id="264" r:id="rId21"/>
+    <p:sldId id="261" r:id="rId22"/>
+    <p:sldId id="283" r:id="rId23"/>
+    <p:sldId id="284" r:id="rId24"/>
+    <p:sldId id="265" r:id="rId25"/>
+    <p:sldId id="259" r:id="rId26"/>
+    <p:sldId id="285" r:id="rId27"/>
+    <p:sldId id="286" r:id="rId28"/>
+    <p:sldId id="266" r:id="rId29"/>
+    <p:sldId id="260" r:id="rId30"/>
+    <p:sldId id="268" r:id="rId31"/>
+    <p:sldId id="262" r:id="rId32"/>
+    <p:sldId id="263" r:id="rId33"/>
+    <p:sldId id="267" r:id="rId34"/>
+    <p:sldId id="290" r:id="rId35"/>
+    <p:sldId id="291" r:id="rId36"/>
   </p:sldIdLst>
   <p:sldSz cx="12192000" cy="6858000"/>
   <p:notesSz cx="6858000" cy="9144000"/>
@@ -266,7 +288,7 @@
           <a:p>
             <a:fld id="{62CB6374-0130-47DC-BFAA-34D9BE735771}" type="datetimeFigureOut">
               <a:rPr lang="zh-CN" altLang="en-US" smtClean="0"/>
-              <a:t>2019/1/17</a:t>
+              <a:t>2019/1/18</a:t>
             </a:fld>
             <a:endParaRPr lang="zh-CN" altLang="en-US"/>
           </a:p>
@@ -436,7 +458,7 @@
           <a:p>
             <a:fld id="{62CB6374-0130-47DC-BFAA-34D9BE735771}" type="datetimeFigureOut">
               <a:rPr lang="zh-CN" altLang="en-US" smtClean="0"/>
-              <a:t>2019/1/17</a:t>
+              <a:t>2019/1/18</a:t>
             </a:fld>
             <a:endParaRPr lang="zh-CN" altLang="en-US"/>
           </a:p>
@@ -616,7 +638,7 @@
           <a:p>
             <a:fld id="{62CB6374-0130-47DC-BFAA-34D9BE735771}" type="datetimeFigureOut">
               <a:rPr lang="zh-CN" altLang="en-US" smtClean="0"/>
-              <a:t>2019/1/17</a:t>
+              <a:t>2019/1/18</a:t>
             </a:fld>
             <a:endParaRPr lang="zh-CN" altLang="en-US"/>
           </a:p>
@@ -786,7 +808,7 @@
           <a:p>
             <a:fld id="{62CB6374-0130-47DC-BFAA-34D9BE735771}" type="datetimeFigureOut">
               <a:rPr lang="zh-CN" altLang="en-US" smtClean="0"/>
-              <a:t>2019/1/17</a:t>
+              <a:t>2019/1/18</a:t>
             </a:fld>
             <a:endParaRPr lang="zh-CN" altLang="en-US"/>
           </a:p>
@@ -1032,7 +1054,7 @@
           <a:p>
             <a:fld id="{62CB6374-0130-47DC-BFAA-34D9BE735771}" type="datetimeFigureOut">
               <a:rPr lang="zh-CN" altLang="en-US" smtClean="0"/>
-              <a:t>2019/1/17</a:t>
+              <a:t>2019/1/18</a:t>
             </a:fld>
             <a:endParaRPr lang="zh-CN" altLang="en-US"/>
           </a:p>
@@ -1264,7 +1286,7 @@
           <a:p>
             <a:fld id="{62CB6374-0130-47DC-BFAA-34D9BE735771}" type="datetimeFigureOut">
               <a:rPr lang="zh-CN" altLang="en-US" smtClean="0"/>
-              <a:t>2019/1/17</a:t>
+              <a:t>2019/1/18</a:t>
             </a:fld>
             <a:endParaRPr lang="zh-CN" altLang="en-US"/>
           </a:p>
@@ -1631,7 +1653,7 @@
           <a:p>
             <a:fld id="{62CB6374-0130-47DC-BFAA-34D9BE735771}" type="datetimeFigureOut">
               <a:rPr lang="zh-CN" altLang="en-US" smtClean="0"/>
-              <a:t>2019/1/17</a:t>
+              <a:t>2019/1/18</a:t>
             </a:fld>
             <a:endParaRPr lang="zh-CN" altLang="en-US"/>
           </a:p>
@@ -1749,7 +1771,7 @@
           <a:p>
             <a:fld id="{62CB6374-0130-47DC-BFAA-34D9BE735771}" type="datetimeFigureOut">
               <a:rPr lang="zh-CN" altLang="en-US" smtClean="0"/>
-              <a:t>2019/1/17</a:t>
+              <a:t>2019/1/18</a:t>
             </a:fld>
             <a:endParaRPr lang="zh-CN" altLang="en-US"/>
           </a:p>
@@ -1844,7 +1866,7 @@
           <a:p>
             <a:fld id="{62CB6374-0130-47DC-BFAA-34D9BE735771}" type="datetimeFigureOut">
               <a:rPr lang="zh-CN" altLang="en-US" smtClean="0"/>
-              <a:t>2019/1/17</a:t>
+              <a:t>2019/1/18</a:t>
             </a:fld>
             <a:endParaRPr lang="zh-CN" altLang="en-US"/>
           </a:p>
@@ -2121,7 +2143,7 @@
           <a:p>
             <a:fld id="{62CB6374-0130-47DC-BFAA-34D9BE735771}" type="datetimeFigureOut">
               <a:rPr lang="zh-CN" altLang="en-US" smtClean="0"/>
-              <a:t>2019/1/17</a:t>
+              <a:t>2019/1/18</a:t>
             </a:fld>
             <a:endParaRPr lang="zh-CN" altLang="en-US"/>
           </a:p>
@@ -2374,7 +2396,7 @@
           <a:p>
             <a:fld id="{62CB6374-0130-47DC-BFAA-34D9BE735771}" type="datetimeFigureOut">
               <a:rPr lang="zh-CN" altLang="en-US" smtClean="0"/>
-              <a:t>2019/1/17</a:t>
+              <a:t>2019/1/18</a:t>
             </a:fld>
             <a:endParaRPr lang="zh-CN" altLang="en-US"/>
           </a:p>
@@ -2587,7 +2609,7 @@
           <a:p>
             <a:fld id="{62CB6374-0130-47DC-BFAA-34D9BE735771}" type="datetimeFigureOut">
               <a:rPr lang="zh-CN" altLang="en-US" smtClean="0"/>
-              <a:t>2019/1/17</a:t>
+              <a:t>2019/1/18</a:t>
             </a:fld>
             <a:endParaRPr lang="zh-CN" altLang="en-US"/>
           </a:p>
@@ -3085,6 +3107,4746 @@
           <a:p>
             <a:r>
               <a:rPr lang="zh-CN" altLang="en-US" dirty="0" smtClean="0"/>
+              <a:t>商务公司（渠道）</a:t>
+            </a:r>
+            <a:endParaRPr lang="zh-CN" altLang="en-US" dirty="0"/>
+          </a:p>
+        </p:txBody>
+      </p:sp>
+      <p:sp>
+        <p:nvSpPr>
+          <p:cNvPr id="3" name="内容占位符 2"/>
+          <p:cNvSpPr>
+            <a:spLocks noGrp="1"/>
+          </p:cNvSpPr>
+          <p:nvPr>
+            <p:ph idx="1"/>
+          </p:nvPr>
+        </p:nvSpPr>
+        <p:spPr/>
+        <p:txBody>
+          <a:bodyPr/>
+          <a:lstStyle/>
+          <a:p>
+            <a:r>
+              <a:rPr lang="zh-CN" altLang="en-US" dirty="0" smtClean="0"/>
+              <a:t>验收条件</a:t>
+            </a:r>
+            <a:endParaRPr lang="en-US" altLang="zh-CN" dirty="0" smtClean="0"/>
+          </a:p>
+          <a:p>
+            <a:pPr marL="914400" lvl="1" indent="-457200">
+              <a:buFont typeface="+mj-lt"/>
+              <a:buAutoNum type="arabicPeriod"/>
+            </a:pPr>
+            <a:r>
+              <a:rPr lang="zh-CN" altLang="en-US" dirty="0"/>
+              <a:t>能</a:t>
+            </a:r>
+            <a:r>
+              <a:rPr lang="zh-CN" altLang="en-US" dirty="0" smtClean="0"/>
+              <a:t>够创</a:t>
+            </a:r>
+            <a:r>
+              <a:rPr lang="zh-CN" altLang="en-US" dirty="0" smtClean="0"/>
+              <a:t>建</a:t>
+            </a:r>
+            <a:r>
+              <a:rPr lang="zh-CN" altLang="en-US" dirty="0"/>
+              <a:t>药厂（销售主管）</a:t>
+            </a:r>
+            <a:r>
+              <a:rPr lang="zh-CN" altLang="en-US" dirty="0" smtClean="0"/>
+              <a:t>角</a:t>
+            </a:r>
+            <a:r>
+              <a:rPr lang="zh-CN" altLang="en-US" dirty="0" smtClean="0"/>
+              <a:t>色</a:t>
+            </a:r>
+            <a:endParaRPr lang="en-US" altLang="zh-CN" dirty="0" smtClean="0"/>
+          </a:p>
+          <a:p>
+            <a:pPr marL="914400" lvl="1" indent="-457200">
+              <a:buFont typeface="+mj-lt"/>
+              <a:buAutoNum type="arabicPeriod"/>
+            </a:pPr>
+            <a:r>
+              <a:rPr lang="zh-CN" altLang="en-US" dirty="0"/>
+              <a:t>能</a:t>
+            </a:r>
+            <a:r>
+              <a:rPr lang="zh-CN" altLang="en-US" dirty="0" smtClean="0"/>
+              <a:t>够邀请系统中已有用户通过固定连接加入该角</a:t>
+            </a:r>
+            <a:r>
+              <a:rPr lang="zh-CN" altLang="en-US" dirty="0" smtClean="0"/>
+              <a:t>色</a:t>
+            </a:r>
+            <a:endParaRPr lang="en-US" altLang="zh-CN" dirty="0" smtClean="0"/>
+          </a:p>
+          <a:p>
+            <a:pPr marL="914400" lvl="1" indent="-457200">
+              <a:buFont typeface="+mj-lt"/>
+              <a:buAutoNum type="arabicPeriod"/>
+            </a:pPr>
+            <a:r>
+              <a:rPr lang="zh-CN" altLang="en-US" dirty="0"/>
+              <a:t>能</a:t>
+            </a:r>
+            <a:r>
+              <a:rPr lang="zh-CN" altLang="en-US" dirty="0" smtClean="0"/>
+              <a:t>够输入</a:t>
+            </a:r>
+            <a:r>
+              <a:rPr lang="zh-CN" altLang="en-US" dirty="0"/>
+              <a:t>药厂（销售主管）</a:t>
+            </a:r>
+            <a:r>
+              <a:rPr lang="zh-CN" altLang="en-US" dirty="0" smtClean="0"/>
+              <a:t>角色相关信息</a:t>
+            </a:r>
+            <a:r>
+              <a:rPr lang="zh-CN" altLang="en-US" dirty="0" smtClean="0">
+                <a:solidFill>
+                  <a:srgbClr val="FF0000"/>
+                </a:solidFill>
+              </a:rPr>
+              <a:t>（需定义）</a:t>
+            </a:r>
+            <a:endParaRPr lang="en-US" altLang="zh-CN" dirty="0" smtClean="0">
+              <a:solidFill>
+                <a:srgbClr val="FF0000"/>
+              </a:solidFill>
+            </a:endParaRPr>
+          </a:p>
+          <a:p>
+            <a:pPr marL="914400" lvl="1" indent="-457200">
+              <a:buFont typeface="+mj-lt"/>
+              <a:buAutoNum type="arabicPeriod"/>
+            </a:pPr>
+            <a:r>
+              <a:rPr lang="zh-CN" altLang="en-US" dirty="0" smtClean="0"/>
+              <a:t>能够添加</a:t>
+            </a:r>
+            <a:r>
+              <a:rPr lang="en-US" altLang="zh-CN" dirty="0" smtClean="0"/>
+              <a:t>/</a:t>
+            </a:r>
+            <a:r>
+              <a:rPr lang="zh-CN" altLang="en-US" dirty="0"/>
+              <a:t>修改药厂（销售主管）角</a:t>
+            </a:r>
+            <a:r>
+              <a:rPr lang="zh-CN" altLang="en-US" dirty="0" smtClean="0"/>
+              <a:t>色的有效期</a:t>
+            </a:r>
+            <a:endParaRPr lang="en-US" altLang="zh-CN" dirty="0" smtClean="0"/>
+          </a:p>
+          <a:p>
+            <a:pPr marL="914400" lvl="1" indent="-457200">
+              <a:buFont typeface="+mj-lt"/>
+              <a:buAutoNum type="arabicPeriod"/>
+            </a:pPr>
+            <a:r>
+              <a:rPr lang="zh-CN" altLang="en-US" dirty="0"/>
+              <a:t>能</a:t>
+            </a:r>
+            <a:r>
+              <a:rPr lang="zh-CN" altLang="en-US" dirty="0" smtClean="0"/>
+              <a:t>够将当</a:t>
+            </a:r>
+            <a:r>
+              <a:rPr lang="zh-CN" altLang="en-US" dirty="0"/>
+              <a:t>前药厂（销售主管）角</a:t>
+            </a:r>
+            <a:r>
+              <a:rPr lang="zh-CN" altLang="en-US" dirty="0" smtClean="0"/>
+              <a:t>色的用户删除</a:t>
+            </a:r>
+            <a:endParaRPr lang="zh-CN" altLang="en-US" dirty="0"/>
+          </a:p>
+        </p:txBody>
+      </p:sp>
+    </p:spTree>
+    <p:extLst>
+      <p:ext uri="{BB962C8B-B14F-4D97-AF65-F5344CB8AC3E}">
+        <p14:creationId xmlns:p14="http://schemas.microsoft.com/office/powerpoint/2010/main" val="3452244410"/>
+      </p:ext>
+    </p:extLst>
+  </p:cSld>
+  <p:clrMapOvr>
+    <a:masterClrMapping/>
+  </p:clrMapOvr>
+</p:sld>
+</file>
+
+<file path=ppt/slides/slide11.xml><?xml version="1.0" encoding="utf-8"?>
+<p:sld xmlns:a="http://schemas.openxmlformats.org/drawingml/2006/main" xmlns:r="http://schemas.openxmlformats.org/officeDocument/2006/relationships" xmlns:p="http://schemas.openxmlformats.org/presentationml/2006/main">
+  <p:cSld>
+    <p:spTree>
+      <p:nvGrpSpPr>
+        <p:cNvPr id="1" name=""/>
+        <p:cNvGrpSpPr/>
+        <p:nvPr/>
+      </p:nvGrpSpPr>
+      <p:grpSpPr>
+        <a:xfrm>
+          <a:off x="0" y="0"/>
+          <a:ext cx="0" cy="0"/>
+          <a:chOff x="0" y="0"/>
+          <a:chExt cx="0" cy="0"/>
+        </a:xfrm>
+      </p:grpSpPr>
+      <p:sp>
+        <p:nvSpPr>
+          <p:cNvPr id="2" name="标题 1"/>
+          <p:cNvSpPr>
+            <a:spLocks noGrp="1"/>
+          </p:cNvSpPr>
+          <p:nvPr>
+            <p:ph type="title"/>
+          </p:nvPr>
+        </p:nvSpPr>
+        <p:spPr/>
+        <p:txBody>
+          <a:bodyPr/>
+          <a:lstStyle/>
+          <a:p>
+            <a:r>
+              <a:rPr lang="zh-CN" altLang="en-US" dirty="0"/>
+              <a:t>药厂（销售主</a:t>
+            </a:r>
+            <a:r>
+              <a:rPr lang="zh-CN" altLang="en-US" dirty="0" smtClean="0"/>
+              <a:t>管</a:t>
+            </a:r>
+            <a:r>
+              <a:rPr lang="zh-CN" altLang="en-US" dirty="0"/>
+              <a:t>）</a:t>
+            </a:r>
+            <a:endParaRPr lang="zh-CN" altLang="en-US" dirty="0"/>
+          </a:p>
+        </p:txBody>
+      </p:sp>
+      <p:sp>
+        <p:nvSpPr>
+          <p:cNvPr id="3" name="内容占位符 2"/>
+          <p:cNvSpPr>
+            <a:spLocks noGrp="1"/>
+          </p:cNvSpPr>
+          <p:nvPr>
+            <p:ph idx="1"/>
+          </p:nvPr>
+        </p:nvSpPr>
+        <p:spPr/>
+        <p:txBody>
+          <a:bodyPr/>
+          <a:lstStyle/>
+          <a:p>
+            <a:r>
+              <a:rPr lang="zh-CN" altLang="en-US" dirty="0"/>
+              <a:t>用户故事</a:t>
+            </a:r>
+            <a:endParaRPr lang="en-US" altLang="zh-CN" dirty="0"/>
+          </a:p>
+          <a:p>
+            <a:pPr lvl="1"/>
+            <a:r>
+              <a:rPr lang="zh-CN" altLang="en-US" dirty="0"/>
+              <a:t>作为</a:t>
+            </a:r>
+            <a:r>
+              <a:rPr lang="zh-CN" altLang="en-US" dirty="0" smtClean="0"/>
+              <a:t>：</a:t>
+            </a:r>
+            <a:r>
+              <a:rPr lang="zh-CN" altLang="en-US" dirty="0"/>
+              <a:t>药厂</a:t>
+            </a:r>
+            <a:r>
+              <a:rPr lang="zh-CN" altLang="en-US" dirty="0" smtClean="0"/>
+              <a:t>（销售</a:t>
+            </a:r>
+            <a:r>
+              <a:rPr lang="zh-CN" altLang="en-US" dirty="0"/>
+              <a:t>主管</a:t>
+            </a:r>
+            <a:r>
+              <a:rPr lang="zh-CN" altLang="en-US" dirty="0" smtClean="0"/>
+              <a:t>）</a:t>
+            </a:r>
+            <a:endParaRPr lang="en-US" altLang="zh-CN" dirty="0" smtClean="0"/>
+          </a:p>
+          <a:p>
+            <a:pPr lvl="1"/>
+            <a:r>
+              <a:rPr lang="zh-CN" altLang="en-US" dirty="0" smtClean="0"/>
+              <a:t>为了：能够</a:t>
+            </a:r>
+            <a:r>
+              <a:rPr lang="zh-CN" altLang="en-US" dirty="0" smtClean="0"/>
+              <a:t>创建</a:t>
+            </a:r>
+            <a:r>
+              <a:rPr lang="en-US" altLang="zh-CN" dirty="0" smtClean="0"/>
+              <a:t>/</a:t>
+            </a:r>
+            <a:r>
+              <a:rPr lang="zh-CN" altLang="en-US" dirty="0"/>
+              <a:t>修</a:t>
+            </a:r>
+            <a:r>
+              <a:rPr lang="zh-CN" altLang="en-US" dirty="0" smtClean="0"/>
+              <a:t>改药厂（</a:t>
+            </a:r>
+            <a:r>
+              <a:rPr lang="zh-CN" altLang="en-US" dirty="0"/>
+              <a:t>销售员</a:t>
+            </a:r>
+            <a:r>
+              <a:rPr lang="zh-CN" altLang="en-US" dirty="0" smtClean="0"/>
+              <a:t>）角色</a:t>
+            </a:r>
+            <a:endParaRPr lang="en-US" altLang="zh-CN" dirty="0" smtClean="0"/>
+          </a:p>
+          <a:p>
+            <a:pPr lvl="1"/>
+            <a:r>
+              <a:rPr lang="zh-CN" altLang="en-US" dirty="0" smtClean="0"/>
+              <a:t>我</a:t>
+            </a:r>
+            <a:r>
+              <a:rPr lang="zh-CN" altLang="en-US" dirty="0"/>
+              <a:t>想</a:t>
+            </a:r>
+            <a:r>
+              <a:rPr lang="zh-CN" altLang="en-US" dirty="0" smtClean="0"/>
+              <a:t>：提</a:t>
+            </a:r>
+            <a:r>
+              <a:rPr lang="zh-CN" altLang="en-US" dirty="0"/>
+              <a:t>供创建</a:t>
+            </a:r>
+            <a:r>
+              <a:rPr lang="en-US" altLang="zh-CN" dirty="0"/>
+              <a:t>/</a:t>
+            </a:r>
+            <a:r>
+              <a:rPr lang="zh-CN" altLang="en-US" dirty="0"/>
+              <a:t>修改</a:t>
+            </a:r>
+            <a:r>
+              <a:rPr lang="zh-CN" altLang="en-US" dirty="0" smtClean="0"/>
+              <a:t>药厂（</a:t>
+            </a:r>
+            <a:r>
+              <a:rPr lang="zh-CN" altLang="en-US" dirty="0"/>
+              <a:t>销售员</a:t>
+            </a:r>
+            <a:r>
+              <a:rPr lang="zh-CN" altLang="en-US" dirty="0" smtClean="0"/>
+              <a:t>）角</a:t>
+            </a:r>
+            <a:r>
+              <a:rPr lang="zh-CN" altLang="en-US" dirty="0"/>
+              <a:t>色接</a:t>
+            </a:r>
+            <a:r>
+              <a:rPr lang="zh-CN" altLang="en-US" dirty="0" smtClean="0"/>
+              <a:t>口</a:t>
+            </a:r>
+            <a:endParaRPr lang="zh-CN" altLang="en-US" dirty="0"/>
+          </a:p>
+        </p:txBody>
+      </p:sp>
+    </p:spTree>
+    <p:extLst>
+      <p:ext uri="{BB962C8B-B14F-4D97-AF65-F5344CB8AC3E}">
+        <p14:creationId xmlns:p14="http://schemas.microsoft.com/office/powerpoint/2010/main" val="3264449077"/>
+      </p:ext>
+    </p:extLst>
+  </p:cSld>
+  <p:clrMapOvr>
+    <a:masterClrMapping/>
+  </p:clrMapOvr>
+</p:sld>
+</file>
+
+<file path=ppt/slides/slide12.xml><?xml version="1.0" encoding="utf-8"?>
+<p:sld xmlns:a="http://schemas.openxmlformats.org/drawingml/2006/main" xmlns:r="http://schemas.openxmlformats.org/officeDocument/2006/relationships" xmlns:p="http://schemas.openxmlformats.org/presentationml/2006/main">
+  <p:cSld>
+    <p:spTree>
+      <p:nvGrpSpPr>
+        <p:cNvPr id="1" name=""/>
+        <p:cNvGrpSpPr/>
+        <p:nvPr/>
+      </p:nvGrpSpPr>
+      <p:grpSpPr>
+        <a:xfrm>
+          <a:off x="0" y="0"/>
+          <a:ext cx="0" cy="0"/>
+          <a:chOff x="0" y="0"/>
+          <a:chExt cx="0" cy="0"/>
+        </a:xfrm>
+      </p:grpSpPr>
+      <p:sp>
+        <p:nvSpPr>
+          <p:cNvPr id="2" name="标题 1"/>
+          <p:cNvSpPr>
+            <a:spLocks noGrp="1"/>
+          </p:cNvSpPr>
+          <p:nvPr>
+            <p:ph type="title"/>
+          </p:nvPr>
+        </p:nvSpPr>
+        <p:spPr/>
+        <p:txBody>
+          <a:bodyPr/>
+          <a:lstStyle/>
+          <a:p>
+            <a:r>
+              <a:rPr lang="zh-CN" altLang="en-US" dirty="0"/>
+              <a:t>药厂（销</a:t>
+            </a:r>
+            <a:r>
+              <a:rPr lang="zh-CN" altLang="en-US" dirty="0" smtClean="0"/>
+              <a:t>售主管）</a:t>
+            </a:r>
+            <a:endParaRPr lang="zh-CN" altLang="en-US" dirty="0"/>
+          </a:p>
+        </p:txBody>
+      </p:sp>
+      <p:sp>
+        <p:nvSpPr>
+          <p:cNvPr id="3" name="内容占位符 2"/>
+          <p:cNvSpPr>
+            <a:spLocks noGrp="1"/>
+          </p:cNvSpPr>
+          <p:nvPr>
+            <p:ph idx="1"/>
+          </p:nvPr>
+        </p:nvSpPr>
+        <p:spPr/>
+        <p:txBody>
+          <a:bodyPr/>
+          <a:lstStyle/>
+          <a:p>
+            <a:r>
+              <a:rPr lang="zh-CN" altLang="en-US" dirty="0" smtClean="0"/>
+              <a:t>验收条</a:t>
+            </a:r>
+            <a:r>
+              <a:rPr lang="zh-CN" altLang="en-US" dirty="0" smtClean="0"/>
+              <a:t>件</a:t>
+            </a:r>
+            <a:endParaRPr lang="en-US" altLang="zh-CN" dirty="0" smtClean="0"/>
+          </a:p>
+          <a:p>
+            <a:pPr marL="914400" lvl="1" indent="-457200">
+              <a:buFont typeface="+mj-lt"/>
+              <a:buAutoNum type="arabicPeriod"/>
+            </a:pPr>
+            <a:r>
+              <a:rPr lang="zh-CN" altLang="en-US" dirty="0"/>
+              <a:t>能</a:t>
+            </a:r>
+            <a:r>
+              <a:rPr lang="zh-CN" altLang="en-US" dirty="0" smtClean="0"/>
+              <a:t>够创</a:t>
+            </a:r>
+            <a:r>
+              <a:rPr lang="zh-CN" altLang="en-US" dirty="0" smtClean="0"/>
+              <a:t>建</a:t>
+            </a:r>
+            <a:r>
+              <a:rPr lang="zh-CN" altLang="en-US" dirty="0"/>
+              <a:t>药厂（销</a:t>
+            </a:r>
+            <a:r>
+              <a:rPr lang="zh-CN" altLang="en-US" dirty="0" smtClean="0"/>
+              <a:t>售</a:t>
+            </a:r>
+            <a:r>
+              <a:rPr lang="zh-CN" altLang="en-US" dirty="0"/>
+              <a:t>员</a:t>
+            </a:r>
+            <a:r>
+              <a:rPr lang="zh-CN" altLang="en-US" dirty="0" smtClean="0"/>
+              <a:t>）角</a:t>
+            </a:r>
+            <a:r>
+              <a:rPr lang="zh-CN" altLang="en-US" dirty="0" smtClean="0"/>
+              <a:t>色</a:t>
+            </a:r>
+            <a:endParaRPr lang="en-US" altLang="zh-CN" dirty="0" smtClean="0"/>
+          </a:p>
+          <a:p>
+            <a:pPr marL="914400" lvl="1" indent="-457200">
+              <a:buFont typeface="+mj-lt"/>
+              <a:buAutoNum type="arabicPeriod"/>
+            </a:pPr>
+            <a:r>
+              <a:rPr lang="zh-CN" altLang="en-US" dirty="0"/>
+              <a:t>能</a:t>
+            </a:r>
+            <a:r>
+              <a:rPr lang="zh-CN" altLang="en-US" dirty="0" smtClean="0"/>
+              <a:t>够邀请系统中已有用户通过固定连接加入该角</a:t>
+            </a:r>
+            <a:r>
+              <a:rPr lang="zh-CN" altLang="en-US" dirty="0" smtClean="0"/>
+              <a:t>色</a:t>
+            </a:r>
+            <a:endParaRPr lang="en-US" altLang="zh-CN" dirty="0" smtClean="0"/>
+          </a:p>
+          <a:p>
+            <a:pPr marL="914400" lvl="1" indent="-457200">
+              <a:buFont typeface="+mj-lt"/>
+              <a:buAutoNum type="arabicPeriod"/>
+            </a:pPr>
+            <a:r>
+              <a:rPr lang="zh-CN" altLang="en-US" dirty="0"/>
+              <a:t>能</a:t>
+            </a:r>
+            <a:r>
+              <a:rPr lang="zh-CN" altLang="en-US" dirty="0" smtClean="0"/>
+              <a:t>够输入</a:t>
+            </a:r>
+            <a:r>
+              <a:rPr lang="zh-CN" altLang="en-US" dirty="0"/>
+              <a:t>药厂</a:t>
+            </a:r>
+            <a:r>
+              <a:rPr lang="zh-CN" altLang="en-US" dirty="0" smtClean="0"/>
+              <a:t>（</a:t>
+            </a:r>
+            <a:r>
+              <a:rPr lang="zh-CN" altLang="en-US" dirty="0"/>
+              <a:t>销售员</a:t>
+            </a:r>
+            <a:r>
+              <a:rPr lang="zh-CN" altLang="en-US" dirty="0" smtClean="0"/>
+              <a:t>）角色相关信息</a:t>
+            </a:r>
+            <a:r>
+              <a:rPr lang="zh-CN" altLang="en-US" dirty="0" smtClean="0">
+                <a:solidFill>
+                  <a:srgbClr val="FF0000"/>
+                </a:solidFill>
+              </a:rPr>
+              <a:t>（需定义）</a:t>
+            </a:r>
+            <a:endParaRPr lang="en-US" altLang="zh-CN" dirty="0" smtClean="0">
+              <a:solidFill>
+                <a:srgbClr val="FF0000"/>
+              </a:solidFill>
+            </a:endParaRPr>
+          </a:p>
+          <a:p>
+            <a:pPr marL="914400" lvl="1" indent="-457200">
+              <a:buFont typeface="+mj-lt"/>
+              <a:buAutoNum type="arabicPeriod"/>
+            </a:pPr>
+            <a:r>
+              <a:rPr lang="zh-CN" altLang="en-US" dirty="0" smtClean="0"/>
+              <a:t>能</a:t>
+            </a:r>
+            <a:r>
+              <a:rPr lang="zh-CN" altLang="en-US" dirty="0" smtClean="0"/>
+              <a:t>够将当</a:t>
+            </a:r>
+            <a:r>
+              <a:rPr lang="zh-CN" altLang="en-US" dirty="0"/>
+              <a:t>前药厂</a:t>
+            </a:r>
+            <a:r>
+              <a:rPr lang="zh-CN" altLang="en-US" dirty="0" smtClean="0"/>
+              <a:t>（</a:t>
+            </a:r>
+            <a:r>
+              <a:rPr lang="zh-CN" altLang="en-US" dirty="0"/>
+              <a:t>销售员</a:t>
+            </a:r>
+            <a:r>
+              <a:rPr lang="zh-CN" altLang="en-US" dirty="0" smtClean="0"/>
+              <a:t>）</a:t>
+            </a:r>
+            <a:r>
+              <a:rPr lang="zh-CN" altLang="en-US" dirty="0"/>
+              <a:t>角</a:t>
+            </a:r>
+            <a:r>
+              <a:rPr lang="zh-CN" altLang="en-US" dirty="0" smtClean="0"/>
+              <a:t>色的用户删</a:t>
+            </a:r>
+            <a:r>
+              <a:rPr lang="zh-CN" altLang="en-US" dirty="0" smtClean="0"/>
+              <a:t>除</a:t>
+            </a:r>
+            <a:endParaRPr lang="en-US" altLang="zh-CN" dirty="0" smtClean="0"/>
+          </a:p>
+          <a:p>
+            <a:pPr marL="914400" lvl="1" indent="-457200">
+              <a:buFont typeface="+mj-lt"/>
+              <a:buAutoNum type="arabicPeriod"/>
+            </a:pPr>
+            <a:r>
+              <a:rPr lang="zh-CN" altLang="en-US" dirty="0"/>
+              <a:t>能够查</a:t>
+            </a:r>
+            <a:r>
+              <a:rPr lang="zh-CN" altLang="en-US" dirty="0" smtClean="0"/>
+              <a:t>看在</a:t>
+            </a:r>
+            <a:r>
+              <a:rPr lang="zh-CN" altLang="en-US" dirty="0"/>
+              <a:t>当前渠道的有效期限</a:t>
+            </a:r>
+            <a:endParaRPr lang="en-US" altLang="zh-CN" dirty="0"/>
+          </a:p>
+          <a:p>
+            <a:pPr marL="914400" lvl="1" indent="-457200">
+              <a:buFont typeface="+mj-lt"/>
+              <a:buAutoNum type="arabicPeriod"/>
+            </a:pPr>
+            <a:endParaRPr lang="zh-CN" altLang="en-US" dirty="0"/>
+          </a:p>
+        </p:txBody>
+      </p:sp>
+    </p:spTree>
+    <p:extLst>
+      <p:ext uri="{BB962C8B-B14F-4D97-AF65-F5344CB8AC3E}">
+        <p14:creationId xmlns:p14="http://schemas.microsoft.com/office/powerpoint/2010/main" val="2637362277"/>
+      </p:ext>
+    </p:extLst>
+  </p:cSld>
+  <p:clrMapOvr>
+    <a:masterClrMapping/>
+  </p:clrMapOvr>
+</p:sld>
+</file>
+
+<file path=ppt/slides/slide13.xml><?xml version="1.0" encoding="utf-8"?>
+<p:sld xmlns:a="http://schemas.openxmlformats.org/drawingml/2006/main" xmlns:r="http://schemas.openxmlformats.org/officeDocument/2006/relationships" xmlns:p="http://schemas.openxmlformats.org/presentationml/2006/main">
+  <p:cSld>
+    <p:spTree>
+      <p:nvGrpSpPr>
+        <p:cNvPr id="1" name=""/>
+        <p:cNvGrpSpPr/>
+        <p:nvPr/>
+      </p:nvGrpSpPr>
+      <p:grpSpPr>
+        <a:xfrm>
+          <a:off x="0" y="0"/>
+          <a:ext cx="0" cy="0"/>
+          <a:chOff x="0" y="0"/>
+          <a:chExt cx="0" cy="0"/>
+        </a:xfrm>
+      </p:grpSpPr>
+      <p:sp>
+        <p:nvSpPr>
+          <p:cNvPr id="2" name="标题 1"/>
+          <p:cNvSpPr>
+            <a:spLocks noGrp="1"/>
+          </p:cNvSpPr>
+          <p:nvPr>
+            <p:ph type="title"/>
+          </p:nvPr>
+        </p:nvSpPr>
+        <p:spPr/>
+        <p:txBody>
+          <a:bodyPr/>
+          <a:lstStyle/>
+          <a:p>
+            <a:r>
+              <a:rPr lang="zh-CN" altLang="en-US" dirty="0"/>
+              <a:t>药厂（销</a:t>
+            </a:r>
+            <a:r>
+              <a:rPr lang="zh-CN" altLang="en-US" dirty="0" smtClean="0"/>
+              <a:t>售</a:t>
+            </a:r>
+            <a:r>
+              <a:rPr lang="zh-CN" altLang="en-US" dirty="0"/>
+              <a:t>员</a:t>
+            </a:r>
+            <a:r>
+              <a:rPr lang="zh-CN" altLang="en-US" dirty="0" smtClean="0"/>
+              <a:t>）</a:t>
+            </a:r>
+            <a:endParaRPr lang="zh-CN" altLang="en-US" dirty="0"/>
+          </a:p>
+        </p:txBody>
+      </p:sp>
+      <p:sp>
+        <p:nvSpPr>
+          <p:cNvPr id="3" name="内容占位符 2"/>
+          <p:cNvSpPr>
+            <a:spLocks noGrp="1"/>
+          </p:cNvSpPr>
+          <p:nvPr>
+            <p:ph idx="1"/>
+          </p:nvPr>
+        </p:nvSpPr>
+        <p:spPr/>
+        <p:txBody>
+          <a:bodyPr/>
+          <a:lstStyle/>
+          <a:p>
+            <a:r>
+              <a:rPr lang="zh-CN" altLang="en-US" dirty="0"/>
+              <a:t>用户故事</a:t>
+            </a:r>
+            <a:endParaRPr lang="en-US" altLang="zh-CN" dirty="0"/>
+          </a:p>
+          <a:p>
+            <a:pPr lvl="1"/>
+            <a:r>
+              <a:rPr lang="zh-CN" altLang="en-US" dirty="0"/>
+              <a:t>作为</a:t>
+            </a:r>
+            <a:r>
+              <a:rPr lang="zh-CN" altLang="en-US" dirty="0" smtClean="0"/>
+              <a:t>：</a:t>
+            </a:r>
+            <a:r>
+              <a:rPr lang="zh-CN" altLang="en-US" dirty="0"/>
+              <a:t>药厂</a:t>
+            </a:r>
+            <a:r>
+              <a:rPr lang="zh-CN" altLang="en-US" dirty="0" smtClean="0"/>
+              <a:t>（销售员）</a:t>
+            </a:r>
+            <a:endParaRPr lang="en-US" altLang="zh-CN" dirty="0" smtClean="0"/>
+          </a:p>
+          <a:p>
+            <a:pPr lvl="1"/>
+            <a:r>
+              <a:rPr lang="zh-CN" altLang="en-US" dirty="0" smtClean="0"/>
+              <a:t>为</a:t>
+            </a:r>
+            <a:r>
+              <a:rPr lang="zh-CN" altLang="en-US" dirty="0"/>
+              <a:t>了：能够创建</a:t>
+            </a:r>
+            <a:r>
+              <a:rPr lang="en-US" altLang="zh-CN" dirty="0"/>
+              <a:t>/</a:t>
+            </a:r>
+            <a:r>
+              <a:rPr lang="zh-CN" altLang="en-US" dirty="0"/>
+              <a:t>修</a:t>
+            </a:r>
+            <a:r>
+              <a:rPr lang="zh-CN" altLang="en-US" dirty="0" smtClean="0"/>
+              <a:t>改</a:t>
+            </a:r>
+            <a:r>
+              <a:rPr lang="zh-CN" altLang="en-US" dirty="0"/>
+              <a:t>药店（促销员）</a:t>
+            </a:r>
+            <a:r>
+              <a:rPr lang="zh-CN" altLang="en-US" dirty="0" smtClean="0"/>
+              <a:t>角</a:t>
+            </a:r>
+            <a:r>
+              <a:rPr lang="zh-CN" altLang="en-US" dirty="0"/>
+              <a:t>色</a:t>
+            </a:r>
+            <a:endParaRPr lang="en-US" altLang="zh-CN" dirty="0"/>
+          </a:p>
+          <a:p>
+            <a:pPr lvl="1"/>
+            <a:r>
+              <a:rPr lang="zh-CN" altLang="en-US" dirty="0" smtClean="0"/>
+              <a:t>我</a:t>
+            </a:r>
+            <a:r>
+              <a:rPr lang="zh-CN" altLang="en-US" dirty="0"/>
+              <a:t>想</a:t>
+            </a:r>
+            <a:r>
+              <a:rPr lang="zh-CN" altLang="en-US" dirty="0" smtClean="0"/>
+              <a:t>：提</a:t>
+            </a:r>
+            <a:r>
+              <a:rPr lang="zh-CN" altLang="en-US" dirty="0"/>
+              <a:t>供创建</a:t>
+            </a:r>
+            <a:r>
+              <a:rPr lang="en-US" altLang="zh-CN" dirty="0"/>
+              <a:t>/</a:t>
+            </a:r>
+            <a:r>
+              <a:rPr lang="zh-CN" altLang="en-US" dirty="0"/>
+              <a:t>修</a:t>
+            </a:r>
+            <a:r>
+              <a:rPr lang="zh-CN" altLang="en-US" dirty="0" smtClean="0"/>
+              <a:t>改</a:t>
+            </a:r>
+            <a:r>
+              <a:rPr lang="zh-CN" altLang="en-US" dirty="0"/>
+              <a:t>药店（促销员）</a:t>
+            </a:r>
+            <a:r>
+              <a:rPr lang="zh-CN" altLang="en-US" dirty="0" smtClean="0"/>
+              <a:t>角</a:t>
+            </a:r>
+            <a:r>
+              <a:rPr lang="zh-CN" altLang="en-US" dirty="0"/>
+              <a:t>色接</a:t>
+            </a:r>
+            <a:r>
+              <a:rPr lang="zh-CN" altLang="en-US" dirty="0" smtClean="0"/>
+              <a:t>口</a:t>
+            </a:r>
+            <a:endParaRPr lang="zh-CN" altLang="en-US" dirty="0"/>
+          </a:p>
+        </p:txBody>
+      </p:sp>
+    </p:spTree>
+    <p:extLst>
+      <p:ext uri="{BB962C8B-B14F-4D97-AF65-F5344CB8AC3E}">
+        <p14:creationId xmlns:p14="http://schemas.microsoft.com/office/powerpoint/2010/main" val="3455556979"/>
+      </p:ext>
+    </p:extLst>
+  </p:cSld>
+  <p:clrMapOvr>
+    <a:masterClrMapping/>
+  </p:clrMapOvr>
+</p:sld>
+</file>
+
+<file path=ppt/slides/slide14.xml><?xml version="1.0" encoding="utf-8"?>
+<p:sld xmlns:a="http://schemas.openxmlformats.org/drawingml/2006/main" xmlns:r="http://schemas.openxmlformats.org/officeDocument/2006/relationships" xmlns:p="http://schemas.openxmlformats.org/presentationml/2006/main">
+  <p:cSld>
+    <p:spTree>
+      <p:nvGrpSpPr>
+        <p:cNvPr id="1" name=""/>
+        <p:cNvGrpSpPr/>
+        <p:nvPr/>
+      </p:nvGrpSpPr>
+      <p:grpSpPr>
+        <a:xfrm>
+          <a:off x="0" y="0"/>
+          <a:ext cx="0" cy="0"/>
+          <a:chOff x="0" y="0"/>
+          <a:chExt cx="0" cy="0"/>
+        </a:xfrm>
+      </p:grpSpPr>
+      <p:sp>
+        <p:nvSpPr>
+          <p:cNvPr id="2" name="标题 1"/>
+          <p:cNvSpPr>
+            <a:spLocks noGrp="1"/>
+          </p:cNvSpPr>
+          <p:nvPr>
+            <p:ph type="title"/>
+          </p:nvPr>
+        </p:nvSpPr>
+        <p:spPr/>
+        <p:txBody>
+          <a:bodyPr/>
+          <a:lstStyle/>
+          <a:p>
+            <a:r>
+              <a:rPr lang="zh-CN" altLang="en-US" dirty="0"/>
+              <a:t>药厂（销</a:t>
+            </a:r>
+            <a:r>
+              <a:rPr lang="zh-CN" altLang="en-US" dirty="0" smtClean="0"/>
+              <a:t>售员）</a:t>
+            </a:r>
+            <a:endParaRPr lang="zh-CN" altLang="en-US" dirty="0"/>
+          </a:p>
+        </p:txBody>
+      </p:sp>
+      <p:sp>
+        <p:nvSpPr>
+          <p:cNvPr id="3" name="内容占位符 2"/>
+          <p:cNvSpPr>
+            <a:spLocks noGrp="1"/>
+          </p:cNvSpPr>
+          <p:nvPr>
+            <p:ph idx="1"/>
+          </p:nvPr>
+        </p:nvSpPr>
+        <p:spPr/>
+        <p:txBody>
+          <a:bodyPr/>
+          <a:lstStyle/>
+          <a:p>
+            <a:r>
+              <a:rPr lang="zh-CN" altLang="en-US" dirty="0" smtClean="0"/>
+              <a:t>验收条件</a:t>
+            </a:r>
+            <a:endParaRPr lang="en-US" altLang="zh-CN" dirty="0" smtClean="0"/>
+          </a:p>
+          <a:p>
+            <a:pPr marL="914400" lvl="1" indent="-457200">
+              <a:buFont typeface="+mj-lt"/>
+              <a:buAutoNum type="arabicPeriod"/>
+            </a:pPr>
+            <a:r>
+              <a:rPr lang="zh-CN" altLang="en-US" dirty="0"/>
+              <a:t>能</a:t>
+            </a:r>
+            <a:r>
+              <a:rPr lang="zh-CN" altLang="en-US" dirty="0" smtClean="0"/>
+              <a:t>够创</a:t>
+            </a:r>
+            <a:r>
+              <a:rPr lang="zh-CN" altLang="en-US" dirty="0" smtClean="0"/>
+              <a:t>建</a:t>
+            </a:r>
+            <a:r>
+              <a:rPr lang="zh-CN" altLang="en-US" dirty="0"/>
+              <a:t>药店（促销员）</a:t>
+            </a:r>
+            <a:r>
+              <a:rPr lang="zh-CN" altLang="en-US" dirty="0" smtClean="0"/>
+              <a:t>角</a:t>
+            </a:r>
+            <a:r>
+              <a:rPr lang="zh-CN" altLang="en-US" dirty="0" smtClean="0"/>
+              <a:t>色</a:t>
+            </a:r>
+            <a:endParaRPr lang="en-US" altLang="zh-CN" dirty="0" smtClean="0"/>
+          </a:p>
+          <a:p>
+            <a:pPr marL="914400" lvl="1" indent="-457200">
+              <a:buFont typeface="+mj-lt"/>
+              <a:buAutoNum type="arabicPeriod"/>
+            </a:pPr>
+            <a:r>
+              <a:rPr lang="zh-CN" altLang="en-US" dirty="0" smtClean="0"/>
+              <a:t>能</a:t>
+            </a:r>
+            <a:r>
+              <a:rPr lang="zh-CN" altLang="en-US" dirty="0" smtClean="0"/>
+              <a:t>够邀请系统中已有用户通过固定连接加入该角</a:t>
+            </a:r>
+            <a:r>
+              <a:rPr lang="zh-CN" altLang="en-US" dirty="0" smtClean="0"/>
+              <a:t>色</a:t>
+            </a:r>
+            <a:endParaRPr lang="en-US" altLang="zh-CN" dirty="0" smtClean="0"/>
+          </a:p>
+          <a:p>
+            <a:pPr marL="914400" lvl="1" indent="-457200">
+              <a:buFont typeface="+mj-lt"/>
+              <a:buAutoNum type="arabicPeriod"/>
+            </a:pPr>
+            <a:r>
+              <a:rPr lang="zh-CN" altLang="en-US" dirty="0"/>
+              <a:t>能</a:t>
+            </a:r>
+            <a:r>
+              <a:rPr lang="zh-CN" altLang="en-US" dirty="0" smtClean="0"/>
+              <a:t>够输入</a:t>
+            </a:r>
+            <a:r>
+              <a:rPr lang="zh-CN" altLang="en-US" dirty="0"/>
+              <a:t>药店（促销员）</a:t>
+            </a:r>
+            <a:r>
+              <a:rPr lang="zh-CN" altLang="en-US" dirty="0" smtClean="0"/>
+              <a:t>角色相关信息</a:t>
+            </a:r>
+            <a:r>
+              <a:rPr lang="zh-CN" altLang="en-US" dirty="0" smtClean="0">
+                <a:solidFill>
+                  <a:srgbClr val="FF0000"/>
+                </a:solidFill>
+              </a:rPr>
+              <a:t>（需定义）</a:t>
+            </a:r>
+            <a:endParaRPr lang="en-US" altLang="zh-CN" dirty="0" smtClean="0">
+              <a:solidFill>
+                <a:srgbClr val="FF0000"/>
+              </a:solidFill>
+            </a:endParaRPr>
+          </a:p>
+          <a:p>
+            <a:pPr marL="914400" lvl="1" indent="-457200">
+              <a:buFont typeface="+mj-lt"/>
+              <a:buAutoNum type="arabicPeriod"/>
+            </a:pPr>
+            <a:r>
+              <a:rPr lang="zh-CN" altLang="en-US" dirty="0" smtClean="0"/>
+              <a:t>能够添加</a:t>
+            </a:r>
+            <a:r>
+              <a:rPr lang="en-US" altLang="zh-CN" dirty="0" smtClean="0"/>
+              <a:t>/</a:t>
+            </a:r>
+            <a:r>
+              <a:rPr lang="zh-CN" altLang="en-US" dirty="0"/>
+              <a:t>修</a:t>
+            </a:r>
+            <a:r>
+              <a:rPr lang="zh-CN" altLang="en-US" dirty="0" smtClean="0"/>
+              <a:t>改</a:t>
+            </a:r>
+            <a:r>
+              <a:rPr lang="zh-CN" altLang="en-US" dirty="0"/>
+              <a:t>药店（促销员）</a:t>
+            </a:r>
+            <a:r>
+              <a:rPr lang="zh-CN" altLang="en-US" dirty="0" smtClean="0"/>
+              <a:t>角</a:t>
+            </a:r>
+            <a:r>
+              <a:rPr lang="zh-CN" altLang="en-US" dirty="0" smtClean="0"/>
+              <a:t>色的有效期</a:t>
+            </a:r>
+            <a:endParaRPr lang="en-US" altLang="zh-CN" dirty="0" smtClean="0"/>
+          </a:p>
+          <a:p>
+            <a:pPr marL="914400" lvl="1" indent="-457200">
+              <a:buFont typeface="+mj-lt"/>
+              <a:buAutoNum type="arabicPeriod"/>
+            </a:pPr>
+            <a:r>
+              <a:rPr lang="zh-CN" altLang="en-US" dirty="0"/>
+              <a:t>能</a:t>
+            </a:r>
+            <a:r>
+              <a:rPr lang="zh-CN" altLang="en-US" dirty="0" smtClean="0"/>
+              <a:t>够将当</a:t>
+            </a:r>
+            <a:r>
+              <a:rPr lang="zh-CN" altLang="en-US" dirty="0" smtClean="0"/>
+              <a:t>前</a:t>
+            </a:r>
+            <a:r>
+              <a:rPr lang="zh-CN" altLang="en-US" dirty="0"/>
+              <a:t>药店（促销员）</a:t>
+            </a:r>
+            <a:r>
+              <a:rPr lang="zh-CN" altLang="en-US" dirty="0" smtClean="0"/>
+              <a:t>角</a:t>
+            </a:r>
+            <a:r>
+              <a:rPr lang="zh-CN" altLang="en-US" dirty="0" smtClean="0"/>
+              <a:t>色的用户删</a:t>
+            </a:r>
+            <a:r>
+              <a:rPr lang="zh-CN" altLang="en-US" dirty="0" smtClean="0"/>
+              <a:t>除</a:t>
+            </a:r>
+            <a:endParaRPr lang="en-US" altLang="zh-CN" dirty="0" smtClean="0"/>
+          </a:p>
+          <a:p>
+            <a:pPr marL="914400" lvl="1" indent="-457200">
+              <a:buFont typeface="+mj-lt"/>
+              <a:buAutoNum type="arabicPeriod"/>
+            </a:pPr>
+            <a:r>
+              <a:rPr lang="zh-CN" altLang="en-US" dirty="0"/>
+              <a:t>能够查看自己所属药厂在当前渠道的有效期限</a:t>
+            </a:r>
+            <a:endParaRPr lang="en-US" altLang="zh-CN" dirty="0"/>
+          </a:p>
+          <a:p>
+            <a:pPr marL="914400" lvl="1" indent="-457200">
+              <a:buFont typeface="+mj-lt"/>
+              <a:buAutoNum type="arabicPeriod"/>
+            </a:pPr>
+            <a:endParaRPr lang="zh-CN" altLang="en-US" dirty="0"/>
+          </a:p>
+        </p:txBody>
+      </p:sp>
+    </p:spTree>
+    <p:extLst>
+      <p:ext uri="{BB962C8B-B14F-4D97-AF65-F5344CB8AC3E}">
+        <p14:creationId xmlns:p14="http://schemas.microsoft.com/office/powerpoint/2010/main" val="390208881"/>
+      </p:ext>
+    </p:extLst>
+  </p:cSld>
+  <p:clrMapOvr>
+    <a:masterClrMapping/>
+  </p:clrMapOvr>
+</p:sld>
+</file>
+
+<file path=ppt/slides/slide15.xml><?xml version="1.0" encoding="utf-8"?>
+<p:sld xmlns:a="http://schemas.openxmlformats.org/drawingml/2006/main" xmlns:r="http://schemas.openxmlformats.org/officeDocument/2006/relationships" xmlns:p="http://schemas.openxmlformats.org/presentationml/2006/main">
+  <p:cSld>
+    <p:spTree>
+      <p:nvGrpSpPr>
+        <p:cNvPr id="1" name=""/>
+        <p:cNvGrpSpPr/>
+        <p:nvPr/>
+      </p:nvGrpSpPr>
+      <p:grpSpPr>
+        <a:xfrm>
+          <a:off x="0" y="0"/>
+          <a:ext cx="0" cy="0"/>
+          <a:chOff x="0" y="0"/>
+          <a:chExt cx="0" cy="0"/>
+        </a:xfrm>
+      </p:grpSpPr>
+      <p:sp>
+        <p:nvSpPr>
+          <p:cNvPr id="2" name="标题 1"/>
+          <p:cNvSpPr>
+            <a:spLocks noGrp="1"/>
+          </p:cNvSpPr>
+          <p:nvPr>
+            <p:ph type="title"/>
+          </p:nvPr>
+        </p:nvSpPr>
+        <p:spPr/>
+        <p:txBody>
+          <a:bodyPr/>
+          <a:lstStyle/>
+          <a:p>
+            <a:r>
+              <a:rPr lang="zh-CN" altLang="en-US" dirty="0"/>
+              <a:t>角色</a:t>
+            </a:r>
+          </a:p>
+        </p:txBody>
+      </p:sp>
+      <p:sp>
+        <p:nvSpPr>
+          <p:cNvPr id="3" name="内容占位符 2"/>
+          <p:cNvSpPr>
+            <a:spLocks noGrp="1"/>
+          </p:cNvSpPr>
+          <p:nvPr>
+            <p:ph idx="1"/>
+          </p:nvPr>
+        </p:nvSpPr>
+        <p:spPr/>
+        <p:txBody>
+          <a:bodyPr/>
+          <a:lstStyle/>
+          <a:p>
+            <a:r>
+              <a:rPr lang="zh-CN" altLang="en-US" dirty="0"/>
+              <a:t>用户故事</a:t>
+            </a:r>
+            <a:endParaRPr lang="en-US" altLang="zh-CN" dirty="0"/>
+          </a:p>
+          <a:p>
+            <a:pPr lvl="1"/>
+            <a:r>
+              <a:rPr lang="zh-CN" altLang="en-US" dirty="0"/>
+              <a:t>作为</a:t>
+            </a:r>
+            <a:r>
+              <a:rPr lang="zh-CN" altLang="en-US" dirty="0" smtClean="0"/>
+              <a:t>：谭雅公众号的使用者</a:t>
+            </a:r>
+            <a:endParaRPr lang="en-US" altLang="zh-CN" dirty="0"/>
+          </a:p>
+          <a:p>
+            <a:pPr lvl="1"/>
+            <a:r>
+              <a:rPr lang="zh-CN" altLang="en-US" dirty="0"/>
+              <a:t>为了</a:t>
+            </a:r>
+            <a:r>
+              <a:rPr lang="zh-CN" altLang="en-US" dirty="0" smtClean="0"/>
+              <a:t>：</a:t>
+            </a:r>
+            <a:r>
+              <a:rPr lang="zh-CN" altLang="en-US" dirty="0"/>
+              <a:t>成为</a:t>
+            </a:r>
+            <a:r>
+              <a:rPr lang="zh-CN" altLang="en-US" dirty="0" smtClean="0"/>
+              <a:t>谭雅系统中的角色</a:t>
+            </a:r>
+            <a:endParaRPr lang="en-US" altLang="zh-CN" dirty="0"/>
+          </a:p>
+          <a:p>
+            <a:pPr lvl="1"/>
+            <a:r>
+              <a:rPr lang="zh-CN" altLang="en-US" dirty="0"/>
+              <a:t>我想</a:t>
+            </a:r>
+            <a:r>
+              <a:rPr lang="zh-CN" altLang="en-US" dirty="0" smtClean="0"/>
+              <a:t>：加入</a:t>
+            </a:r>
+            <a:r>
+              <a:rPr lang="en-US" altLang="zh-CN" dirty="0" smtClean="0"/>
+              <a:t>\</a:t>
+            </a:r>
+            <a:r>
+              <a:rPr lang="zh-CN" altLang="en-US" dirty="0" smtClean="0"/>
+              <a:t>变更谭雅系统角色</a:t>
+            </a:r>
+            <a:endParaRPr lang="zh-CN" altLang="en-US" dirty="0"/>
+          </a:p>
+          <a:p>
+            <a:endParaRPr lang="zh-CN" altLang="en-US" dirty="0"/>
+          </a:p>
+        </p:txBody>
+      </p:sp>
+    </p:spTree>
+    <p:extLst>
+      <p:ext uri="{BB962C8B-B14F-4D97-AF65-F5344CB8AC3E}">
+        <p14:creationId xmlns:p14="http://schemas.microsoft.com/office/powerpoint/2010/main" val="2497084416"/>
+      </p:ext>
+    </p:extLst>
+  </p:cSld>
+  <p:clrMapOvr>
+    <a:masterClrMapping/>
+  </p:clrMapOvr>
+</p:sld>
+</file>
+
+<file path=ppt/slides/slide16.xml><?xml version="1.0" encoding="utf-8"?>
+<p:sld xmlns:a="http://schemas.openxmlformats.org/drawingml/2006/main" xmlns:r="http://schemas.openxmlformats.org/officeDocument/2006/relationships" xmlns:p="http://schemas.openxmlformats.org/presentationml/2006/main">
+  <p:cSld>
+    <p:spTree>
+      <p:nvGrpSpPr>
+        <p:cNvPr id="1" name=""/>
+        <p:cNvGrpSpPr/>
+        <p:nvPr/>
+      </p:nvGrpSpPr>
+      <p:grpSpPr>
+        <a:xfrm>
+          <a:off x="0" y="0"/>
+          <a:ext cx="0" cy="0"/>
+          <a:chOff x="0" y="0"/>
+          <a:chExt cx="0" cy="0"/>
+        </a:xfrm>
+      </p:grpSpPr>
+      <p:sp>
+        <p:nvSpPr>
+          <p:cNvPr id="2" name="标题 1"/>
+          <p:cNvSpPr>
+            <a:spLocks noGrp="1"/>
+          </p:cNvSpPr>
+          <p:nvPr>
+            <p:ph type="title"/>
+          </p:nvPr>
+        </p:nvSpPr>
+        <p:spPr/>
+        <p:txBody>
+          <a:bodyPr/>
+          <a:lstStyle/>
+          <a:p>
+            <a:r>
+              <a:rPr lang="zh-CN" altLang="en-US" dirty="0" smtClean="0"/>
+              <a:t>角色</a:t>
+            </a:r>
+            <a:endParaRPr lang="zh-CN" altLang="en-US" dirty="0"/>
+          </a:p>
+        </p:txBody>
+      </p:sp>
+      <p:sp>
+        <p:nvSpPr>
+          <p:cNvPr id="3" name="内容占位符 2"/>
+          <p:cNvSpPr>
+            <a:spLocks noGrp="1"/>
+          </p:cNvSpPr>
+          <p:nvPr>
+            <p:ph idx="1"/>
+          </p:nvPr>
+        </p:nvSpPr>
+        <p:spPr/>
+        <p:txBody>
+          <a:bodyPr/>
+          <a:lstStyle/>
+          <a:p>
+            <a:r>
+              <a:rPr lang="zh-CN" altLang="en-US" dirty="0" smtClean="0"/>
+              <a:t>验收条件</a:t>
+            </a:r>
+            <a:endParaRPr lang="en-US" altLang="zh-CN" dirty="0" smtClean="0"/>
+          </a:p>
+          <a:p>
+            <a:pPr marL="914400" lvl="1" indent="-457200">
+              <a:buFont typeface="+mj-lt"/>
+              <a:buAutoNum type="arabicPeriod"/>
+            </a:pPr>
+            <a:r>
+              <a:rPr lang="zh-CN" altLang="en-US" dirty="0"/>
+              <a:t>能</a:t>
+            </a:r>
+            <a:r>
+              <a:rPr lang="zh-CN" altLang="en-US" dirty="0" smtClean="0"/>
+              <a:t>够接受邀请成为邀请角色</a:t>
+            </a:r>
+            <a:endParaRPr lang="en-US" altLang="zh-CN" dirty="0" smtClean="0"/>
+          </a:p>
+          <a:p>
+            <a:pPr marL="914400" lvl="1" indent="-457200">
+              <a:buFont typeface="+mj-lt"/>
+              <a:buAutoNum type="arabicPeriod"/>
+            </a:pPr>
+            <a:r>
+              <a:rPr lang="zh-CN" altLang="en-US" dirty="0"/>
+              <a:t>能</a:t>
+            </a:r>
+            <a:r>
+              <a:rPr lang="zh-CN" altLang="en-US" dirty="0" smtClean="0"/>
+              <a:t>够接受多次邀请成为不同角色</a:t>
+            </a:r>
+            <a:endParaRPr lang="en-US" altLang="zh-CN" dirty="0" smtClean="0"/>
+          </a:p>
+          <a:p>
+            <a:pPr marL="914400" lvl="1" indent="-457200">
+              <a:buFont typeface="+mj-lt"/>
+              <a:buAutoNum type="arabicPeriod"/>
+            </a:pPr>
+            <a:r>
+              <a:rPr lang="zh-CN" altLang="en-US" dirty="0"/>
+              <a:t>一个</a:t>
+            </a:r>
+            <a:r>
+              <a:rPr lang="zh-CN" altLang="en-US" dirty="0" smtClean="0"/>
+              <a:t>人只能成为一个</a:t>
+            </a:r>
+            <a:r>
+              <a:rPr lang="en-US" altLang="zh-CN" dirty="0" smtClean="0"/>
+              <a:t>D</a:t>
+            </a:r>
+            <a:r>
+              <a:rPr lang="zh-CN" altLang="en-US" dirty="0" smtClean="0"/>
+              <a:t>角色</a:t>
+            </a:r>
+            <a:r>
+              <a:rPr lang="zh-CN" altLang="en-US" dirty="0" smtClean="0">
+                <a:solidFill>
+                  <a:srgbClr val="FF0000"/>
+                </a:solidFill>
+              </a:rPr>
+              <a:t>（需确认）</a:t>
+            </a:r>
+            <a:endParaRPr lang="en-US" altLang="zh-CN" dirty="0" smtClean="0">
+              <a:solidFill>
+                <a:srgbClr val="FF0000"/>
+              </a:solidFill>
+            </a:endParaRPr>
+          </a:p>
+          <a:p>
+            <a:pPr marL="914400" lvl="1" indent="-457200">
+              <a:buFont typeface="+mj-lt"/>
+              <a:buAutoNum type="arabicPeriod"/>
+            </a:pPr>
+            <a:r>
+              <a:rPr lang="zh-CN" altLang="en-US" dirty="0">
+                <a:solidFill>
+                  <a:srgbClr val="FF0000"/>
+                </a:solidFill>
+              </a:rPr>
+              <a:t>变</a:t>
+            </a:r>
+            <a:r>
+              <a:rPr lang="zh-CN" altLang="en-US" dirty="0" smtClean="0">
+                <a:solidFill>
+                  <a:srgbClr val="FF0000"/>
+                </a:solidFill>
+              </a:rPr>
+              <a:t>迁角色不带走原有角色下属 保留目标角色下属关系</a:t>
+            </a:r>
+            <a:endParaRPr lang="en-US" altLang="zh-CN" dirty="0" smtClean="0">
+              <a:solidFill>
+                <a:srgbClr val="FF0000"/>
+              </a:solidFill>
+            </a:endParaRPr>
+          </a:p>
+          <a:p>
+            <a:pPr marL="914400" lvl="1" indent="-457200">
+              <a:buFont typeface="+mj-lt"/>
+              <a:buAutoNum type="arabicPeriod"/>
+            </a:pPr>
+            <a:r>
+              <a:rPr lang="zh-CN" altLang="en-US" dirty="0" smtClean="0">
+                <a:solidFill>
+                  <a:srgbClr val="FF0000"/>
+                </a:solidFill>
+              </a:rPr>
+              <a:t>待</a:t>
+            </a:r>
+            <a:r>
+              <a:rPr lang="zh-CN" altLang="en-US" dirty="0" smtClean="0">
+                <a:solidFill>
+                  <a:srgbClr val="FF0000"/>
+                </a:solidFill>
+              </a:rPr>
+              <a:t>完</a:t>
+            </a:r>
+            <a:r>
+              <a:rPr lang="zh-CN" altLang="en-US" dirty="0">
+                <a:solidFill>
+                  <a:srgbClr val="FF0000"/>
+                </a:solidFill>
+              </a:rPr>
+              <a:t>善</a:t>
+            </a:r>
+            <a:endParaRPr lang="en-US" altLang="zh-CN" dirty="0" smtClean="0">
+              <a:solidFill>
+                <a:srgbClr val="FF0000"/>
+              </a:solidFill>
+            </a:endParaRPr>
+          </a:p>
+          <a:p>
+            <a:pPr marL="914400" lvl="1" indent="-457200">
+              <a:buFont typeface="+mj-lt"/>
+              <a:buAutoNum type="arabicPeriod"/>
+            </a:pPr>
+            <a:endParaRPr lang="zh-CN" altLang="en-US" dirty="0"/>
+          </a:p>
+        </p:txBody>
+      </p:sp>
+    </p:spTree>
+    <p:extLst>
+      <p:ext uri="{BB962C8B-B14F-4D97-AF65-F5344CB8AC3E}">
+        <p14:creationId xmlns:p14="http://schemas.microsoft.com/office/powerpoint/2010/main" val="3491854779"/>
+      </p:ext>
+    </p:extLst>
+  </p:cSld>
+  <p:clrMapOvr>
+    <a:masterClrMapping/>
+  </p:clrMapOvr>
+</p:sld>
+</file>
+
+<file path=ppt/slides/slide17.xml><?xml version="1.0" encoding="utf-8"?>
+<p:sld xmlns:a="http://schemas.openxmlformats.org/drawingml/2006/main" xmlns:r="http://schemas.openxmlformats.org/officeDocument/2006/relationships" xmlns:p="http://schemas.openxmlformats.org/presentationml/2006/main">
+  <p:cSld>
+    <p:spTree>
+      <p:nvGrpSpPr>
+        <p:cNvPr id="1" name=""/>
+        <p:cNvGrpSpPr/>
+        <p:nvPr/>
+      </p:nvGrpSpPr>
+      <p:grpSpPr>
+        <a:xfrm>
+          <a:off x="0" y="0"/>
+          <a:ext cx="0" cy="0"/>
+          <a:chOff x="0" y="0"/>
+          <a:chExt cx="0" cy="0"/>
+        </a:xfrm>
+      </p:grpSpPr>
+      <p:sp>
+        <p:nvSpPr>
+          <p:cNvPr id="2" name="标题 1"/>
+          <p:cNvSpPr>
+            <a:spLocks noGrp="1"/>
+          </p:cNvSpPr>
+          <p:nvPr>
+            <p:ph type="title"/>
+          </p:nvPr>
+        </p:nvSpPr>
+        <p:spPr/>
+        <p:txBody>
+          <a:bodyPr/>
+          <a:lstStyle/>
+          <a:p>
+            <a:r>
+              <a:rPr lang="zh-CN" altLang="en-US" dirty="0"/>
+              <a:t>订单</a:t>
+            </a:r>
+          </a:p>
+        </p:txBody>
+      </p:sp>
+      <p:sp>
+        <p:nvSpPr>
+          <p:cNvPr id="3" name="内容占位符 2"/>
+          <p:cNvSpPr>
+            <a:spLocks noGrp="1"/>
+          </p:cNvSpPr>
+          <p:nvPr>
+            <p:ph idx="1"/>
+          </p:nvPr>
+        </p:nvSpPr>
+        <p:spPr/>
+        <p:txBody>
+          <a:bodyPr/>
+          <a:lstStyle/>
+          <a:p>
+            <a:r>
+              <a:rPr lang="en-US" altLang="zh-CN" dirty="0"/>
+              <a:t>http://www.plantuml.com/plantuml/uml/XL5DJi905DxFAMPP5hr05mGetC8DaQfDi2GmnctHYFo8fQ4L5ngjqGGJKqoKK4kZXw4pdQvw1TjEWtMZo-_dVU-RUQKEghVHqM4J81ar9KZj1pms0MXAUmYY5cpB-mS8DkIsj8labWA0GCSBxCxyhzFGKB5-pTKAK83r3gmnwV8auGqxaQg5LAd-Ldnd7TWM9sPp8X2msSD32v-zOCtXAXbV0K9i2oQz9AcSaMK0G0NoZTQnmlD5o96xf-1cn4hZ_enQyuqw8Svzs9rkLBq0n9oNkGBZZIvMsBR8u8FfVsQnucbMDU_L9hxxc4_aYoBSKU89hEbqkV9TD_8kGdL0Hi_inxQGrTl2vF7JRWmXCL_3Soto-lxdBLrUaVSr7iuZRy2s_zFqPszgBqbA8xxgDm00</a:t>
+            </a:r>
+            <a:endParaRPr lang="zh-CN" altLang="en-US" dirty="0"/>
+          </a:p>
+        </p:txBody>
+      </p:sp>
+      <p:pic>
+        <p:nvPicPr>
+          <p:cNvPr id="5122" name="Picture 2" descr="PlantUML diagram"/>
+          <p:cNvPicPr>
+            <a:picLocks noChangeAspect="1" noChangeArrowheads="1"/>
+          </p:cNvPicPr>
+          <p:nvPr/>
+        </p:nvPicPr>
+        <p:blipFill>
+          <a:blip r:embed="rId2">
+            <a:extLst>
+              <a:ext uri="{28A0092B-C50C-407E-A947-70E740481C1C}">
+                <a14:useLocalDpi xmlns:a14="http://schemas.microsoft.com/office/drawing/2010/main" val="0"/>
+              </a:ext>
+            </a:extLst>
+          </a:blip>
+          <a:srcRect/>
+          <a:stretch>
+            <a:fillRect/>
+          </a:stretch>
+        </p:blipFill>
+        <p:spPr bwMode="auto">
+          <a:xfrm>
+            <a:off x="4946523" y="347662"/>
+            <a:ext cx="6334125" cy="5829301"/>
+          </a:xfrm>
+          <a:prstGeom prst="rect">
+            <a:avLst/>
+          </a:prstGeom>
+          <a:noFill/>
+          <a:extLst>
+            <a:ext uri="{909E8E84-426E-40DD-AFC4-6F175D3DCCD1}">
+              <a14:hiddenFill xmlns:a14="http://schemas.microsoft.com/office/drawing/2010/main">
+                <a:solidFill>
+                  <a:srgbClr val="FFFFFF"/>
+                </a:solidFill>
+              </a14:hiddenFill>
+            </a:ext>
+          </a:extLst>
+        </p:spPr>
+      </p:pic>
+    </p:spTree>
+    <p:extLst>
+      <p:ext uri="{BB962C8B-B14F-4D97-AF65-F5344CB8AC3E}">
+        <p14:creationId xmlns:p14="http://schemas.microsoft.com/office/powerpoint/2010/main" val="2225733158"/>
+      </p:ext>
+    </p:extLst>
+  </p:cSld>
+  <p:clrMapOvr>
+    <a:masterClrMapping/>
+  </p:clrMapOvr>
+</p:sld>
+</file>
+
+<file path=ppt/slides/slide18.xml><?xml version="1.0" encoding="utf-8"?>
+<p:sld xmlns:a="http://schemas.openxmlformats.org/drawingml/2006/main" xmlns:r="http://schemas.openxmlformats.org/officeDocument/2006/relationships" xmlns:p="http://schemas.openxmlformats.org/presentationml/2006/main">
+  <p:cSld>
+    <p:spTree>
+      <p:nvGrpSpPr>
+        <p:cNvPr id="1" name=""/>
+        <p:cNvGrpSpPr/>
+        <p:nvPr/>
+      </p:nvGrpSpPr>
+      <p:grpSpPr>
+        <a:xfrm>
+          <a:off x="0" y="0"/>
+          <a:ext cx="0" cy="0"/>
+          <a:chOff x="0" y="0"/>
+          <a:chExt cx="0" cy="0"/>
+        </a:xfrm>
+      </p:grpSpPr>
+      <p:sp>
+        <p:nvSpPr>
+          <p:cNvPr id="2" name="标题 1"/>
+          <p:cNvSpPr>
+            <a:spLocks noGrp="1"/>
+          </p:cNvSpPr>
+          <p:nvPr>
+            <p:ph type="title"/>
+          </p:nvPr>
+        </p:nvSpPr>
+        <p:spPr/>
+        <p:txBody>
+          <a:bodyPr/>
+          <a:lstStyle/>
+          <a:p>
+            <a:r>
+              <a:rPr lang="zh-CN" altLang="en-US" dirty="0"/>
+              <a:t>订单</a:t>
+            </a:r>
+          </a:p>
+        </p:txBody>
+      </p:sp>
+      <p:sp>
+        <p:nvSpPr>
+          <p:cNvPr id="3" name="内容占位符 2"/>
+          <p:cNvSpPr>
+            <a:spLocks noGrp="1"/>
+          </p:cNvSpPr>
+          <p:nvPr>
+            <p:ph idx="1"/>
+          </p:nvPr>
+        </p:nvSpPr>
+        <p:spPr>
+          <a:xfrm>
+            <a:off x="838200" y="1825625"/>
+            <a:ext cx="4246266" cy="4351338"/>
+          </a:xfrm>
+        </p:spPr>
+        <p:txBody>
+          <a:bodyPr/>
+          <a:lstStyle/>
+          <a:p>
+            <a:r>
+              <a:rPr lang="zh-CN" altLang="en-US" dirty="0" smtClean="0"/>
+              <a:t>用户故事</a:t>
+            </a:r>
+            <a:endParaRPr lang="en-US" altLang="zh-CN" dirty="0" smtClean="0"/>
+          </a:p>
+          <a:p>
+            <a:pPr lvl="1"/>
+            <a:r>
+              <a:rPr lang="zh-CN" altLang="en-US" dirty="0"/>
+              <a:t>作</a:t>
+            </a:r>
+            <a:r>
+              <a:rPr lang="zh-CN" altLang="en-US" dirty="0" smtClean="0"/>
+              <a:t>为：管</a:t>
+            </a:r>
+            <a:r>
+              <a:rPr lang="zh-CN" altLang="en-US" dirty="0"/>
+              <a:t>理</a:t>
+            </a:r>
+            <a:r>
+              <a:rPr lang="zh-CN" altLang="en-US" dirty="0" smtClean="0"/>
+              <a:t>员</a:t>
+            </a:r>
+            <a:endParaRPr lang="en-US" altLang="zh-CN" dirty="0" smtClean="0"/>
+          </a:p>
+          <a:p>
+            <a:pPr lvl="1"/>
+            <a:r>
+              <a:rPr lang="zh-CN" altLang="en-US" dirty="0"/>
+              <a:t>为</a:t>
+            </a:r>
+            <a:r>
+              <a:rPr lang="zh-CN" altLang="en-US" dirty="0" smtClean="0"/>
+              <a:t>了：</a:t>
+            </a:r>
+            <a:endParaRPr lang="en-US" altLang="zh-CN" dirty="0" smtClean="0"/>
+          </a:p>
+          <a:p>
+            <a:pPr lvl="1"/>
+            <a:r>
+              <a:rPr lang="zh-CN" altLang="en-US" dirty="0"/>
+              <a:t>我</a:t>
+            </a:r>
+            <a:r>
+              <a:rPr lang="zh-CN" altLang="en-US" dirty="0" smtClean="0"/>
+              <a:t>想：</a:t>
+            </a:r>
+            <a:endParaRPr lang="en-US" altLang="zh-CN" dirty="0" smtClean="0"/>
+          </a:p>
+          <a:p>
+            <a:pPr lvl="1"/>
+            <a:endParaRPr lang="en-US" altLang="zh-CN" dirty="0" smtClean="0"/>
+          </a:p>
+          <a:p>
+            <a:pPr lvl="1"/>
+            <a:endParaRPr lang="en-US" altLang="zh-CN" dirty="0"/>
+          </a:p>
+          <a:p>
+            <a:pPr lvl="1"/>
+            <a:r>
+              <a:rPr lang="zh-CN" altLang="en-US" dirty="0" smtClean="0"/>
+              <a:t>作为：商业公司（渠道）</a:t>
+            </a:r>
+            <a:endParaRPr lang="en-US" altLang="zh-CN" dirty="0" smtClean="0"/>
+          </a:p>
+          <a:p>
+            <a:pPr lvl="1"/>
+            <a:r>
+              <a:rPr lang="zh-CN" altLang="en-US" dirty="0"/>
+              <a:t>为</a:t>
+            </a:r>
+            <a:r>
+              <a:rPr lang="zh-CN" altLang="en-US" dirty="0" smtClean="0"/>
+              <a:t>了：了解订单情况</a:t>
+            </a:r>
+            <a:endParaRPr lang="en-US" altLang="zh-CN" dirty="0" smtClean="0"/>
+          </a:p>
+          <a:p>
+            <a:pPr lvl="1"/>
+            <a:r>
+              <a:rPr lang="zh-CN" altLang="en-US" dirty="0" smtClean="0"/>
+              <a:t>我想：查看所有本渠道涉及订单</a:t>
+            </a:r>
+            <a:endParaRPr lang="en-US" altLang="zh-CN" dirty="0" smtClean="0"/>
+          </a:p>
+          <a:p>
+            <a:pPr lvl="1"/>
+            <a:endParaRPr lang="en-US" altLang="zh-CN" dirty="0"/>
+          </a:p>
+          <a:p>
+            <a:pPr lvl="1"/>
+            <a:endParaRPr lang="zh-CN" altLang="en-US" dirty="0"/>
+          </a:p>
+        </p:txBody>
+      </p:sp>
+      <p:sp>
+        <p:nvSpPr>
+          <p:cNvPr id="4" name="内容占位符 2"/>
+          <p:cNvSpPr txBox="1">
+            <a:spLocks/>
+          </p:cNvSpPr>
+          <p:nvPr/>
+        </p:nvSpPr>
+        <p:spPr>
+          <a:xfrm>
+            <a:off x="5813809" y="1825625"/>
+            <a:ext cx="4246266" cy="4351338"/>
+          </a:xfrm>
+          <a:prstGeom prst="rect">
+            <a:avLst/>
+          </a:prstGeom>
+        </p:spPr>
+        <p:txBody>
+          <a:bodyPr vert="horz" lIns="91440" tIns="45720" rIns="91440" bIns="45720" rtlCol="0">
+            <a:normAutofit/>
+          </a:bodyPr>
+          <a:lstStyle>
+            <a:lvl1pPr marL="228600" indent="-228600" algn="l" defTabSz="914400" rtl="0" eaLnBrk="1" latinLnBrk="0" hangingPunct="1">
+              <a:lnSpc>
+                <a:spcPct val="90000"/>
+              </a:lnSpc>
+              <a:spcBef>
+                <a:spcPts val="1000"/>
+              </a:spcBef>
+              <a:buFont typeface="Arial" panose="020B0604020202020204" pitchFamily="34" charset="0"/>
+              <a:buChar char="•"/>
+              <a:defRPr sz="2800" kern="1200">
+                <a:solidFill>
+                  <a:schemeClr val="tx1"/>
+                </a:solidFill>
+                <a:latin typeface="+mn-lt"/>
+                <a:ea typeface="+mn-ea"/>
+                <a:cs typeface="+mn-cs"/>
+              </a:defRPr>
+            </a:lvl1pPr>
+            <a:lvl2pPr marL="685800" indent="-228600" algn="l" defTabSz="914400" rtl="0" eaLnBrk="1" latinLnBrk="0" hangingPunct="1">
+              <a:lnSpc>
+                <a:spcPct val="90000"/>
+              </a:lnSpc>
+              <a:spcBef>
+                <a:spcPts val="500"/>
+              </a:spcBef>
+              <a:buFont typeface="Arial" panose="020B0604020202020204" pitchFamily="34" charset="0"/>
+              <a:buChar char="•"/>
+              <a:defRPr sz="2400" kern="1200">
+                <a:solidFill>
+                  <a:schemeClr val="tx1"/>
+                </a:solidFill>
+                <a:latin typeface="+mn-lt"/>
+                <a:ea typeface="+mn-ea"/>
+                <a:cs typeface="+mn-cs"/>
+              </a:defRPr>
+            </a:lvl2pPr>
+            <a:lvl3pPr marL="1143000" indent="-228600" algn="l" defTabSz="914400" rtl="0" eaLnBrk="1" latinLnBrk="0" hangingPunct="1">
+              <a:lnSpc>
+                <a:spcPct val="90000"/>
+              </a:lnSpc>
+              <a:spcBef>
+                <a:spcPts val="500"/>
+              </a:spcBef>
+              <a:buFont typeface="Arial" panose="020B0604020202020204" pitchFamily="34" charset="0"/>
+              <a:buChar char="•"/>
+              <a:defRPr sz="2000" kern="1200">
+                <a:solidFill>
+                  <a:schemeClr val="tx1"/>
+                </a:solidFill>
+                <a:latin typeface="+mn-lt"/>
+                <a:ea typeface="+mn-ea"/>
+                <a:cs typeface="+mn-cs"/>
+              </a:defRPr>
+            </a:lvl3pPr>
+            <a:lvl4pPr marL="1600200" indent="-228600" algn="l" defTabSz="914400" rtl="0" eaLnBrk="1" latinLnBrk="0" hangingPunct="1">
+              <a:lnSpc>
+                <a:spcPct val="90000"/>
+              </a:lnSpc>
+              <a:spcBef>
+                <a:spcPts val="500"/>
+              </a:spcBef>
+              <a:buFont typeface="Arial" panose="020B0604020202020204" pitchFamily="34" charset="0"/>
+              <a:buChar char="•"/>
+              <a:defRPr sz="1800" kern="1200">
+                <a:solidFill>
+                  <a:schemeClr val="tx1"/>
+                </a:solidFill>
+                <a:latin typeface="+mn-lt"/>
+                <a:ea typeface="+mn-ea"/>
+                <a:cs typeface="+mn-cs"/>
+              </a:defRPr>
+            </a:lvl4pPr>
+            <a:lvl5pPr marL="2057400" indent="-228600" algn="l" defTabSz="914400" rtl="0" eaLnBrk="1" latinLnBrk="0" hangingPunct="1">
+              <a:lnSpc>
+                <a:spcPct val="90000"/>
+              </a:lnSpc>
+              <a:spcBef>
+                <a:spcPts val="500"/>
+              </a:spcBef>
+              <a:buFont typeface="Arial" panose="020B0604020202020204" pitchFamily="34" charset="0"/>
+              <a:buChar char="•"/>
+              <a:defRPr sz="1800" kern="1200">
+                <a:solidFill>
+                  <a:schemeClr val="tx1"/>
+                </a:solidFill>
+                <a:latin typeface="+mn-lt"/>
+                <a:ea typeface="+mn-ea"/>
+                <a:cs typeface="+mn-cs"/>
+              </a:defRPr>
+            </a:lvl5pPr>
+            <a:lvl6pPr marL="2514600" indent="-228600" algn="l" defTabSz="914400" rtl="0" eaLnBrk="1" latinLnBrk="0" hangingPunct="1">
+              <a:lnSpc>
+                <a:spcPct val="90000"/>
+              </a:lnSpc>
+              <a:spcBef>
+                <a:spcPts val="500"/>
+              </a:spcBef>
+              <a:buFont typeface="Arial" panose="020B0604020202020204" pitchFamily="34" charset="0"/>
+              <a:buChar char="•"/>
+              <a:defRPr sz="1800" kern="1200">
+                <a:solidFill>
+                  <a:schemeClr val="tx1"/>
+                </a:solidFill>
+                <a:latin typeface="+mn-lt"/>
+                <a:ea typeface="+mn-ea"/>
+                <a:cs typeface="+mn-cs"/>
+              </a:defRPr>
+            </a:lvl6pPr>
+            <a:lvl7pPr marL="2971800" indent="-228600" algn="l" defTabSz="914400" rtl="0" eaLnBrk="1" latinLnBrk="0" hangingPunct="1">
+              <a:lnSpc>
+                <a:spcPct val="90000"/>
+              </a:lnSpc>
+              <a:spcBef>
+                <a:spcPts val="500"/>
+              </a:spcBef>
+              <a:buFont typeface="Arial" panose="020B0604020202020204" pitchFamily="34" charset="0"/>
+              <a:buChar char="•"/>
+              <a:defRPr sz="1800" kern="1200">
+                <a:solidFill>
+                  <a:schemeClr val="tx1"/>
+                </a:solidFill>
+                <a:latin typeface="+mn-lt"/>
+                <a:ea typeface="+mn-ea"/>
+                <a:cs typeface="+mn-cs"/>
+              </a:defRPr>
+            </a:lvl7pPr>
+            <a:lvl8pPr marL="3429000" indent="-228600" algn="l" defTabSz="914400" rtl="0" eaLnBrk="1" latinLnBrk="0" hangingPunct="1">
+              <a:lnSpc>
+                <a:spcPct val="90000"/>
+              </a:lnSpc>
+              <a:spcBef>
+                <a:spcPts val="500"/>
+              </a:spcBef>
+              <a:buFont typeface="Arial" panose="020B0604020202020204" pitchFamily="34" charset="0"/>
+              <a:buChar char="•"/>
+              <a:defRPr sz="1800" kern="1200">
+                <a:solidFill>
+                  <a:schemeClr val="tx1"/>
+                </a:solidFill>
+                <a:latin typeface="+mn-lt"/>
+                <a:ea typeface="+mn-ea"/>
+                <a:cs typeface="+mn-cs"/>
+              </a:defRPr>
+            </a:lvl8pPr>
+            <a:lvl9pPr marL="3886200" indent="-228600" algn="l" defTabSz="914400" rtl="0" eaLnBrk="1" latinLnBrk="0" hangingPunct="1">
+              <a:lnSpc>
+                <a:spcPct val="90000"/>
+              </a:lnSpc>
+              <a:spcBef>
+                <a:spcPts val="500"/>
+              </a:spcBef>
+              <a:buFont typeface="Arial" panose="020B0604020202020204" pitchFamily="34" charset="0"/>
+              <a:buChar char="•"/>
+              <a:defRPr sz="1800" kern="1200">
+                <a:solidFill>
+                  <a:schemeClr val="tx1"/>
+                </a:solidFill>
+                <a:latin typeface="+mn-lt"/>
+                <a:ea typeface="+mn-ea"/>
+                <a:cs typeface="+mn-cs"/>
+              </a:defRPr>
+            </a:lvl9pPr>
+          </a:lstStyle>
+          <a:p>
+            <a:r>
+              <a:rPr lang="zh-CN" altLang="en-US" dirty="0" smtClean="0"/>
+              <a:t>用户故事</a:t>
+            </a:r>
+            <a:endParaRPr lang="en-US" altLang="zh-CN" dirty="0" smtClean="0"/>
+          </a:p>
+          <a:p>
+            <a:pPr lvl="1"/>
+            <a:r>
+              <a:rPr lang="zh-CN" altLang="en-US" dirty="0" smtClean="0"/>
+              <a:t>作为：药厂（销售主管）</a:t>
+            </a:r>
+            <a:endParaRPr lang="en-US" altLang="zh-CN" dirty="0" smtClean="0"/>
+          </a:p>
+          <a:p>
+            <a:pPr lvl="1"/>
+            <a:r>
+              <a:rPr lang="zh-CN" altLang="en-US" dirty="0" smtClean="0"/>
+              <a:t>为了：管控订单</a:t>
+            </a:r>
+            <a:endParaRPr lang="en-US" altLang="zh-CN" dirty="0" smtClean="0"/>
+          </a:p>
+          <a:p>
+            <a:pPr lvl="1"/>
+            <a:r>
+              <a:rPr lang="zh-CN" altLang="en-US" dirty="0" smtClean="0"/>
+              <a:t>我想：审批</a:t>
+            </a:r>
+            <a:r>
+              <a:rPr lang="en-US" altLang="zh-CN" dirty="0" smtClean="0"/>
+              <a:t>/</a:t>
+            </a:r>
+            <a:r>
+              <a:rPr lang="zh-CN" altLang="en-US" dirty="0" smtClean="0"/>
+              <a:t>查看本厂所有订单</a:t>
+            </a:r>
+            <a:endParaRPr lang="en-US" altLang="zh-CN" dirty="0" smtClean="0"/>
+          </a:p>
+          <a:p>
+            <a:pPr lvl="1"/>
+            <a:endParaRPr lang="en-US" altLang="zh-CN" dirty="0" smtClean="0"/>
+          </a:p>
+          <a:p>
+            <a:pPr lvl="1"/>
+            <a:r>
+              <a:rPr lang="zh-CN" altLang="en-US" dirty="0" smtClean="0"/>
+              <a:t>作为：</a:t>
+            </a:r>
+            <a:r>
+              <a:rPr lang="zh-CN" altLang="en-US" dirty="0"/>
+              <a:t>药厂（销</a:t>
+            </a:r>
+            <a:r>
+              <a:rPr lang="zh-CN" altLang="en-US" dirty="0" smtClean="0"/>
+              <a:t>售员）</a:t>
+            </a:r>
+            <a:endParaRPr lang="en-US" altLang="zh-CN" dirty="0" smtClean="0"/>
+          </a:p>
+          <a:p>
+            <a:pPr lvl="1"/>
+            <a:r>
+              <a:rPr lang="zh-CN" altLang="en-US" dirty="0" smtClean="0"/>
+              <a:t>为了：发起订单</a:t>
+            </a:r>
+            <a:endParaRPr lang="en-US" altLang="zh-CN" dirty="0" smtClean="0"/>
+          </a:p>
+          <a:p>
+            <a:pPr lvl="1"/>
+            <a:r>
+              <a:rPr lang="zh-CN" altLang="en-US" dirty="0" smtClean="0"/>
+              <a:t>我想：发起当前渠道订单</a:t>
+            </a:r>
+            <a:r>
+              <a:rPr lang="en-US" altLang="zh-CN" dirty="0" smtClean="0"/>
+              <a:t>/</a:t>
+            </a:r>
+            <a:r>
+              <a:rPr lang="zh-CN" altLang="en-US" dirty="0" smtClean="0"/>
+              <a:t>查询本人发起所有订单</a:t>
+            </a:r>
+            <a:endParaRPr lang="en-US" altLang="zh-CN" dirty="0" smtClean="0"/>
+          </a:p>
+          <a:p>
+            <a:pPr lvl="1"/>
+            <a:endParaRPr lang="en-US" altLang="zh-CN" dirty="0" smtClean="0"/>
+          </a:p>
+          <a:p>
+            <a:pPr lvl="1"/>
+            <a:endParaRPr lang="zh-CN" altLang="en-US" dirty="0"/>
+          </a:p>
+        </p:txBody>
+      </p:sp>
+    </p:spTree>
+    <p:extLst>
+      <p:ext uri="{BB962C8B-B14F-4D97-AF65-F5344CB8AC3E}">
+        <p14:creationId xmlns:p14="http://schemas.microsoft.com/office/powerpoint/2010/main" val="3793795958"/>
+      </p:ext>
+    </p:extLst>
+  </p:cSld>
+  <p:clrMapOvr>
+    <a:masterClrMapping/>
+  </p:clrMapOvr>
+</p:sld>
+</file>
+
+<file path=ppt/slides/slide19.xml><?xml version="1.0" encoding="utf-8"?>
+<p:sld xmlns:a="http://schemas.openxmlformats.org/drawingml/2006/main" xmlns:r="http://schemas.openxmlformats.org/officeDocument/2006/relationships" xmlns:p="http://schemas.openxmlformats.org/presentationml/2006/main">
+  <p:cSld>
+    <p:spTree>
+      <p:nvGrpSpPr>
+        <p:cNvPr id="1" name=""/>
+        <p:cNvGrpSpPr/>
+        <p:nvPr/>
+      </p:nvGrpSpPr>
+      <p:grpSpPr>
+        <a:xfrm>
+          <a:off x="0" y="0"/>
+          <a:ext cx="0" cy="0"/>
+          <a:chOff x="0" y="0"/>
+          <a:chExt cx="0" cy="0"/>
+        </a:xfrm>
+      </p:grpSpPr>
+      <p:sp>
+        <p:nvSpPr>
+          <p:cNvPr id="2" name="标题 1"/>
+          <p:cNvSpPr>
+            <a:spLocks noGrp="1"/>
+          </p:cNvSpPr>
+          <p:nvPr>
+            <p:ph type="title"/>
+          </p:nvPr>
+        </p:nvSpPr>
+        <p:spPr/>
+        <p:txBody>
+          <a:bodyPr/>
+          <a:lstStyle/>
+          <a:p>
+            <a:r>
+              <a:rPr lang="zh-CN" altLang="en-US" dirty="0" smtClean="0"/>
+              <a:t>订单</a:t>
+            </a:r>
+            <a:endParaRPr lang="zh-CN" altLang="en-US" dirty="0"/>
+          </a:p>
+        </p:txBody>
+      </p:sp>
+      <p:sp>
+        <p:nvSpPr>
+          <p:cNvPr id="3" name="内容占位符 2"/>
+          <p:cNvSpPr>
+            <a:spLocks noGrp="1"/>
+          </p:cNvSpPr>
+          <p:nvPr>
+            <p:ph idx="1"/>
+          </p:nvPr>
+        </p:nvSpPr>
+        <p:spPr/>
+        <p:txBody>
+          <a:bodyPr/>
+          <a:lstStyle/>
+          <a:p>
+            <a:r>
+              <a:rPr lang="zh-CN" altLang="en-US" dirty="0" smtClean="0"/>
+              <a:t>验收条件</a:t>
+            </a:r>
+            <a:endParaRPr lang="en-US" altLang="zh-CN" dirty="0" smtClean="0"/>
+          </a:p>
+          <a:p>
+            <a:pPr marL="971550" lvl="1" indent="-514350">
+              <a:buFont typeface="+mj-lt"/>
+              <a:buAutoNum type="arabicPeriod"/>
+            </a:pPr>
+            <a:r>
+              <a:rPr lang="zh-CN" altLang="en-US" dirty="0"/>
+              <a:t>管理</a:t>
+            </a:r>
+            <a:r>
+              <a:rPr lang="zh-CN" altLang="en-US" dirty="0" smtClean="0"/>
+              <a:t>员能够</a:t>
+            </a:r>
+            <a:r>
+              <a:rPr lang="zh-CN" altLang="en-US" dirty="0" smtClean="0">
+                <a:solidFill>
+                  <a:srgbClr val="FF0000"/>
+                </a:solidFill>
+              </a:rPr>
+              <a:t>（待完</a:t>
+            </a:r>
+            <a:r>
+              <a:rPr lang="zh-CN" altLang="en-US" dirty="0">
+                <a:solidFill>
+                  <a:srgbClr val="FF0000"/>
+                </a:solidFill>
+              </a:rPr>
+              <a:t>善</a:t>
+            </a:r>
+            <a:r>
+              <a:rPr lang="zh-CN" altLang="en-US" dirty="0" smtClean="0">
+                <a:solidFill>
+                  <a:srgbClr val="FF0000"/>
+                </a:solidFill>
+              </a:rPr>
+              <a:t>）</a:t>
+            </a:r>
+            <a:endParaRPr lang="en-US" altLang="zh-CN" dirty="0" smtClean="0"/>
+          </a:p>
+          <a:p>
+            <a:pPr marL="971550" lvl="1" indent="-514350">
+              <a:buFont typeface="+mj-lt"/>
+              <a:buAutoNum type="arabicPeriod"/>
+            </a:pPr>
+            <a:r>
+              <a:rPr lang="zh-CN" altLang="en-US" dirty="0" smtClean="0"/>
+              <a:t>商业公司（渠道）能够查看该渠道所有订单信息</a:t>
+            </a:r>
+            <a:endParaRPr lang="en-US" altLang="zh-CN" dirty="0" smtClean="0"/>
+          </a:p>
+          <a:p>
+            <a:pPr marL="971550" lvl="1" indent="-514350">
+              <a:buFont typeface="+mj-lt"/>
+              <a:buAutoNum type="arabicPeriod"/>
+            </a:pPr>
+            <a:r>
+              <a:rPr lang="zh-CN" altLang="en-US" dirty="0"/>
+              <a:t>药厂（销售主管</a:t>
+            </a:r>
+            <a:r>
+              <a:rPr lang="zh-CN" altLang="en-US" dirty="0" smtClean="0"/>
+              <a:t>）能够查看该厂所有订单信息</a:t>
+            </a:r>
+            <a:endParaRPr lang="en-US" altLang="zh-CN" dirty="0" smtClean="0"/>
+          </a:p>
+          <a:p>
+            <a:pPr marL="971550" lvl="1" indent="-514350">
+              <a:buFont typeface="+mj-lt"/>
+              <a:buAutoNum type="arabicPeriod"/>
+            </a:pPr>
+            <a:r>
+              <a:rPr lang="zh-CN" altLang="en-US" dirty="0"/>
+              <a:t>药</a:t>
+            </a:r>
+            <a:r>
+              <a:rPr lang="zh-CN" altLang="en-US" dirty="0" smtClean="0"/>
+              <a:t>厂（销售主管）能够审批享受下属申请的订单</a:t>
+            </a:r>
+            <a:endParaRPr lang="en-US" altLang="zh-CN" dirty="0" smtClean="0"/>
+          </a:p>
+          <a:p>
+            <a:pPr marL="971550" lvl="1" indent="-514350">
+              <a:buFont typeface="+mj-lt"/>
+              <a:buAutoNum type="arabicPeriod"/>
+            </a:pPr>
+            <a:r>
+              <a:rPr lang="zh-CN" altLang="en-US" dirty="0"/>
+              <a:t>药</a:t>
+            </a:r>
+            <a:r>
+              <a:rPr lang="zh-CN" altLang="en-US" dirty="0" smtClean="0"/>
+              <a:t>厂（销售员）能够向上级申请订单</a:t>
+            </a:r>
+            <a:endParaRPr lang="en-US" altLang="zh-CN" dirty="0" smtClean="0"/>
+          </a:p>
+          <a:p>
+            <a:pPr marL="971550" lvl="1" indent="-514350">
+              <a:buFont typeface="+mj-lt"/>
+              <a:buAutoNum type="arabicPeriod"/>
+            </a:pPr>
+            <a:r>
+              <a:rPr lang="zh-CN" altLang="en-US" dirty="0" smtClean="0"/>
+              <a:t>药厂（销售员）能够查看所有该人发起的所有订单</a:t>
+            </a:r>
+            <a:endParaRPr lang="en-US" altLang="zh-CN" dirty="0" smtClean="0"/>
+          </a:p>
+          <a:p>
+            <a:pPr marL="971550" lvl="1" indent="-514350">
+              <a:buFont typeface="+mj-lt"/>
+              <a:buAutoNum type="arabicPeriod"/>
+            </a:pPr>
+            <a:r>
+              <a:rPr lang="zh-CN" altLang="en-US" dirty="0"/>
+              <a:t>订</a:t>
+            </a:r>
+            <a:r>
+              <a:rPr lang="zh-CN" altLang="en-US" dirty="0" smtClean="0"/>
+              <a:t>单信息包含</a:t>
+            </a:r>
+            <a:r>
+              <a:rPr lang="zh-CN" altLang="en-US" dirty="0">
+                <a:solidFill>
+                  <a:srgbClr val="FF0000"/>
+                </a:solidFill>
+              </a:rPr>
+              <a:t>（需定义）</a:t>
+            </a:r>
+            <a:endParaRPr lang="en-US" altLang="zh-CN" dirty="0" smtClean="0"/>
+          </a:p>
+          <a:p>
+            <a:pPr lvl="1"/>
+            <a:endParaRPr lang="zh-CN" altLang="en-US" dirty="0"/>
+          </a:p>
+        </p:txBody>
+      </p:sp>
+    </p:spTree>
+    <p:extLst>
+      <p:ext uri="{BB962C8B-B14F-4D97-AF65-F5344CB8AC3E}">
+        <p14:creationId xmlns:p14="http://schemas.microsoft.com/office/powerpoint/2010/main" val="996244678"/>
+      </p:ext>
+    </p:extLst>
+  </p:cSld>
+  <p:clrMapOvr>
+    <a:masterClrMapping/>
+  </p:clrMapOvr>
+</p:sld>
+</file>
+
+<file path=ppt/slides/slide2.xml><?xml version="1.0" encoding="utf-8"?>
+<p:sld xmlns:a="http://schemas.openxmlformats.org/drawingml/2006/main" xmlns:r="http://schemas.openxmlformats.org/officeDocument/2006/relationships" xmlns:p="http://schemas.openxmlformats.org/presentationml/2006/main">
+  <p:cSld>
+    <p:spTree>
+      <p:nvGrpSpPr>
+        <p:cNvPr id="1" name=""/>
+        <p:cNvGrpSpPr/>
+        <p:nvPr/>
+      </p:nvGrpSpPr>
+      <p:grpSpPr>
+        <a:xfrm>
+          <a:off x="0" y="0"/>
+          <a:ext cx="0" cy="0"/>
+          <a:chOff x="0" y="0"/>
+          <a:chExt cx="0" cy="0"/>
+        </a:xfrm>
+      </p:grpSpPr>
+      <p:sp>
+        <p:nvSpPr>
+          <p:cNvPr id="2" name="标题 1"/>
+          <p:cNvSpPr>
+            <a:spLocks noGrp="1"/>
+          </p:cNvSpPr>
+          <p:nvPr>
+            <p:ph type="title"/>
+          </p:nvPr>
+        </p:nvSpPr>
+        <p:spPr/>
+        <p:txBody>
+          <a:bodyPr/>
+          <a:lstStyle/>
+          <a:p>
+            <a:r>
+              <a:rPr lang="zh-CN" altLang="en-US" dirty="0" smtClean="0"/>
+              <a:t>用户登录</a:t>
+            </a:r>
+            <a:endParaRPr lang="zh-CN" altLang="en-US" dirty="0"/>
+          </a:p>
+        </p:txBody>
+      </p:sp>
+      <p:sp>
+        <p:nvSpPr>
+          <p:cNvPr id="3" name="内容占位符 2"/>
+          <p:cNvSpPr>
+            <a:spLocks noGrp="1"/>
+          </p:cNvSpPr>
+          <p:nvPr>
+            <p:ph idx="1"/>
+          </p:nvPr>
+        </p:nvSpPr>
+        <p:spPr/>
+        <p:txBody>
+          <a:bodyPr/>
+          <a:lstStyle/>
+          <a:p>
+            <a:r>
+              <a:rPr lang="zh-CN" altLang="en-US" dirty="0"/>
+              <a:t>用户故事</a:t>
+            </a:r>
+            <a:endParaRPr lang="en-US" altLang="zh-CN" dirty="0" smtClean="0"/>
+          </a:p>
+          <a:p>
+            <a:pPr lvl="1"/>
+            <a:r>
+              <a:rPr lang="zh-CN" altLang="en-US" dirty="0" smtClean="0"/>
+              <a:t>作为：医药体系各部门人员</a:t>
+            </a:r>
+            <a:endParaRPr lang="en-US" altLang="zh-CN" dirty="0" smtClean="0"/>
+          </a:p>
+          <a:p>
+            <a:pPr lvl="1"/>
+            <a:r>
+              <a:rPr lang="zh-CN" altLang="en-US" dirty="0" smtClean="0"/>
+              <a:t>为了：能够加入谭雅公众号</a:t>
+            </a:r>
+            <a:endParaRPr lang="en-US" altLang="zh-CN" dirty="0" smtClean="0"/>
+          </a:p>
+          <a:p>
+            <a:pPr lvl="1"/>
+            <a:r>
+              <a:rPr lang="zh-CN" altLang="en-US" dirty="0"/>
+              <a:t>我</a:t>
+            </a:r>
+            <a:r>
+              <a:rPr lang="zh-CN" altLang="en-US" dirty="0" smtClean="0"/>
+              <a:t>想：为用户提供加入方式</a:t>
+            </a:r>
+            <a:endParaRPr lang="zh-CN" altLang="en-US" dirty="0"/>
+          </a:p>
+        </p:txBody>
+      </p:sp>
+    </p:spTree>
+    <p:extLst>
+      <p:ext uri="{BB962C8B-B14F-4D97-AF65-F5344CB8AC3E}">
+        <p14:creationId xmlns:p14="http://schemas.microsoft.com/office/powerpoint/2010/main" val="2320893948"/>
+      </p:ext>
+    </p:extLst>
+  </p:cSld>
+  <p:clrMapOvr>
+    <a:masterClrMapping/>
+  </p:clrMapOvr>
+</p:sld>
+</file>
+
+<file path=ppt/slides/slide20.xml><?xml version="1.0" encoding="utf-8"?>
+<p:sld xmlns:a="http://schemas.openxmlformats.org/drawingml/2006/main" xmlns:r="http://schemas.openxmlformats.org/officeDocument/2006/relationships" xmlns:p="http://schemas.openxmlformats.org/presentationml/2006/main">
+  <p:cSld>
+    <p:spTree>
+      <p:nvGrpSpPr>
+        <p:cNvPr id="1" name=""/>
+        <p:cNvGrpSpPr/>
+        <p:nvPr/>
+      </p:nvGrpSpPr>
+      <p:grpSpPr>
+        <a:xfrm>
+          <a:off x="0" y="0"/>
+          <a:ext cx="0" cy="0"/>
+          <a:chOff x="0" y="0"/>
+          <a:chExt cx="0" cy="0"/>
+        </a:xfrm>
+      </p:grpSpPr>
+      <p:sp>
+        <p:nvSpPr>
+          <p:cNvPr id="2" name="标题 1"/>
+          <p:cNvSpPr>
+            <a:spLocks noGrp="1"/>
+          </p:cNvSpPr>
+          <p:nvPr>
+            <p:ph type="title"/>
+          </p:nvPr>
+        </p:nvSpPr>
+        <p:spPr/>
+        <p:txBody>
+          <a:bodyPr/>
+          <a:lstStyle/>
+          <a:p>
+            <a:r>
+              <a:rPr lang="zh-CN" altLang="en-US" dirty="0" smtClean="0"/>
+              <a:t>订单</a:t>
+            </a:r>
+            <a:endParaRPr lang="zh-CN" altLang="en-US" dirty="0"/>
+          </a:p>
+        </p:txBody>
+      </p:sp>
+      <p:sp>
+        <p:nvSpPr>
+          <p:cNvPr id="3" name="内容占位符 2"/>
+          <p:cNvSpPr>
+            <a:spLocks noGrp="1"/>
+          </p:cNvSpPr>
+          <p:nvPr>
+            <p:ph idx="1"/>
+          </p:nvPr>
+        </p:nvSpPr>
+        <p:spPr>
+          <a:xfrm>
+            <a:off x="838200" y="1825624"/>
+            <a:ext cx="10674096" cy="4383151"/>
+          </a:xfrm>
+        </p:spPr>
+        <p:txBody>
+          <a:bodyPr>
+            <a:normAutofit lnSpcReduction="10000"/>
+          </a:bodyPr>
+          <a:lstStyle/>
+          <a:p>
+            <a:r>
+              <a:rPr lang="en-US" altLang="zh-CN" dirty="0"/>
+              <a:t>http://www.plantuml.com/plantuml/uml/VTFDQkf050Vm_Jp5uCgx4BmVT-D2l1zza2IJHS5MYEdEXR7Kggs9ObAxADWK2YvA56mRQmHV9fF4bQ_G6Kym3BHT18Opl_cVCmcfr7L9qyzEgaW_rgigJhm7sdSGGfAYrpISI_epQhR2pVdMRjBXRVxeMmvBTQpYcaPK3Vyk5aN9cUrn-HyaIUMlZsMu36BFpVy3hE1K_ymqTTgqvzAB9sejyt_1oIdxaJ6M4W_QlF4VC59glZE3YAHBibHNCHsOr9h7Yo0E9bmHEMD5H0fb8fTmOlhKkk6DHqQuSIDZXeXSO7ibeIReQ7c_DKQY5cg2vgzWDHQrM1EodmFQcyBERjs18NRhQpZ15j1ej-xoB1Q5inEGfPHmR2-IcG_VbuTOm-J53rUhDCTiiSKX6Sv7pdnxQV5wtma3FskKjUuYPPzEFJVgla4wKc3uSED5TbgBUwzHqq2DHkFmoA2YoMDyTmMATiQ9EsNJ2HSgb6MaV85X_0DM4FaCY_TEFTbFKr5F2ViDtW40</a:t>
+            </a:r>
+            <a:endParaRPr lang="zh-CN" altLang="en-US" dirty="0"/>
+          </a:p>
+        </p:txBody>
+      </p:sp>
+      <p:sp>
+        <p:nvSpPr>
+          <p:cNvPr id="5" name="AutoShape 4" descr="PlantUML diagram"/>
+          <p:cNvSpPr>
+            <a:spLocks noChangeAspect="1" noChangeArrowheads="1"/>
+          </p:cNvSpPr>
+          <p:nvPr/>
+        </p:nvSpPr>
+        <p:spPr bwMode="auto">
+          <a:xfrm>
+            <a:off x="155575" y="-144463"/>
+            <a:ext cx="304800" cy="304801"/>
+          </a:xfrm>
+          <a:prstGeom prst="rect">
+            <a:avLst/>
+          </a:prstGeom>
+          <a:noFill/>
+          <a:extLst>
+            <a:ext uri="{909E8E84-426E-40DD-AFC4-6F175D3DCCD1}">
+              <a14:hiddenFill xmlns:a14="http://schemas.microsoft.com/office/drawing/2010/main">
+                <a:solidFill>
+                  <a:srgbClr val="FFFFFF"/>
+                </a:solidFill>
+              </a14:hiddenFill>
+            </a:ext>
+          </a:extLst>
+        </p:spPr>
+        <p:txBody>
+          <a:bodyPr vert="horz" wrap="square" lIns="91440" tIns="45720" rIns="91440" bIns="45720" numCol="1" anchor="t" anchorCtr="0" compatLnSpc="1">
+            <a:prstTxWarp prst="textNoShape">
+              <a:avLst/>
+            </a:prstTxWarp>
+          </a:bodyPr>
+          <a:lstStyle/>
+          <a:p>
+            <a:endParaRPr lang="zh-CN" altLang="en-US"/>
+          </a:p>
+        </p:txBody>
+      </p:sp>
+      <p:sp>
+        <p:nvSpPr>
+          <p:cNvPr id="6" name="AutoShape 6" descr="PlantUML diagram"/>
+          <p:cNvSpPr>
+            <a:spLocks noChangeAspect="1" noChangeArrowheads="1"/>
+          </p:cNvSpPr>
+          <p:nvPr/>
+        </p:nvSpPr>
+        <p:spPr bwMode="auto">
+          <a:xfrm>
+            <a:off x="307974" y="7937"/>
+            <a:ext cx="8726297" cy="8726326"/>
+          </a:xfrm>
+          <a:prstGeom prst="rect">
+            <a:avLst/>
+          </a:prstGeom>
+          <a:noFill/>
+          <a:extLst>
+            <a:ext uri="{909E8E84-426E-40DD-AFC4-6F175D3DCCD1}">
+              <a14:hiddenFill xmlns:a14="http://schemas.microsoft.com/office/drawing/2010/main">
+                <a:solidFill>
+                  <a:srgbClr val="FFFFFF"/>
+                </a:solidFill>
+              </a14:hiddenFill>
+            </a:ext>
+          </a:extLst>
+        </p:spPr>
+        <p:txBody>
+          <a:bodyPr vert="horz" wrap="square" lIns="91440" tIns="45720" rIns="91440" bIns="45720" numCol="1" anchor="t" anchorCtr="0" compatLnSpc="1">
+            <a:prstTxWarp prst="textNoShape">
+              <a:avLst/>
+            </a:prstTxWarp>
+          </a:bodyPr>
+          <a:lstStyle/>
+          <a:p>
+            <a:endParaRPr lang="zh-CN" altLang="en-US"/>
+          </a:p>
+        </p:txBody>
+      </p:sp>
+      <p:pic>
+        <p:nvPicPr>
+          <p:cNvPr id="1038" name="Picture 14" descr="PlantUML diagram"/>
+          <p:cNvPicPr>
+            <a:picLocks noChangeAspect="1" noChangeArrowheads="1"/>
+          </p:cNvPicPr>
+          <p:nvPr/>
+        </p:nvPicPr>
+        <p:blipFill>
+          <a:blip r:embed="rId2">
+            <a:extLst>
+              <a:ext uri="{28A0092B-C50C-407E-A947-70E740481C1C}">
+                <a14:useLocalDpi xmlns:a14="http://schemas.microsoft.com/office/drawing/2010/main" val="0"/>
+              </a:ext>
+            </a:extLst>
+          </a:blip>
+          <a:srcRect/>
+          <a:stretch>
+            <a:fillRect/>
+          </a:stretch>
+        </p:blipFill>
+        <p:spPr bwMode="auto">
+          <a:xfrm>
+            <a:off x="4242816" y="262117"/>
+            <a:ext cx="7388352" cy="6437133"/>
+          </a:xfrm>
+          <a:prstGeom prst="rect">
+            <a:avLst/>
+          </a:prstGeom>
+          <a:noFill/>
+          <a:extLst>
+            <a:ext uri="{909E8E84-426E-40DD-AFC4-6F175D3DCCD1}">
+              <a14:hiddenFill xmlns:a14="http://schemas.microsoft.com/office/drawing/2010/main">
+                <a:solidFill>
+                  <a:srgbClr val="FFFFFF"/>
+                </a:solidFill>
+              </a14:hiddenFill>
+            </a:ext>
+          </a:extLst>
+        </p:spPr>
+      </p:pic>
+    </p:spTree>
+    <p:extLst>
+      <p:ext uri="{BB962C8B-B14F-4D97-AF65-F5344CB8AC3E}">
+        <p14:creationId xmlns:p14="http://schemas.microsoft.com/office/powerpoint/2010/main" val="1102574375"/>
+      </p:ext>
+    </p:extLst>
+  </p:cSld>
+  <p:clrMapOvr>
+    <a:masterClrMapping/>
+  </p:clrMapOvr>
+</p:sld>
+</file>
+
+<file path=ppt/slides/slide21.xml><?xml version="1.0" encoding="utf-8"?>
+<p:sld xmlns:a="http://schemas.openxmlformats.org/drawingml/2006/main" xmlns:r="http://schemas.openxmlformats.org/officeDocument/2006/relationships" xmlns:p="http://schemas.openxmlformats.org/presentationml/2006/main">
+  <p:cSld>
+    <p:spTree>
+      <p:nvGrpSpPr>
+        <p:cNvPr id="1" name=""/>
+        <p:cNvGrpSpPr/>
+        <p:nvPr/>
+      </p:nvGrpSpPr>
+      <p:grpSpPr>
+        <a:xfrm>
+          <a:off x="0" y="0"/>
+          <a:ext cx="0" cy="0"/>
+          <a:chOff x="0" y="0"/>
+          <a:chExt cx="0" cy="0"/>
+        </a:xfrm>
+      </p:grpSpPr>
+      <p:sp>
+        <p:nvSpPr>
+          <p:cNvPr id="2" name="标题 1"/>
+          <p:cNvSpPr>
+            <a:spLocks noGrp="1"/>
+          </p:cNvSpPr>
+          <p:nvPr>
+            <p:ph type="title"/>
+          </p:nvPr>
+        </p:nvSpPr>
+        <p:spPr/>
+        <p:txBody>
+          <a:bodyPr/>
+          <a:lstStyle/>
+          <a:p>
+            <a:r>
+              <a:rPr lang="zh-CN" altLang="en-US" dirty="0" smtClean="0"/>
+              <a:t>活动</a:t>
+            </a:r>
+            <a:r>
+              <a:rPr lang="en-US" altLang="zh-CN" dirty="0" smtClean="0"/>
+              <a:t>(2B)</a:t>
+            </a:r>
+            <a:endParaRPr lang="zh-CN" altLang="en-US" dirty="0"/>
+          </a:p>
+        </p:txBody>
+      </p:sp>
+      <p:sp>
+        <p:nvSpPr>
+          <p:cNvPr id="3" name="内容占位符 2"/>
+          <p:cNvSpPr>
+            <a:spLocks noGrp="1"/>
+          </p:cNvSpPr>
+          <p:nvPr>
+            <p:ph idx="1"/>
+          </p:nvPr>
+        </p:nvSpPr>
+        <p:spPr/>
+        <p:txBody>
+          <a:bodyPr/>
+          <a:lstStyle/>
+          <a:p>
+            <a:r>
+              <a:rPr lang="en-US" altLang="zh-CN" dirty="0"/>
+              <a:t>http://www.plantuml.com/plantuml/uml/SoWkIImgAStDuSf9JIjHACbNACfCpoXHICaiIaqkoSpFu-AoUj6x_kckwK_sDx-Sql1quWmDLqq5AuN4OWLNY5HV4qXyoZgGb8icMCO5LUR9ZjtFrotKS8RgS-QoUZgrxMdNmgUjQvxsxz1mWeexSLa1bJsVq0OooH4gwCZ5vQIWcv9VdgThfw3nRClkfrqhda_P_6BzzgVh5ZxhtAc98Zr_wVCvtH15J_OlVDQu_d73X6Sx5hnidFouOQ8cbpEwIK_x9xxOkXrYdgwTKqmUK3t4vU_tz40q0XcG000oGCwUt0YIchhXPNi_IAHtwfFTso66utC7t5omKeVKl1HWc0C0</a:t>
+            </a:r>
+            <a:endParaRPr lang="zh-CN" altLang="en-US" dirty="0"/>
+          </a:p>
+        </p:txBody>
+      </p:sp>
+      <p:pic>
+        <p:nvPicPr>
+          <p:cNvPr id="2056" name="Picture 8" descr="PlantUML diagram"/>
+          <p:cNvPicPr>
+            <a:picLocks noChangeAspect="1" noChangeArrowheads="1"/>
+          </p:cNvPicPr>
+          <p:nvPr/>
+        </p:nvPicPr>
+        <p:blipFill>
+          <a:blip r:embed="rId2">
+            <a:extLst>
+              <a:ext uri="{28A0092B-C50C-407E-A947-70E740481C1C}">
+                <a14:useLocalDpi xmlns:a14="http://schemas.microsoft.com/office/drawing/2010/main" val="0"/>
+              </a:ext>
+            </a:extLst>
+          </a:blip>
+          <a:srcRect/>
+          <a:stretch>
+            <a:fillRect/>
+          </a:stretch>
+        </p:blipFill>
+        <p:spPr bwMode="auto">
+          <a:xfrm>
+            <a:off x="7153656" y="1106424"/>
+            <a:ext cx="4419600" cy="5248275"/>
+          </a:xfrm>
+          <a:prstGeom prst="rect">
+            <a:avLst/>
+          </a:prstGeom>
+          <a:noFill/>
+          <a:extLst>
+            <a:ext uri="{909E8E84-426E-40DD-AFC4-6F175D3DCCD1}">
+              <a14:hiddenFill xmlns:a14="http://schemas.microsoft.com/office/drawing/2010/main">
+                <a:solidFill>
+                  <a:srgbClr val="FFFFFF"/>
+                </a:solidFill>
+              </a14:hiddenFill>
+            </a:ext>
+          </a:extLst>
+        </p:spPr>
+      </p:pic>
+    </p:spTree>
+    <p:extLst>
+      <p:ext uri="{BB962C8B-B14F-4D97-AF65-F5344CB8AC3E}">
+        <p14:creationId xmlns:p14="http://schemas.microsoft.com/office/powerpoint/2010/main" val="2125404294"/>
+      </p:ext>
+    </p:extLst>
+  </p:cSld>
+  <p:clrMapOvr>
+    <a:masterClrMapping/>
+  </p:clrMapOvr>
+</p:sld>
+</file>
+
+<file path=ppt/slides/slide22.xml><?xml version="1.0" encoding="utf-8"?>
+<p:sld xmlns:a="http://schemas.openxmlformats.org/drawingml/2006/main" xmlns:r="http://schemas.openxmlformats.org/officeDocument/2006/relationships" xmlns:p="http://schemas.openxmlformats.org/presentationml/2006/main">
+  <p:cSld>
+    <p:spTree>
+      <p:nvGrpSpPr>
+        <p:cNvPr id="1" name=""/>
+        <p:cNvGrpSpPr/>
+        <p:nvPr/>
+      </p:nvGrpSpPr>
+      <p:grpSpPr>
+        <a:xfrm>
+          <a:off x="0" y="0"/>
+          <a:ext cx="0" cy="0"/>
+          <a:chOff x="0" y="0"/>
+          <a:chExt cx="0" cy="0"/>
+        </a:xfrm>
+      </p:grpSpPr>
+      <p:sp>
+        <p:nvSpPr>
+          <p:cNvPr id="2" name="标题 1"/>
+          <p:cNvSpPr>
+            <a:spLocks noGrp="1"/>
+          </p:cNvSpPr>
+          <p:nvPr>
+            <p:ph type="title"/>
+          </p:nvPr>
+        </p:nvSpPr>
+        <p:spPr/>
+        <p:txBody>
+          <a:bodyPr/>
+          <a:lstStyle/>
+          <a:p>
+            <a:r>
+              <a:rPr lang="zh-CN" altLang="en-US" dirty="0" smtClean="0"/>
+              <a:t>活动</a:t>
+            </a:r>
+            <a:endParaRPr lang="zh-CN" altLang="en-US" dirty="0"/>
+          </a:p>
+        </p:txBody>
+      </p:sp>
+      <p:sp>
+        <p:nvSpPr>
+          <p:cNvPr id="3" name="内容占位符 2"/>
+          <p:cNvSpPr>
+            <a:spLocks noGrp="1"/>
+          </p:cNvSpPr>
+          <p:nvPr>
+            <p:ph idx="1"/>
+          </p:nvPr>
+        </p:nvSpPr>
+        <p:spPr>
+          <a:xfrm>
+            <a:off x="838200" y="1825625"/>
+            <a:ext cx="4246266" cy="4351338"/>
+          </a:xfrm>
+        </p:spPr>
+        <p:txBody>
+          <a:bodyPr/>
+          <a:lstStyle/>
+          <a:p>
+            <a:r>
+              <a:rPr lang="zh-CN" altLang="en-US" dirty="0" smtClean="0"/>
+              <a:t>用户故事</a:t>
+            </a:r>
+            <a:endParaRPr lang="en-US" altLang="zh-CN" dirty="0" smtClean="0"/>
+          </a:p>
+          <a:p>
+            <a:pPr lvl="1"/>
+            <a:r>
+              <a:rPr lang="zh-CN" altLang="en-US" dirty="0"/>
+              <a:t>作</a:t>
+            </a:r>
+            <a:r>
+              <a:rPr lang="zh-CN" altLang="en-US" dirty="0" smtClean="0"/>
+              <a:t>为：管</a:t>
+            </a:r>
+            <a:r>
+              <a:rPr lang="zh-CN" altLang="en-US" dirty="0"/>
+              <a:t>理</a:t>
+            </a:r>
+            <a:r>
+              <a:rPr lang="zh-CN" altLang="en-US" dirty="0" smtClean="0"/>
+              <a:t>员</a:t>
+            </a:r>
+            <a:endParaRPr lang="en-US" altLang="zh-CN" dirty="0" smtClean="0"/>
+          </a:p>
+          <a:p>
+            <a:pPr lvl="1"/>
+            <a:r>
+              <a:rPr lang="zh-CN" altLang="en-US" dirty="0"/>
+              <a:t>为</a:t>
+            </a:r>
+            <a:r>
+              <a:rPr lang="zh-CN" altLang="en-US" dirty="0" smtClean="0"/>
+              <a:t>了：管控活动权限</a:t>
+            </a:r>
+            <a:endParaRPr lang="en-US" altLang="zh-CN" dirty="0" smtClean="0"/>
+          </a:p>
+          <a:p>
+            <a:pPr lvl="1"/>
+            <a:r>
+              <a:rPr lang="zh-CN" altLang="en-US" dirty="0"/>
+              <a:t>我</a:t>
+            </a:r>
+            <a:r>
+              <a:rPr lang="zh-CN" altLang="en-US" dirty="0" smtClean="0"/>
+              <a:t>想：控制发起活动权限</a:t>
+            </a:r>
+            <a:endParaRPr lang="en-US" altLang="zh-CN" dirty="0" smtClean="0"/>
+          </a:p>
+          <a:p>
+            <a:pPr lvl="1"/>
+            <a:endParaRPr lang="en-US" altLang="zh-CN" dirty="0" smtClean="0"/>
+          </a:p>
+          <a:p>
+            <a:pPr lvl="1"/>
+            <a:endParaRPr lang="en-US" altLang="zh-CN" dirty="0"/>
+          </a:p>
+          <a:p>
+            <a:pPr lvl="1"/>
+            <a:r>
+              <a:rPr lang="zh-CN" altLang="en-US" dirty="0" smtClean="0"/>
+              <a:t>作为：商业公司（渠道）</a:t>
+            </a:r>
+            <a:endParaRPr lang="en-US" altLang="zh-CN" dirty="0" smtClean="0"/>
+          </a:p>
+          <a:p>
+            <a:pPr lvl="1"/>
+            <a:r>
+              <a:rPr lang="zh-CN" altLang="en-US" dirty="0"/>
+              <a:t>为</a:t>
+            </a:r>
+            <a:r>
+              <a:rPr lang="zh-CN" altLang="en-US" dirty="0" smtClean="0"/>
+              <a:t>了：</a:t>
+            </a:r>
+            <a:r>
+              <a:rPr lang="zh-CN" altLang="en-US" dirty="0"/>
+              <a:t>管</a:t>
+            </a:r>
+            <a:r>
+              <a:rPr lang="zh-CN" altLang="en-US" dirty="0" smtClean="0"/>
+              <a:t>控活动</a:t>
+            </a:r>
+            <a:endParaRPr lang="en-US" altLang="zh-CN" dirty="0" smtClean="0"/>
+          </a:p>
+          <a:p>
+            <a:pPr lvl="1"/>
+            <a:r>
+              <a:rPr lang="zh-CN" altLang="en-US" dirty="0" smtClean="0"/>
+              <a:t>我想：</a:t>
+            </a:r>
+            <a:r>
+              <a:rPr lang="zh-CN" altLang="en-US" dirty="0"/>
+              <a:t>审批</a:t>
+            </a:r>
+            <a:r>
+              <a:rPr lang="en-US" altLang="zh-CN" dirty="0"/>
+              <a:t>/</a:t>
+            </a:r>
+            <a:r>
+              <a:rPr lang="zh-CN" altLang="en-US" dirty="0"/>
+              <a:t>查看</a:t>
+            </a:r>
+            <a:r>
+              <a:rPr lang="zh-CN" altLang="en-US" dirty="0" smtClean="0"/>
+              <a:t>本渠道涉及活动</a:t>
+            </a:r>
+            <a:endParaRPr lang="en-US" altLang="zh-CN" dirty="0" smtClean="0"/>
+          </a:p>
+          <a:p>
+            <a:pPr lvl="1"/>
+            <a:endParaRPr lang="en-US" altLang="zh-CN" dirty="0"/>
+          </a:p>
+          <a:p>
+            <a:pPr lvl="1"/>
+            <a:endParaRPr lang="zh-CN" altLang="en-US" dirty="0"/>
+          </a:p>
+        </p:txBody>
+      </p:sp>
+      <p:sp>
+        <p:nvSpPr>
+          <p:cNvPr id="4" name="内容占位符 2"/>
+          <p:cNvSpPr txBox="1">
+            <a:spLocks/>
+          </p:cNvSpPr>
+          <p:nvPr/>
+        </p:nvSpPr>
+        <p:spPr>
+          <a:xfrm>
+            <a:off x="5813809" y="1825625"/>
+            <a:ext cx="4246266" cy="4351338"/>
+          </a:xfrm>
+          <a:prstGeom prst="rect">
+            <a:avLst/>
+          </a:prstGeom>
+        </p:spPr>
+        <p:txBody>
+          <a:bodyPr vert="horz" lIns="91440" tIns="45720" rIns="91440" bIns="45720" rtlCol="0">
+            <a:normAutofit/>
+          </a:bodyPr>
+          <a:lstStyle>
+            <a:lvl1pPr marL="228600" indent="-228600" algn="l" defTabSz="914400" rtl="0" eaLnBrk="1" latinLnBrk="0" hangingPunct="1">
+              <a:lnSpc>
+                <a:spcPct val="90000"/>
+              </a:lnSpc>
+              <a:spcBef>
+                <a:spcPts val="1000"/>
+              </a:spcBef>
+              <a:buFont typeface="Arial" panose="020B0604020202020204" pitchFamily="34" charset="0"/>
+              <a:buChar char="•"/>
+              <a:defRPr sz="2800" kern="1200">
+                <a:solidFill>
+                  <a:schemeClr val="tx1"/>
+                </a:solidFill>
+                <a:latin typeface="+mn-lt"/>
+                <a:ea typeface="+mn-ea"/>
+                <a:cs typeface="+mn-cs"/>
+              </a:defRPr>
+            </a:lvl1pPr>
+            <a:lvl2pPr marL="685800" indent="-228600" algn="l" defTabSz="914400" rtl="0" eaLnBrk="1" latinLnBrk="0" hangingPunct="1">
+              <a:lnSpc>
+                <a:spcPct val="90000"/>
+              </a:lnSpc>
+              <a:spcBef>
+                <a:spcPts val="500"/>
+              </a:spcBef>
+              <a:buFont typeface="Arial" panose="020B0604020202020204" pitchFamily="34" charset="0"/>
+              <a:buChar char="•"/>
+              <a:defRPr sz="2400" kern="1200">
+                <a:solidFill>
+                  <a:schemeClr val="tx1"/>
+                </a:solidFill>
+                <a:latin typeface="+mn-lt"/>
+                <a:ea typeface="+mn-ea"/>
+                <a:cs typeface="+mn-cs"/>
+              </a:defRPr>
+            </a:lvl2pPr>
+            <a:lvl3pPr marL="1143000" indent="-228600" algn="l" defTabSz="914400" rtl="0" eaLnBrk="1" latinLnBrk="0" hangingPunct="1">
+              <a:lnSpc>
+                <a:spcPct val="90000"/>
+              </a:lnSpc>
+              <a:spcBef>
+                <a:spcPts val="500"/>
+              </a:spcBef>
+              <a:buFont typeface="Arial" panose="020B0604020202020204" pitchFamily="34" charset="0"/>
+              <a:buChar char="•"/>
+              <a:defRPr sz="2000" kern="1200">
+                <a:solidFill>
+                  <a:schemeClr val="tx1"/>
+                </a:solidFill>
+                <a:latin typeface="+mn-lt"/>
+                <a:ea typeface="+mn-ea"/>
+                <a:cs typeface="+mn-cs"/>
+              </a:defRPr>
+            </a:lvl3pPr>
+            <a:lvl4pPr marL="1600200" indent="-228600" algn="l" defTabSz="914400" rtl="0" eaLnBrk="1" latinLnBrk="0" hangingPunct="1">
+              <a:lnSpc>
+                <a:spcPct val="90000"/>
+              </a:lnSpc>
+              <a:spcBef>
+                <a:spcPts val="500"/>
+              </a:spcBef>
+              <a:buFont typeface="Arial" panose="020B0604020202020204" pitchFamily="34" charset="0"/>
+              <a:buChar char="•"/>
+              <a:defRPr sz="1800" kern="1200">
+                <a:solidFill>
+                  <a:schemeClr val="tx1"/>
+                </a:solidFill>
+                <a:latin typeface="+mn-lt"/>
+                <a:ea typeface="+mn-ea"/>
+                <a:cs typeface="+mn-cs"/>
+              </a:defRPr>
+            </a:lvl4pPr>
+            <a:lvl5pPr marL="2057400" indent="-228600" algn="l" defTabSz="914400" rtl="0" eaLnBrk="1" latinLnBrk="0" hangingPunct="1">
+              <a:lnSpc>
+                <a:spcPct val="90000"/>
+              </a:lnSpc>
+              <a:spcBef>
+                <a:spcPts val="500"/>
+              </a:spcBef>
+              <a:buFont typeface="Arial" panose="020B0604020202020204" pitchFamily="34" charset="0"/>
+              <a:buChar char="•"/>
+              <a:defRPr sz="1800" kern="1200">
+                <a:solidFill>
+                  <a:schemeClr val="tx1"/>
+                </a:solidFill>
+                <a:latin typeface="+mn-lt"/>
+                <a:ea typeface="+mn-ea"/>
+                <a:cs typeface="+mn-cs"/>
+              </a:defRPr>
+            </a:lvl5pPr>
+            <a:lvl6pPr marL="2514600" indent="-228600" algn="l" defTabSz="914400" rtl="0" eaLnBrk="1" latinLnBrk="0" hangingPunct="1">
+              <a:lnSpc>
+                <a:spcPct val="90000"/>
+              </a:lnSpc>
+              <a:spcBef>
+                <a:spcPts val="500"/>
+              </a:spcBef>
+              <a:buFont typeface="Arial" panose="020B0604020202020204" pitchFamily="34" charset="0"/>
+              <a:buChar char="•"/>
+              <a:defRPr sz="1800" kern="1200">
+                <a:solidFill>
+                  <a:schemeClr val="tx1"/>
+                </a:solidFill>
+                <a:latin typeface="+mn-lt"/>
+                <a:ea typeface="+mn-ea"/>
+                <a:cs typeface="+mn-cs"/>
+              </a:defRPr>
+            </a:lvl6pPr>
+            <a:lvl7pPr marL="2971800" indent="-228600" algn="l" defTabSz="914400" rtl="0" eaLnBrk="1" latinLnBrk="0" hangingPunct="1">
+              <a:lnSpc>
+                <a:spcPct val="90000"/>
+              </a:lnSpc>
+              <a:spcBef>
+                <a:spcPts val="500"/>
+              </a:spcBef>
+              <a:buFont typeface="Arial" panose="020B0604020202020204" pitchFamily="34" charset="0"/>
+              <a:buChar char="•"/>
+              <a:defRPr sz="1800" kern="1200">
+                <a:solidFill>
+                  <a:schemeClr val="tx1"/>
+                </a:solidFill>
+                <a:latin typeface="+mn-lt"/>
+                <a:ea typeface="+mn-ea"/>
+                <a:cs typeface="+mn-cs"/>
+              </a:defRPr>
+            </a:lvl7pPr>
+            <a:lvl8pPr marL="3429000" indent="-228600" algn="l" defTabSz="914400" rtl="0" eaLnBrk="1" latinLnBrk="0" hangingPunct="1">
+              <a:lnSpc>
+                <a:spcPct val="90000"/>
+              </a:lnSpc>
+              <a:spcBef>
+                <a:spcPts val="500"/>
+              </a:spcBef>
+              <a:buFont typeface="Arial" panose="020B0604020202020204" pitchFamily="34" charset="0"/>
+              <a:buChar char="•"/>
+              <a:defRPr sz="1800" kern="1200">
+                <a:solidFill>
+                  <a:schemeClr val="tx1"/>
+                </a:solidFill>
+                <a:latin typeface="+mn-lt"/>
+                <a:ea typeface="+mn-ea"/>
+                <a:cs typeface="+mn-cs"/>
+              </a:defRPr>
+            </a:lvl8pPr>
+            <a:lvl9pPr marL="3886200" indent="-228600" algn="l" defTabSz="914400" rtl="0" eaLnBrk="1" latinLnBrk="0" hangingPunct="1">
+              <a:lnSpc>
+                <a:spcPct val="90000"/>
+              </a:lnSpc>
+              <a:spcBef>
+                <a:spcPts val="500"/>
+              </a:spcBef>
+              <a:buFont typeface="Arial" panose="020B0604020202020204" pitchFamily="34" charset="0"/>
+              <a:buChar char="•"/>
+              <a:defRPr sz="1800" kern="1200">
+                <a:solidFill>
+                  <a:schemeClr val="tx1"/>
+                </a:solidFill>
+                <a:latin typeface="+mn-lt"/>
+                <a:ea typeface="+mn-ea"/>
+                <a:cs typeface="+mn-cs"/>
+              </a:defRPr>
+            </a:lvl9pPr>
+          </a:lstStyle>
+          <a:p>
+            <a:r>
+              <a:rPr lang="zh-CN" altLang="en-US" dirty="0" smtClean="0"/>
+              <a:t>用户故事</a:t>
+            </a:r>
+            <a:endParaRPr lang="en-US" altLang="zh-CN" dirty="0" smtClean="0"/>
+          </a:p>
+          <a:p>
+            <a:pPr lvl="1"/>
+            <a:r>
+              <a:rPr lang="zh-CN" altLang="en-US" dirty="0" smtClean="0"/>
+              <a:t>作为：药厂（销售主管）</a:t>
+            </a:r>
+            <a:endParaRPr lang="en-US" altLang="zh-CN" dirty="0" smtClean="0"/>
+          </a:p>
+          <a:p>
+            <a:pPr lvl="1"/>
+            <a:r>
+              <a:rPr lang="zh-CN" altLang="en-US" dirty="0" smtClean="0"/>
+              <a:t>为了：发起活动</a:t>
+            </a:r>
+            <a:endParaRPr lang="en-US" altLang="zh-CN" dirty="0" smtClean="0"/>
+          </a:p>
+          <a:p>
+            <a:pPr lvl="1"/>
+            <a:r>
+              <a:rPr lang="zh-CN" altLang="en-US" dirty="0" smtClean="0"/>
+              <a:t>我想：发起</a:t>
+            </a:r>
+            <a:r>
+              <a:rPr lang="en-US" altLang="zh-CN" dirty="0" smtClean="0"/>
+              <a:t>/</a:t>
+            </a:r>
+            <a:r>
+              <a:rPr lang="zh-CN" altLang="en-US" dirty="0"/>
+              <a:t>查</a:t>
+            </a:r>
+            <a:r>
+              <a:rPr lang="zh-CN" altLang="en-US" dirty="0" smtClean="0"/>
+              <a:t>看本厂所有活动</a:t>
+            </a:r>
+            <a:endParaRPr lang="en-US" altLang="zh-CN" dirty="0" smtClean="0"/>
+          </a:p>
+          <a:p>
+            <a:pPr lvl="1"/>
+            <a:endParaRPr lang="en-US" altLang="zh-CN" dirty="0" smtClean="0"/>
+          </a:p>
+          <a:p>
+            <a:pPr lvl="1"/>
+            <a:r>
+              <a:rPr lang="zh-CN" altLang="en-US" dirty="0" smtClean="0"/>
+              <a:t>作为：</a:t>
+            </a:r>
+            <a:r>
+              <a:rPr lang="zh-CN" altLang="en-US" dirty="0"/>
+              <a:t>药厂（销</a:t>
+            </a:r>
+            <a:r>
+              <a:rPr lang="zh-CN" altLang="en-US" dirty="0" smtClean="0"/>
+              <a:t>售员）</a:t>
+            </a:r>
+            <a:endParaRPr lang="en-US" altLang="zh-CN" dirty="0" smtClean="0"/>
+          </a:p>
+          <a:p>
+            <a:pPr lvl="1"/>
+            <a:r>
+              <a:rPr lang="zh-CN" altLang="en-US" dirty="0" smtClean="0"/>
+              <a:t>为了：了解活动</a:t>
+            </a:r>
+            <a:endParaRPr lang="en-US" altLang="zh-CN" dirty="0" smtClean="0"/>
+          </a:p>
+          <a:p>
+            <a:pPr lvl="1"/>
+            <a:r>
+              <a:rPr lang="zh-CN" altLang="en-US" dirty="0" smtClean="0"/>
+              <a:t>我想：查询所属药厂发起所有活动</a:t>
+            </a:r>
+            <a:endParaRPr lang="en-US" altLang="zh-CN" dirty="0" smtClean="0"/>
+          </a:p>
+          <a:p>
+            <a:pPr lvl="1"/>
+            <a:endParaRPr lang="en-US" altLang="zh-CN" dirty="0" smtClean="0"/>
+          </a:p>
+          <a:p>
+            <a:pPr lvl="1"/>
+            <a:endParaRPr lang="zh-CN" altLang="en-US" dirty="0"/>
+          </a:p>
+        </p:txBody>
+      </p:sp>
+    </p:spTree>
+    <p:extLst>
+      <p:ext uri="{BB962C8B-B14F-4D97-AF65-F5344CB8AC3E}">
+        <p14:creationId xmlns:p14="http://schemas.microsoft.com/office/powerpoint/2010/main" val="777838191"/>
+      </p:ext>
+    </p:extLst>
+  </p:cSld>
+  <p:clrMapOvr>
+    <a:masterClrMapping/>
+  </p:clrMapOvr>
+</p:sld>
+</file>
+
+<file path=ppt/slides/slide23.xml><?xml version="1.0" encoding="utf-8"?>
+<p:sld xmlns:a="http://schemas.openxmlformats.org/drawingml/2006/main" xmlns:r="http://schemas.openxmlformats.org/officeDocument/2006/relationships" xmlns:p="http://schemas.openxmlformats.org/presentationml/2006/main">
+  <p:cSld>
+    <p:spTree>
+      <p:nvGrpSpPr>
+        <p:cNvPr id="1" name=""/>
+        <p:cNvGrpSpPr/>
+        <p:nvPr/>
+      </p:nvGrpSpPr>
+      <p:grpSpPr>
+        <a:xfrm>
+          <a:off x="0" y="0"/>
+          <a:ext cx="0" cy="0"/>
+          <a:chOff x="0" y="0"/>
+          <a:chExt cx="0" cy="0"/>
+        </a:xfrm>
+      </p:grpSpPr>
+      <p:sp>
+        <p:nvSpPr>
+          <p:cNvPr id="2" name="标题 1"/>
+          <p:cNvSpPr>
+            <a:spLocks noGrp="1"/>
+          </p:cNvSpPr>
+          <p:nvPr>
+            <p:ph type="title"/>
+          </p:nvPr>
+        </p:nvSpPr>
+        <p:spPr/>
+        <p:txBody>
+          <a:bodyPr/>
+          <a:lstStyle/>
+          <a:p>
+            <a:r>
+              <a:rPr lang="zh-CN" altLang="en-US" dirty="0"/>
+              <a:t>活动</a:t>
+            </a:r>
+          </a:p>
+        </p:txBody>
+      </p:sp>
+      <p:sp>
+        <p:nvSpPr>
+          <p:cNvPr id="3" name="内容占位符 2"/>
+          <p:cNvSpPr>
+            <a:spLocks noGrp="1"/>
+          </p:cNvSpPr>
+          <p:nvPr>
+            <p:ph idx="1"/>
+          </p:nvPr>
+        </p:nvSpPr>
+        <p:spPr/>
+        <p:txBody>
+          <a:bodyPr/>
+          <a:lstStyle/>
+          <a:p>
+            <a:r>
+              <a:rPr lang="zh-CN" altLang="en-US" dirty="0" smtClean="0"/>
+              <a:t>验收条件</a:t>
+            </a:r>
+            <a:endParaRPr lang="en-US" altLang="zh-CN" dirty="0" smtClean="0"/>
+          </a:p>
+          <a:p>
+            <a:pPr marL="971550" lvl="1" indent="-514350">
+              <a:buFont typeface="+mj-lt"/>
+              <a:buAutoNum type="arabicPeriod"/>
+            </a:pPr>
+            <a:r>
+              <a:rPr lang="zh-CN" altLang="en-US" dirty="0"/>
+              <a:t>管理</a:t>
+            </a:r>
+            <a:r>
+              <a:rPr lang="zh-CN" altLang="en-US" dirty="0" smtClean="0"/>
+              <a:t>员能够管理药厂（销售主管）发起活动申请权限</a:t>
+            </a:r>
+            <a:r>
+              <a:rPr lang="zh-CN" altLang="en-US" dirty="0" smtClean="0">
+                <a:solidFill>
+                  <a:srgbClr val="FF0000"/>
+                </a:solidFill>
+              </a:rPr>
+              <a:t>（待完</a:t>
+            </a:r>
+            <a:r>
+              <a:rPr lang="zh-CN" altLang="en-US" dirty="0">
+                <a:solidFill>
+                  <a:srgbClr val="FF0000"/>
+                </a:solidFill>
+              </a:rPr>
+              <a:t>善</a:t>
+            </a:r>
+            <a:r>
+              <a:rPr lang="zh-CN" altLang="en-US" dirty="0" smtClean="0">
+                <a:solidFill>
+                  <a:srgbClr val="FF0000"/>
+                </a:solidFill>
+              </a:rPr>
+              <a:t>）</a:t>
+            </a:r>
+            <a:endParaRPr lang="en-US" altLang="zh-CN" dirty="0" smtClean="0"/>
+          </a:p>
+          <a:p>
+            <a:pPr marL="971550" lvl="1" indent="-514350">
+              <a:buFont typeface="+mj-lt"/>
+              <a:buAutoNum type="arabicPeriod"/>
+            </a:pPr>
+            <a:r>
+              <a:rPr lang="zh-CN" altLang="en-US" dirty="0" smtClean="0"/>
+              <a:t>商业公司（渠道）能够查看该渠道所有活动信息</a:t>
+            </a:r>
+            <a:endParaRPr lang="en-US" altLang="zh-CN" dirty="0" smtClean="0"/>
+          </a:p>
+          <a:p>
+            <a:pPr marL="971550" lvl="1" indent="-514350">
+              <a:buFont typeface="+mj-lt"/>
+              <a:buAutoNum type="arabicPeriod"/>
+            </a:pPr>
+            <a:r>
+              <a:rPr lang="zh-CN" altLang="en-US" dirty="0"/>
+              <a:t>商业公司（渠道）</a:t>
+            </a:r>
+            <a:r>
+              <a:rPr lang="zh-CN" altLang="en-US" dirty="0" smtClean="0"/>
+              <a:t>能</a:t>
+            </a:r>
+            <a:r>
+              <a:rPr lang="zh-CN" altLang="en-US" dirty="0"/>
+              <a:t>够审</a:t>
+            </a:r>
+            <a:r>
+              <a:rPr lang="zh-CN" altLang="en-US" dirty="0" smtClean="0"/>
+              <a:t>批下属药厂提交的活动审批</a:t>
+            </a:r>
+            <a:endParaRPr lang="en-US" altLang="zh-CN" dirty="0" smtClean="0"/>
+          </a:p>
+          <a:p>
+            <a:pPr marL="971550" lvl="1" indent="-514350">
+              <a:buFont typeface="+mj-lt"/>
+              <a:buAutoNum type="arabicPeriod"/>
+            </a:pPr>
+            <a:r>
+              <a:rPr lang="zh-CN" altLang="en-US" dirty="0"/>
+              <a:t>药厂（销售主管</a:t>
+            </a:r>
+            <a:r>
+              <a:rPr lang="zh-CN" altLang="en-US" dirty="0" smtClean="0"/>
+              <a:t>）能够发起活动申请</a:t>
+            </a:r>
+            <a:endParaRPr lang="en-US" altLang="zh-CN" dirty="0" smtClean="0"/>
+          </a:p>
+          <a:p>
+            <a:pPr marL="971550" lvl="1" indent="-514350">
+              <a:buFont typeface="+mj-lt"/>
+              <a:buAutoNum type="arabicPeriod"/>
+            </a:pPr>
+            <a:r>
+              <a:rPr lang="zh-CN" altLang="en-US" dirty="0"/>
+              <a:t>药厂（销售主管</a:t>
+            </a:r>
+            <a:r>
+              <a:rPr lang="zh-CN" altLang="en-US" dirty="0" smtClean="0"/>
+              <a:t>）</a:t>
+            </a:r>
+            <a:r>
+              <a:rPr lang="zh-CN" altLang="en-US" dirty="0"/>
+              <a:t>能够查</a:t>
+            </a:r>
+            <a:r>
+              <a:rPr lang="zh-CN" altLang="en-US" dirty="0" smtClean="0"/>
+              <a:t>看本人申请的所有活</a:t>
+            </a:r>
+            <a:r>
+              <a:rPr lang="zh-CN" altLang="en-US" dirty="0"/>
+              <a:t>动信息</a:t>
+            </a:r>
+            <a:endParaRPr lang="en-US" altLang="zh-CN" dirty="0"/>
+          </a:p>
+          <a:p>
+            <a:pPr marL="971550" lvl="1" indent="-514350">
+              <a:buFont typeface="+mj-lt"/>
+              <a:buAutoNum type="arabicPeriod"/>
+            </a:pPr>
+            <a:r>
+              <a:rPr lang="zh-CN" altLang="en-US" dirty="0" smtClean="0"/>
+              <a:t>药厂（销售主管）能够</a:t>
+            </a:r>
+            <a:r>
+              <a:rPr lang="zh-CN" altLang="en-US" dirty="0"/>
+              <a:t>查看该厂所</a:t>
+            </a:r>
+            <a:r>
+              <a:rPr lang="zh-CN" altLang="en-US" dirty="0" smtClean="0"/>
+              <a:t>有活动信息</a:t>
+            </a:r>
+            <a:endParaRPr lang="en-US" altLang="zh-CN" dirty="0" smtClean="0"/>
+          </a:p>
+          <a:p>
+            <a:pPr marL="971550" lvl="1" indent="-514350">
+              <a:buFont typeface="+mj-lt"/>
+              <a:buAutoNum type="arabicPeriod"/>
+            </a:pPr>
+            <a:r>
+              <a:rPr lang="zh-CN" altLang="en-US" dirty="0" smtClean="0"/>
+              <a:t>药厂（销售员）能够查看所属药厂所有活动信息</a:t>
+            </a:r>
+            <a:endParaRPr lang="en-US" altLang="zh-CN" dirty="0" smtClean="0"/>
+          </a:p>
+          <a:p>
+            <a:pPr marL="971550" lvl="1" indent="-514350">
+              <a:buFont typeface="+mj-lt"/>
+              <a:buAutoNum type="arabicPeriod"/>
+            </a:pPr>
+            <a:r>
+              <a:rPr lang="zh-CN" altLang="en-US" dirty="0" smtClean="0"/>
+              <a:t>活动信息包含</a:t>
+            </a:r>
+            <a:r>
+              <a:rPr lang="zh-CN" altLang="en-US" dirty="0">
+                <a:solidFill>
+                  <a:srgbClr val="FF0000"/>
+                </a:solidFill>
+              </a:rPr>
+              <a:t>（需定义）</a:t>
+            </a:r>
+            <a:endParaRPr lang="en-US" altLang="zh-CN" dirty="0" smtClean="0"/>
+          </a:p>
+          <a:p>
+            <a:pPr lvl="1"/>
+            <a:endParaRPr lang="zh-CN" altLang="en-US" dirty="0"/>
+          </a:p>
+        </p:txBody>
+      </p:sp>
+    </p:spTree>
+    <p:extLst>
+      <p:ext uri="{BB962C8B-B14F-4D97-AF65-F5344CB8AC3E}">
+        <p14:creationId xmlns:p14="http://schemas.microsoft.com/office/powerpoint/2010/main" val="3139125874"/>
+      </p:ext>
+    </p:extLst>
+  </p:cSld>
+  <p:clrMapOvr>
+    <a:masterClrMapping/>
+  </p:clrMapOvr>
+</p:sld>
+</file>
+
+<file path=ppt/slides/slide24.xml><?xml version="1.0" encoding="utf-8"?>
+<p:sld xmlns:a="http://schemas.openxmlformats.org/drawingml/2006/main" xmlns:r="http://schemas.openxmlformats.org/officeDocument/2006/relationships" xmlns:p="http://schemas.openxmlformats.org/presentationml/2006/main">
+  <p:cSld>
+    <p:spTree>
+      <p:nvGrpSpPr>
+        <p:cNvPr id="1" name=""/>
+        <p:cNvGrpSpPr/>
+        <p:nvPr/>
+      </p:nvGrpSpPr>
+      <p:grpSpPr>
+        <a:xfrm>
+          <a:off x="0" y="0"/>
+          <a:ext cx="0" cy="0"/>
+          <a:chOff x="0" y="0"/>
+          <a:chExt cx="0" cy="0"/>
+        </a:xfrm>
+      </p:grpSpPr>
+      <p:sp>
+        <p:nvSpPr>
+          <p:cNvPr id="2" name="标题 1"/>
+          <p:cNvSpPr>
+            <a:spLocks noGrp="1"/>
+          </p:cNvSpPr>
+          <p:nvPr>
+            <p:ph type="title"/>
+          </p:nvPr>
+        </p:nvSpPr>
+        <p:spPr/>
+        <p:txBody>
+          <a:bodyPr/>
+          <a:lstStyle/>
+          <a:p>
+            <a:r>
+              <a:rPr lang="zh-CN" altLang="en-US" dirty="0"/>
+              <a:t>活</a:t>
+            </a:r>
+            <a:r>
+              <a:rPr lang="zh-CN" altLang="en-US" dirty="0" smtClean="0"/>
+              <a:t>动</a:t>
+            </a:r>
+            <a:r>
+              <a:rPr lang="en-US" altLang="zh-CN" dirty="0"/>
+              <a:t>(2B)</a:t>
+            </a:r>
+            <a:endParaRPr lang="zh-CN" altLang="en-US" dirty="0"/>
+          </a:p>
+        </p:txBody>
+      </p:sp>
+      <p:sp>
+        <p:nvSpPr>
+          <p:cNvPr id="3" name="内容占位符 2"/>
+          <p:cNvSpPr>
+            <a:spLocks noGrp="1"/>
+          </p:cNvSpPr>
+          <p:nvPr>
+            <p:ph idx="1"/>
+          </p:nvPr>
+        </p:nvSpPr>
+        <p:spPr/>
+        <p:txBody>
+          <a:bodyPr>
+            <a:normAutofit/>
+          </a:bodyPr>
+          <a:lstStyle/>
+          <a:p>
+            <a:r>
+              <a:rPr lang="en-US" altLang="zh-CN" dirty="0"/>
+              <a:t>http://www.plantuml.com/plantuml/uml/ZTFDJi9040Vm-px5XXCUck275v8YVlWWtMuF9YX9gJSEL2CA4OgXg3VjpODfIJ02beINwRPmuXNSTHhg9ePu827Jt_ndkfkMQvPcMfVd5MITMHK3is3ARjxZZv2rtn12ccvLJPnRT0BMlOhcrqktmHwUywTREQpLi86h9ZLCl5yeo58mrnVo12HDvTxVCfg4YU_bZm7hEDMxcMQ39cjxV3NcJF97u4ZATZB6Kv9UKmm-1AEbPfiRH3LB8rhDmApNPSum6OL9-28K9Hah85qfKLB4Y-wOEOzYSD-Evbvi1uWIHIdfHQacwNZokhJxifPgaXP7yFKaQwacQRWKUBAQtS4IgzazTF0_C6WrQ_4i4OMX8ylYKOaxMWHZUC13u1Aotbzfwtp0yM2ul7L4lJE8mh6OGfIVIEPxSMiA2X7OE9hxiPlMalPdtB1HlLvV_yY6zvBUWW_OS0ZP_YdMaQeUg2gY_s-XQOjOgsnSKFufV0C0</a:t>
+            </a:r>
+            <a:endParaRPr lang="zh-CN" altLang="en-US" dirty="0"/>
+          </a:p>
+        </p:txBody>
+      </p:sp>
+      <p:pic>
+        <p:nvPicPr>
+          <p:cNvPr id="3080" name="Picture 8" descr="PlantUML diagram"/>
+          <p:cNvPicPr>
+            <a:picLocks noChangeAspect="1" noChangeArrowheads="1"/>
+          </p:cNvPicPr>
+          <p:nvPr/>
+        </p:nvPicPr>
+        <p:blipFill>
+          <a:blip r:embed="rId2">
+            <a:extLst>
+              <a:ext uri="{28A0092B-C50C-407E-A947-70E740481C1C}">
+                <a14:useLocalDpi xmlns:a14="http://schemas.microsoft.com/office/drawing/2010/main" val="0"/>
+              </a:ext>
+            </a:extLst>
+          </a:blip>
+          <a:srcRect/>
+          <a:stretch>
+            <a:fillRect/>
+          </a:stretch>
+        </p:blipFill>
+        <p:spPr bwMode="auto">
+          <a:xfrm>
+            <a:off x="5932591" y="557783"/>
+            <a:ext cx="5740614" cy="6031103"/>
+          </a:xfrm>
+          <a:prstGeom prst="rect">
+            <a:avLst/>
+          </a:prstGeom>
+          <a:noFill/>
+          <a:extLst>
+            <a:ext uri="{909E8E84-426E-40DD-AFC4-6F175D3DCCD1}">
+              <a14:hiddenFill xmlns:a14="http://schemas.microsoft.com/office/drawing/2010/main">
+                <a:solidFill>
+                  <a:srgbClr val="FFFFFF"/>
+                </a:solidFill>
+              </a14:hiddenFill>
+            </a:ext>
+          </a:extLst>
+        </p:spPr>
+      </p:pic>
+    </p:spTree>
+    <p:extLst>
+      <p:ext uri="{BB962C8B-B14F-4D97-AF65-F5344CB8AC3E}">
+        <p14:creationId xmlns:p14="http://schemas.microsoft.com/office/powerpoint/2010/main" val="2342793258"/>
+      </p:ext>
+    </p:extLst>
+  </p:cSld>
+  <p:clrMapOvr>
+    <a:masterClrMapping/>
+  </p:clrMapOvr>
+</p:sld>
+</file>
+
+<file path=ppt/slides/slide25.xml><?xml version="1.0" encoding="utf-8"?>
+<p:sld xmlns:a="http://schemas.openxmlformats.org/drawingml/2006/main" xmlns:r="http://schemas.openxmlformats.org/officeDocument/2006/relationships" xmlns:p="http://schemas.openxmlformats.org/presentationml/2006/main">
+  <p:cSld>
+    <p:spTree>
+      <p:nvGrpSpPr>
+        <p:cNvPr id="1" name=""/>
+        <p:cNvGrpSpPr/>
+        <p:nvPr/>
+      </p:nvGrpSpPr>
+      <p:grpSpPr>
+        <a:xfrm>
+          <a:off x="0" y="0"/>
+          <a:ext cx="0" cy="0"/>
+          <a:chOff x="0" y="0"/>
+          <a:chExt cx="0" cy="0"/>
+        </a:xfrm>
+      </p:grpSpPr>
+      <p:sp>
+        <p:nvSpPr>
+          <p:cNvPr id="2" name="标题 1"/>
+          <p:cNvSpPr>
+            <a:spLocks noGrp="1"/>
+          </p:cNvSpPr>
+          <p:nvPr>
+            <p:ph type="title"/>
+          </p:nvPr>
+        </p:nvSpPr>
+        <p:spPr/>
+        <p:txBody>
+          <a:bodyPr/>
+          <a:lstStyle/>
+          <a:p>
+            <a:r>
+              <a:rPr lang="zh-CN" altLang="en-US" dirty="0" smtClean="0"/>
+              <a:t>促销</a:t>
+            </a:r>
+            <a:r>
+              <a:rPr lang="en-US" altLang="zh-CN" dirty="0" smtClean="0"/>
+              <a:t>(2C)</a:t>
+            </a:r>
+            <a:endParaRPr lang="zh-CN" altLang="en-US" dirty="0"/>
+          </a:p>
+        </p:txBody>
+      </p:sp>
+      <p:sp>
+        <p:nvSpPr>
+          <p:cNvPr id="3" name="内容占位符 2"/>
+          <p:cNvSpPr>
+            <a:spLocks noGrp="1"/>
+          </p:cNvSpPr>
+          <p:nvPr>
+            <p:ph idx="1"/>
+          </p:nvPr>
+        </p:nvSpPr>
+        <p:spPr/>
+        <p:txBody>
+          <a:bodyPr/>
+          <a:lstStyle/>
+          <a:p>
+            <a:r>
+              <a:rPr lang="en-US" altLang="zh-CN" dirty="0"/>
+              <a:t>http://www.plantuml.com/plantuml/uml/SoWkIImgAStDuSf9JIjHACbNACfCpoXHICaiIaqkoSpFu-AoUj6x_cbVqvFzpI-dD3oTE4F3LLF1IY6nMC4L9WKIdx8E9EMY2PPnGPLvicFtytKBDPoX-fovh9vERNlQjV1fwvgd_JiqdA3YJbnMG6NF9xI1J7A42ZfoSJahwARab-VfsYbeFElhU3Qt-UcwXSywT-hQkMYYoCrV-dnEDzIP7TDVB5pnk642n1cF6oPgShaWb48KFTko-sdNYgVz4rzitQwWQ-SSawS0r07XFzcrw_sU7f0p9pS26L1Jk-OzspnLv_diTSyMjCF30s8uVdSWJ0MhTaLIlR7zMTTIYEeN-sS_tJWLx2zN0kP1t00ppo4rBmKOXm00</a:t>
+            </a:r>
+            <a:endParaRPr lang="zh-CN" altLang="en-US" dirty="0"/>
+          </a:p>
+        </p:txBody>
+      </p:sp>
+      <p:pic>
+        <p:nvPicPr>
+          <p:cNvPr id="4100" name="Picture 4" descr="PlantUML diagram"/>
+          <p:cNvPicPr>
+            <a:picLocks noChangeAspect="1" noChangeArrowheads="1"/>
+          </p:cNvPicPr>
+          <p:nvPr/>
+        </p:nvPicPr>
+        <p:blipFill>
+          <a:blip r:embed="rId2">
+            <a:extLst>
+              <a:ext uri="{28A0092B-C50C-407E-A947-70E740481C1C}">
+                <a14:useLocalDpi xmlns:a14="http://schemas.microsoft.com/office/drawing/2010/main" val="0"/>
+              </a:ext>
+            </a:extLst>
+          </a:blip>
+          <a:srcRect/>
+          <a:stretch>
+            <a:fillRect/>
+          </a:stretch>
+        </p:blipFill>
+        <p:spPr bwMode="auto">
+          <a:xfrm>
+            <a:off x="7019925" y="200533"/>
+            <a:ext cx="4333875" cy="6400800"/>
+          </a:xfrm>
+          <a:prstGeom prst="rect">
+            <a:avLst/>
+          </a:prstGeom>
+          <a:noFill/>
+          <a:extLst>
+            <a:ext uri="{909E8E84-426E-40DD-AFC4-6F175D3DCCD1}">
+              <a14:hiddenFill xmlns:a14="http://schemas.microsoft.com/office/drawing/2010/main">
+                <a:solidFill>
+                  <a:srgbClr val="FFFFFF"/>
+                </a:solidFill>
+              </a14:hiddenFill>
+            </a:ext>
+          </a:extLst>
+        </p:spPr>
+      </p:pic>
+    </p:spTree>
+    <p:extLst>
+      <p:ext uri="{BB962C8B-B14F-4D97-AF65-F5344CB8AC3E}">
+        <p14:creationId xmlns:p14="http://schemas.microsoft.com/office/powerpoint/2010/main" val="461097577"/>
+      </p:ext>
+    </p:extLst>
+  </p:cSld>
+  <p:clrMapOvr>
+    <a:masterClrMapping/>
+  </p:clrMapOvr>
+</p:sld>
+</file>
+
+<file path=ppt/slides/slide26.xml><?xml version="1.0" encoding="utf-8"?>
+<p:sld xmlns:a="http://schemas.openxmlformats.org/drawingml/2006/main" xmlns:r="http://schemas.openxmlformats.org/officeDocument/2006/relationships" xmlns:p="http://schemas.openxmlformats.org/presentationml/2006/main">
+  <p:cSld>
+    <p:spTree>
+      <p:nvGrpSpPr>
+        <p:cNvPr id="1" name=""/>
+        <p:cNvGrpSpPr/>
+        <p:nvPr/>
+      </p:nvGrpSpPr>
+      <p:grpSpPr>
+        <a:xfrm>
+          <a:off x="0" y="0"/>
+          <a:ext cx="0" cy="0"/>
+          <a:chOff x="0" y="0"/>
+          <a:chExt cx="0" cy="0"/>
+        </a:xfrm>
+      </p:grpSpPr>
+      <p:sp>
+        <p:nvSpPr>
+          <p:cNvPr id="2" name="标题 1"/>
+          <p:cNvSpPr>
+            <a:spLocks noGrp="1"/>
+          </p:cNvSpPr>
+          <p:nvPr>
+            <p:ph type="title"/>
+          </p:nvPr>
+        </p:nvSpPr>
+        <p:spPr/>
+        <p:txBody>
+          <a:bodyPr/>
+          <a:lstStyle/>
+          <a:p>
+            <a:r>
+              <a:rPr lang="zh-CN" altLang="en-US" dirty="0" smtClean="0"/>
+              <a:t>促销</a:t>
+            </a:r>
+            <a:endParaRPr lang="zh-CN" altLang="en-US" dirty="0"/>
+          </a:p>
+        </p:txBody>
+      </p:sp>
+      <p:sp>
+        <p:nvSpPr>
+          <p:cNvPr id="3" name="内容占位符 2"/>
+          <p:cNvSpPr>
+            <a:spLocks noGrp="1"/>
+          </p:cNvSpPr>
+          <p:nvPr>
+            <p:ph idx="1"/>
+          </p:nvPr>
+        </p:nvSpPr>
+        <p:spPr>
+          <a:xfrm>
+            <a:off x="838200" y="1825625"/>
+            <a:ext cx="4246266" cy="4351338"/>
+          </a:xfrm>
+        </p:spPr>
+        <p:txBody>
+          <a:bodyPr/>
+          <a:lstStyle/>
+          <a:p>
+            <a:r>
+              <a:rPr lang="zh-CN" altLang="en-US" dirty="0" smtClean="0"/>
+              <a:t>用户故事</a:t>
+            </a:r>
+            <a:endParaRPr lang="en-US" altLang="zh-CN" dirty="0" smtClean="0"/>
+          </a:p>
+          <a:p>
+            <a:pPr lvl="1"/>
+            <a:r>
+              <a:rPr lang="zh-CN" altLang="en-US" dirty="0"/>
+              <a:t>作</a:t>
+            </a:r>
+            <a:r>
+              <a:rPr lang="zh-CN" altLang="en-US" dirty="0" smtClean="0"/>
+              <a:t>为：管</a:t>
+            </a:r>
+            <a:r>
+              <a:rPr lang="zh-CN" altLang="en-US" dirty="0"/>
+              <a:t>理</a:t>
+            </a:r>
+            <a:r>
+              <a:rPr lang="zh-CN" altLang="en-US" dirty="0" smtClean="0"/>
+              <a:t>员</a:t>
+            </a:r>
+            <a:endParaRPr lang="en-US" altLang="zh-CN" dirty="0" smtClean="0"/>
+          </a:p>
+          <a:p>
+            <a:pPr lvl="1"/>
+            <a:r>
+              <a:rPr lang="zh-CN" altLang="en-US" dirty="0"/>
+              <a:t>为</a:t>
+            </a:r>
+            <a:r>
+              <a:rPr lang="zh-CN" altLang="en-US" dirty="0" smtClean="0"/>
+              <a:t>了：</a:t>
+            </a:r>
+            <a:endParaRPr lang="en-US" altLang="zh-CN" dirty="0" smtClean="0"/>
+          </a:p>
+          <a:p>
+            <a:pPr lvl="1"/>
+            <a:r>
+              <a:rPr lang="zh-CN" altLang="en-US" dirty="0"/>
+              <a:t>我</a:t>
+            </a:r>
+            <a:r>
+              <a:rPr lang="zh-CN" altLang="en-US" dirty="0" smtClean="0"/>
+              <a:t>想：</a:t>
+            </a:r>
+            <a:endParaRPr lang="en-US" altLang="zh-CN" dirty="0" smtClean="0"/>
+          </a:p>
+          <a:p>
+            <a:pPr lvl="1"/>
+            <a:endParaRPr lang="en-US" altLang="zh-CN" dirty="0" smtClean="0"/>
+          </a:p>
+          <a:p>
+            <a:pPr lvl="1"/>
+            <a:endParaRPr lang="en-US" altLang="zh-CN" dirty="0"/>
+          </a:p>
+          <a:p>
+            <a:pPr lvl="1"/>
+            <a:r>
+              <a:rPr lang="zh-CN" altLang="en-US" dirty="0" smtClean="0"/>
+              <a:t>作为：药店（促销员）</a:t>
+            </a:r>
+            <a:endParaRPr lang="en-US" altLang="zh-CN" dirty="0" smtClean="0"/>
+          </a:p>
+          <a:p>
+            <a:pPr lvl="1"/>
+            <a:r>
+              <a:rPr lang="zh-CN" altLang="en-US" dirty="0"/>
+              <a:t>为</a:t>
+            </a:r>
+            <a:r>
+              <a:rPr lang="zh-CN" altLang="en-US" dirty="0" smtClean="0"/>
+              <a:t>了：能够参与促销</a:t>
+            </a:r>
+            <a:endParaRPr lang="en-US" altLang="zh-CN" dirty="0" smtClean="0"/>
+          </a:p>
+          <a:p>
+            <a:pPr lvl="1"/>
+            <a:r>
+              <a:rPr lang="zh-CN" altLang="en-US" dirty="0" smtClean="0"/>
+              <a:t>我想：查看</a:t>
+            </a:r>
+            <a:r>
+              <a:rPr lang="en-US" altLang="zh-CN" dirty="0" smtClean="0"/>
+              <a:t>/</a:t>
+            </a:r>
+            <a:r>
+              <a:rPr lang="zh-CN" altLang="en-US" dirty="0" smtClean="0"/>
+              <a:t>上报本人参与的促销</a:t>
+            </a:r>
+            <a:endParaRPr lang="en-US" altLang="zh-CN" dirty="0" smtClean="0"/>
+          </a:p>
+          <a:p>
+            <a:pPr lvl="1"/>
+            <a:endParaRPr lang="en-US" altLang="zh-CN" dirty="0"/>
+          </a:p>
+          <a:p>
+            <a:pPr lvl="1"/>
+            <a:endParaRPr lang="zh-CN" altLang="en-US" dirty="0"/>
+          </a:p>
+        </p:txBody>
+      </p:sp>
+      <p:sp>
+        <p:nvSpPr>
+          <p:cNvPr id="4" name="内容占位符 2"/>
+          <p:cNvSpPr txBox="1">
+            <a:spLocks/>
+          </p:cNvSpPr>
+          <p:nvPr/>
+        </p:nvSpPr>
+        <p:spPr>
+          <a:xfrm>
+            <a:off x="5813809" y="1825625"/>
+            <a:ext cx="4246266" cy="4351338"/>
+          </a:xfrm>
+          <a:prstGeom prst="rect">
+            <a:avLst/>
+          </a:prstGeom>
+        </p:spPr>
+        <p:txBody>
+          <a:bodyPr vert="horz" lIns="91440" tIns="45720" rIns="91440" bIns="45720" rtlCol="0">
+            <a:normAutofit/>
+          </a:bodyPr>
+          <a:lstStyle>
+            <a:lvl1pPr marL="228600" indent="-228600" algn="l" defTabSz="914400" rtl="0" eaLnBrk="1" latinLnBrk="0" hangingPunct="1">
+              <a:lnSpc>
+                <a:spcPct val="90000"/>
+              </a:lnSpc>
+              <a:spcBef>
+                <a:spcPts val="1000"/>
+              </a:spcBef>
+              <a:buFont typeface="Arial" panose="020B0604020202020204" pitchFamily="34" charset="0"/>
+              <a:buChar char="•"/>
+              <a:defRPr sz="2800" kern="1200">
+                <a:solidFill>
+                  <a:schemeClr val="tx1"/>
+                </a:solidFill>
+                <a:latin typeface="+mn-lt"/>
+                <a:ea typeface="+mn-ea"/>
+                <a:cs typeface="+mn-cs"/>
+              </a:defRPr>
+            </a:lvl1pPr>
+            <a:lvl2pPr marL="685800" indent="-228600" algn="l" defTabSz="914400" rtl="0" eaLnBrk="1" latinLnBrk="0" hangingPunct="1">
+              <a:lnSpc>
+                <a:spcPct val="90000"/>
+              </a:lnSpc>
+              <a:spcBef>
+                <a:spcPts val="500"/>
+              </a:spcBef>
+              <a:buFont typeface="Arial" panose="020B0604020202020204" pitchFamily="34" charset="0"/>
+              <a:buChar char="•"/>
+              <a:defRPr sz="2400" kern="1200">
+                <a:solidFill>
+                  <a:schemeClr val="tx1"/>
+                </a:solidFill>
+                <a:latin typeface="+mn-lt"/>
+                <a:ea typeface="+mn-ea"/>
+                <a:cs typeface="+mn-cs"/>
+              </a:defRPr>
+            </a:lvl2pPr>
+            <a:lvl3pPr marL="1143000" indent="-228600" algn="l" defTabSz="914400" rtl="0" eaLnBrk="1" latinLnBrk="0" hangingPunct="1">
+              <a:lnSpc>
+                <a:spcPct val="90000"/>
+              </a:lnSpc>
+              <a:spcBef>
+                <a:spcPts val="500"/>
+              </a:spcBef>
+              <a:buFont typeface="Arial" panose="020B0604020202020204" pitchFamily="34" charset="0"/>
+              <a:buChar char="•"/>
+              <a:defRPr sz="2000" kern="1200">
+                <a:solidFill>
+                  <a:schemeClr val="tx1"/>
+                </a:solidFill>
+                <a:latin typeface="+mn-lt"/>
+                <a:ea typeface="+mn-ea"/>
+                <a:cs typeface="+mn-cs"/>
+              </a:defRPr>
+            </a:lvl3pPr>
+            <a:lvl4pPr marL="1600200" indent="-228600" algn="l" defTabSz="914400" rtl="0" eaLnBrk="1" latinLnBrk="0" hangingPunct="1">
+              <a:lnSpc>
+                <a:spcPct val="90000"/>
+              </a:lnSpc>
+              <a:spcBef>
+                <a:spcPts val="500"/>
+              </a:spcBef>
+              <a:buFont typeface="Arial" panose="020B0604020202020204" pitchFamily="34" charset="0"/>
+              <a:buChar char="•"/>
+              <a:defRPr sz="1800" kern="1200">
+                <a:solidFill>
+                  <a:schemeClr val="tx1"/>
+                </a:solidFill>
+                <a:latin typeface="+mn-lt"/>
+                <a:ea typeface="+mn-ea"/>
+                <a:cs typeface="+mn-cs"/>
+              </a:defRPr>
+            </a:lvl4pPr>
+            <a:lvl5pPr marL="2057400" indent="-228600" algn="l" defTabSz="914400" rtl="0" eaLnBrk="1" latinLnBrk="0" hangingPunct="1">
+              <a:lnSpc>
+                <a:spcPct val="90000"/>
+              </a:lnSpc>
+              <a:spcBef>
+                <a:spcPts val="500"/>
+              </a:spcBef>
+              <a:buFont typeface="Arial" panose="020B0604020202020204" pitchFamily="34" charset="0"/>
+              <a:buChar char="•"/>
+              <a:defRPr sz="1800" kern="1200">
+                <a:solidFill>
+                  <a:schemeClr val="tx1"/>
+                </a:solidFill>
+                <a:latin typeface="+mn-lt"/>
+                <a:ea typeface="+mn-ea"/>
+                <a:cs typeface="+mn-cs"/>
+              </a:defRPr>
+            </a:lvl5pPr>
+            <a:lvl6pPr marL="2514600" indent="-228600" algn="l" defTabSz="914400" rtl="0" eaLnBrk="1" latinLnBrk="0" hangingPunct="1">
+              <a:lnSpc>
+                <a:spcPct val="90000"/>
+              </a:lnSpc>
+              <a:spcBef>
+                <a:spcPts val="500"/>
+              </a:spcBef>
+              <a:buFont typeface="Arial" panose="020B0604020202020204" pitchFamily="34" charset="0"/>
+              <a:buChar char="•"/>
+              <a:defRPr sz="1800" kern="1200">
+                <a:solidFill>
+                  <a:schemeClr val="tx1"/>
+                </a:solidFill>
+                <a:latin typeface="+mn-lt"/>
+                <a:ea typeface="+mn-ea"/>
+                <a:cs typeface="+mn-cs"/>
+              </a:defRPr>
+            </a:lvl6pPr>
+            <a:lvl7pPr marL="2971800" indent="-228600" algn="l" defTabSz="914400" rtl="0" eaLnBrk="1" latinLnBrk="0" hangingPunct="1">
+              <a:lnSpc>
+                <a:spcPct val="90000"/>
+              </a:lnSpc>
+              <a:spcBef>
+                <a:spcPts val="500"/>
+              </a:spcBef>
+              <a:buFont typeface="Arial" panose="020B0604020202020204" pitchFamily="34" charset="0"/>
+              <a:buChar char="•"/>
+              <a:defRPr sz="1800" kern="1200">
+                <a:solidFill>
+                  <a:schemeClr val="tx1"/>
+                </a:solidFill>
+                <a:latin typeface="+mn-lt"/>
+                <a:ea typeface="+mn-ea"/>
+                <a:cs typeface="+mn-cs"/>
+              </a:defRPr>
+            </a:lvl7pPr>
+            <a:lvl8pPr marL="3429000" indent="-228600" algn="l" defTabSz="914400" rtl="0" eaLnBrk="1" latinLnBrk="0" hangingPunct="1">
+              <a:lnSpc>
+                <a:spcPct val="90000"/>
+              </a:lnSpc>
+              <a:spcBef>
+                <a:spcPts val="500"/>
+              </a:spcBef>
+              <a:buFont typeface="Arial" panose="020B0604020202020204" pitchFamily="34" charset="0"/>
+              <a:buChar char="•"/>
+              <a:defRPr sz="1800" kern="1200">
+                <a:solidFill>
+                  <a:schemeClr val="tx1"/>
+                </a:solidFill>
+                <a:latin typeface="+mn-lt"/>
+                <a:ea typeface="+mn-ea"/>
+                <a:cs typeface="+mn-cs"/>
+              </a:defRPr>
+            </a:lvl8pPr>
+            <a:lvl9pPr marL="3886200" indent="-228600" algn="l" defTabSz="914400" rtl="0" eaLnBrk="1" latinLnBrk="0" hangingPunct="1">
+              <a:lnSpc>
+                <a:spcPct val="90000"/>
+              </a:lnSpc>
+              <a:spcBef>
+                <a:spcPts val="500"/>
+              </a:spcBef>
+              <a:buFont typeface="Arial" panose="020B0604020202020204" pitchFamily="34" charset="0"/>
+              <a:buChar char="•"/>
+              <a:defRPr sz="1800" kern="1200">
+                <a:solidFill>
+                  <a:schemeClr val="tx1"/>
+                </a:solidFill>
+                <a:latin typeface="+mn-lt"/>
+                <a:ea typeface="+mn-ea"/>
+                <a:cs typeface="+mn-cs"/>
+              </a:defRPr>
+            </a:lvl9pPr>
+          </a:lstStyle>
+          <a:p>
+            <a:r>
+              <a:rPr lang="zh-CN" altLang="en-US" dirty="0" smtClean="0"/>
+              <a:t>用户故事</a:t>
+            </a:r>
+            <a:endParaRPr lang="en-US" altLang="zh-CN" dirty="0" smtClean="0"/>
+          </a:p>
+          <a:p>
+            <a:pPr lvl="1"/>
+            <a:r>
+              <a:rPr lang="zh-CN" altLang="en-US" dirty="0" smtClean="0"/>
+              <a:t>作为：药厂（销售主管）</a:t>
+            </a:r>
+            <a:endParaRPr lang="en-US" altLang="zh-CN" dirty="0" smtClean="0"/>
+          </a:p>
+          <a:p>
+            <a:pPr lvl="1"/>
+            <a:r>
+              <a:rPr lang="zh-CN" altLang="en-US" dirty="0" smtClean="0"/>
+              <a:t>为了：</a:t>
+            </a:r>
+            <a:r>
+              <a:rPr lang="zh-CN" altLang="en-US" dirty="0"/>
+              <a:t>管</a:t>
+            </a:r>
+            <a:r>
+              <a:rPr lang="zh-CN" altLang="en-US" dirty="0" smtClean="0"/>
+              <a:t>控审批</a:t>
+            </a:r>
+            <a:endParaRPr lang="en-US" altLang="zh-CN" dirty="0" smtClean="0"/>
+          </a:p>
+          <a:p>
+            <a:pPr lvl="1"/>
+            <a:r>
+              <a:rPr lang="zh-CN" altLang="en-US" dirty="0" smtClean="0"/>
+              <a:t>我想：查看</a:t>
+            </a:r>
+            <a:r>
+              <a:rPr lang="en-US" altLang="zh-CN" dirty="0" smtClean="0"/>
+              <a:t>/</a:t>
+            </a:r>
+            <a:r>
+              <a:rPr lang="zh-CN" altLang="en-US" dirty="0" smtClean="0"/>
+              <a:t>审批促销</a:t>
+            </a:r>
+            <a:endParaRPr lang="en-US" altLang="zh-CN" dirty="0" smtClean="0"/>
+          </a:p>
+          <a:p>
+            <a:pPr lvl="1"/>
+            <a:endParaRPr lang="en-US" altLang="zh-CN" dirty="0"/>
+          </a:p>
+          <a:p>
+            <a:pPr lvl="1"/>
+            <a:endParaRPr lang="en-US" altLang="zh-CN" dirty="0" smtClean="0"/>
+          </a:p>
+          <a:p>
+            <a:pPr lvl="1"/>
+            <a:r>
+              <a:rPr lang="zh-CN" altLang="en-US" dirty="0" smtClean="0"/>
+              <a:t>作为：</a:t>
+            </a:r>
+            <a:r>
+              <a:rPr lang="zh-CN" altLang="en-US" dirty="0"/>
+              <a:t>药厂（销</a:t>
+            </a:r>
+            <a:r>
+              <a:rPr lang="zh-CN" altLang="en-US" dirty="0" smtClean="0"/>
+              <a:t>售员）</a:t>
+            </a:r>
+            <a:endParaRPr lang="en-US" altLang="zh-CN" dirty="0" smtClean="0"/>
+          </a:p>
+          <a:p>
+            <a:pPr lvl="1"/>
+            <a:r>
+              <a:rPr lang="zh-CN" altLang="en-US" dirty="0" smtClean="0"/>
+              <a:t>为了：发起促销</a:t>
+            </a:r>
+            <a:endParaRPr lang="en-US" altLang="zh-CN" dirty="0" smtClean="0"/>
+          </a:p>
+          <a:p>
+            <a:pPr lvl="1"/>
+            <a:r>
+              <a:rPr lang="zh-CN" altLang="en-US" dirty="0" smtClean="0"/>
+              <a:t>我想：</a:t>
+            </a:r>
+            <a:r>
+              <a:rPr lang="zh-CN" altLang="en-US" dirty="0"/>
+              <a:t>查看</a:t>
+            </a:r>
+            <a:r>
+              <a:rPr lang="en-US" altLang="zh-CN" dirty="0" smtClean="0"/>
+              <a:t>/</a:t>
+            </a:r>
+            <a:r>
+              <a:rPr lang="zh-CN" altLang="en-US" dirty="0"/>
+              <a:t>发起</a:t>
+            </a:r>
+            <a:r>
+              <a:rPr lang="zh-CN" altLang="en-US" dirty="0" smtClean="0"/>
+              <a:t>促</a:t>
+            </a:r>
+            <a:r>
+              <a:rPr lang="zh-CN" altLang="en-US" dirty="0"/>
+              <a:t>销</a:t>
+            </a:r>
+            <a:endParaRPr lang="en-US" altLang="zh-CN" dirty="0" smtClean="0"/>
+          </a:p>
+          <a:p>
+            <a:pPr lvl="1"/>
+            <a:endParaRPr lang="zh-CN" altLang="en-US" dirty="0"/>
+          </a:p>
+        </p:txBody>
+      </p:sp>
+    </p:spTree>
+    <p:extLst>
+      <p:ext uri="{BB962C8B-B14F-4D97-AF65-F5344CB8AC3E}">
+        <p14:creationId xmlns:p14="http://schemas.microsoft.com/office/powerpoint/2010/main" val="1209607623"/>
+      </p:ext>
+    </p:extLst>
+  </p:cSld>
+  <p:clrMapOvr>
+    <a:masterClrMapping/>
+  </p:clrMapOvr>
+</p:sld>
+</file>
+
+<file path=ppt/slides/slide27.xml><?xml version="1.0" encoding="utf-8"?>
+<p:sld xmlns:a="http://schemas.openxmlformats.org/drawingml/2006/main" xmlns:r="http://schemas.openxmlformats.org/officeDocument/2006/relationships" xmlns:p="http://schemas.openxmlformats.org/presentationml/2006/main">
+  <p:cSld>
+    <p:spTree>
+      <p:nvGrpSpPr>
+        <p:cNvPr id="1" name=""/>
+        <p:cNvGrpSpPr/>
+        <p:nvPr/>
+      </p:nvGrpSpPr>
+      <p:grpSpPr>
+        <a:xfrm>
+          <a:off x="0" y="0"/>
+          <a:ext cx="0" cy="0"/>
+          <a:chOff x="0" y="0"/>
+          <a:chExt cx="0" cy="0"/>
+        </a:xfrm>
+      </p:grpSpPr>
+      <p:sp>
+        <p:nvSpPr>
+          <p:cNvPr id="2" name="标题 1"/>
+          <p:cNvSpPr>
+            <a:spLocks noGrp="1"/>
+          </p:cNvSpPr>
+          <p:nvPr>
+            <p:ph type="title"/>
+          </p:nvPr>
+        </p:nvSpPr>
+        <p:spPr/>
+        <p:txBody>
+          <a:bodyPr/>
+          <a:lstStyle/>
+          <a:p>
+            <a:r>
+              <a:rPr lang="zh-CN" altLang="en-US" dirty="0" smtClean="0"/>
+              <a:t>促销</a:t>
+            </a:r>
+            <a:endParaRPr lang="zh-CN" altLang="en-US" dirty="0"/>
+          </a:p>
+        </p:txBody>
+      </p:sp>
+      <p:sp>
+        <p:nvSpPr>
+          <p:cNvPr id="3" name="内容占位符 2"/>
+          <p:cNvSpPr>
+            <a:spLocks noGrp="1"/>
+          </p:cNvSpPr>
+          <p:nvPr>
+            <p:ph idx="1"/>
+          </p:nvPr>
+        </p:nvSpPr>
+        <p:spPr/>
+        <p:txBody>
+          <a:bodyPr>
+            <a:normAutofit/>
+          </a:bodyPr>
+          <a:lstStyle/>
+          <a:p>
+            <a:r>
+              <a:rPr lang="zh-CN" altLang="en-US" dirty="0" smtClean="0"/>
+              <a:t>验收条件</a:t>
+            </a:r>
+            <a:endParaRPr lang="en-US" altLang="zh-CN" dirty="0" smtClean="0"/>
+          </a:p>
+          <a:p>
+            <a:pPr marL="971550" lvl="1" indent="-514350">
+              <a:buFont typeface="+mj-lt"/>
+              <a:buAutoNum type="arabicPeriod"/>
+            </a:pPr>
+            <a:r>
+              <a:rPr lang="zh-CN" altLang="en-US" dirty="0"/>
+              <a:t>管理</a:t>
+            </a:r>
+            <a:r>
+              <a:rPr lang="zh-CN" altLang="en-US" dirty="0" smtClean="0"/>
+              <a:t>员能够</a:t>
+            </a:r>
+            <a:r>
+              <a:rPr lang="zh-CN" altLang="en-US" dirty="0" smtClean="0">
+                <a:solidFill>
+                  <a:srgbClr val="FF0000"/>
+                </a:solidFill>
+              </a:rPr>
+              <a:t>（待完</a:t>
+            </a:r>
+            <a:r>
+              <a:rPr lang="zh-CN" altLang="en-US" dirty="0">
+                <a:solidFill>
+                  <a:srgbClr val="FF0000"/>
+                </a:solidFill>
+              </a:rPr>
+              <a:t>善</a:t>
+            </a:r>
+            <a:r>
+              <a:rPr lang="zh-CN" altLang="en-US" dirty="0" smtClean="0">
+                <a:solidFill>
+                  <a:srgbClr val="FF0000"/>
+                </a:solidFill>
+              </a:rPr>
+              <a:t>）</a:t>
+            </a:r>
+            <a:endParaRPr lang="en-US" altLang="zh-CN" dirty="0" smtClean="0"/>
+          </a:p>
+          <a:p>
+            <a:pPr marL="971550" lvl="1" indent="-514350">
+              <a:buFont typeface="+mj-lt"/>
+              <a:buAutoNum type="arabicPeriod"/>
+            </a:pPr>
+            <a:r>
+              <a:rPr lang="zh-CN" altLang="en-US" dirty="0" smtClean="0"/>
+              <a:t>药厂（销售主管）能够</a:t>
+            </a:r>
+            <a:r>
+              <a:rPr lang="zh-CN" altLang="en-US" dirty="0"/>
+              <a:t>查看该厂所</a:t>
+            </a:r>
+            <a:r>
+              <a:rPr lang="zh-CN" altLang="en-US" dirty="0" smtClean="0"/>
+              <a:t>有</a:t>
+            </a:r>
+            <a:r>
+              <a:rPr lang="zh-CN" altLang="en-US" dirty="0"/>
+              <a:t>促销</a:t>
+            </a:r>
+            <a:r>
+              <a:rPr lang="zh-CN" altLang="en-US" dirty="0" smtClean="0"/>
+              <a:t>信息</a:t>
+            </a:r>
+            <a:endParaRPr lang="en-US" altLang="zh-CN" dirty="0" smtClean="0"/>
+          </a:p>
+          <a:p>
+            <a:pPr marL="971550" lvl="1" indent="-514350">
+              <a:buFont typeface="+mj-lt"/>
+              <a:buAutoNum type="arabicPeriod"/>
+            </a:pPr>
+            <a:r>
+              <a:rPr lang="zh-CN" altLang="en-US" dirty="0"/>
+              <a:t>药厂（销售主管）能</a:t>
+            </a:r>
+            <a:r>
+              <a:rPr lang="zh-CN" altLang="en-US" dirty="0" smtClean="0"/>
+              <a:t>够审批发起的促销申请</a:t>
+            </a:r>
+            <a:endParaRPr lang="en-US" altLang="zh-CN" dirty="0" smtClean="0"/>
+          </a:p>
+          <a:p>
+            <a:pPr marL="971550" lvl="1" indent="-514350">
+              <a:buFont typeface="+mj-lt"/>
+              <a:buAutoNum type="arabicPeriod"/>
+            </a:pPr>
+            <a:r>
+              <a:rPr lang="zh-CN" altLang="en-US" dirty="0"/>
+              <a:t>药厂（销售员）能够发</a:t>
+            </a:r>
+            <a:r>
+              <a:rPr lang="zh-CN" altLang="en-US" dirty="0" smtClean="0"/>
+              <a:t>起促销申请</a:t>
+            </a:r>
+            <a:endParaRPr lang="en-US" altLang="zh-CN" dirty="0" smtClean="0"/>
+          </a:p>
+          <a:p>
+            <a:pPr marL="971550" lvl="1" indent="-514350">
+              <a:buFont typeface="+mj-lt"/>
+              <a:buAutoNum type="arabicPeriod"/>
+            </a:pPr>
+            <a:r>
+              <a:rPr lang="zh-CN" altLang="en-US" dirty="0" smtClean="0"/>
+              <a:t>药厂（销售员）能够查</a:t>
+            </a:r>
+            <a:r>
+              <a:rPr lang="zh-CN" altLang="en-US" dirty="0"/>
+              <a:t>看本人申请的所</a:t>
+            </a:r>
+            <a:r>
+              <a:rPr lang="zh-CN" altLang="en-US" dirty="0" smtClean="0"/>
+              <a:t>有促销信息</a:t>
+            </a:r>
+            <a:endParaRPr lang="en-US" altLang="zh-CN" dirty="0" smtClean="0"/>
+          </a:p>
+          <a:p>
+            <a:pPr marL="971550" lvl="1" indent="-514350">
+              <a:buFont typeface="+mj-lt"/>
+              <a:buAutoNum type="arabicPeriod"/>
+            </a:pPr>
+            <a:r>
+              <a:rPr lang="zh-CN" altLang="en-US" dirty="0"/>
+              <a:t>药厂（销售员）能</a:t>
+            </a:r>
+            <a:r>
+              <a:rPr lang="zh-CN" altLang="en-US" dirty="0" smtClean="0"/>
+              <a:t>够确认下属促销员的汇报情况</a:t>
+            </a:r>
+            <a:endParaRPr lang="en-US" altLang="zh-CN" dirty="0" smtClean="0"/>
+          </a:p>
+          <a:p>
+            <a:pPr marL="971550" lvl="1" indent="-514350">
+              <a:buFont typeface="+mj-lt"/>
+              <a:buAutoNum type="arabicPeriod"/>
+            </a:pPr>
+            <a:r>
+              <a:rPr lang="zh-CN" altLang="en-US" dirty="0"/>
+              <a:t>药</a:t>
+            </a:r>
+            <a:r>
+              <a:rPr lang="zh-CN" altLang="en-US" dirty="0" smtClean="0"/>
+              <a:t>店（促销员）能够查看自身涉及的促销</a:t>
+            </a:r>
+            <a:endParaRPr lang="en-US" altLang="zh-CN" dirty="0" smtClean="0"/>
+          </a:p>
+          <a:p>
+            <a:pPr marL="971550" lvl="1" indent="-514350">
+              <a:buFont typeface="+mj-lt"/>
+              <a:buAutoNum type="arabicPeriod"/>
+            </a:pPr>
+            <a:r>
+              <a:rPr lang="zh-CN" altLang="en-US" dirty="0"/>
+              <a:t>药店（促销员</a:t>
+            </a:r>
+            <a:r>
+              <a:rPr lang="zh-CN" altLang="en-US" dirty="0" smtClean="0"/>
+              <a:t>）能够汇报自身涉及的促销进展情况</a:t>
+            </a:r>
+            <a:endParaRPr lang="en-US" altLang="zh-CN" dirty="0" smtClean="0"/>
+          </a:p>
+          <a:p>
+            <a:pPr marL="971550" lvl="1" indent="-514350">
+              <a:buFont typeface="+mj-lt"/>
+              <a:buAutoNum type="arabicPeriod"/>
+            </a:pPr>
+            <a:r>
+              <a:rPr lang="zh-CN" altLang="en-US" dirty="0" smtClean="0"/>
+              <a:t>促销信息包含</a:t>
+            </a:r>
+            <a:r>
+              <a:rPr lang="zh-CN" altLang="en-US" dirty="0">
+                <a:solidFill>
+                  <a:srgbClr val="FF0000"/>
+                </a:solidFill>
+              </a:rPr>
+              <a:t>（需定义</a:t>
+            </a:r>
+            <a:r>
+              <a:rPr lang="zh-CN" altLang="en-US" dirty="0" smtClean="0">
+                <a:solidFill>
+                  <a:srgbClr val="FF0000"/>
+                </a:solidFill>
+              </a:rPr>
+              <a:t>）</a:t>
+            </a:r>
+            <a:endParaRPr lang="en-US" altLang="zh-CN" dirty="0" smtClean="0"/>
+          </a:p>
+          <a:p>
+            <a:pPr lvl="1"/>
+            <a:endParaRPr lang="zh-CN" altLang="en-US" dirty="0"/>
+          </a:p>
+        </p:txBody>
+      </p:sp>
+    </p:spTree>
+    <p:extLst>
+      <p:ext uri="{BB962C8B-B14F-4D97-AF65-F5344CB8AC3E}">
+        <p14:creationId xmlns:p14="http://schemas.microsoft.com/office/powerpoint/2010/main" val="1976262957"/>
+      </p:ext>
+    </p:extLst>
+  </p:cSld>
+  <p:clrMapOvr>
+    <a:masterClrMapping/>
+  </p:clrMapOvr>
+</p:sld>
+</file>
+
+<file path=ppt/slides/slide28.xml><?xml version="1.0" encoding="utf-8"?>
+<p:sld xmlns:a="http://schemas.openxmlformats.org/drawingml/2006/main" xmlns:r="http://schemas.openxmlformats.org/officeDocument/2006/relationships" xmlns:p="http://schemas.openxmlformats.org/presentationml/2006/main">
+  <p:cSld>
+    <p:spTree>
+      <p:nvGrpSpPr>
+        <p:cNvPr id="1" name=""/>
+        <p:cNvGrpSpPr/>
+        <p:nvPr/>
+      </p:nvGrpSpPr>
+      <p:grpSpPr>
+        <a:xfrm>
+          <a:off x="0" y="0"/>
+          <a:ext cx="0" cy="0"/>
+          <a:chOff x="0" y="0"/>
+          <a:chExt cx="0" cy="0"/>
+        </a:xfrm>
+      </p:grpSpPr>
+      <p:sp>
+        <p:nvSpPr>
+          <p:cNvPr id="2" name="标题 1"/>
+          <p:cNvSpPr>
+            <a:spLocks noGrp="1"/>
+          </p:cNvSpPr>
+          <p:nvPr>
+            <p:ph type="title"/>
+          </p:nvPr>
+        </p:nvSpPr>
+        <p:spPr/>
+        <p:txBody>
+          <a:bodyPr/>
+          <a:lstStyle/>
+          <a:p>
+            <a:r>
+              <a:rPr lang="zh-CN" altLang="en-US" dirty="0" smtClean="0"/>
+              <a:t>促销</a:t>
+            </a:r>
+            <a:r>
+              <a:rPr lang="en-US" altLang="zh-CN" dirty="0" smtClean="0"/>
+              <a:t>(2C)</a:t>
+            </a:r>
+            <a:endParaRPr lang="zh-CN" altLang="en-US" dirty="0"/>
+          </a:p>
+        </p:txBody>
+      </p:sp>
+      <p:sp>
+        <p:nvSpPr>
+          <p:cNvPr id="3" name="内容占位符 2"/>
+          <p:cNvSpPr>
+            <a:spLocks noGrp="1"/>
+          </p:cNvSpPr>
+          <p:nvPr>
+            <p:ph idx="1"/>
+          </p:nvPr>
+        </p:nvSpPr>
+        <p:spPr/>
+        <p:txBody>
+          <a:bodyPr>
+            <a:normAutofit fontScale="92500"/>
+          </a:bodyPr>
+          <a:lstStyle/>
+          <a:p>
+            <a:r>
+              <a:rPr lang="en-US" altLang="zh-CN" dirty="0"/>
+              <a:t>http://www.plantuml.com/plantuml/uml/VTBBJkf060Vm_Jp5X1LdGSAvd4qN12y-IDlfmWGbANN70ZI2LAKGYp4XGPjeui8K2IgNalHbEZDrnIiumzJ1nikYIJlp-xxlFssB5KirhOEz4h1shP81e_3erQq105JTAfim4vyFSVjGhEBkLNRdLmQg5MZ0ieaC4_xFvzEICzVdSbj8bCX_Nyje6b3Vosu9hCD4_rrht6jWsyF73zYPPZU5qnBsPyrO5zffyC4RmgY9-SqCGAgbQch5WBZJniuZ7GSqkEOAQP8nf-SAI5DWt9vWvv8FlgX7eKVgGu2qNAwWAwcrb8wcftWqa2zAbl4g-CtcQe-wutWu4NlBnGbskl7p99hFbuipCOtT99NsW8nxx97sVNBJbEsMYnRBicg6VO-qPkGfmFRzUxuez8ax4vhQBwHM1zLgLLwfKmWbyh4mualn_kBy07t4Oep4Chdq21W_-C-d45M6ZCQh5KX6JMBV2HU7VJpg0SIPGZq_zcz1qTX7x0T-0m00</a:t>
+            </a:r>
+            <a:endParaRPr lang="zh-CN" altLang="en-US" dirty="0"/>
+          </a:p>
+        </p:txBody>
+      </p:sp>
+      <p:pic>
+        <p:nvPicPr>
+          <p:cNvPr id="7172" name="Picture 4" descr="PlantUML diagram"/>
+          <p:cNvPicPr>
+            <a:picLocks noChangeAspect="1" noChangeArrowheads="1"/>
+          </p:cNvPicPr>
+          <p:nvPr/>
+        </p:nvPicPr>
+        <p:blipFill>
+          <a:blip r:embed="rId2">
+            <a:extLst>
+              <a:ext uri="{28A0092B-C50C-407E-A947-70E740481C1C}">
+                <a14:useLocalDpi xmlns:a14="http://schemas.microsoft.com/office/drawing/2010/main" val="0"/>
+              </a:ext>
+            </a:extLst>
+          </a:blip>
+          <a:srcRect/>
+          <a:stretch>
+            <a:fillRect/>
+          </a:stretch>
+        </p:blipFill>
+        <p:spPr bwMode="auto">
+          <a:xfrm>
+            <a:off x="4462271" y="451188"/>
+            <a:ext cx="7279513" cy="6150780"/>
+          </a:xfrm>
+          <a:prstGeom prst="rect">
+            <a:avLst/>
+          </a:prstGeom>
+          <a:noFill/>
+          <a:extLst>
+            <a:ext uri="{909E8E84-426E-40DD-AFC4-6F175D3DCCD1}">
+              <a14:hiddenFill xmlns:a14="http://schemas.microsoft.com/office/drawing/2010/main">
+                <a:solidFill>
+                  <a:srgbClr val="FFFFFF"/>
+                </a:solidFill>
+              </a14:hiddenFill>
+            </a:ext>
+          </a:extLst>
+        </p:spPr>
+      </p:pic>
+    </p:spTree>
+    <p:extLst>
+      <p:ext uri="{BB962C8B-B14F-4D97-AF65-F5344CB8AC3E}">
+        <p14:creationId xmlns:p14="http://schemas.microsoft.com/office/powerpoint/2010/main" val="1757721149"/>
+      </p:ext>
+    </p:extLst>
+  </p:cSld>
+  <p:clrMapOvr>
+    <a:masterClrMapping/>
+  </p:clrMapOvr>
+</p:sld>
+</file>
+
+<file path=ppt/slides/slide29.xml><?xml version="1.0" encoding="utf-8"?>
+<p:sld xmlns:a="http://schemas.openxmlformats.org/drawingml/2006/main" xmlns:r="http://schemas.openxmlformats.org/officeDocument/2006/relationships" xmlns:p="http://schemas.openxmlformats.org/presentationml/2006/main">
+  <p:cSld>
+    <p:spTree>
+      <p:nvGrpSpPr>
+        <p:cNvPr id="1" name=""/>
+        <p:cNvGrpSpPr/>
+        <p:nvPr/>
+      </p:nvGrpSpPr>
+      <p:grpSpPr>
+        <a:xfrm>
+          <a:off x="0" y="0"/>
+          <a:ext cx="0" cy="0"/>
+          <a:chOff x="0" y="0"/>
+          <a:chExt cx="0" cy="0"/>
+        </a:xfrm>
+      </p:grpSpPr>
+      <p:sp>
+        <p:nvSpPr>
+          <p:cNvPr id="2" name="标题 1"/>
+          <p:cNvSpPr>
+            <a:spLocks noGrp="1"/>
+          </p:cNvSpPr>
+          <p:nvPr>
+            <p:ph type="title"/>
+          </p:nvPr>
+        </p:nvSpPr>
+        <p:spPr/>
+        <p:txBody>
+          <a:bodyPr/>
+          <a:lstStyle/>
+          <a:p>
+            <a:r>
+              <a:rPr lang="zh-CN" altLang="en-US" dirty="0" smtClean="0"/>
+              <a:t>公告</a:t>
+            </a:r>
+            <a:endParaRPr lang="zh-CN" altLang="en-US" dirty="0"/>
+          </a:p>
+        </p:txBody>
+      </p:sp>
+      <p:sp>
+        <p:nvSpPr>
+          <p:cNvPr id="3" name="内容占位符 2"/>
+          <p:cNvSpPr>
+            <a:spLocks noGrp="1"/>
+          </p:cNvSpPr>
+          <p:nvPr>
+            <p:ph idx="1"/>
+          </p:nvPr>
+        </p:nvSpPr>
+        <p:spPr/>
+        <p:txBody>
+          <a:bodyPr/>
+          <a:lstStyle/>
+          <a:p>
+            <a:r>
+              <a:rPr lang="en-US" altLang="zh-CN" dirty="0"/>
+              <a:t>http://www.plantuml.com/plantuml/uml/SoWkIImgAStDuSf9JIjHACbNACfCpoXHICaiIaqkoSpFu-AoUj6x_cbVqvFzpI-dD3oTE4F3LLF1IY6nMC4L9WKIdx8E9EMY2PPnGPLvicFtytKBDPoX-fovh9vERNlQjV1fwvgd_JiqdA3YJbnMG6NF9xI1J7A42ZfoSJahwARab-VfwjefQ3pjd_XqHpD8uyGkNJiNJHJ9P_ENFf_J3P5yt301ueJ73HCrkLnmgthMsV1qupmajGwfUId00040</a:t>
+            </a:r>
+            <a:endParaRPr lang="zh-CN" altLang="en-US" dirty="0"/>
+          </a:p>
+        </p:txBody>
+      </p:sp>
+      <p:pic>
+        <p:nvPicPr>
+          <p:cNvPr id="8194" name="Picture 2" descr="PlantUML diagram"/>
+          <p:cNvPicPr>
+            <a:picLocks noChangeAspect="1" noChangeArrowheads="1"/>
+          </p:cNvPicPr>
+          <p:nvPr/>
+        </p:nvPicPr>
+        <p:blipFill>
+          <a:blip r:embed="rId2">
+            <a:extLst>
+              <a:ext uri="{28A0092B-C50C-407E-A947-70E740481C1C}">
+                <a14:useLocalDpi xmlns:a14="http://schemas.microsoft.com/office/drawing/2010/main" val="0"/>
+              </a:ext>
+            </a:extLst>
+          </a:blip>
+          <a:srcRect/>
+          <a:stretch>
+            <a:fillRect/>
+          </a:stretch>
+        </p:blipFill>
+        <p:spPr bwMode="auto">
+          <a:xfrm>
+            <a:off x="6896100" y="1027906"/>
+            <a:ext cx="4457700" cy="4572000"/>
+          </a:xfrm>
+          <a:prstGeom prst="rect">
+            <a:avLst/>
+          </a:prstGeom>
+          <a:noFill/>
+          <a:extLst>
+            <a:ext uri="{909E8E84-426E-40DD-AFC4-6F175D3DCCD1}">
+              <a14:hiddenFill xmlns:a14="http://schemas.microsoft.com/office/drawing/2010/main">
+                <a:solidFill>
+                  <a:srgbClr val="FFFFFF"/>
+                </a:solidFill>
+              </a14:hiddenFill>
+            </a:ext>
+          </a:extLst>
+        </p:spPr>
+      </p:pic>
+    </p:spTree>
+    <p:extLst>
+      <p:ext uri="{BB962C8B-B14F-4D97-AF65-F5344CB8AC3E}">
+        <p14:creationId xmlns:p14="http://schemas.microsoft.com/office/powerpoint/2010/main" val="3846585508"/>
+      </p:ext>
+    </p:extLst>
+  </p:cSld>
+  <p:clrMapOvr>
+    <a:masterClrMapping/>
+  </p:clrMapOvr>
+</p:sld>
+</file>
+
+<file path=ppt/slides/slide3.xml><?xml version="1.0" encoding="utf-8"?>
+<p:sld xmlns:a="http://schemas.openxmlformats.org/drawingml/2006/main" xmlns:r="http://schemas.openxmlformats.org/officeDocument/2006/relationships" xmlns:p="http://schemas.openxmlformats.org/presentationml/2006/main">
+  <p:cSld>
+    <p:spTree>
+      <p:nvGrpSpPr>
+        <p:cNvPr id="1" name=""/>
+        <p:cNvGrpSpPr/>
+        <p:nvPr/>
+      </p:nvGrpSpPr>
+      <p:grpSpPr>
+        <a:xfrm>
+          <a:off x="0" y="0"/>
+          <a:ext cx="0" cy="0"/>
+          <a:chOff x="0" y="0"/>
+          <a:chExt cx="0" cy="0"/>
+        </a:xfrm>
+      </p:grpSpPr>
+      <p:sp>
+        <p:nvSpPr>
+          <p:cNvPr id="2" name="标题 1"/>
+          <p:cNvSpPr>
+            <a:spLocks noGrp="1"/>
+          </p:cNvSpPr>
+          <p:nvPr>
+            <p:ph type="title"/>
+          </p:nvPr>
+        </p:nvSpPr>
+        <p:spPr/>
+        <p:txBody>
+          <a:bodyPr/>
+          <a:lstStyle/>
+          <a:p>
+            <a:r>
+              <a:rPr lang="zh-CN" altLang="en-US" dirty="0"/>
+              <a:t>用</a:t>
+            </a:r>
+            <a:r>
+              <a:rPr lang="zh-CN" altLang="en-US" dirty="0" smtClean="0"/>
+              <a:t>户登录</a:t>
+            </a:r>
+            <a:endParaRPr lang="zh-CN" altLang="en-US" dirty="0"/>
+          </a:p>
+        </p:txBody>
+      </p:sp>
+      <p:sp>
+        <p:nvSpPr>
+          <p:cNvPr id="3" name="内容占位符 2"/>
+          <p:cNvSpPr>
+            <a:spLocks noGrp="1"/>
+          </p:cNvSpPr>
+          <p:nvPr>
+            <p:ph idx="1"/>
+          </p:nvPr>
+        </p:nvSpPr>
+        <p:spPr/>
+        <p:txBody>
+          <a:bodyPr/>
+          <a:lstStyle/>
+          <a:p>
+            <a:r>
+              <a:rPr lang="zh-CN" altLang="en-US" dirty="0"/>
+              <a:t>验收条件</a:t>
+            </a:r>
+            <a:endParaRPr lang="en-US" altLang="zh-CN" dirty="0" smtClean="0"/>
+          </a:p>
+          <a:p>
+            <a:pPr marL="914400" lvl="1" indent="-457200">
+              <a:buFont typeface="+mj-lt"/>
+              <a:buAutoNum type="arabicPeriod"/>
+            </a:pPr>
+            <a:r>
+              <a:rPr lang="zh-CN" altLang="en-US" dirty="0" smtClean="0"/>
+              <a:t>用户可以注册用户至谭雅系统</a:t>
+            </a:r>
+            <a:endParaRPr lang="en-US" altLang="zh-CN" dirty="0" smtClean="0"/>
+          </a:p>
+          <a:p>
+            <a:pPr marL="914400" lvl="1" indent="-457200">
+              <a:buFont typeface="+mj-lt"/>
+              <a:buAutoNum type="arabicPeriod"/>
+            </a:pPr>
+            <a:r>
+              <a:rPr lang="zh-CN" altLang="en-US" dirty="0"/>
+              <a:t>用</a:t>
+            </a:r>
+            <a:r>
+              <a:rPr lang="zh-CN" altLang="en-US" dirty="0" smtClean="0"/>
+              <a:t>户能够修改密码（发送短信验证码）</a:t>
+            </a:r>
+            <a:endParaRPr lang="en-US" altLang="zh-CN" dirty="0" smtClean="0"/>
+          </a:p>
+          <a:p>
+            <a:pPr marL="914400" lvl="1" indent="-457200">
+              <a:buFont typeface="+mj-lt"/>
+              <a:buAutoNum type="arabicPeriod"/>
+            </a:pPr>
+            <a:r>
+              <a:rPr lang="zh-CN" altLang="en-US" dirty="0"/>
+              <a:t>用</a:t>
+            </a:r>
+            <a:r>
+              <a:rPr lang="zh-CN" altLang="en-US" dirty="0" smtClean="0"/>
+              <a:t>户能够使用微信账号登录</a:t>
+            </a:r>
+            <a:endParaRPr lang="en-US" altLang="zh-CN" dirty="0" smtClean="0"/>
+          </a:p>
+          <a:p>
+            <a:pPr marL="914400" lvl="1" indent="-457200">
+              <a:buFont typeface="+mj-lt"/>
+              <a:buAutoNum type="arabicPeriod"/>
+            </a:pPr>
+            <a:r>
+              <a:rPr lang="zh-CN" altLang="en-US" dirty="0" smtClean="0"/>
+              <a:t>用户需要输</a:t>
+            </a:r>
+            <a:r>
+              <a:rPr lang="zh-CN" altLang="en-US" dirty="0" smtClean="0"/>
+              <a:t>入个</a:t>
+            </a:r>
+            <a:r>
+              <a:rPr lang="zh-CN" altLang="en-US" dirty="0" smtClean="0"/>
+              <a:t>人信</a:t>
+            </a:r>
+            <a:r>
+              <a:rPr lang="zh-CN" altLang="en-US" dirty="0" smtClean="0"/>
+              <a:t>息</a:t>
+            </a:r>
+            <a:r>
+              <a:rPr lang="zh-CN" altLang="en-US" dirty="0">
+                <a:solidFill>
+                  <a:srgbClr val="FF0000"/>
+                </a:solidFill>
+              </a:rPr>
+              <a:t>（需定义）</a:t>
+            </a:r>
+            <a:endParaRPr lang="en-US" altLang="zh-CN" dirty="0"/>
+          </a:p>
+          <a:p>
+            <a:pPr marL="914400" lvl="1" indent="-457200">
+              <a:buFont typeface="+mj-lt"/>
+              <a:buAutoNum type="arabicPeriod"/>
+            </a:pPr>
+            <a:endParaRPr lang="en-US" altLang="zh-CN" dirty="0" smtClean="0"/>
+          </a:p>
+          <a:p>
+            <a:endParaRPr lang="zh-CN" altLang="en-US" dirty="0"/>
+          </a:p>
+        </p:txBody>
+      </p:sp>
+    </p:spTree>
+    <p:extLst>
+      <p:ext uri="{BB962C8B-B14F-4D97-AF65-F5344CB8AC3E}">
+        <p14:creationId xmlns:p14="http://schemas.microsoft.com/office/powerpoint/2010/main" val="3480020597"/>
+      </p:ext>
+    </p:extLst>
+  </p:cSld>
+  <p:clrMapOvr>
+    <a:masterClrMapping/>
+  </p:clrMapOvr>
+</p:sld>
+</file>
+
+<file path=ppt/slides/slide30.xml><?xml version="1.0" encoding="utf-8"?>
+<p:sld xmlns:a="http://schemas.openxmlformats.org/drawingml/2006/main" xmlns:r="http://schemas.openxmlformats.org/officeDocument/2006/relationships" xmlns:p="http://schemas.openxmlformats.org/presentationml/2006/main">
+  <p:cSld>
+    <p:spTree>
+      <p:nvGrpSpPr>
+        <p:cNvPr id="1" name=""/>
+        <p:cNvGrpSpPr/>
+        <p:nvPr/>
+      </p:nvGrpSpPr>
+      <p:grpSpPr>
+        <a:xfrm>
+          <a:off x="0" y="0"/>
+          <a:ext cx="0" cy="0"/>
+          <a:chOff x="0" y="0"/>
+          <a:chExt cx="0" cy="0"/>
+        </a:xfrm>
+      </p:grpSpPr>
+      <p:sp>
+        <p:nvSpPr>
+          <p:cNvPr id="2" name="标题 1"/>
+          <p:cNvSpPr>
+            <a:spLocks noGrp="1"/>
+          </p:cNvSpPr>
+          <p:nvPr>
+            <p:ph type="title"/>
+          </p:nvPr>
+        </p:nvSpPr>
+        <p:spPr/>
+        <p:txBody>
+          <a:bodyPr/>
+          <a:lstStyle/>
+          <a:p>
+            <a:r>
+              <a:rPr lang="zh-CN" altLang="en-US" dirty="0" smtClean="0"/>
               <a:t>公告</a:t>
             </a:r>
             <a:endParaRPr lang="zh-CN" altLang="en-US" dirty="0"/>
@@ -3168,7 +7930,7 @@
 </p:sld>
 </file>
 
-<file path=ppt/slides/slide11.xml><?xml version="1.0" encoding="utf-8"?>
+<file path=ppt/slides/slide31.xml><?xml version="1.0" encoding="utf-8"?>
 <p:sld xmlns:a="http://schemas.openxmlformats.org/drawingml/2006/main" xmlns:r="http://schemas.openxmlformats.org/officeDocument/2006/relationships" xmlns:p="http://schemas.openxmlformats.org/presentationml/2006/main">
   <p:cSld>
     <p:spTree>
@@ -3282,7 +8044,7 @@
 </p:sld>
 </file>
 
-<file path=ppt/slides/slide12.xml><?xml version="1.0" encoding="utf-8"?>
+<file path=ppt/slides/slide32.xml><?xml version="1.0" encoding="utf-8"?>
 <p:sld xmlns:a="http://schemas.openxmlformats.org/drawingml/2006/main" xmlns:r="http://schemas.openxmlformats.org/officeDocument/2006/relationships" xmlns:p="http://schemas.openxmlformats.org/presentationml/2006/main">
   <p:cSld>
     <p:spTree>
@@ -3376,7 +8138,7 @@
 </p:sld>
 </file>
 
-<file path=ppt/slides/slide13.xml><?xml version="1.0" encoding="utf-8"?>
+<file path=ppt/slides/slide33.xml><?xml version="1.0" encoding="utf-8"?>
 <p:sld xmlns:a="http://schemas.openxmlformats.org/drawingml/2006/main" xmlns:r="http://schemas.openxmlformats.org/officeDocument/2006/relationships" xmlns:p="http://schemas.openxmlformats.org/presentationml/2006/main">
   <p:cSld>
     <p:spTree>
@@ -3437,7 +8199,22 @@
             </a:r>
             <a:r>
               <a:rPr lang="zh-CN" altLang="en-US" dirty="0" smtClean="0"/>
-              <a:t>是否需要有效期设置</a:t>
+              <a:t>是否需要有效期设</a:t>
+            </a:r>
+            <a:r>
+              <a:rPr lang="zh-CN" altLang="en-US" dirty="0" smtClean="0"/>
+              <a:t>置</a:t>
+            </a:r>
+            <a:endParaRPr lang="en-US" altLang="zh-CN" dirty="0" smtClean="0"/>
+          </a:p>
+          <a:p>
+            <a:r>
+              <a:rPr lang="en-US" altLang="zh-CN" dirty="0" smtClean="0"/>
+              <a:t>-&gt;</a:t>
+            </a:r>
+            <a:r>
+              <a:rPr lang="zh-CN" altLang="en-US" dirty="0" smtClean="0"/>
+              <a:t>不需要</a:t>
             </a:r>
             <a:endParaRPr lang="en-US" altLang="zh-CN" dirty="0" smtClean="0"/>
           </a:p>
@@ -3464,8 +8241,26 @@
             </a:r>
             <a:r>
               <a:rPr lang="zh-CN" altLang="en-US" dirty="0" smtClean="0"/>
-              <a:t>都可见</a:t>
-            </a:r>
+              <a:t>都可</a:t>
+            </a:r>
+            <a:r>
+              <a:rPr lang="zh-CN" altLang="en-US" dirty="0" smtClean="0"/>
+              <a:t>见</a:t>
+            </a:r>
+            <a:endParaRPr lang="en-US" altLang="zh-CN" dirty="0" smtClean="0"/>
+          </a:p>
+          <a:p>
+            <a:r>
+              <a:rPr lang="en-US" altLang="zh-CN" dirty="0" smtClean="0"/>
+              <a:t>-&gt;</a:t>
+            </a:r>
+            <a:r>
+              <a:rPr lang="zh-CN" altLang="en-US" dirty="0" smtClean="0"/>
+              <a:t>是的</a:t>
+            </a:r>
+            <a:endParaRPr lang="en-US" altLang="zh-CN" dirty="0" smtClean="0"/>
+          </a:p>
+          <a:p>
             <a:endParaRPr lang="zh-CN" altLang="en-US" dirty="0"/>
           </a:p>
         </p:txBody>
@@ -3483,7 +8278,7 @@
 </p:sld>
 </file>
 
-<file path=ppt/slides/slide2.xml><?xml version="1.0" encoding="utf-8"?>
+<file path=ppt/slides/slide34.xml><?xml version="1.0" encoding="utf-8"?>
 <p:sld xmlns:a="http://schemas.openxmlformats.org/drawingml/2006/main" xmlns:r="http://schemas.openxmlformats.org/officeDocument/2006/relationships" xmlns:p="http://schemas.openxmlformats.org/presentationml/2006/main">
   <p:cSld>
     <p:spTree>
@@ -3515,6 +8310,373 @@
           <a:bodyPr/>
           <a:lstStyle/>
           <a:p>
+            <a:endParaRPr lang="zh-CN" altLang="en-US" dirty="0"/>
+          </a:p>
+        </p:txBody>
+      </p:sp>
+      <p:sp>
+        <p:nvSpPr>
+          <p:cNvPr id="3" name="内容占位符 2"/>
+          <p:cNvSpPr>
+            <a:spLocks noGrp="1"/>
+          </p:cNvSpPr>
+          <p:nvPr>
+            <p:ph idx="1"/>
+          </p:nvPr>
+        </p:nvSpPr>
+        <p:spPr/>
+        <p:txBody>
+          <a:bodyPr/>
+          <a:lstStyle/>
+          <a:p>
+            <a:r>
+              <a:rPr lang="zh-CN" altLang="zh-CN" dirty="0" smtClean="0"/>
+              <a:t>在</a:t>
+            </a:r>
+            <a:r>
+              <a:rPr lang="en-US" altLang="zh-CN" dirty="0"/>
+              <a:t>A</a:t>
+            </a:r>
+            <a:r>
+              <a:rPr lang="zh-CN" altLang="zh-CN" dirty="0"/>
+              <a:t>、</a:t>
+            </a:r>
+            <a:r>
+              <a:rPr lang="en-US" altLang="zh-CN" dirty="0"/>
+              <a:t>B</a:t>
+            </a:r>
+            <a:r>
+              <a:rPr lang="zh-CN" altLang="zh-CN" dirty="0"/>
+              <a:t>、</a:t>
+            </a:r>
+            <a:r>
+              <a:rPr lang="en-US" altLang="zh-CN" dirty="0"/>
+              <a:t>C</a:t>
+            </a:r>
+            <a:r>
+              <a:rPr lang="zh-CN" altLang="zh-CN" dirty="0"/>
+              <a:t>关系上，</a:t>
+            </a:r>
+            <a:r>
+              <a:rPr lang="en-US" altLang="zh-CN" dirty="0"/>
+              <a:t>B </a:t>
+            </a:r>
+            <a:r>
+              <a:rPr lang="zh-CN" altLang="zh-CN" dirty="0"/>
+              <a:t>添加</a:t>
+            </a:r>
+            <a:r>
+              <a:rPr lang="en-US" altLang="zh-CN" dirty="0"/>
+              <a:t>C </a:t>
+            </a:r>
+            <a:r>
+              <a:rPr lang="zh-CN" altLang="zh-CN" dirty="0"/>
+              <a:t>的时候会固定渠道</a:t>
+            </a:r>
+            <a:r>
+              <a:rPr lang="en-US" altLang="zh-CN" dirty="0"/>
+              <a:t>,</a:t>
+            </a:r>
+            <a:r>
+              <a:rPr lang="zh-CN" altLang="zh-CN" dirty="0"/>
+              <a:t>渠道就是</a:t>
+            </a:r>
+            <a:r>
+              <a:rPr lang="en-US" altLang="zh-CN" dirty="0"/>
+              <a:t>B</a:t>
+            </a:r>
+            <a:r>
+              <a:rPr lang="zh-CN" altLang="zh-CN" dirty="0"/>
+              <a:t>的名称。可否在</a:t>
+            </a:r>
+            <a:r>
+              <a:rPr lang="en-US" altLang="zh-CN" dirty="0"/>
+              <a:t>A</a:t>
+            </a:r>
+            <a:r>
+              <a:rPr lang="zh-CN" altLang="zh-CN" dirty="0"/>
+              <a:t>添加</a:t>
+            </a:r>
+            <a:r>
+              <a:rPr lang="en-US" altLang="zh-CN" dirty="0"/>
+              <a:t>B </a:t>
+            </a:r>
+            <a:r>
+              <a:rPr lang="zh-CN" altLang="zh-CN" dirty="0"/>
+              <a:t>的时候可以给这个</a:t>
+            </a:r>
+            <a:r>
+              <a:rPr lang="en-US" altLang="zh-CN" dirty="0"/>
+              <a:t>B</a:t>
+            </a:r>
+            <a:r>
+              <a:rPr lang="zh-CN" altLang="zh-CN" dirty="0"/>
+              <a:t>命名多个名称。这样</a:t>
+            </a:r>
+            <a:r>
+              <a:rPr lang="en-US" altLang="zh-CN" dirty="0"/>
+              <a:t>C</a:t>
+            </a:r>
+            <a:r>
+              <a:rPr lang="zh-CN" altLang="zh-CN" dirty="0"/>
+              <a:t>、</a:t>
+            </a:r>
+            <a:r>
+              <a:rPr lang="en-US" altLang="zh-CN" dirty="0"/>
+              <a:t>D</a:t>
+            </a:r>
+            <a:r>
+              <a:rPr lang="zh-CN" altLang="zh-CN" dirty="0"/>
+              <a:t>就可以在这些名称中直选渠道。这个</a:t>
+            </a:r>
+            <a:r>
+              <a:rPr lang="en-US" altLang="zh-CN" dirty="0"/>
+              <a:t>B </a:t>
+            </a:r>
+            <a:r>
+              <a:rPr lang="zh-CN" altLang="zh-CN" dirty="0"/>
+              <a:t>就是虚拟的一个多渠道的</a:t>
+            </a:r>
+            <a:r>
+              <a:rPr lang="en-US" altLang="zh-CN" dirty="0"/>
+              <a:t>B</a:t>
+            </a:r>
+            <a:r>
+              <a:rPr lang="zh-CN" altLang="zh-CN" dirty="0"/>
+              <a:t>。虚拟</a:t>
+            </a:r>
+            <a:r>
+              <a:rPr lang="en-US" altLang="zh-CN" dirty="0"/>
+              <a:t>B </a:t>
+            </a:r>
+            <a:r>
+              <a:rPr lang="zh-CN" altLang="zh-CN" dirty="0"/>
+              <a:t>不会参与后期有可能对接</a:t>
+            </a:r>
+            <a:r>
+              <a:rPr lang="en-US" altLang="zh-CN" dirty="0" err="1"/>
+              <a:t>erp</a:t>
+            </a:r>
+            <a:r>
+              <a:rPr lang="zh-CN" altLang="zh-CN" dirty="0"/>
+              <a:t>。</a:t>
+            </a:r>
+          </a:p>
+          <a:p>
+            <a:pPr lvl="1"/>
+            <a:r>
+              <a:rPr lang="zh-CN" altLang="en-US" dirty="0" smtClean="0"/>
+              <a:t>用户故事是什么？</a:t>
+            </a:r>
+            <a:endParaRPr lang="en-US" altLang="zh-CN" dirty="0" smtClean="0"/>
+          </a:p>
+          <a:p>
+            <a:pPr lvl="1"/>
+            <a:endParaRPr lang="en-US" altLang="zh-CN" dirty="0"/>
+          </a:p>
+          <a:p>
+            <a:endParaRPr lang="zh-CN" altLang="en-US" dirty="0"/>
+          </a:p>
+        </p:txBody>
+      </p:sp>
+    </p:spTree>
+    <p:extLst>
+      <p:ext uri="{BB962C8B-B14F-4D97-AF65-F5344CB8AC3E}">
+        <p14:creationId xmlns:p14="http://schemas.microsoft.com/office/powerpoint/2010/main" val="1117892518"/>
+      </p:ext>
+    </p:extLst>
+  </p:cSld>
+  <p:clrMapOvr>
+    <a:masterClrMapping/>
+  </p:clrMapOvr>
+</p:sld>
+</file>
+
+<file path=ppt/slides/slide35.xml><?xml version="1.0" encoding="utf-8"?>
+<p:sld xmlns:a="http://schemas.openxmlformats.org/drawingml/2006/main" xmlns:r="http://schemas.openxmlformats.org/officeDocument/2006/relationships" xmlns:p="http://schemas.openxmlformats.org/presentationml/2006/main">
+  <p:cSld>
+    <p:spTree>
+      <p:nvGrpSpPr>
+        <p:cNvPr id="1" name=""/>
+        <p:cNvGrpSpPr/>
+        <p:nvPr/>
+      </p:nvGrpSpPr>
+      <p:grpSpPr>
+        <a:xfrm>
+          <a:off x="0" y="0"/>
+          <a:ext cx="0" cy="0"/>
+          <a:chOff x="0" y="0"/>
+          <a:chExt cx="0" cy="0"/>
+        </a:xfrm>
+      </p:grpSpPr>
+      <p:sp>
+        <p:nvSpPr>
+          <p:cNvPr id="2" name="标题 1"/>
+          <p:cNvSpPr>
+            <a:spLocks noGrp="1"/>
+          </p:cNvSpPr>
+          <p:nvPr>
+            <p:ph type="title"/>
+          </p:nvPr>
+        </p:nvSpPr>
+        <p:spPr/>
+        <p:txBody>
+          <a:bodyPr/>
+          <a:lstStyle/>
+          <a:p>
+            <a:endParaRPr lang="zh-CN" altLang="en-US"/>
+          </a:p>
+        </p:txBody>
+      </p:sp>
+      <p:sp>
+        <p:nvSpPr>
+          <p:cNvPr id="3" name="内容占位符 2"/>
+          <p:cNvSpPr>
+            <a:spLocks noGrp="1"/>
+          </p:cNvSpPr>
+          <p:nvPr>
+            <p:ph idx="1"/>
+          </p:nvPr>
+        </p:nvSpPr>
+        <p:spPr/>
+        <p:txBody>
+          <a:bodyPr/>
+          <a:lstStyle/>
+          <a:p>
+            <a:r>
+              <a:rPr lang="en-US" altLang="zh-CN" dirty="0"/>
+              <a:t>D</a:t>
+            </a:r>
+            <a:r>
+              <a:rPr lang="zh-CN" altLang="zh-CN" dirty="0"/>
+              <a:t>只有显示有效期截止时间。不设置有效期。如离职在</a:t>
+            </a:r>
+            <a:r>
+              <a:rPr lang="en-US" altLang="zh-CN" dirty="0"/>
+              <a:t>C</a:t>
+            </a:r>
+            <a:r>
+              <a:rPr lang="zh-CN" altLang="zh-CN" dirty="0"/>
+              <a:t>级要有删除这个坑位的人。要不</a:t>
+            </a:r>
+            <a:r>
+              <a:rPr lang="en-US" altLang="zh-CN" dirty="0"/>
+              <a:t>D</a:t>
+            </a:r>
+            <a:r>
+              <a:rPr lang="zh-CN" altLang="zh-CN" dirty="0"/>
+              <a:t>不能在这个渠道下进行另外</a:t>
+            </a:r>
+            <a:r>
+              <a:rPr lang="en-US" altLang="zh-CN" dirty="0"/>
+              <a:t>C</a:t>
+            </a:r>
+            <a:r>
+              <a:rPr lang="zh-CN" altLang="zh-CN" dirty="0"/>
+              <a:t>的添</a:t>
+            </a:r>
+            <a:r>
+              <a:rPr lang="zh-CN" altLang="zh-CN" dirty="0" smtClean="0"/>
+              <a:t>加</a:t>
+            </a:r>
+            <a:r>
+              <a:rPr lang="zh-CN" altLang="en-US" dirty="0" smtClean="0"/>
+              <a:t>。</a:t>
+            </a:r>
+            <a:endParaRPr lang="en-US" altLang="zh-CN" dirty="0" smtClean="0"/>
+          </a:p>
+          <a:p>
+            <a:pPr lvl="1"/>
+            <a:r>
+              <a:rPr lang="zh-CN" altLang="en-US" dirty="0" smtClean="0"/>
+              <a:t>是否可以等同理解为一</a:t>
+            </a:r>
+            <a:r>
+              <a:rPr lang="zh-CN" altLang="en-US" dirty="0"/>
+              <a:t>个人只能成为一个</a:t>
+            </a:r>
+            <a:r>
+              <a:rPr lang="en-US" altLang="zh-CN" dirty="0"/>
+              <a:t>D</a:t>
+            </a:r>
+            <a:r>
+              <a:rPr lang="zh-CN" altLang="en-US" dirty="0"/>
+              <a:t>角</a:t>
+            </a:r>
+            <a:r>
+              <a:rPr lang="zh-CN" altLang="en-US" dirty="0" smtClean="0"/>
+              <a:t>色</a:t>
+            </a:r>
+            <a:r>
+              <a:rPr lang="en-US" altLang="zh-CN" dirty="0" smtClean="0"/>
+              <a:t>?</a:t>
+            </a:r>
+            <a:endParaRPr lang="en-US" altLang="zh-CN" dirty="0" smtClean="0">
+              <a:solidFill>
+                <a:srgbClr val="FF0000"/>
+              </a:solidFill>
+            </a:endParaRPr>
+          </a:p>
+          <a:p>
+            <a:pPr marL="0" indent="0">
+              <a:buNone/>
+            </a:pPr>
+            <a:endParaRPr lang="en-US" altLang="zh-CN" dirty="0">
+              <a:solidFill>
+                <a:srgbClr val="FF0000"/>
+              </a:solidFill>
+            </a:endParaRPr>
+          </a:p>
+          <a:p>
+            <a:endParaRPr lang="zh-CN" altLang="en-US" dirty="0"/>
+          </a:p>
+        </p:txBody>
+      </p:sp>
+    </p:spTree>
+    <p:extLst>
+      <p:ext uri="{BB962C8B-B14F-4D97-AF65-F5344CB8AC3E}">
+        <p14:creationId xmlns:p14="http://schemas.microsoft.com/office/powerpoint/2010/main" val="964372417"/>
+      </p:ext>
+    </p:extLst>
+  </p:cSld>
+  <p:clrMapOvr>
+    <a:masterClrMapping/>
+  </p:clrMapOvr>
+</p:sld>
+</file>
+
+<file path=ppt/slides/slide4.xml><?xml version="1.0" encoding="utf-8"?>
+<p:sld xmlns:a="http://schemas.openxmlformats.org/drawingml/2006/main" xmlns:r="http://schemas.openxmlformats.org/officeDocument/2006/relationships" xmlns:p="http://schemas.openxmlformats.org/presentationml/2006/main">
+  <p:cSld>
+    <p:spTree>
+      <p:nvGrpSpPr>
+        <p:cNvPr id="1" name=""/>
+        <p:cNvGrpSpPr/>
+        <p:nvPr/>
+      </p:nvGrpSpPr>
+      <p:grpSpPr>
+        <a:xfrm>
+          <a:off x="0" y="0"/>
+          <a:ext cx="0" cy="0"/>
+          <a:chOff x="0" y="0"/>
+          <a:chExt cx="0" cy="0"/>
+        </a:xfrm>
+      </p:grpSpPr>
+      <p:sp>
+        <p:nvSpPr>
+          <p:cNvPr id="2" name="标题 1"/>
+          <p:cNvSpPr>
+            <a:spLocks noGrp="1"/>
+          </p:cNvSpPr>
+          <p:nvPr>
+            <p:ph type="title"/>
+          </p:nvPr>
+        </p:nvSpPr>
+        <p:spPr/>
+        <p:txBody>
+          <a:bodyPr/>
+          <a:lstStyle/>
+          <a:p>
             <a:r>
               <a:rPr lang="zh-CN" altLang="en-US" dirty="0" smtClean="0"/>
               <a:t>各角色生命周期</a:t>
@@ -3547,7 +8709,7 @@
           <a:p>
             <a:r>
               <a:rPr lang="en-US" altLang="zh-CN" dirty="0"/>
-              <a:t>http://www.plantuml.com/plantuml/uml/TP91Ji9058RtSugtR1UzG6CCdMcFu068L6s2a9GnRbnK32X41PH6JKYKXS4OKumk92NeOUXhooq4Yyqq3Ri_xvl__rychr3ZHPiV7PO9jtZPX7Xq4xS-22cRUnnu5Mnh_u13oRBDNMvLAuIeaJUCkatitKkQ32eKQw0H5TqcjeVOUCFEHABhEILgV3N6w_gYxs3V2oRJfLTYQygoT1Meotz4JuX_5_oShU2I66kJGNPgfWtADaZ1v3Nm_UXXYZDNJiPR9ue2cg2fe9cWTK4RH0EbL3skAAlKyFC5cvSq-GOvWsBlEvfvD1oqGlSY73ncwQBknEClR3zXupcrqrmoIz3SwGR-26zFG_TzSTwPEpqP2CsLCQ6CRYXZ_sKiLwPdKTwRFj1pNaD4sQqCOIjzGt9gBvYLqlAyVW40</a:t>
+              <a:t>http://www.plantuml.com/plantuml/uml/TPBHIi9G6CVlprDybzl5Nc14k7EsH-W195SDJ66UwAQBPMWfbLgE2eJo8eo86NMHJAo7STysto9jKpOEtVtvVj_l-uzn2ZLUjFdHOPbmYvTDY4StSUk3aBAvnu5NmRRs3pYKBDlSvLQrGeWQUSEesyJUlQJ9e4An1XfHqMrYUuYDD-nC99hEAL7Zgp5UrnTz1_jUC9akNOcbbENfwg0k_n4z8VvTy7EsX2jYf991Tcgc3SesIC7aDV3zw66ACrTEnbidYW9Q9jDCPfciPx91D51ArUEAiheQVhvWyv8clq7EeTZxZcOU3GUjqBq81uzvkgWxyVWBsq_OU5xhGAXmcYLixdG3VuItfw7xlZZlp9sUJAXGnZ9bz9yojlvM9dJf8igxcmLTS0qHvTtDGi6ib9OFw1S0</a:t>
             </a:r>
             <a:endParaRPr lang="zh-CN" altLang="en-US" dirty="0"/>
           </a:p>
@@ -3555,7 +8717,7 @@
       </p:sp>
       <p:pic>
         <p:nvPicPr>
-          <p:cNvPr id="1026" name="Picture 2" descr="PlantUML diagram"/>
+          <p:cNvPr id="4" name="Picture 2" descr="PlantUML diagram"/>
           <p:cNvPicPr>
             <a:picLocks noChangeAspect="1" noChangeArrowheads="1"/>
           </p:cNvPicPr>
@@ -3576,8 +8738,8 @@
         </p:blipFill>
         <p:spPr bwMode="auto">
           <a:xfrm>
-            <a:off x="7245661" y="768731"/>
-            <a:ext cx="3952564" cy="5485765"/>
+            <a:off x="7148095" y="437295"/>
+            <a:ext cx="4381341" cy="6034089"/>
           </a:xfrm>
           <a:prstGeom prst="rect">
             <a:avLst/>
@@ -3607,324 +8769,6 @@
 </p:sld>
 </file>
 
-<file path=ppt/slides/slide3.xml><?xml version="1.0" encoding="utf-8"?>
-<p:sld xmlns:a="http://schemas.openxmlformats.org/drawingml/2006/main" xmlns:r="http://schemas.openxmlformats.org/officeDocument/2006/relationships" xmlns:p="http://schemas.openxmlformats.org/presentationml/2006/main">
-  <p:cSld>
-    <p:spTree>
-      <p:nvGrpSpPr>
-        <p:cNvPr id="1" name=""/>
-        <p:cNvGrpSpPr/>
-        <p:nvPr/>
-      </p:nvGrpSpPr>
-      <p:grpSpPr>
-        <a:xfrm>
-          <a:off x="0" y="0"/>
-          <a:ext cx="0" cy="0"/>
-          <a:chOff x="0" y="0"/>
-          <a:chExt cx="0" cy="0"/>
-        </a:xfrm>
-      </p:grpSpPr>
-      <p:sp>
-        <p:nvSpPr>
-          <p:cNvPr id="2" name="标题 1"/>
-          <p:cNvSpPr>
-            <a:spLocks noGrp="1"/>
-          </p:cNvSpPr>
-          <p:nvPr>
-            <p:ph type="title"/>
-          </p:nvPr>
-        </p:nvSpPr>
-        <p:spPr/>
-        <p:txBody>
-          <a:bodyPr/>
-          <a:lstStyle/>
-          <a:p>
-            <a:r>
-              <a:rPr lang="zh-CN" altLang="en-US" dirty="0"/>
-              <a:t>订单</a:t>
-            </a:r>
-          </a:p>
-        </p:txBody>
-      </p:sp>
-      <p:sp>
-        <p:nvSpPr>
-          <p:cNvPr id="3" name="内容占位符 2"/>
-          <p:cNvSpPr>
-            <a:spLocks noGrp="1"/>
-          </p:cNvSpPr>
-          <p:nvPr>
-            <p:ph idx="1"/>
-          </p:nvPr>
-        </p:nvSpPr>
-        <p:spPr/>
-        <p:txBody>
-          <a:bodyPr/>
-          <a:lstStyle/>
-          <a:p>
-            <a:r>
-              <a:rPr lang="en-US" altLang="zh-CN" dirty="0"/>
-              <a:t>http://www.plantuml.com/plantuml/uml/XL5DJi905DxFAMPP5hr05mGetC8DaQfDi2GmnctHYFo8fQ4L5ngjqGGJKqoKK4kZXw4pdQvw1TjEWtMZo-_dVU-RUQKEghVHqM4J81ar9KZj1pms0MXAUmYY5cpB-mS8DkIsj8labWA0GCSBxCxyhzFGKB5-pTKAK83r3gmnwV8auGqxaQg5LAd-Ldnd7TWM9sPp8X2msSD32v-zOCtXAXbV0K9i2oQz9AcSaMK0G0NoZTQnmlD5o96xf-1cn4hZ_enQyuqw8Svzs9rkLBq0n9oNkGBZZIvMsBR8u8FfVsQnucbMDU_L9hxxc4_aYoBSKU89hEbqkV9TD_8kGdL0Hi_inxQGrTl2vF7JRWmXCL_3Soto-lxdBLrUaVSr7iuZRy2s_zFqPszgBqbA8xxgDm00</a:t>
-            </a:r>
-            <a:endParaRPr lang="zh-CN" altLang="en-US" dirty="0"/>
-          </a:p>
-        </p:txBody>
-      </p:sp>
-      <p:pic>
-        <p:nvPicPr>
-          <p:cNvPr id="5122" name="Picture 2" descr="PlantUML diagram"/>
-          <p:cNvPicPr>
-            <a:picLocks noChangeAspect="1" noChangeArrowheads="1"/>
-          </p:cNvPicPr>
-          <p:nvPr/>
-        </p:nvPicPr>
-        <p:blipFill>
-          <a:blip r:embed="rId2">
-            <a:extLst>
-              <a:ext uri="{28A0092B-C50C-407E-A947-70E740481C1C}">
-                <a14:useLocalDpi xmlns:a14="http://schemas.microsoft.com/office/drawing/2010/main" val="0"/>
-              </a:ext>
-            </a:extLst>
-          </a:blip>
-          <a:srcRect/>
-          <a:stretch>
-            <a:fillRect/>
-          </a:stretch>
-        </p:blipFill>
-        <p:spPr bwMode="auto">
-          <a:xfrm>
-            <a:off x="4946523" y="347662"/>
-            <a:ext cx="6334125" cy="5829301"/>
-          </a:xfrm>
-          <a:prstGeom prst="rect">
-            <a:avLst/>
-          </a:prstGeom>
-          <a:noFill/>
-          <a:extLst>
-            <a:ext uri="{909E8E84-426E-40DD-AFC4-6F175D3DCCD1}">
-              <a14:hiddenFill xmlns:a14="http://schemas.microsoft.com/office/drawing/2010/main">
-                <a:solidFill>
-                  <a:srgbClr val="FFFFFF"/>
-                </a:solidFill>
-              </a14:hiddenFill>
-            </a:ext>
-          </a:extLst>
-        </p:spPr>
-      </p:pic>
-    </p:spTree>
-    <p:extLst>
-      <p:ext uri="{BB962C8B-B14F-4D97-AF65-F5344CB8AC3E}">
-        <p14:creationId xmlns:p14="http://schemas.microsoft.com/office/powerpoint/2010/main" val="2225733158"/>
-      </p:ext>
-    </p:extLst>
-  </p:cSld>
-  <p:clrMapOvr>
-    <a:masterClrMapping/>
-  </p:clrMapOvr>
-</p:sld>
-</file>
-
-<file path=ppt/slides/slide4.xml><?xml version="1.0" encoding="utf-8"?>
-<p:sld xmlns:a="http://schemas.openxmlformats.org/drawingml/2006/main" xmlns:r="http://schemas.openxmlformats.org/officeDocument/2006/relationships" xmlns:p="http://schemas.openxmlformats.org/presentationml/2006/main">
-  <p:cSld>
-    <p:spTree>
-      <p:nvGrpSpPr>
-        <p:cNvPr id="1" name=""/>
-        <p:cNvGrpSpPr/>
-        <p:nvPr/>
-      </p:nvGrpSpPr>
-      <p:grpSpPr>
-        <a:xfrm>
-          <a:off x="0" y="0"/>
-          <a:ext cx="0" cy="0"/>
-          <a:chOff x="0" y="0"/>
-          <a:chExt cx="0" cy="0"/>
-        </a:xfrm>
-      </p:grpSpPr>
-      <p:sp>
-        <p:nvSpPr>
-          <p:cNvPr id="2" name="标题 1"/>
-          <p:cNvSpPr>
-            <a:spLocks noGrp="1"/>
-          </p:cNvSpPr>
-          <p:nvPr>
-            <p:ph type="title"/>
-          </p:nvPr>
-        </p:nvSpPr>
-        <p:spPr/>
-        <p:txBody>
-          <a:bodyPr/>
-          <a:lstStyle/>
-          <a:p>
-            <a:r>
-              <a:rPr lang="zh-CN" altLang="en-US" dirty="0" smtClean="0"/>
-              <a:t>订单</a:t>
-            </a:r>
-            <a:endParaRPr lang="zh-CN" altLang="en-US" dirty="0"/>
-          </a:p>
-        </p:txBody>
-      </p:sp>
-      <p:sp>
-        <p:nvSpPr>
-          <p:cNvPr id="3" name="内容占位符 2"/>
-          <p:cNvSpPr>
-            <a:spLocks noGrp="1"/>
-          </p:cNvSpPr>
-          <p:nvPr>
-            <p:ph idx="1"/>
-          </p:nvPr>
-        </p:nvSpPr>
-        <p:spPr>
-          <a:xfrm>
-            <a:off x="838200" y="1825624"/>
-            <a:ext cx="10674096" cy="4383151"/>
-          </a:xfrm>
-        </p:spPr>
-        <p:txBody>
-          <a:bodyPr>
-            <a:normAutofit lnSpcReduction="10000"/>
-          </a:bodyPr>
-          <a:lstStyle/>
-          <a:p>
-            <a:r>
-              <a:rPr lang="en-US" altLang="zh-CN" dirty="0"/>
-              <a:t>http://www.plantuml.com/plantuml/uml/VTFDQkf050Vm_Jp5uCgx4BmVT-D2l1zza2IJHS5MYEdEXR7Kggs9ObAxADWK2YvA56mRQmHV9fF4bQ_G6Kym3BHT18Opl_cVCmcfr7L9qyzEgaW_rgigJhm7sdSGGfAYrpISI_epQhR2pVdMRjBXRVxeMmvBTQpYcaPK3Vyk5aN9cUrn-HyaIUMlZsMu36BFpVy3hE1K_ymqTTgqvzAB9sejyt_1oIdxaJ6M4W_QlF4VC59glZE3YAHBibHNCHsOr9h7Yo0E9bmHEMD5H0fb8fTmOlhKkk6DHqQuSIDZXeXSO7ibeIReQ7c_DKQY5cg2vgzWDHQrM1EodmFQcyBERjs18NRhQpZ15j1ej-xoB1Q5inEGfPHmR2-IcG_VbuTOm-J53rUhDCTiiSKX6Sv7pdnxQV5wtma3FskKjUuYPPzEFJVgla4wKc3uSED5TbgBUwzHqq2DHkFmoA2YoMDyTmMATiQ9EsNJ2HSgb6MaV85X_0DM4FaCY_TEFTbFKr5F2ViDtW40</a:t>
-            </a:r>
-            <a:endParaRPr lang="zh-CN" altLang="en-US" dirty="0"/>
-          </a:p>
-        </p:txBody>
-      </p:sp>
-      <p:sp>
-        <p:nvSpPr>
-          <p:cNvPr id="5" name="AutoShape 4" descr="PlantUML diagram"/>
-          <p:cNvSpPr>
-            <a:spLocks noChangeAspect="1" noChangeArrowheads="1"/>
-          </p:cNvSpPr>
-          <p:nvPr/>
-        </p:nvSpPr>
-        <p:spPr bwMode="auto">
-          <a:xfrm>
-            <a:off x="155575" y="-144463"/>
-            <a:ext cx="304800" cy="304801"/>
-          </a:xfrm>
-          <a:prstGeom prst="rect">
-            <a:avLst/>
-          </a:prstGeom>
-          <a:noFill/>
-          <a:extLst>
-            <a:ext uri="{909E8E84-426E-40DD-AFC4-6F175D3DCCD1}">
-              <a14:hiddenFill xmlns:a14="http://schemas.microsoft.com/office/drawing/2010/main">
-                <a:solidFill>
-                  <a:srgbClr val="FFFFFF"/>
-                </a:solidFill>
-              </a14:hiddenFill>
-            </a:ext>
-          </a:extLst>
-        </p:spPr>
-        <p:txBody>
-          <a:bodyPr vert="horz" wrap="square" lIns="91440" tIns="45720" rIns="91440" bIns="45720" numCol="1" anchor="t" anchorCtr="0" compatLnSpc="1">
-            <a:prstTxWarp prst="textNoShape">
-              <a:avLst/>
-            </a:prstTxWarp>
-          </a:bodyPr>
-          <a:lstStyle/>
-          <a:p>
-            <a:endParaRPr lang="zh-CN" altLang="en-US"/>
-          </a:p>
-        </p:txBody>
-      </p:sp>
-      <p:sp>
-        <p:nvSpPr>
-          <p:cNvPr id="6" name="AutoShape 6" descr="PlantUML diagram"/>
-          <p:cNvSpPr>
-            <a:spLocks noChangeAspect="1" noChangeArrowheads="1"/>
-          </p:cNvSpPr>
-          <p:nvPr/>
-        </p:nvSpPr>
-        <p:spPr bwMode="auto">
-          <a:xfrm>
-            <a:off x="307974" y="7937"/>
-            <a:ext cx="8726297" cy="8726326"/>
-          </a:xfrm>
-          <a:prstGeom prst="rect">
-            <a:avLst/>
-          </a:prstGeom>
-          <a:noFill/>
-          <a:extLst>
-            <a:ext uri="{909E8E84-426E-40DD-AFC4-6F175D3DCCD1}">
-              <a14:hiddenFill xmlns:a14="http://schemas.microsoft.com/office/drawing/2010/main">
-                <a:solidFill>
-                  <a:srgbClr val="FFFFFF"/>
-                </a:solidFill>
-              </a14:hiddenFill>
-            </a:ext>
-          </a:extLst>
-        </p:spPr>
-        <p:txBody>
-          <a:bodyPr vert="horz" wrap="square" lIns="91440" tIns="45720" rIns="91440" bIns="45720" numCol="1" anchor="t" anchorCtr="0" compatLnSpc="1">
-            <a:prstTxWarp prst="textNoShape">
-              <a:avLst/>
-            </a:prstTxWarp>
-          </a:bodyPr>
-          <a:lstStyle/>
-          <a:p>
-            <a:endParaRPr lang="zh-CN" altLang="en-US"/>
-          </a:p>
-        </p:txBody>
-      </p:sp>
-      <p:pic>
-        <p:nvPicPr>
-          <p:cNvPr id="1038" name="Picture 14" descr="PlantUML diagram"/>
-          <p:cNvPicPr>
-            <a:picLocks noChangeAspect="1" noChangeArrowheads="1"/>
-          </p:cNvPicPr>
-          <p:nvPr/>
-        </p:nvPicPr>
-        <p:blipFill>
-          <a:blip r:embed="rId2">
-            <a:extLst>
-              <a:ext uri="{28A0092B-C50C-407E-A947-70E740481C1C}">
-                <a14:useLocalDpi xmlns:a14="http://schemas.microsoft.com/office/drawing/2010/main" val="0"/>
-              </a:ext>
-            </a:extLst>
-          </a:blip>
-          <a:srcRect/>
-          <a:stretch>
-            <a:fillRect/>
-          </a:stretch>
-        </p:blipFill>
-        <p:spPr bwMode="auto">
-          <a:xfrm>
-            <a:off x="4242816" y="262117"/>
-            <a:ext cx="7388352" cy="6437133"/>
-          </a:xfrm>
-          <a:prstGeom prst="rect">
-            <a:avLst/>
-          </a:prstGeom>
-          <a:noFill/>
-          <a:extLst>
-            <a:ext uri="{909E8E84-426E-40DD-AFC4-6F175D3DCCD1}">
-              <a14:hiddenFill xmlns:a14="http://schemas.microsoft.com/office/drawing/2010/main">
-                <a:solidFill>
-                  <a:srgbClr val="FFFFFF"/>
-                </a:solidFill>
-              </a14:hiddenFill>
-            </a:ext>
-          </a:extLst>
-        </p:spPr>
-      </p:pic>
-    </p:spTree>
-    <p:extLst>
-      <p:ext uri="{BB962C8B-B14F-4D97-AF65-F5344CB8AC3E}">
-        <p14:creationId xmlns:p14="http://schemas.microsoft.com/office/powerpoint/2010/main" val="1102574375"/>
-      </p:ext>
-    </p:extLst>
-  </p:cSld>
-  <p:clrMapOvr>
-    <a:masterClrMapping/>
-  </p:clrMapOvr>
-</p:sld>
-</file>
-
 <file path=ppt/slides/slide5.xml><?xml version="1.0" encoding="utf-8"?>
 <p:sld xmlns:a="http://schemas.openxmlformats.org/drawingml/2006/main" xmlns:r="http://schemas.openxmlformats.org/officeDocument/2006/relationships" xmlns:p="http://schemas.openxmlformats.org/presentationml/2006/main">
   <p:cSld>
@@ -3959,11 +8803,7 @@
           <a:p>
             <a:r>
               <a:rPr lang="zh-CN" altLang="en-US" dirty="0" smtClean="0"/>
-              <a:t>活动</a:t>
-            </a:r>
-            <a:r>
-              <a:rPr lang="en-US" altLang="zh-CN" dirty="0" smtClean="0"/>
-              <a:t>(2B)</a:t>
+              <a:t>超级管理员</a:t>
             </a:r>
             <a:endParaRPr lang="zh-CN" altLang="en-US" dirty="0"/>
           </a:p>
@@ -3985,58 +8825,97 @@
           <a:lstStyle/>
           <a:p>
             <a:r>
+              <a:rPr lang="zh-CN" altLang="en-US" dirty="0"/>
+              <a:t>用户故事</a:t>
+            </a:r>
+            <a:endParaRPr lang="en-US" altLang="zh-CN" dirty="0"/>
+          </a:p>
+          <a:p>
+            <a:pPr lvl="1"/>
+            <a:r>
+              <a:rPr lang="zh-CN" altLang="en-US" dirty="0"/>
+              <a:t>作为</a:t>
+            </a:r>
+            <a:r>
+              <a:rPr lang="zh-CN" altLang="en-US" dirty="0" smtClean="0"/>
+              <a:t>：超级管理员</a:t>
+            </a:r>
+            <a:endParaRPr lang="en-US" altLang="zh-CN" dirty="0"/>
+          </a:p>
+          <a:p>
+            <a:pPr lvl="1"/>
+            <a:r>
+              <a:rPr lang="zh-CN" altLang="en-US" dirty="0"/>
+              <a:t>为了</a:t>
+            </a:r>
+            <a:r>
+              <a:rPr lang="zh-CN" altLang="en-US" dirty="0" smtClean="0"/>
+              <a:t>：能够创</a:t>
+            </a:r>
+            <a:r>
+              <a:rPr lang="zh-CN" altLang="en-US" dirty="0" smtClean="0"/>
+              <a:t>建</a:t>
+            </a:r>
+            <a:r>
               <a:rPr lang="en-US" altLang="zh-CN" dirty="0"/>
-              <a:t>http://www.plantuml.com/plantuml/uml/SoWkIImgAStDuSf9JIjHACbNACfCpoXHICaiIaqkoSpFu-AoUj6x_kckwK_sDx-Sql1quWmDLqq5AuN4OWLNY5HV4qXyoZgGb8icMCO5LUR9ZjtFrotKS8RgS-QoUZgrxMdNmgUjQvxsxz1mWeexSLa1bJsVq0OooH4gwCZ5vQIWcv9VdgThfw3nRClkfrqhda_P_6BzzgVh5ZxhtAc98Zr_wVCvtH15J_OlVDQu_d73X6Sx5hnidFouOQ8cbpEwIK_x9xxOkXrYdgwTKqmUK3t4vU_tz40q0XcG000oGCwUt0YIchhXPNi_IAHtwfFTso66utC7t5omKeVKl1HWc0C0</a:t>
+              <a:t>/</a:t>
+            </a:r>
+            <a:r>
+              <a:rPr lang="zh-CN" altLang="en-US" dirty="0"/>
+              <a:t>修改管</a:t>
+            </a:r>
+            <a:r>
+              <a:rPr lang="zh-CN" altLang="en-US" dirty="0" smtClean="0"/>
+              <a:t>理</a:t>
+            </a:r>
+            <a:r>
+              <a:rPr lang="zh-CN" altLang="en-US" dirty="0" smtClean="0"/>
+              <a:t>员角色</a:t>
+            </a:r>
+            <a:endParaRPr lang="en-US" altLang="zh-CN" dirty="0"/>
+          </a:p>
+          <a:p>
+            <a:pPr lvl="1"/>
+            <a:r>
+              <a:rPr lang="zh-CN" altLang="en-US" dirty="0"/>
+              <a:t>我想</a:t>
+            </a:r>
+            <a:r>
+              <a:rPr lang="zh-CN" altLang="en-US" dirty="0" smtClean="0"/>
+              <a:t>：提供创</a:t>
+            </a:r>
+            <a:r>
+              <a:rPr lang="zh-CN" altLang="en-US" dirty="0" smtClean="0"/>
+              <a:t>建</a:t>
+            </a:r>
+            <a:r>
+              <a:rPr lang="en-US" altLang="zh-CN" dirty="0"/>
+              <a:t>/</a:t>
+            </a:r>
+            <a:r>
+              <a:rPr lang="zh-CN" altLang="en-US" dirty="0"/>
+              <a:t>修改管</a:t>
+            </a:r>
+            <a:r>
+              <a:rPr lang="zh-CN" altLang="en-US" dirty="0" smtClean="0"/>
+              <a:t>理</a:t>
+            </a:r>
+            <a:r>
+              <a:rPr lang="zh-CN" altLang="en-US" dirty="0"/>
+              <a:t>员角色接</a:t>
+            </a:r>
+            <a:r>
+              <a:rPr lang="zh-CN" altLang="en-US" dirty="0" smtClean="0"/>
+              <a:t>口</a:t>
             </a:r>
             <a:endParaRPr lang="zh-CN" altLang="en-US" dirty="0"/>
           </a:p>
         </p:txBody>
       </p:sp>
-      <p:pic>
-        <p:nvPicPr>
-          <p:cNvPr id="2056" name="Picture 8" descr="PlantUML diagram"/>
-          <p:cNvPicPr>
-            <a:picLocks noChangeAspect="1" noChangeArrowheads="1"/>
-          </p:cNvPicPr>
-          <p:nvPr/>
-        </p:nvPicPr>
-        <p:blipFill>
-          <a:blip r:embed="rId2">
-            <a:extLst>
-              <a:ext uri="{28A0092B-C50C-407E-A947-70E740481C1C}">
-                <a14:useLocalDpi xmlns:a14="http://schemas.microsoft.com/office/drawing/2010/main" val="0"/>
-              </a:ext>
-            </a:extLst>
-          </a:blip>
-          <a:srcRect/>
-          <a:stretch>
-            <a:fillRect/>
-          </a:stretch>
-        </p:blipFill>
-        <p:spPr bwMode="auto">
-          <a:xfrm>
-            <a:off x="7153656" y="1106424"/>
-            <a:ext cx="4419600" cy="5248275"/>
-          </a:xfrm>
-          <a:prstGeom prst="rect">
-            <a:avLst/>
-          </a:prstGeom>
-          <a:noFill/>
-          <a:extLst>
-            <a:ext uri="{909E8E84-426E-40DD-AFC4-6F175D3DCCD1}">
-              <a14:hiddenFill xmlns:a14="http://schemas.microsoft.com/office/drawing/2010/main">
-                <a:solidFill>
-                  <a:srgbClr val="FFFFFF"/>
-                </a:solidFill>
-              </a14:hiddenFill>
-            </a:ext>
-          </a:extLst>
-        </p:spPr>
-      </p:pic>
     </p:spTree>
     <p:extLst>
       <p:ext uri="{BB962C8B-B14F-4D97-AF65-F5344CB8AC3E}">
-        <p14:creationId xmlns:p14="http://schemas.microsoft.com/office/powerpoint/2010/main" val="2125404294"/>
+        <p14:creationId xmlns:p14="http://schemas.microsoft.com/office/powerpoint/2010/main" val="2930770683"/>
       </p:ext>
     </p:extLst>
   </p:cSld>
@@ -4079,16 +8958,8 @@
           <a:lstStyle/>
           <a:p>
             <a:r>
-              <a:rPr lang="zh-CN" altLang="en-US" dirty="0"/>
-              <a:t>活</a:t>
-            </a:r>
-            <a:r>
-              <a:rPr lang="zh-CN" altLang="en-US" dirty="0" smtClean="0"/>
-              <a:t>动</a:t>
-            </a:r>
-            <a:r>
-              <a:rPr lang="en-US" altLang="zh-CN" dirty="0"/>
-              <a:t>(2B)</a:t>
+              <a:rPr lang="zh-CN" altLang="en-US" dirty="0" smtClean="0"/>
+              <a:t>超级管理员</a:t>
             </a:r>
             <a:endParaRPr lang="zh-CN" altLang="en-US" dirty="0"/>
           </a:p>
@@ -4106,64 +8977,113 @@
         </p:nvSpPr>
         <p:spPr/>
         <p:txBody>
-          <a:bodyPr>
-            <a:normAutofit/>
-          </a:bodyPr>
-          <a:lstStyle/>
-          <a:p>
-            <a:r>
-              <a:rPr lang="en-US" altLang="zh-CN" dirty="0"/>
-              <a:t>http://www.plantuml.com/plantuml/uml/ZTFDJi9040Vm-px5XXCUck275v8YVlWWtMuF9YX9gJSEL2CA4OgXg3VjpODfIJ02beINwRPmuXNSTHhg9ePu827Jt_ndkfkMQvPcMfVd5MITMHK3is3ARjxZZv2rtn12ccvLJPnRT0BMlOhcrqktmHwUywTREQpLi86h9ZLCl5yeo58mrnVo12HDvTxVCfg4YU_bZm7hEDMxcMQ39cjxV3NcJF97u4ZATZB6Kv9UKmm-1AEbPfiRH3LB8rhDmApNPSum6OL9-28K9Hah85qfKLB4Y-wOEOzYSD-Evbvi1uWIHIdfHQacwNZokhJxifPgaXP7yFKaQwacQRWKUBAQtS4IgzazTF0_C6WrQ_4i4OMX8ylYKOaxMWHZUC13u1Aotbzfwtp0yM2ul7L4lJE8mh6OGfIVIEPxSMiA2X7OE9hxiPlMalPdtB1HlLvV_yY6zvBUWW_OS0ZP_YdMaQeUg2gY_s-XQOjOgsnSKFufV0C0</a:t>
+          <a:bodyPr/>
+          <a:lstStyle/>
+          <a:p>
+            <a:r>
+              <a:rPr lang="zh-CN" altLang="en-US" dirty="0" smtClean="0"/>
+              <a:t>验收条件</a:t>
+            </a:r>
+            <a:endParaRPr lang="en-US" altLang="zh-CN" dirty="0" smtClean="0"/>
+          </a:p>
+          <a:p>
+            <a:pPr marL="914400" lvl="1" indent="-457200">
+              <a:buFont typeface="+mj-lt"/>
+              <a:buAutoNum type="arabicPeriod"/>
+            </a:pPr>
+            <a:r>
+              <a:rPr lang="zh-CN" altLang="en-US" dirty="0"/>
+              <a:t>能</a:t>
+            </a:r>
+            <a:r>
+              <a:rPr lang="zh-CN" altLang="en-US" dirty="0" smtClean="0"/>
+              <a:t>够创建管理员角色</a:t>
+            </a:r>
+            <a:endParaRPr lang="en-US" altLang="zh-CN" dirty="0" smtClean="0"/>
+          </a:p>
+          <a:p>
+            <a:pPr marL="914400" lvl="1" indent="-457200">
+              <a:buFont typeface="+mj-lt"/>
+              <a:buAutoNum type="arabicPeriod"/>
+            </a:pPr>
+            <a:r>
+              <a:rPr lang="zh-CN" altLang="en-US" dirty="0"/>
+              <a:t>能</a:t>
+            </a:r>
+            <a:r>
+              <a:rPr lang="zh-CN" altLang="en-US" dirty="0" smtClean="0"/>
+              <a:t>够邀请系统中已有用户通过固定连接加入该角</a:t>
+            </a:r>
+            <a:r>
+              <a:rPr lang="zh-CN" altLang="en-US" dirty="0" smtClean="0"/>
+              <a:t>色</a:t>
+            </a:r>
+            <a:endParaRPr lang="en-US" altLang="zh-CN" dirty="0" smtClean="0"/>
+          </a:p>
+          <a:p>
+            <a:pPr marL="914400" lvl="1" indent="-457200">
+              <a:buFont typeface="+mj-lt"/>
+              <a:buAutoNum type="arabicPeriod"/>
+            </a:pPr>
+            <a:r>
+              <a:rPr lang="zh-CN" altLang="en-US" dirty="0"/>
+              <a:t>能够输</a:t>
+            </a:r>
+            <a:r>
+              <a:rPr lang="zh-CN" altLang="en-US" dirty="0" smtClean="0"/>
+              <a:t>入</a:t>
+            </a:r>
+            <a:r>
+              <a:rPr lang="zh-CN" altLang="en-US" dirty="0"/>
+              <a:t>管理员</a:t>
+            </a:r>
+            <a:r>
+              <a:rPr lang="zh-CN" altLang="en-US" dirty="0" smtClean="0"/>
+              <a:t>角</a:t>
+            </a:r>
+            <a:r>
+              <a:rPr lang="zh-CN" altLang="en-US" dirty="0"/>
+              <a:t>色相关信息</a:t>
+            </a:r>
+            <a:r>
+              <a:rPr lang="zh-CN" altLang="en-US" dirty="0">
+                <a:solidFill>
+                  <a:srgbClr val="FF0000"/>
+                </a:solidFill>
+              </a:rPr>
+              <a:t>（需定义</a:t>
+            </a:r>
+            <a:r>
+              <a:rPr lang="zh-CN" altLang="en-US" dirty="0" smtClean="0">
+                <a:solidFill>
+                  <a:srgbClr val="FF0000"/>
+                </a:solidFill>
+              </a:rPr>
+              <a:t>）</a:t>
+            </a:r>
+            <a:endParaRPr lang="en-US" altLang="zh-CN" dirty="0" smtClean="0"/>
+          </a:p>
+          <a:p>
+            <a:pPr marL="914400" lvl="1" indent="-457200">
+              <a:buFont typeface="+mj-lt"/>
+              <a:buAutoNum type="arabicPeriod"/>
+            </a:pPr>
+            <a:r>
+              <a:rPr lang="zh-CN" altLang="en-US" dirty="0"/>
+              <a:t>能</a:t>
+            </a:r>
+            <a:r>
+              <a:rPr lang="zh-CN" altLang="en-US" dirty="0" smtClean="0"/>
+              <a:t>够将当前管理员角色的用户删除</a:t>
             </a:r>
             <a:endParaRPr lang="zh-CN" altLang="en-US" dirty="0"/>
           </a:p>
         </p:txBody>
       </p:sp>
-      <p:pic>
-        <p:nvPicPr>
-          <p:cNvPr id="3080" name="Picture 8" descr="PlantUML diagram"/>
-          <p:cNvPicPr>
-            <a:picLocks noChangeAspect="1" noChangeArrowheads="1"/>
-          </p:cNvPicPr>
-          <p:nvPr/>
-        </p:nvPicPr>
-        <p:blipFill>
-          <a:blip r:embed="rId2">
-            <a:extLst>
-              <a:ext uri="{28A0092B-C50C-407E-A947-70E740481C1C}">
-                <a14:useLocalDpi xmlns:a14="http://schemas.microsoft.com/office/drawing/2010/main" val="0"/>
-              </a:ext>
-            </a:extLst>
-          </a:blip>
-          <a:srcRect/>
-          <a:stretch>
-            <a:fillRect/>
-          </a:stretch>
-        </p:blipFill>
-        <p:spPr bwMode="auto">
-          <a:xfrm>
-            <a:off x="5932591" y="557783"/>
-            <a:ext cx="5740614" cy="6031103"/>
-          </a:xfrm>
-          <a:prstGeom prst="rect">
-            <a:avLst/>
-          </a:prstGeom>
-          <a:noFill/>
-          <a:extLst>
-            <a:ext uri="{909E8E84-426E-40DD-AFC4-6F175D3DCCD1}">
-              <a14:hiddenFill xmlns:a14="http://schemas.microsoft.com/office/drawing/2010/main">
-                <a:solidFill>
-                  <a:srgbClr val="FFFFFF"/>
-                </a:solidFill>
-              </a14:hiddenFill>
-            </a:ext>
-          </a:extLst>
-        </p:spPr>
-      </p:pic>
     </p:spTree>
     <p:extLst>
       <p:ext uri="{BB962C8B-B14F-4D97-AF65-F5344CB8AC3E}">
-        <p14:creationId xmlns:p14="http://schemas.microsoft.com/office/powerpoint/2010/main" val="2342793258"/>
+        <p14:creationId xmlns:p14="http://schemas.microsoft.com/office/powerpoint/2010/main" val="3434858312"/>
       </p:ext>
     </p:extLst>
   </p:cSld>
@@ -4207,11 +9127,11 @@
           <a:p>
             <a:r>
               <a:rPr lang="zh-CN" altLang="en-US" dirty="0" smtClean="0"/>
-              <a:t>促销</a:t>
-            </a:r>
-            <a:r>
-              <a:rPr lang="en-US" altLang="zh-CN" dirty="0" smtClean="0"/>
-              <a:t>(2C)</a:t>
+              <a:t>管</a:t>
+            </a:r>
+            <a:r>
+              <a:rPr lang="zh-CN" altLang="en-US" dirty="0" smtClean="0"/>
+              <a:t>理员</a:t>
             </a:r>
             <a:endParaRPr lang="zh-CN" altLang="en-US" dirty="0"/>
           </a:p>
@@ -4233,58 +9153,113 @@
           <a:lstStyle/>
           <a:p>
             <a:r>
+              <a:rPr lang="zh-CN" altLang="en-US" dirty="0"/>
+              <a:t>用户故事</a:t>
+            </a:r>
+            <a:endParaRPr lang="en-US" altLang="zh-CN" dirty="0"/>
+          </a:p>
+          <a:p>
+            <a:pPr lvl="1"/>
+            <a:r>
+              <a:rPr lang="zh-CN" altLang="en-US" dirty="0"/>
+              <a:t>作为</a:t>
+            </a:r>
+            <a:r>
+              <a:rPr lang="zh-CN" altLang="en-US" dirty="0" smtClean="0"/>
+              <a:t>：管</a:t>
+            </a:r>
+            <a:r>
+              <a:rPr lang="zh-CN" altLang="en-US" dirty="0" smtClean="0"/>
+              <a:t>理员</a:t>
+            </a:r>
+            <a:endParaRPr lang="en-US" altLang="zh-CN" dirty="0"/>
+          </a:p>
+          <a:p>
+            <a:pPr lvl="1"/>
+            <a:r>
+              <a:rPr lang="zh-CN" altLang="en-US" dirty="0"/>
+              <a:t>为了</a:t>
+            </a:r>
+            <a:r>
+              <a:rPr lang="zh-CN" altLang="en-US" dirty="0" smtClean="0"/>
+              <a:t>：能</a:t>
+            </a:r>
+            <a:r>
+              <a:rPr lang="zh-CN" altLang="en-US" dirty="0" smtClean="0"/>
+              <a:t>够</a:t>
+            </a:r>
+            <a:r>
+              <a:rPr lang="zh-CN" altLang="en-US" dirty="0"/>
+              <a:t>创</a:t>
+            </a:r>
+            <a:r>
+              <a:rPr lang="zh-CN" altLang="en-US" dirty="0" smtClean="0"/>
+              <a:t>建</a:t>
+            </a:r>
+            <a:r>
               <a:rPr lang="en-US" altLang="zh-CN" dirty="0"/>
-              <a:t>http://www.plantuml.com/plantuml/uml/SoWkIImgAStDuSf9JIjHACbNACfCpoXHICaiIaqkoSpFu-AoUj6x_cbVqvFzpI-dD3oTE4F3LLF1IY6nMC4L9WKIdx8E9EMY2PPnGPLvicFtytKBDPoX-fovh9vERNlQjV1fwvgd_JiqdA3YJbnMG6NF9xI1J7A42ZfoSJahwARab-VfsYbeFElhU3Qt-UcwXSywT-hQkMYYoCrV-dnEDzIP7TDVB5pnk642n1cF6oPgShaWb48KFTko-sdNYgVz4rzitQwWQ-SSawS0r07XFzcrw_sU7f0p9pS26L1Jk-OzspnLv_diTSyMjCF30s8uVdSWJ0MhTaLIlR7zMTTIYEeN-sS_tJWLx2zN0kP1t00ppo4rBmKOXm00</a:t>
+              <a:t>/</a:t>
+            </a:r>
+            <a:r>
+              <a:rPr lang="zh-CN" altLang="en-US" dirty="0"/>
+              <a:t>修改</a:t>
+            </a:r>
+            <a:r>
+              <a:rPr lang="zh-CN" altLang="en-US" dirty="0" smtClean="0"/>
+              <a:t>商务公司（渠道）角色</a:t>
+            </a:r>
+            <a:endParaRPr lang="en-US" altLang="zh-CN" dirty="0"/>
+          </a:p>
+          <a:p>
+            <a:pPr lvl="1"/>
+            <a:r>
+              <a:rPr lang="zh-CN" altLang="en-US" dirty="0"/>
+              <a:t>我想</a:t>
+            </a:r>
+            <a:r>
+              <a:rPr lang="zh-CN" altLang="en-US" dirty="0" smtClean="0"/>
+              <a:t>：提供创</a:t>
+            </a:r>
+            <a:r>
+              <a:rPr lang="zh-CN" altLang="en-US" dirty="0" smtClean="0"/>
+              <a:t>建</a:t>
+            </a:r>
+            <a:r>
+              <a:rPr lang="en-US" altLang="zh-CN" dirty="0"/>
+              <a:t>/</a:t>
+            </a:r>
+            <a:r>
+              <a:rPr lang="zh-CN" altLang="en-US" dirty="0"/>
+              <a:t>修改</a:t>
+            </a:r>
+            <a:r>
+              <a:rPr lang="zh-CN" altLang="en-US" dirty="0" smtClean="0"/>
+              <a:t>商</a:t>
+            </a:r>
+            <a:r>
+              <a:rPr lang="zh-CN" altLang="en-US" dirty="0"/>
+              <a:t>务公司（渠道）</a:t>
+            </a:r>
+            <a:r>
+              <a:rPr lang="zh-CN" altLang="en-US" dirty="0" smtClean="0"/>
+              <a:t>角</a:t>
+            </a:r>
+            <a:r>
+              <a:rPr lang="zh-CN" altLang="en-US" dirty="0"/>
+              <a:t>色接</a:t>
+            </a:r>
+            <a:r>
+              <a:rPr lang="zh-CN" altLang="en-US" dirty="0" smtClean="0"/>
+              <a:t>口</a:t>
             </a:r>
             <a:endParaRPr lang="zh-CN" altLang="en-US" dirty="0"/>
           </a:p>
         </p:txBody>
       </p:sp>
-      <p:pic>
-        <p:nvPicPr>
-          <p:cNvPr id="4100" name="Picture 4" descr="PlantUML diagram"/>
-          <p:cNvPicPr>
-            <a:picLocks noChangeAspect="1" noChangeArrowheads="1"/>
-          </p:cNvPicPr>
-          <p:nvPr/>
-        </p:nvPicPr>
-        <p:blipFill>
-          <a:blip r:embed="rId2">
-            <a:extLst>
-              <a:ext uri="{28A0092B-C50C-407E-A947-70E740481C1C}">
-                <a14:useLocalDpi xmlns:a14="http://schemas.microsoft.com/office/drawing/2010/main" val="0"/>
-              </a:ext>
-            </a:extLst>
-          </a:blip>
-          <a:srcRect/>
-          <a:stretch>
-            <a:fillRect/>
-          </a:stretch>
-        </p:blipFill>
-        <p:spPr bwMode="auto">
-          <a:xfrm>
-            <a:off x="7019925" y="200533"/>
-            <a:ext cx="4333875" cy="6400800"/>
-          </a:xfrm>
-          <a:prstGeom prst="rect">
-            <a:avLst/>
-          </a:prstGeom>
-          <a:noFill/>
-          <a:extLst>
-            <a:ext uri="{909E8E84-426E-40DD-AFC4-6F175D3DCCD1}">
-              <a14:hiddenFill xmlns:a14="http://schemas.microsoft.com/office/drawing/2010/main">
-                <a:solidFill>
-                  <a:srgbClr val="FFFFFF"/>
-                </a:solidFill>
-              </a14:hiddenFill>
-            </a:ext>
-          </a:extLst>
-        </p:spPr>
-      </p:pic>
     </p:spTree>
     <p:extLst>
       <p:ext uri="{BB962C8B-B14F-4D97-AF65-F5344CB8AC3E}">
-        <p14:creationId xmlns:p14="http://schemas.microsoft.com/office/powerpoint/2010/main" val="461097577"/>
+        <p14:creationId xmlns:p14="http://schemas.microsoft.com/office/powerpoint/2010/main" val="4134549364"/>
       </p:ext>
     </p:extLst>
   </p:cSld>
@@ -4328,86 +9303,174 @@
           <a:p>
             <a:r>
               <a:rPr lang="zh-CN" altLang="en-US" dirty="0" smtClean="0"/>
-              <a:t>促销</a:t>
+              <a:t>管</a:t>
+            </a:r>
+            <a:r>
+              <a:rPr lang="zh-CN" altLang="en-US" dirty="0" smtClean="0"/>
+              <a:t>理员</a:t>
+            </a:r>
+            <a:endParaRPr lang="zh-CN" altLang="en-US" dirty="0"/>
+          </a:p>
+        </p:txBody>
+      </p:sp>
+      <p:sp>
+        <p:nvSpPr>
+          <p:cNvPr id="3" name="内容占位符 2"/>
+          <p:cNvSpPr>
+            <a:spLocks noGrp="1"/>
+          </p:cNvSpPr>
+          <p:nvPr>
+            <p:ph idx="1"/>
+          </p:nvPr>
+        </p:nvSpPr>
+        <p:spPr/>
+        <p:txBody>
+          <a:bodyPr/>
+          <a:lstStyle/>
+          <a:p>
+            <a:r>
+              <a:rPr lang="zh-CN" altLang="en-US" dirty="0" smtClean="0"/>
+              <a:t>验收条件</a:t>
+            </a:r>
+            <a:endParaRPr lang="en-US" altLang="zh-CN" dirty="0" smtClean="0"/>
+          </a:p>
+          <a:p>
+            <a:pPr marL="914400" lvl="1" indent="-457200">
+              <a:buFont typeface="+mj-lt"/>
+              <a:buAutoNum type="arabicPeriod"/>
+            </a:pPr>
+            <a:r>
+              <a:rPr lang="zh-CN" altLang="en-US" dirty="0"/>
+              <a:t>能</a:t>
+            </a:r>
+            <a:r>
+              <a:rPr lang="zh-CN" altLang="en-US" dirty="0" smtClean="0"/>
+              <a:t>够创</a:t>
+            </a:r>
+            <a:r>
+              <a:rPr lang="zh-CN" altLang="en-US" dirty="0" smtClean="0"/>
+              <a:t>建</a:t>
+            </a:r>
+            <a:r>
+              <a:rPr lang="zh-CN" altLang="en-US" dirty="0"/>
+              <a:t>商务公司（渠道）</a:t>
+            </a:r>
+            <a:r>
+              <a:rPr lang="zh-CN" altLang="en-US" dirty="0" smtClean="0"/>
+              <a:t>角</a:t>
+            </a:r>
+            <a:r>
+              <a:rPr lang="zh-CN" altLang="en-US" dirty="0" smtClean="0"/>
+              <a:t>色</a:t>
+            </a:r>
+            <a:endParaRPr lang="en-US" altLang="zh-CN" dirty="0" smtClean="0"/>
+          </a:p>
+          <a:p>
+            <a:pPr marL="914400" lvl="1" indent="-457200">
+              <a:buFont typeface="+mj-lt"/>
+              <a:buAutoNum type="arabicPeriod"/>
+            </a:pPr>
+            <a:r>
+              <a:rPr lang="zh-CN" altLang="en-US" dirty="0"/>
+              <a:t>能</a:t>
+            </a:r>
+            <a:r>
+              <a:rPr lang="zh-CN" altLang="en-US" dirty="0" smtClean="0"/>
+              <a:t>够邀请系统中已有用户通过固定连接加入该角</a:t>
+            </a:r>
+            <a:r>
+              <a:rPr lang="zh-CN" altLang="en-US" dirty="0" smtClean="0"/>
+              <a:t>色</a:t>
+            </a:r>
+            <a:endParaRPr lang="en-US" altLang="zh-CN" dirty="0" smtClean="0"/>
+          </a:p>
+          <a:p>
+            <a:pPr marL="914400" lvl="1" indent="-457200">
+              <a:buFont typeface="+mj-lt"/>
+              <a:buAutoNum type="arabicPeriod"/>
+            </a:pPr>
+            <a:r>
+              <a:rPr lang="zh-CN" altLang="en-US" dirty="0"/>
+              <a:t>能</a:t>
+            </a:r>
+            <a:r>
+              <a:rPr lang="zh-CN" altLang="en-US" dirty="0" smtClean="0"/>
+              <a:t>够输入</a:t>
+            </a:r>
+            <a:r>
+              <a:rPr lang="zh-CN" altLang="en-US" dirty="0"/>
+              <a:t>商务公司（渠道）</a:t>
+            </a:r>
+            <a:r>
+              <a:rPr lang="zh-CN" altLang="en-US" dirty="0" smtClean="0"/>
+              <a:t>角色相关信息</a:t>
+            </a:r>
+            <a:r>
+              <a:rPr lang="zh-CN" altLang="en-US" dirty="0" smtClean="0">
+                <a:solidFill>
+                  <a:srgbClr val="FF0000"/>
+                </a:solidFill>
+              </a:rPr>
+              <a:t>（需定义）</a:t>
+            </a:r>
+            <a:endParaRPr lang="en-US" altLang="zh-CN" dirty="0" smtClean="0">
+              <a:solidFill>
+                <a:srgbClr val="FF0000"/>
+              </a:solidFill>
+            </a:endParaRPr>
+          </a:p>
+          <a:p>
+            <a:pPr marL="914400" lvl="1" indent="-457200">
+              <a:buFont typeface="+mj-lt"/>
+              <a:buAutoNum type="arabicPeriod"/>
+            </a:pPr>
+            <a:r>
+              <a:rPr lang="zh-CN" altLang="en-US" dirty="0" smtClean="0"/>
+              <a:t>能够添加</a:t>
             </a:r>
             <a:r>
               <a:rPr lang="en-US" altLang="zh-CN" dirty="0" smtClean="0"/>
-              <a:t>(2C)</a:t>
+              <a:t>/</a:t>
+            </a:r>
+            <a:r>
+              <a:rPr lang="zh-CN" altLang="en-US" dirty="0"/>
+              <a:t>修改商务公司（渠道）角</a:t>
+            </a:r>
+            <a:r>
+              <a:rPr lang="zh-CN" altLang="en-US" dirty="0" smtClean="0"/>
+              <a:t>色的有效期</a:t>
+            </a:r>
+            <a:endParaRPr lang="en-US" altLang="zh-CN" dirty="0" smtClean="0"/>
+          </a:p>
+          <a:p>
+            <a:pPr marL="914400" lvl="1" indent="-457200">
+              <a:buFont typeface="+mj-lt"/>
+              <a:buAutoNum type="arabicPeriod"/>
+            </a:pPr>
+            <a:r>
+              <a:rPr lang="zh-CN" altLang="en-US" dirty="0"/>
+              <a:t>能</a:t>
+            </a:r>
+            <a:r>
+              <a:rPr lang="zh-CN" altLang="en-US" dirty="0" smtClean="0"/>
+              <a:t>够将当</a:t>
+            </a:r>
+            <a:r>
+              <a:rPr lang="zh-CN" altLang="en-US" dirty="0"/>
+              <a:t>前商务公司（渠道）角</a:t>
+            </a:r>
+            <a:r>
+              <a:rPr lang="zh-CN" altLang="en-US" dirty="0" smtClean="0"/>
+              <a:t>色的用户删除</a:t>
             </a:r>
             <a:endParaRPr lang="zh-CN" altLang="en-US" dirty="0"/>
           </a:p>
         </p:txBody>
       </p:sp>
-      <p:sp>
-        <p:nvSpPr>
-          <p:cNvPr id="3" name="内容占位符 2"/>
-          <p:cNvSpPr>
-            <a:spLocks noGrp="1"/>
-          </p:cNvSpPr>
-          <p:nvPr>
-            <p:ph idx="1"/>
-          </p:nvPr>
-        </p:nvSpPr>
-        <p:spPr/>
-        <p:txBody>
-          <a:bodyPr>
-            <a:normAutofit fontScale="92500"/>
-          </a:bodyPr>
-          <a:lstStyle/>
-          <a:p>
-            <a:r>
-              <a:rPr lang="en-US" altLang="zh-CN" dirty="0"/>
-              <a:t>http://www.plantuml.com/plantuml/uml/VTBBJkf060Vm_Jp5X1LdGSAvd4qN12y-IDlfmWGbANN70ZI2LAKGYp4XGPjeui8K2IgNalHbEZDrnIiumzJ1nikYIJlp-xxlFssB5KirhOEz4h1shP81e_3erQq105JTAfim4vyFSVjGhEBkLNRdLmQg5MZ0ieaC4_xFvzEICzVdSbj8bCX_Nyje6b3Vosu9hCD4_rrht6jWsyF73zYPPZU5qnBsPyrO5zffyC4RmgY9-SqCGAgbQch5WBZJniuZ7GSqkEOAQP8nf-SAI5DWt9vWvv8FlgX7eKVgGu2qNAwWAwcrb8wcftWqa2zAbl4g-CtcQe-wutWu4NlBnGbskl7p99hFbuipCOtT99NsW8nxx97sVNBJbEsMYnRBicg6VO-qPkGfmFRzUxuez8ax4vhQBwHM1zLgLLwfKmWbyh4mualn_kBy07t4Oep4Chdq21W_-C-d45M6ZCQh5KX6JMBV2HU7VJpg0SIPGZq_zcz1qTX7x0T-0m00</a:t>
-            </a:r>
-            <a:endParaRPr lang="zh-CN" altLang="en-US" dirty="0"/>
-          </a:p>
-        </p:txBody>
-      </p:sp>
-      <p:pic>
-        <p:nvPicPr>
-          <p:cNvPr id="7172" name="Picture 4" descr="PlantUML diagram"/>
-          <p:cNvPicPr>
-            <a:picLocks noChangeAspect="1" noChangeArrowheads="1"/>
-          </p:cNvPicPr>
-          <p:nvPr/>
-        </p:nvPicPr>
-        <p:blipFill>
-          <a:blip r:embed="rId2">
-            <a:extLst>
-              <a:ext uri="{28A0092B-C50C-407E-A947-70E740481C1C}">
-                <a14:useLocalDpi xmlns:a14="http://schemas.microsoft.com/office/drawing/2010/main" val="0"/>
-              </a:ext>
-            </a:extLst>
-          </a:blip>
-          <a:srcRect/>
-          <a:stretch>
-            <a:fillRect/>
-          </a:stretch>
-        </p:blipFill>
-        <p:spPr bwMode="auto">
-          <a:xfrm>
-            <a:off x="4462271" y="451188"/>
-            <a:ext cx="7279513" cy="6150780"/>
-          </a:xfrm>
-          <a:prstGeom prst="rect">
-            <a:avLst/>
-          </a:prstGeom>
-          <a:noFill/>
-          <a:extLst>
-            <a:ext uri="{909E8E84-426E-40DD-AFC4-6F175D3DCCD1}">
-              <a14:hiddenFill xmlns:a14="http://schemas.microsoft.com/office/drawing/2010/main">
-                <a:solidFill>
-                  <a:srgbClr val="FFFFFF"/>
-                </a:solidFill>
-              </a14:hiddenFill>
-            </a:ext>
-          </a:extLst>
-        </p:spPr>
-      </p:pic>
     </p:spTree>
     <p:extLst>
       <p:ext uri="{BB962C8B-B14F-4D97-AF65-F5344CB8AC3E}">
-        <p14:creationId xmlns:p14="http://schemas.microsoft.com/office/powerpoint/2010/main" val="1757721149"/>
+        <p14:creationId xmlns:p14="http://schemas.microsoft.com/office/powerpoint/2010/main" val="634756230"/>
       </p:ext>
     </p:extLst>
   </p:cSld>
@@ -4450,8 +9513,8 @@
           <a:lstStyle/>
           <a:p>
             <a:r>
-              <a:rPr lang="zh-CN" altLang="en-US" dirty="0" smtClean="0"/>
-              <a:t>公告</a:t>
+              <a:rPr lang="zh-CN" altLang="en-US" dirty="0"/>
+              <a:t>商务公司（渠道）</a:t>
             </a:r>
             <a:endParaRPr lang="zh-CN" altLang="en-US" dirty="0"/>
           </a:p>
@@ -4473,58 +9536,105 @@
           <a:lstStyle/>
           <a:p>
             <a:r>
+              <a:rPr lang="zh-CN" altLang="en-US" dirty="0"/>
+              <a:t>用户故事</a:t>
+            </a:r>
+            <a:endParaRPr lang="en-US" altLang="zh-CN" dirty="0"/>
+          </a:p>
+          <a:p>
+            <a:pPr lvl="1"/>
+            <a:r>
+              <a:rPr lang="zh-CN" altLang="en-US" dirty="0"/>
+              <a:t>作为</a:t>
+            </a:r>
+            <a:r>
+              <a:rPr lang="zh-CN" altLang="en-US" dirty="0" smtClean="0"/>
+              <a:t>：</a:t>
+            </a:r>
+            <a:r>
+              <a:rPr lang="zh-CN" altLang="en-US" dirty="0"/>
+              <a:t>药厂（销售主管）</a:t>
+            </a:r>
+            <a:endParaRPr lang="en-US" altLang="zh-CN" dirty="0" smtClean="0"/>
+          </a:p>
+          <a:p>
+            <a:pPr lvl="1"/>
+            <a:r>
+              <a:rPr lang="zh-CN" altLang="en-US" dirty="0" smtClean="0"/>
+              <a:t>为了：能够</a:t>
+            </a:r>
+            <a:r>
+              <a:rPr lang="zh-CN" altLang="en-US" dirty="0" smtClean="0"/>
+              <a:t>创建</a:t>
+            </a:r>
+            <a:r>
               <a:rPr lang="en-US" altLang="zh-CN" dirty="0"/>
-              <a:t>http://www.plantuml.com/plantuml/uml/SoWkIImgAStDuSf9JIjHACbNACfCpoXHICaiIaqkoSpFu-AoUj6x_cbVqvFzpI-dD3oTE4F3LLF1IY6nMC4L9WKIdx8E9EMY2PPnGPLvicFtytKBDPoX-fovh9vERNlQjV1fwvgd_JiqdA3YJbnMG6NF9xI1J7A42ZfoSJahwARab-VfwjefQ3pjd_XqHpD8uyGkNJiNJHJ9P_ENFf_J3P5yt301ueJ73HCrkLnmgthMsV1qupmajGwfUId00040</a:t>
+              <a:t>/</a:t>
+            </a:r>
+            <a:r>
+              <a:rPr lang="zh-CN" altLang="en-US" dirty="0"/>
+              <a:t>修改</a:t>
+            </a:r>
+            <a:r>
+              <a:rPr lang="zh-CN" altLang="en-US" dirty="0" smtClean="0"/>
+              <a:t>药厂（销售主管）角色</a:t>
+            </a:r>
+            <a:endParaRPr lang="en-US" altLang="zh-CN" dirty="0" smtClean="0"/>
+          </a:p>
+          <a:p>
+            <a:pPr lvl="1"/>
+            <a:r>
+              <a:rPr lang="zh-CN" altLang="en-US" dirty="0" smtClean="0"/>
+              <a:t>我</a:t>
+            </a:r>
+            <a:r>
+              <a:rPr lang="zh-CN" altLang="en-US" dirty="0"/>
+              <a:t>想</a:t>
+            </a:r>
+            <a:r>
+              <a:rPr lang="zh-CN" altLang="en-US" dirty="0" smtClean="0"/>
+              <a:t>：提供创</a:t>
+            </a:r>
+            <a:r>
+              <a:rPr lang="zh-CN" altLang="en-US" dirty="0" smtClean="0"/>
+              <a:t>建</a:t>
+            </a:r>
+            <a:r>
+              <a:rPr lang="en-US" altLang="zh-CN" dirty="0"/>
+              <a:t>/</a:t>
+            </a:r>
+            <a:r>
+              <a:rPr lang="zh-CN" altLang="en-US" dirty="0"/>
+              <a:t>修改</a:t>
+            </a:r>
+            <a:r>
+              <a:rPr lang="zh-CN" altLang="en-US" dirty="0" smtClean="0"/>
+              <a:t>药厂（销</a:t>
+            </a:r>
+            <a:r>
+              <a:rPr lang="zh-CN" altLang="en-US" dirty="0"/>
+              <a:t>售主</a:t>
+            </a:r>
+            <a:r>
+              <a:rPr lang="zh-CN" altLang="en-US" dirty="0" smtClean="0"/>
+              <a:t>管）角</a:t>
+            </a:r>
+            <a:r>
+              <a:rPr lang="zh-CN" altLang="en-US" dirty="0"/>
+              <a:t>色接</a:t>
+            </a:r>
+            <a:r>
+              <a:rPr lang="zh-CN" altLang="en-US" dirty="0" smtClean="0"/>
+              <a:t>口</a:t>
             </a:r>
             <a:endParaRPr lang="zh-CN" altLang="en-US" dirty="0"/>
           </a:p>
         </p:txBody>
       </p:sp>
-      <p:pic>
-        <p:nvPicPr>
-          <p:cNvPr id="8194" name="Picture 2" descr="PlantUML diagram"/>
-          <p:cNvPicPr>
-            <a:picLocks noChangeAspect="1" noChangeArrowheads="1"/>
-          </p:cNvPicPr>
-          <p:nvPr/>
-        </p:nvPicPr>
-        <p:blipFill>
-          <a:blip r:embed="rId2">
-            <a:extLst>
-              <a:ext uri="{28A0092B-C50C-407E-A947-70E740481C1C}">
-                <a14:useLocalDpi xmlns:a14="http://schemas.microsoft.com/office/drawing/2010/main" val="0"/>
-              </a:ext>
-            </a:extLst>
-          </a:blip>
-          <a:srcRect/>
-          <a:stretch>
-            <a:fillRect/>
-          </a:stretch>
-        </p:blipFill>
-        <p:spPr bwMode="auto">
-          <a:xfrm>
-            <a:off x="6896100" y="1027906"/>
-            <a:ext cx="4457700" cy="4572000"/>
-          </a:xfrm>
-          <a:prstGeom prst="rect">
-            <a:avLst/>
-          </a:prstGeom>
-          <a:noFill/>
-          <a:extLst>
-            <a:ext uri="{909E8E84-426E-40DD-AFC4-6F175D3DCCD1}">
-              <a14:hiddenFill xmlns:a14="http://schemas.microsoft.com/office/drawing/2010/main">
-                <a:solidFill>
-                  <a:srgbClr val="FFFFFF"/>
-                </a:solidFill>
-              </a14:hiddenFill>
-            </a:ext>
-          </a:extLst>
-        </p:spPr>
-      </p:pic>
     </p:spTree>
     <p:extLst>
       <p:ext uri="{BB962C8B-B14F-4D97-AF65-F5344CB8AC3E}">
-        <p14:creationId xmlns:p14="http://schemas.microsoft.com/office/powerpoint/2010/main" val="3846585508"/>
+        <p14:creationId xmlns:p14="http://schemas.microsoft.com/office/powerpoint/2010/main" val="3453982090"/>
       </p:ext>
     </p:extLst>
   </p:cSld>

--- a/doc/prd.pptx
+++ b/doc/prd.pptx
@@ -3145,11 +3145,7 @@
             </a:r>
             <a:r>
               <a:rPr lang="zh-CN" altLang="en-US" dirty="0" smtClean="0"/>
-              <a:t>够创</a:t>
-            </a:r>
-            <a:r>
-              <a:rPr lang="zh-CN" altLang="en-US" dirty="0" smtClean="0"/>
-              <a:t>建</a:t>
+              <a:t>够创建</a:t>
             </a:r>
             <a:r>
               <a:rPr lang="zh-CN" altLang="en-US" dirty="0"/>
@@ -3157,11 +3153,7 @@
             </a:r>
             <a:r>
               <a:rPr lang="zh-CN" altLang="en-US" dirty="0" smtClean="0"/>
-              <a:t>角</a:t>
-            </a:r>
-            <a:r>
-              <a:rPr lang="zh-CN" altLang="en-US" dirty="0" smtClean="0"/>
-              <a:t>色</a:t>
+              <a:t>角色</a:t>
             </a:r>
             <a:endParaRPr lang="en-US" altLang="zh-CN" dirty="0" smtClean="0"/>
           </a:p>
@@ -3176,11 +3168,7 @@
             </a:r>
             <a:r>
               <a:rPr lang="zh-CN" altLang="en-US" dirty="0" smtClean="0"/>
-              <a:t>够邀请系统中已有用户通过固定连接加入该角</a:t>
-            </a:r>
-            <a:r>
-              <a:rPr lang="zh-CN" altLang="en-US" dirty="0" smtClean="0"/>
-              <a:t>色</a:t>
+              <a:t>够邀请系统中已有用户通过固定连接加入该角色</a:t>
             </a:r>
             <a:endParaRPr lang="en-US" altLang="zh-CN" dirty="0" smtClean="0"/>
           </a:p>
@@ -3211,7 +3199,96 @@
                   <a:srgbClr val="FF0000"/>
                 </a:solidFill>
               </a:rPr>
-              <a:t>（需定义）</a:t>
+              <a:t>（需定义</a:t>
+            </a:r>
+            <a:r>
+              <a:rPr lang="zh-CN" altLang="en-US" dirty="0" smtClean="0">
+                <a:solidFill>
+                  <a:srgbClr val="FF0000"/>
+                </a:solidFill>
+              </a:rPr>
+              <a:t>）</a:t>
+            </a:r>
+            <a:endParaRPr lang="en-US" altLang="zh-CN" dirty="0" smtClean="0">
+              <a:solidFill>
+                <a:srgbClr val="FF0000"/>
+              </a:solidFill>
+            </a:endParaRPr>
+          </a:p>
+          <a:p>
+            <a:pPr marL="1371600" lvl="2" indent="-457200">
+              <a:buFont typeface="+mj-lt"/>
+              <a:buAutoNum type="arabicPeriod"/>
+            </a:pPr>
+            <a:r>
+              <a:rPr lang="zh-CN" altLang="en-US" dirty="0">
+                <a:solidFill>
+                  <a:srgbClr val="FF0000"/>
+                </a:solidFill>
+              </a:rPr>
+              <a:t>公</a:t>
+            </a:r>
+            <a:r>
+              <a:rPr lang="zh-CN" altLang="en-US" dirty="0" smtClean="0">
+                <a:solidFill>
+                  <a:srgbClr val="FF0000"/>
+                </a:solidFill>
+              </a:rPr>
+              <a:t>司名称</a:t>
+            </a:r>
+            <a:endParaRPr lang="en-US" altLang="zh-CN" dirty="0" smtClean="0">
+              <a:solidFill>
+                <a:srgbClr val="FF0000"/>
+              </a:solidFill>
+            </a:endParaRPr>
+          </a:p>
+          <a:p>
+            <a:pPr marL="1371600" lvl="2" indent="-457200">
+              <a:buFont typeface="+mj-lt"/>
+              <a:buAutoNum type="arabicPeriod"/>
+            </a:pPr>
+            <a:r>
+              <a:rPr lang="zh-CN" altLang="en-US" dirty="0">
+                <a:solidFill>
+                  <a:srgbClr val="FF0000"/>
+                </a:solidFill>
+              </a:rPr>
+              <a:t>产</a:t>
+            </a:r>
+            <a:r>
+              <a:rPr lang="zh-CN" altLang="en-US" dirty="0" smtClean="0">
+                <a:solidFill>
+                  <a:srgbClr val="FF0000"/>
+                </a:solidFill>
+              </a:rPr>
+              <a:t>品数量</a:t>
+            </a:r>
+            <a:endParaRPr lang="en-US" altLang="zh-CN" dirty="0" smtClean="0">
+              <a:solidFill>
+                <a:srgbClr val="FF0000"/>
+              </a:solidFill>
+            </a:endParaRPr>
+          </a:p>
+          <a:p>
+            <a:pPr marL="1371600" lvl="2" indent="-457200">
+              <a:buFont typeface="+mj-lt"/>
+              <a:buAutoNum type="arabicPeriod"/>
+            </a:pPr>
+            <a:r>
+              <a:rPr lang="zh-CN" altLang="en-US" dirty="0">
+                <a:solidFill>
+                  <a:srgbClr val="FF0000"/>
+                </a:solidFill>
+              </a:rPr>
+              <a:t>有</a:t>
+            </a:r>
+            <a:r>
+              <a:rPr lang="zh-CN" altLang="en-US" dirty="0" smtClean="0">
+                <a:solidFill>
+                  <a:srgbClr val="FF0000"/>
+                </a:solidFill>
+              </a:rPr>
+              <a:t>效期</a:t>
             </a:r>
             <a:endParaRPr lang="en-US" altLang="zh-CN" dirty="0" smtClean="0">
               <a:solidFill>
@@ -3324,7 +3401,6 @@
               <a:rPr lang="zh-CN" altLang="en-US" dirty="0"/>
               <a:t>）</a:t>
             </a:r>
-            <a:endParaRPr lang="zh-CN" altLang="en-US" dirty="0"/>
           </a:p>
         </p:txBody>
       </p:sp>
@@ -3381,11 +3457,7 @@
             <a:pPr lvl="1"/>
             <a:r>
               <a:rPr lang="zh-CN" altLang="en-US" dirty="0" smtClean="0"/>
-              <a:t>为了：能够</a:t>
-            </a:r>
-            <a:r>
-              <a:rPr lang="zh-CN" altLang="en-US" dirty="0" smtClean="0"/>
-              <a:t>创建</a:t>
+              <a:t>为了：能够创建</a:t>
             </a:r>
             <a:r>
               <a:rPr lang="en-US" altLang="zh-CN" dirty="0" smtClean="0"/>
@@ -3533,11 +3605,7 @@
           <a:p>
             <a:r>
               <a:rPr lang="zh-CN" altLang="en-US" dirty="0" smtClean="0"/>
-              <a:t>验收条</a:t>
-            </a:r>
-            <a:r>
-              <a:rPr lang="zh-CN" altLang="en-US" dirty="0" smtClean="0"/>
-              <a:t>件</a:t>
+              <a:t>验收条件</a:t>
             </a:r>
             <a:endParaRPr lang="en-US" altLang="zh-CN" dirty="0" smtClean="0"/>
           </a:p>
@@ -3552,11 +3620,7 @@
             </a:r>
             <a:r>
               <a:rPr lang="zh-CN" altLang="en-US" dirty="0" smtClean="0"/>
-              <a:t>够创</a:t>
-            </a:r>
-            <a:r>
-              <a:rPr lang="zh-CN" altLang="en-US" dirty="0" smtClean="0"/>
-              <a:t>建</a:t>
+              <a:t>够创建</a:t>
             </a:r>
             <a:r>
               <a:rPr lang="zh-CN" altLang="en-US" dirty="0"/>
@@ -3572,11 +3636,7 @@
             </a:r>
             <a:r>
               <a:rPr lang="zh-CN" altLang="en-US" dirty="0" smtClean="0"/>
-              <a:t>）角</a:t>
-            </a:r>
-            <a:r>
-              <a:rPr lang="zh-CN" altLang="en-US" dirty="0" smtClean="0"/>
-              <a:t>色</a:t>
+              <a:t>）角色</a:t>
             </a:r>
             <a:endParaRPr lang="en-US" altLang="zh-CN" dirty="0" smtClean="0"/>
           </a:p>
@@ -3591,11 +3651,7 @@
             </a:r>
             <a:r>
               <a:rPr lang="zh-CN" altLang="en-US" dirty="0" smtClean="0"/>
-              <a:t>够邀请系统中已有用户通过固定连接加入该角</a:t>
-            </a:r>
-            <a:r>
-              <a:rPr lang="zh-CN" altLang="en-US" dirty="0" smtClean="0"/>
-              <a:t>色</a:t>
+              <a:t>够邀请系统中已有用户通过固定连接加入该角色</a:t>
             </a:r>
             <a:endParaRPr lang="en-US" altLang="zh-CN" dirty="0" smtClean="0"/>
           </a:p>
@@ -3634,7 +3690,15 @@
                   <a:srgbClr val="FF0000"/>
                 </a:solidFill>
               </a:rPr>
-              <a:t>（需定义）</a:t>
+              <a:t>（需定义</a:t>
+            </a:r>
+            <a:r>
+              <a:rPr lang="zh-CN" altLang="en-US" dirty="0" smtClean="0">
+                <a:solidFill>
+                  <a:srgbClr val="FF0000"/>
+                </a:solidFill>
+              </a:rPr>
+              <a:t>）</a:t>
             </a:r>
             <a:endParaRPr lang="en-US" altLang="zh-CN" dirty="0" smtClean="0">
               <a:solidFill>
@@ -3643,17 +3707,40 @@
             </a:endParaRPr>
           </a:p>
           <a:p>
+            <a:pPr marL="1371600" lvl="2" indent="-457200">
+              <a:buFont typeface="+mj-lt"/>
+              <a:buAutoNum type="arabicPeriod"/>
+            </a:pPr>
+            <a:r>
+              <a:rPr lang="zh-CN" altLang="en-US" dirty="0">
+                <a:solidFill>
+                  <a:srgbClr val="FF0000"/>
+                </a:solidFill>
+              </a:rPr>
+              <a:t>负责区</a:t>
+            </a:r>
+            <a:r>
+              <a:rPr lang="zh-CN" altLang="en-US" dirty="0" smtClean="0">
+                <a:solidFill>
+                  <a:srgbClr val="FF0000"/>
+                </a:solidFill>
+              </a:rPr>
+              <a:t>域名称</a:t>
+            </a:r>
+            <a:endParaRPr lang="en-US" altLang="zh-CN" dirty="0" smtClean="0">
+              <a:solidFill>
+                <a:srgbClr val="FF0000"/>
+              </a:solidFill>
+            </a:endParaRPr>
+          </a:p>
+          <a:p>
             <a:pPr marL="914400" lvl="1" indent="-457200">
               <a:buFont typeface="+mj-lt"/>
               <a:buAutoNum type="arabicPeriod"/>
             </a:pPr>
             <a:r>
               <a:rPr lang="zh-CN" altLang="en-US" dirty="0" smtClean="0"/>
-              <a:t>能</a:t>
-            </a:r>
-            <a:r>
-              <a:rPr lang="zh-CN" altLang="en-US" dirty="0" smtClean="0"/>
-              <a:t>够将当</a:t>
+              <a:t>能够将当</a:t>
             </a:r>
             <a:r>
               <a:rPr lang="zh-CN" altLang="en-US" dirty="0"/>
@@ -3677,11 +3764,7 @@
             </a:r>
             <a:r>
               <a:rPr lang="zh-CN" altLang="en-US" dirty="0" smtClean="0"/>
-              <a:t>色的用户删</a:t>
-            </a:r>
-            <a:r>
-              <a:rPr lang="zh-CN" altLang="en-US" dirty="0" smtClean="0"/>
-              <a:t>除</a:t>
+              <a:t>色的用户删除</a:t>
             </a:r>
             <a:endParaRPr lang="en-US" altLang="zh-CN" dirty="0" smtClean="0"/>
           </a:p>
@@ -3994,11 +4077,7 @@
             </a:r>
             <a:r>
               <a:rPr lang="zh-CN" altLang="en-US" dirty="0" smtClean="0"/>
-              <a:t>够创</a:t>
-            </a:r>
-            <a:r>
-              <a:rPr lang="zh-CN" altLang="en-US" dirty="0" smtClean="0"/>
-              <a:t>建</a:t>
+              <a:t>够创建</a:t>
             </a:r>
             <a:r>
               <a:rPr lang="zh-CN" altLang="en-US" dirty="0"/>
@@ -4006,11 +4085,7 @@
             </a:r>
             <a:r>
               <a:rPr lang="zh-CN" altLang="en-US" dirty="0" smtClean="0"/>
-              <a:t>角</a:t>
-            </a:r>
-            <a:r>
-              <a:rPr lang="zh-CN" altLang="en-US" dirty="0" smtClean="0"/>
-              <a:t>色</a:t>
+              <a:t>角色</a:t>
             </a:r>
             <a:endParaRPr lang="en-US" altLang="zh-CN" dirty="0" smtClean="0"/>
           </a:p>
@@ -4021,15 +4096,7 @@
             </a:pPr>
             <a:r>
               <a:rPr lang="zh-CN" altLang="en-US" dirty="0" smtClean="0"/>
-              <a:t>能</a:t>
-            </a:r>
-            <a:r>
-              <a:rPr lang="zh-CN" altLang="en-US" dirty="0" smtClean="0"/>
-              <a:t>够邀请系统中已有用户通过固定连接加入该角</a:t>
-            </a:r>
-            <a:r>
-              <a:rPr lang="zh-CN" altLang="en-US" dirty="0" smtClean="0"/>
-              <a:t>色</a:t>
+              <a:t>能够邀请系统中已有用户通过固定连接加入该角色</a:t>
             </a:r>
             <a:endParaRPr lang="en-US" altLang="zh-CN" dirty="0" smtClean="0"/>
           </a:p>
@@ -4060,7 +4127,15 @@
                   <a:srgbClr val="FF0000"/>
                 </a:solidFill>
               </a:rPr>
-              <a:t>（需定义）</a:t>
+              <a:t>（需定义</a:t>
+            </a:r>
+            <a:r>
+              <a:rPr lang="zh-CN" altLang="en-US" dirty="0" smtClean="0">
+                <a:solidFill>
+                  <a:srgbClr val="FF0000"/>
+                </a:solidFill>
+              </a:rPr>
+              <a:t>）</a:t>
             </a:r>
             <a:endParaRPr lang="en-US" altLang="zh-CN" dirty="0" smtClean="0">
               <a:solidFill>
@@ -4069,37 +4144,40 @@
             </a:endParaRPr>
           </a:p>
           <a:p>
+            <a:pPr marL="1371600" lvl="2" indent="-457200">
+              <a:buFont typeface="+mj-lt"/>
+              <a:buAutoNum type="arabicPeriod"/>
+            </a:pPr>
+            <a:r>
+              <a:rPr lang="zh-CN" altLang="en-US" dirty="0">
+                <a:solidFill>
+                  <a:srgbClr val="FF0000"/>
+                </a:solidFill>
+              </a:rPr>
+              <a:t>药</a:t>
+            </a:r>
+            <a:r>
+              <a:rPr lang="zh-CN" altLang="en-US" dirty="0" smtClean="0">
+                <a:solidFill>
+                  <a:srgbClr val="FF0000"/>
+                </a:solidFill>
+              </a:rPr>
+              <a:t>店名称（促销员的别称）</a:t>
+            </a:r>
+            <a:endParaRPr lang="en-US" altLang="zh-CN" dirty="0" smtClean="0">
+              <a:solidFill>
+                <a:srgbClr val="FF0000"/>
+              </a:solidFill>
+            </a:endParaRPr>
+          </a:p>
+          <a:p>
             <a:pPr marL="914400" lvl="1" indent="-457200">
               <a:buFont typeface="+mj-lt"/>
               <a:buAutoNum type="arabicPeriod"/>
             </a:pPr>
             <a:r>
               <a:rPr lang="zh-CN" altLang="en-US" dirty="0" smtClean="0"/>
-              <a:t>能够添加</a:t>
-            </a:r>
-            <a:r>
-              <a:rPr lang="en-US" altLang="zh-CN" dirty="0" smtClean="0"/>
-              <a:t>/</a:t>
-            </a:r>
-            <a:r>
-              <a:rPr lang="zh-CN" altLang="en-US" dirty="0"/>
-              <a:t>修</a:t>
-            </a:r>
-            <a:r>
-              <a:rPr lang="zh-CN" altLang="en-US" dirty="0" smtClean="0"/>
-              <a:t>改</a:t>
-            </a:r>
-            <a:r>
-              <a:rPr lang="zh-CN" altLang="en-US" dirty="0"/>
-              <a:t>药店（促销员）</a:t>
-            </a:r>
-            <a:r>
-              <a:rPr lang="zh-CN" altLang="en-US" dirty="0" smtClean="0"/>
-              <a:t>角</a:t>
-            </a:r>
-            <a:r>
-              <a:rPr lang="zh-CN" altLang="en-US" dirty="0" smtClean="0"/>
-              <a:t>色的有效期</a:t>
+              <a:t>能够查看下属药店（促销员）角色列表</a:t>
             </a:r>
             <a:endParaRPr lang="en-US" altLang="zh-CN" dirty="0" smtClean="0"/>
           </a:p>
@@ -4109,16 +4187,12 @@
               <a:buAutoNum type="arabicPeriod"/>
             </a:pPr>
             <a:r>
-              <a:rPr lang="zh-CN" altLang="en-US" dirty="0"/>
+              <a:rPr lang="zh-CN" altLang="en-US" dirty="0" smtClean="0"/>
               <a:t>能</a:t>
             </a:r>
             <a:r>
               <a:rPr lang="zh-CN" altLang="en-US" dirty="0" smtClean="0"/>
-              <a:t>够将当</a:t>
-            </a:r>
-            <a:r>
-              <a:rPr lang="zh-CN" altLang="en-US" dirty="0" smtClean="0"/>
-              <a:t>前</a:t>
+              <a:t>够将当前</a:t>
             </a:r>
             <a:r>
               <a:rPr lang="zh-CN" altLang="en-US" dirty="0"/>
@@ -4126,15 +4200,7 @@
             </a:r>
             <a:r>
               <a:rPr lang="zh-CN" altLang="en-US" dirty="0" smtClean="0"/>
-              <a:t>角</a:t>
-            </a:r>
-            <a:r>
-              <a:rPr lang="zh-CN" altLang="en-US" dirty="0" smtClean="0"/>
-              <a:t>色的用户删</a:t>
-            </a:r>
-            <a:r>
-              <a:rPr lang="zh-CN" altLang="en-US" dirty="0" smtClean="0"/>
-              <a:t>除</a:t>
+              <a:t>角色的用户删除</a:t>
             </a:r>
             <a:endParaRPr lang="en-US" altLang="zh-CN" dirty="0" smtClean="0"/>
           </a:p>
@@ -4353,7 +4419,9 @@
         </p:nvSpPr>
         <p:spPr/>
         <p:txBody>
-          <a:bodyPr/>
+          <a:bodyPr>
+            <a:normAutofit/>
+          </a:bodyPr>
           <a:lstStyle/>
           <a:p>
             <a:r>
@@ -4388,44 +4456,191 @@
             </a:r>
             <a:r>
               <a:rPr lang="zh-CN" altLang="en-US" dirty="0" smtClean="0"/>
-              <a:t>够接受多次邀请成为不同角色</a:t>
-            </a:r>
-            <a:endParaRPr lang="en-US" altLang="zh-CN" dirty="0" smtClean="0"/>
-          </a:p>
-          <a:p>
-            <a:pPr marL="914400" lvl="1" indent="-457200">
+              <a:t>够接受多次邀请成为不同角</a:t>
+            </a:r>
+            <a:r>
+              <a:rPr lang="zh-CN" altLang="en-US" dirty="0" smtClean="0"/>
+              <a:t>色</a:t>
+            </a:r>
+            <a:endParaRPr lang="en-US" altLang="zh-CN" dirty="0" smtClean="0"/>
+          </a:p>
+          <a:p>
+            <a:pPr marL="1371600" lvl="2" indent="-457200">
               <a:buFont typeface="+mj-lt"/>
               <a:buAutoNum type="arabicPeriod"/>
             </a:pPr>
             <a:r>
-              <a:rPr lang="zh-CN" altLang="en-US" dirty="0"/>
-              <a:t>一个</a:t>
-            </a:r>
-            <a:r>
-              <a:rPr lang="zh-CN" altLang="en-US" dirty="0" smtClean="0"/>
-              <a:t>人只能成为一个</a:t>
-            </a:r>
+              <a:rPr lang="en-US" altLang="zh-CN" dirty="0" smtClean="0"/>
+              <a:t>B</a:t>
+            </a:r>
+            <a:r>
+              <a:rPr lang="zh-CN" altLang="en-US" dirty="0" smtClean="0"/>
+              <a:t>角色不可接受其他角色</a:t>
+            </a:r>
+            <a:endParaRPr lang="en-US" altLang="zh-CN" dirty="0" smtClean="0"/>
+          </a:p>
+          <a:p>
+            <a:pPr marL="1371600" lvl="2" indent="-457200">
+              <a:buFont typeface="+mj-lt"/>
+              <a:buAutoNum type="arabicPeriod"/>
+            </a:pPr>
+            <a:r>
+              <a:rPr lang="en-US" altLang="zh-CN" dirty="0" smtClean="0"/>
+              <a:t>C</a:t>
+            </a:r>
+            <a:r>
+              <a:rPr lang="zh-CN" altLang="en-US" dirty="0" smtClean="0"/>
+              <a:t>角色添加到渠道保留组织构（</a:t>
+            </a:r>
+            <a:r>
+              <a:rPr lang="en-US" altLang="zh-CN" dirty="0" smtClean="0"/>
+              <a:t>C-D</a:t>
+            </a:r>
+            <a:r>
+              <a:rPr lang="zh-CN" altLang="en-US" dirty="0" smtClean="0"/>
+              <a:t>）</a:t>
+            </a:r>
+            <a:r>
+              <a:rPr lang="en-US" altLang="zh-CN" dirty="0" smtClean="0"/>
+              <a:t>--</a:t>
+            </a:r>
+            <a:r>
+              <a:rPr lang="zh-CN" altLang="en-US" dirty="0" smtClean="0"/>
+              <a:t>保留名称</a:t>
+            </a:r>
+            <a:r>
+              <a:rPr lang="en-US" altLang="zh-CN" dirty="0" smtClean="0"/>
+              <a:t>— </a:t>
+            </a:r>
+            <a:r>
+              <a:rPr lang="zh-CN" altLang="en-US" dirty="0" smtClean="0"/>
+              <a:t>（</a:t>
+            </a:r>
+            <a:r>
+              <a:rPr lang="en-US" altLang="zh-CN" dirty="0" smtClean="0"/>
+              <a:t>C/D</a:t>
+            </a:r>
+            <a:r>
+              <a:rPr lang="zh-CN" altLang="en-US" dirty="0" smtClean="0"/>
+              <a:t>绑定复制去别的渠道）</a:t>
+            </a:r>
+            <a:endParaRPr lang="en-US" altLang="zh-CN" dirty="0" smtClean="0"/>
+          </a:p>
+          <a:p>
+            <a:pPr marL="1371600" lvl="2" indent="-457200">
+              <a:buFont typeface="+mj-lt"/>
+              <a:buAutoNum type="arabicPeriod"/>
+            </a:pPr>
+            <a:r>
+              <a:rPr lang="en-US" altLang="zh-CN" dirty="0" smtClean="0"/>
+              <a:t>C</a:t>
+            </a:r>
+            <a:r>
+              <a:rPr lang="zh-CN" altLang="en-US" dirty="0" smtClean="0"/>
+              <a:t>角色不可接受其他角色</a:t>
+            </a:r>
+            <a:endParaRPr lang="en-US" altLang="zh-CN" dirty="0" smtClean="0"/>
+          </a:p>
+          <a:p>
+            <a:pPr marL="1371600" lvl="2" indent="-457200">
+              <a:buFont typeface="+mj-lt"/>
+              <a:buAutoNum type="arabicPeriod"/>
+            </a:pPr>
             <a:r>
               <a:rPr lang="en-US" altLang="zh-CN" dirty="0" smtClean="0"/>
               <a:t>D</a:t>
             </a:r>
             <a:r>
               <a:rPr lang="zh-CN" altLang="en-US" dirty="0" smtClean="0"/>
+              <a:t>角色不可接受其他角色（</a:t>
+            </a:r>
+            <a:r>
+              <a:rPr lang="en-US" altLang="zh-CN" dirty="0" smtClean="0"/>
+              <a:t>CD</a:t>
+            </a:r>
+            <a:r>
+              <a:rPr lang="zh-CN" altLang="en-US" dirty="0" smtClean="0"/>
+              <a:t>绑定）</a:t>
+            </a:r>
+            <a:endParaRPr lang="en-US" altLang="zh-CN" dirty="0" smtClean="0"/>
+          </a:p>
+          <a:p>
+            <a:pPr marL="1371600" lvl="2" indent="-457200">
+              <a:buFont typeface="+mj-lt"/>
+              <a:buAutoNum type="arabicPeriod"/>
+            </a:pPr>
+            <a:r>
+              <a:rPr lang="zh-CN" altLang="en-US" dirty="0" smtClean="0"/>
+              <a:t>可以多次接受</a:t>
+            </a:r>
+            <a:r>
+              <a:rPr lang="en-US" altLang="zh-CN" dirty="0" smtClean="0"/>
+              <a:t>E</a:t>
+            </a:r>
+            <a:r>
+              <a:rPr lang="zh-CN" altLang="en-US" dirty="0" smtClean="0"/>
+              <a:t>角色（不显示</a:t>
+            </a:r>
+            <a:r>
+              <a:rPr lang="en-US" altLang="zh-CN" dirty="0" smtClean="0"/>
+              <a:t>D</a:t>
+            </a:r>
+            <a:r>
+              <a:rPr lang="zh-CN" altLang="en-US" dirty="0" smtClean="0"/>
+              <a:t>，只接受</a:t>
+            </a:r>
+            <a:r>
+              <a:rPr lang="zh-CN" altLang="en-US" dirty="0"/>
+              <a:t>促</a:t>
+            </a:r>
+            <a:r>
+              <a:rPr lang="zh-CN" altLang="en-US" dirty="0" smtClean="0"/>
+              <a:t>销活动）</a:t>
+            </a:r>
+            <a:endParaRPr lang="en-US" altLang="zh-CN" dirty="0" smtClean="0"/>
+          </a:p>
+          <a:p>
+            <a:pPr marL="1371600" lvl="2" indent="-457200">
+              <a:buFont typeface="+mj-lt"/>
+              <a:buAutoNum type="arabicPeriod"/>
+            </a:pPr>
+            <a:r>
+              <a:rPr lang="en-US" altLang="zh-CN" dirty="0" smtClean="0"/>
+              <a:t>E</a:t>
+            </a:r>
+            <a:r>
+              <a:rPr lang="zh-CN" altLang="en-US" dirty="0" smtClean="0"/>
+              <a:t>可以</a:t>
+            </a:r>
+            <a:r>
+              <a:rPr lang="zh-CN" altLang="en-US" dirty="0"/>
+              <a:t>成</a:t>
+            </a:r>
+            <a:r>
+              <a:rPr lang="zh-CN" altLang="en-US" dirty="0" smtClean="0"/>
+              <a:t>为</a:t>
+            </a:r>
+            <a:r>
+              <a:rPr lang="en-US" altLang="zh-CN" dirty="0" smtClean="0"/>
+              <a:t>BCD, </a:t>
+            </a:r>
+            <a:r>
+              <a:rPr lang="zh-CN" altLang="en-US" dirty="0"/>
+              <a:t>同</a:t>
+            </a:r>
+            <a:r>
+              <a:rPr lang="zh-CN" altLang="en-US" dirty="0" smtClean="0"/>
+              <a:t>时就失去</a:t>
+            </a:r>
+            <a:r>
+              <a:rPr lang="en-US" altLang="zh-CN" dirty="0" smtClean="0"/>
+              <a:t>E</a:t>
+            </a:r>
+            <a:r>
+              <a:rPr lang="zh-CN" altLang="en-US" dirty="0" smtClean="0"/>
               <a:t>角色</a:t>
             </a:r>
-            <a:r>
-              <a:rPr lang="zh-CN" altLang="en-US" dirty="0" smtClean="0">
-                <a:solidFill>
-                  <a:srgbClr val="FF0000"/>
-                </a:solidFill>
-              </a:rPr>
-              <a:t>（需确认）</a:t>
-            </a:r>
-            <a:endParaRPr lang="en-US" altLang="zh-CN" dirty="0" smtClean="0">
-              <a:solidFill>
-                <a:srgbClr val="FF0000"/>
-              </a:solidFill>
-            </a:endParaRPr>
+            <a:endParaRPr lang="en-US" altLang="zh-CN" dirty="0" smtClean="0"/>
           </a:p>
           <a:p>
             <a:pPr marL="914400" lvl="1" indent="-457200">
@@ -4465,15 +4680,7 @@
                   <a:srgbClr val="FF0000"/>
                 </a:solidFill>
               </a:rPr>
-              <a:t>待</a:t>
-            </a:r>
-            <a:r>
-              <a:rPr lang="zh-CN" altLang="en-US" dirty="0" smtClean="0">
-                <a:solidFill>
-                  <a:srgbClr val="FF0000"/>
-                </a:solidFill>
-              </a:rPr>
-              <a:t>完</a:t>
+              <a:t>待完</a:t>
             </a:r>
             <a:r>
               <a:rPr lang="zh-CN" altLang="en-US" dirty="0">
@@ -7723,7 +7930,15 @@
             </a:pPr>
             <a:r>
               <a:rPr lang="zh-CN" altLang="en-US" dirty="0" smtClean="0"/>
-              <a:t>用户可以注册用户至谭雅系统</a:t>
+              <a:t>用户可以注册用户至谭雅系</a:t>
+            </a:r>
+            <a:r>
+              <a:rPr lang="zh-CN" altLang="en-US" dirty="0" smtClean="0"/>
+              <a:t>统</a:t>
+            </a:r>
+            <a:r>
+              <a:rPr lang="zh-CN" altLang="en-US" dirty="0" smtClean="0"/>
+              <a:t>（公众号入口）</a:t>
             </a:r>
             <a:endParaRPr lang="en-US" altLang="zh-CN" dirty="0" smtClean="0"/>
           </a:p>
@@ -7738,7 +7953,11 @@
             </a:r>
             <a:r>
               <a:rPr lang="zh-CN" altLang="en-US" dirty="0" smtClean="0"/>
-              <a:t>户能够修改密码（发送短信验证码）</a:t>
+              <a:t>户能够修改密码（发送短信验证码</a:t>
+            </a:r>
+            <a:r>
+              <a:rPr lang="zh-CN" altLang="en-US" dirty="0" smtClean="0"/>
+              <a:t>）（微信登录）</a:t>
             </a:r>
             <a:endParaRPr lang="en-US" altLang="zh-CN" dirty="0" smtClean="0"/>
           </a:p>
@@ -7764,19 +7983,7 @@
             </a:pPr>
             <a:r>
               <a:rPr lang="zh-CN" altLang="en-US" dirty="0" smtClean="0"/>
-              <a:t>用户需要输</a:t>
-            </a:r>
-            <a:r>
-              <a:rPr lang="zh-CN" altLang="en-US" dirty="0" smtClean="0"/>
-              <a:t>入个</a:t>
-            </a:r>
-            <a:r>
-              <a:rPr lang="zh-CN" altLang="en-US" dirty="0" smtClean="0"/>
-              <a:t>人信</a:t>
-            </a:r>
-            <a:r>
-              <a:rPr lang="zh-CN" altLang="en-US" dirty="0" smtClean="0"/>
-              <a:t>息</a:t>
+              <a:t>用户需要输入个人信息</a:t>
             </a:r>
             <a:r>
               <a:rPr lang="zh-CN" altLang="en-US" dirty="0">
@@ -7784,8 +7991,68 @@
                   <a:srgbClr val="FF0000"/>
                 </a:solidFill>
               </a:rPr>
-              <a:t>（需定义）</a:t>
-            </a:r>
+              <a:t>（需定义</a:t>
+            </a:r>
+            <a:r>
+              <a:rPr lang="zh-CN" altLang="en-US" dirty="0" smtClean="0">
+                <a:solidFill>
+                  <a:srgbClr val="FF0000"/>
+                </a:solidFill>
+              </a:rPr>
+              <a:t>）</a:t>
+            </a:r>
+            <a:endParaRPr lang="en-US" altLang="zh-CN" dirty="0" smtClean="0">
+              <a:solidFill>
+                <a:srgbClr val="FF0000"/>
+              </a:solidFill>
+            </a:endParaRPr>
+          </a:p>
+          <a:p>
+            <a:pPr marL="1371600" lvl="2" indent="-457200">
+              <a:buFont typeface="+mj-lt"/>
+              <a:buAutoNum type="arabicPeriod"/>
+            </a:pPr>
+            <a:r>
+              <a:rPr lang="zh-CN" altLang="en-US" dirty="0"/>
+              <a:t>姓</a:t>
+            </a:r>
+            <a:r>
+              <a:rPr lang="zh-CN" altLang="en-US" dirty="0" smtClean="0"/>
+              <a:t>名</a:t>
+            </a:r>
+            <a:endParaRPr lang="en-US" altLang="zh-CN" dirty="0" smtClean="0"/>
+          </a:p>
+          <a:p>
+            <a:pPr marL="1371600" lvl="2" indent="-457200">
+              <a:buFont typeface="+mj-lt"/>
+              <a:buAutoNum type="arabicPeriod"/>
+            </a:pPr>
+            <a:r>
+              <a:rPr lang="zh-CN" altLang="en-US" dirty="0"/>
+              <a:t>联</a:t>
+            </a:r>
+            <a:r>
+              <a:rPr lang="zh-CN" altLang="en-US" dirty="0" smtClean="0"/>
+              <a:t>系方式</a:t>
+            </a:r>
+            <a:endParaRPr lang="en-US" altLang="zh-CN" dirty="0" smtClean="0"/>
+          </a:p>
+          <a:p>
+            <a:pPr marL="1371600" lvl="2" indent="-457200">
+              <a:buFont typeface="+mj-lt"/>
+              <a:buAutoNum type="arabicPeriod"/>
+            </a:pPr>
+            <a:r>
+              <a:rPr lang="zh-CN" altLang="en-US" dirty="0" smtClean="0"/>
+              <a:t>邮箱</a:t>
+            </a:r>
+            <a:endParaRPr lang="en-US" altLang="zh-CN" dirty="0" smtClean="0"/>
+          </a:p>
+          <a:p>
+            <a:pPr marL="1371600" lvl="2" indent="-457200">
+              <a:buFont typeface="+mj-lt"/>
+              <a:buAutoNum type="arabicPeriod"/>
+            </a:pPr>
             <a:endParaRPr lang="en-US" altLang="zh-CN" dirty="0"/>
           </a:p>
           <a:p>
@@ -8199,11 +8466,7 @@
             </a:r>
             <a:r>
               <a:rPr lang="zh-CN" altLang="en-US" dirty="0" smtClean="0"/>
-              <a:t>是否需要有效期设</a:t>
-            </a:r>
-            <a:r>
-              <a:rPr lang="zh-CN" altLang="en-US" dirty="0" smtClean="0"/>
-              <a:t>置</a:t>
+              <a:t>是否需要有效期设置</a:t>
             </a:r>
             <a:endParaRPr lang="en-US" altLang="zh-CN" dirty="0" smtClean="0"/>
           </a:p>
@@ -8241,11 +8504,7 @@
             </a:r>
             <a:r>
               <a:rPr lang="zh-CN" altLang="en-US" dirty="0" smtClean="0"/>
-              <a:t>都可</a:t>
-            </a:r>
-            <a:r>
-              <a:rPr lang="zh-CN" altLang="en-US" dirty="0" smtClean="0"/>
-              <a:t>见</a:t>
+              <a:t>都可见</a:t>
             </a:r>
             <a:endParaRPr lang="en-US" altLang="zh-CN" dirty="0" smtClean="0"/>
           </a:p>
@@ -8850,11 +9109,7 @@
             </a:r>
             <a:r>
               <a:rPr lang="zh-CN" altLang="en-US" dirty="0" smtClean="0"/>
-              <a:t>：能够创</a:t>
-            </a:r>
-            <a:r>
-              <a:rPr lang="zh-CN" altLang="en-US" dirty="0" smtClean="0"/>
-              <a:t>建</a:t>
+              <a:t>：能够创建</a:t>
             </a:r>
             <a:r>
               <a:rPr lang="en-US" altLang="zh-CN" dirty="0"/>
@@ -8866,11 +9121,7 @@
             </a:r>
             <a:r>
               <a:rPr lang="zh-CN" altLang="en-US" dirty="0" smtClean="0"/>
-              <a:t>理</a:t>
-            </a:r>
-            <a:r>
-              <a:rPr lang="zh-CN" altLang="en-US" dirty="0" smtClean="0"/>
-              <a:t>员角色</a:t>
+              <a:t>理员角色</a:t>
             </a:r>
             <a:endParaRPr lang="en-US" altLang="zh-CN" dirty="0"/>
           </a:p>
@@ -8882,11 +9133,7 @@
             </a:r>
             <a:r>
               <a:rPr lang="zh-CN" altLang="en-US" dirty="0" smtClean="0"/>
-              <a:t>：提供创</a:t>
-            </a:r>
-            <a:r>
-              <a:rPr lang="zh-CN" altLang="en-US" dirty="0" smtClean="0"/>
-              <a:t>建</a:t>
+              <a:t>：提供创建</a:t>
             </a:r>
             <a:r>
               <a:rPr lang="en-US" altLang="zh-CN" dirty="0"/>
@@ -9012,11 +9259,7 @@
             </a:r>
             <a:r>
               <a:rPr lang="zh-CN" altLang="en-US" dirty="0" smtClean="0"/>
-              <a:t>够邀请系统中已有用户通过固定连接加入该角</a:t>
-            </a:r>
-            <a:r>
-              <a:rPr lang="zh-CN" altLang="en-US" dirty="0" smtClean="0"/>
-              <a:t>色</a:t>
+              <a:t>够邀请系统中已有用户通过固定连接加入该角色</a:t>
             </a:r>
             <a:endParaRPr lang="en-US" altLang="zh-CN" dirty="0" smtClean="0"/>
           </a:p>
@@ -9127,11 +9370,7 @@
           <a:p>
             <a:r>
               <a:rPr lang="zh-CN" altLang="en-US" dirty="0" smtClean="0"/>
-              <a:t>管</a:t>
-            </a:r>
-            <a:r>
-              <a:rPr lang="zh-CN" altLang="en-US" dirty="0" smtClean="0"/>
-              <a:t>理员</a:t>
+              <a:t>管理员</a:t>
             </a:r>
             <a:endParaRPr lang="zh-CN" altLang="en-US" dirty="0"/>
           </a:p>
@@ -9166,11 +9405,7 @@
             </a:r>
             <a:r>
               <a:rPr lang="zh-CN" altLang="en-US" dirty="0" smtClean="0"/>
-              <a:t>：管</a:t>
-            </a:r>
-            <a:r>
-              <a:rPr lang="zh-CN" altLang="en-US" dirty="0" smtClean="0"/>
-              <a:t>理员</a:t>
+              <a:t>：管理员</a:t>
             </a:r>
             <a:endParaRPr lang="en-US" altLang="zh-CN" dirty="0"/>
           </a:p>
@@ -9182,11 +9417,7 @@
             </a:r>
             <a:r>
               <a:rPr lang="zh-CN" altLang="en-US" dirty="0" smtClean="0"/>
-              <a:t>：能</a:t>
-            </a:r>
-            <a:r>
-              <a:rPr lang="zh-CN" altLang="en-US" dirty="0" smtClean="0"/>
-              <a:t>够</a:t>
+              <a:t>：能够</a:t>
             </a:r>
             <a:r>
               <a:rPr lang="zh-CN" altLang="en-US" dirty="0"/>
@@ -9218,11 +9449,7 @@
             </a:r>
             <a:r>
               <a:rPr lang="zh-CN" altLang="en-US" dirty="0" smtClean="0"/>
-              <a:t>：提供创</a:t>
-            </a:r>
-            <a:r>
-              <a:rPr lang="zh-CN" altLang="en-US" dirty="0" smtClean="0"/>
-              <a:t>建</a:t>
+              <a:t>：提供创建</a:t>
             </a:r>
             <a:r>
               <a:rPr lang="en-US" altLang="zh-CN" dirty="0"/>
@@ -9303,11 +9530,7 @@
           <a:p>
             <a:r>
               <a:rPr lang="zh-CN" altLang="en-US" dirty="0" smtClean="0"/>
-              <a:t>管</a:t>
-            </a:r>
-            <a:r>
-              <a:rPr lang="zh-CN" altLang="en-US" dirty="0" smtClean="0"/>
-              <a:t>理员</a:t>
+              <a:t>管理员</a:t>
             </a:r>
             <a:endParaRPr lang="zh-CN" altLang="en-US" dirty="0"/>
           </a:p>
@@ -9345,11 +9568,7 @@
             </a:r>
             <a:r>
               <a:rPr lang="zh-CN" altLang="en-US" dirty="0" smtClean="0"/>
-              <a:t>够创</a:t>
-            </a:r>
-            <a:r>
-              <a:rPr lang="zh-CN" altLang="en-US" dirty="0" smtClean="0"/>
-              <a:t>建</a:t>
+              <a:t>够创建</a:t>
             </a:r>
             <a:r>
               <a:rPr lang="zh-CN" altLang="en-US" dirty="0"/>
@@ -9357,11 +9576,7 @@
             </a:r>
             <a:r>
               <a:rPr lang="zh-CN" altLang="en-US" dirty="0" smtClean="0"/>
-              <a:t>角</a:t>
-            </a:r>
-            <a:r>
-              <a:rPr lang="zh-CN" altLang="en-US" dirty="0" smtClean="0"/>
-              <a:t>色</a:t>
+              <a:t>角色</a:t>
             </a:r>
             <a:endParaRPr lang="en-US" altLang="zh-CN" dirty="0" smtClean="0"/>
           </a:p>
@@ -9376,11 +9591,7 @@
             </a:r>
             <a:r>
               <a:rPr lang="zh-CN" altLang="en-US" dirty="0" smtClean="0"/>
-              <a:t>够邀请系统中已有用户通过固定连接加入该角</a:t>
-            </a:r>
-            <a:r>
-              <a:rPr lang="zh-CN" altLang="en-US" dirty="0" smtClean="0"/>
-              <a:t>色</a:t>
+              <a:t>够邀请系统中已有用户通过固定连接加入该角色</a:t>
             </a:r>
             <a:endParaRPr lang="en-US" altLang="zh-CN" dirty="0" smtClean="0"/>
           </a:p>
@@ -9411,7 +9622,61 @@
                   <a:srgbClr val="FF0000"/>
                 </a:solidFill>
               </a:rPr>
-              <a:t>（需定义）</a:t>
+              <a:t>（需定义</a:t>
+            </a:r>
+            <a:r>
+              <a:rPr lang="zh-CN" altLang="en-US" dirty="0" smtClean="0">
+                <a:solidFill>
+                  <a:srgbClr val="FF0000"/>
+                </a:solidFill>
+              </a:rPr>
+              <a:t>）</a:t>
+            </a:r>
+            <a:endParaRPr lang="en-US" altLang="zh-CN" dirty="0" smtClean="0">
+              <a:solidFill>
+                <a:srgbClr val="FF0000"/>
+              </a:solidFill>
+            </a:endParaRPr>
+          </a:p>
+          <a:p>
+            <a:pPr marL="1371600" lvl="2" indent="-457200">
+              <a:buFont typeface="+mj-lt"/>
+              <a:buAutoNum type="arabicPeriod"/>
+            </a:pPr>
+            <a:r>
+              <a:rPr lang="zh-CN" altLang="en-US" dirty="0">
+                <a:solidFill>
+                  <a:srgbClr val="FF0000"/>
+                </a:solidFill>
+              </a:rPr>
+              <a:t>公</a:t>
+            </a:r>
+            <a:r>
+              <a:rPr lang="zh-CN" altLang="en-US" dirty="0" smtClean="0">
+                <a:solidFill>
+                  <a:srgbClr val="FF0000"/>
+                </a:solidFill>
+              </a:rPr>
+              <a:t>司名称</a:t>
+            </a:r>
+            <a:endParaRPr lang="en-US" altLang="zh-CN" dirty="0" smtClean="0">
+              <a:solidFill>
+                <a:srgbClr val="FF0000"/>
+              </a:solidFill>
+            </a:endParaRPr>
+          </a:p>
+          <a:p>
+            <a:pPr marL="1371600" lvl="2" indent="-457200">
+              <a:buFont typeface="+mj-lt"/>
+              <a:buAutoNum type="arabicPeriod"/>
+            </a:pPr>
+            <a:r>
+              <a:rPr lang="zh-CN" altLang="en-US" dirty="0">
+                <a:solidFill>
+                  <a:srgbClr val="FF0000"/>
+                </a:solidFill>
+              </a:rPr>
+              <a:t>有效期</a:t>
             </a:r>
             <a:endParaRPr lang="en-US" altLang="zh-CN" dirty="0" smtClean="0">
               <a:solidFill>
@@ -9516,7 +9781,6 @@
               <a:rPr lang="zh-CN" altLang="en-US" dirty="0"/>
               <a:t>商务公司（渠道）</a:t>
             </a:r>
-            <a:endParaRPr lang="zh-CN" altLang="en-US" dirty="0"/>
           </a:p>
         </p:txBody>
       </p:sp>
@@ -9561,11 +9825,7 @@
             <a:pPr lvl="1"/>
             <a:r>
               <a:rPr lang="zh-CN" altLang="en-US" dirty="0" smtClean="0"/>
-              <a:t>为了：能够</a:t>
-            </a:r>
-            <a:r>
-              <a:rPr lang="zh-CN" altLang="en-US" dirty="0" smtClean="0"/>
-              <a:t>创建</a:t>
+              <a:t>为了：能够创建</a:t>
             </a:r>
             <a:r>
               <a:rPr lang="en-US" altLang="zh-CN" dirty="0"/>
@@ -9593,11 +9853,7 @@
             </a:r>
             <a:r>
               <a:rPr lang="zh-CN" altLang="en-US" dirty="0" smtClean="0"/>
-              <a:t>：提供创</a:t>
-            </a:r>
-            <a:r>
-              <a:rPr lang="zh-CN" altLang="en-US" dirty="0" smtClean="0"/>
-              <a:t>建</a:t>
+              <a:t>：提供创建</a:t>
             </a:r>
             <a:r>
               <a:rPr lang="en-US" altLang="zh-CN" dirty="0"/>

--- a/doc/prd.pptx
+++ b/doc/prd.pptx
@@ -21,25 +21,26 @@
     <p:sldId id="280" r:id="rId15"/>
     <p:sldId id="287" r:id="rId16"/>
     <p:sldId id="289" r:id="rId17"/>
-    <p:sldId id="258" r:id="rId18"/>
-    <p:sldId id="281" r:id="rId19"/>
-    <p:sldId id="282" r:id="rId20"/>
-    <p:sldId id="264" r:id="rId21"/>
-    <p:sldId id="261" r:id="rId22"/>
-    <p:sldId id="283" r:id="rId23"/>
-    <p:sldId id="284" r:id="rId24"/>
-    <p:sldId id="265" r:id="rId25"/>
-    <p:sldId id="259" r:id="rId26"/>
-    <p:sldId id="285" r:id="rId27"/>
-    <p:sldId id="286" r:id="rId28"/>
-    <p:sldId id="266" r:id="rId29"/>
-    <p:sldId id="260" r:id="rId30"/>
-    <p:sldId id="268" r:id="rId31"/>
-    <p:sldId id="262" r:id="rId32"/>
-    <p:sldId id="263" r:id="rId33"/>
-    <p:sldId id="267" r:id="rId34"/>
-    <p:sldId id="290" r:id="rId35"/>
-    <p:sldId id="291" r:id="rId36"/>
+    <p:sldId id="293" r:id="rId18"/>
+    <p:sldId id="258" r:id="rId19"/>
+    <p:sldId id="281" r:id="rId20"/>
+    <p:sldId id="282" r:id="rId21"/>
+    <p:sldId id="264" r:id="rId22"/>
+    <p:sldId id="261" r:id="rId23"/>
+    <p:sldId id="283" r:id="rId24"/>
+    <p:sldId id="284" r:id="rId25"/>
+    <p:sldId id="265" r:id="rId26"/>
+    <p:sldId id="259" r:id="rId27"/>
+    <p:sldId id="285" r:id="rId28"/>
+    <p:sldId id="286" r:id="rId29"/>
+    <p:sldId id="266" r:id="rId30"/>
+    <p:sldId id="260" r:id="rId31"/>
+    <p:sldId id="268" r:id="rId32"/>
+    <p:sldId id="262" r:id="rId33"/>
+    <p:sldId id="263" r:id="rId34"/>
+    <p:sldId id="267" r:id="rId35"/>
+    <p:sldId id="290" r:id="rId36"/>
+    <p:sldId id="292" r:id="rId37"/>
   </p:sldIdLst>
   <p:sldSz cx="12192000" cy="6858000"/>
   <p:notesSz cx="6858000" cy="9144000"/>
@@ -140,7 +141,7 @@
   </p:defaultTextStyle>
   <p:extLst>
     <p:ext uri="{EFAFB233-063F-42B5-8137-9DF3F51BA10A}">
-      <p15:sldGuideLst xmlns:p15="http://schemas.microsoft.com/office/powerpoint/2012/main">
+      <p15:sldGuideLst xmlns:p15="http://schemas.microsoft.com/office/powerpoint/2012/main" xmlns="">
         <p15:guide id="1" orient="horz" pos="2160">
           <p15:clr>
             <a:srgbClr val="A4A3A4"/>
@@ -3199,15 +3200,7 @@
                   <a:srgbClr val="FF0000"/>
                 </a:solidFill>
               </a:rPr>
-              <a:t>（需定义</a:t>
-            </a:r>
-            <a:r>
-              <a:rPr lang="zh-CN" altLang="en-US" dirty="0" smtClean="0">
-                <a:solidFill>
-                  <a:srgbClr val="FF0000"/>
-                </a:solidFill>
-              </a:rPr>
-              <a:t>）</a:t>
+              <a:t>（需定义）</a:t>
             </a:r>
             <a:endParaRPr lang="en-US" altLang="zh-CN" dirty="0" smtClean="0">
               <a:solidFill>
@@ -3690,15 +3683,7 @@
                   <a:srgbClr val="FF0000"/>
                 </a:solidFill>
               </a:rPr>
-              <a:t>（需定义</a:t>
-            </a:r>
-            <a:r>
-              <a:rPr lang="zh-CN" altLang="en-US" dirty="0" smtClean="0">
-                <a:solidFill>
-                  <a:srgbClr val="FF0000"/>
-                </a:solidFill>
-              </a:rPr>
-              <a:t>）</a:t>
+              <a:t>（需定义）</a:t>
             </a:r>
             <a:endParaRPr lang="en-US" altLang="zh-CN" dirty="0" smtClean="0">
               <a:solidFill>
@@ -4127,15 +4112,7 @@
                   <a:srgbClr val="FF0000"/>
                 </a:solidFill>
               </a:rPr>
-              <a:t>（需定义</a:t>
-            </a:r>
-            <a:r>
-              <a:rPr lang="zh-CN" altLang="en-US" dirty="0" smtClean="0">
-                <a:solidFill>
-                  <a:srgbClr val="FF0000"/>
-                </a:solidFill>
-              </a:rPr>
-              <a:t>）</a:t>
+              <a:t>（需定义）</a:t>
             </a:r>
             <a:endParaRPr lang="en-US" altLang="zh-CN" dirty="0" smtClean="0">
               <a:solidFill>
@@ -4188,11 +4165,7 @@
             </a:pPr>
             <a:r>
               <a:rPr lang="zh-CN" altLang="en-US" dirty="0" smtClean="0"/>
-              <a:t>能</a:t>
-            </a:r>
-            <a:r>
-              <a:rPr lang="zh-CN" altLang="en-US" dirty="0" smtClean="0"/>
-              <a:t>够将当前</a:t>
+              <a:t>能够将当前</a:t>
             </a:r>
             <a:r>
               <a:rPr lang="zh-CN" altLang="en-US" dirty="0"/>
@@ -4456,11 +4429,7 @@
             </a:r>
             <a:r>
               <a:rPr lang="zh-CN" altLang="en-US" dirty="0" smtClean="0"/>
-              <a:t>够接受多次邀请成为不同角</a:t>
-            </a:r>
-            <a:r>
-              <a:rPr lang="zh-CN" altLang="en-US" dirty="0" smtClean="0"/>
-              <a:t>色</a:t>
+              <a:t>够接受多次邀请成为不同角色</a:t>
             </a:r>
             <a:endParaRPr lang="en-US" altLang="zh-CN" dirty="0" smtClean="0"/>
           </a:p>
@@ -4522,7 +4491,11 @@
             </a:r>
             <a:r>
               <a:rPr lang="zh-CN" altLang="en-US" dirty="0" smtClean="0"/>
-              <a:t>绑定复制去别的渠道）</a:t>
+              <a:t>绑定复制去别的</a:t>
+            </a:r>
+            <a:r>
+              <a:rPr lang="zh-CN" altLang="en-US" dirty="0" smtClean="0"/>
+              <a:t>渠道 但不是实时备份）</a:t>
             </a:r>
             <a:endParaRPr lang="en-US" altLang="zh-CN" dirty="0" smtClean="0"/>
           </a:p>
@@ -4643,58 +4616,28 @@
             <a:endParaRPr lang="en-US" altLang="zh-CN" dirty="0" smtClean="0"/>
           </a:p>
           <a:p>
-            <a:pPr marL="914400" lvl="1" indent="-457200">
+            <a:pPr marL="1371600" lvl="2" indent="-457200">
               <a:buFont typeface="+mj-lt"/>
               <a:buAutoNum type="arabicPeriod"/>
             </a:pPr>
             <a:r>
-              <a:rPr lang="zh-CN" altLang="en-US" dirty="0">
-                <a:solidFill>
-                  <a:srgbClr val="FF0000"/>
-                </a:solidFill>
-              </a:rPr>
-              <a:t>变</a:t>
-            </a:r>
-            <a:r>
-              <a:rPr lang="zh-CN" altLang="en-US" dirty="0" smtClean="0">
-                <a:solidFill>
-                  <a:srgbClr val="FF0000"/>
-                </a:solidFill>
-              </a:rPr>
-              <a:t>迁角色不带走原有角色下属 保留目标角色下属关系</a:t>
-            </a:r>
-            <a:endParaRPr lang="en-US" altLang="zh-CN" dirty="0" smtClean="0">
-              <a:solidFill>
-                <a:srgbClr val="FF0000"/>
-              </a:solidFill>
-            </a:endParaRPr>
-          </a:p>
-          <a:p>
-            <a:pPr marL="914400" lvl="1" indent="-457200">
-              <a:buFont typeface="+mj-lt"/>
-              <a:buAutoNum type="arabicPeriod"/>
+              <a:rPr lang="en-US" altLang="zh-CN" dirty="0" smtClean="0"/>
+              <a:t>F</a:t>
+            </a:r>
+            <a:r>
+              <a:rPr lang="zh-CN" altLang="en-US" dirty="0" smtClean="0"/>
+              <a:t>可以受雇于所有的</a:t>
+            </a:r>
+            <a:r>
+              <a:rPr lang="en-US" altLang="zh-CN" dirty="0" smtClean="0"/>
+              <a:t>C ()</a:t>
+            </a:r>
+          </a:p>
+          <a:p>
+            <a:pPr marL="457200" lvl="1" indent="0">
+              <a:buNone/>
             </a:pPr>
-            <a:r>
-              <a:rPr lang="zh-CN" altLang="en-US" dirty="0" smtClean="0">
-                <a:solidFill>
-                  <a:srgbClr val="FF0000"/>
-                </a:solidFill>
-              </a:rPr>
-              <a:t>待完</a:t>
-            </a:r>
-            <a:r>
-              <a:rPr lang="zh-CN" altLang="en-US" dirty="0">
-                <a:solidFill>
-                  <a:srgbClr val="FF0000"/>
-                </a:solidFill>
-              </a:rPr>
-              <a:t>善</a:t>
-            </a:r>
-            <a:endParaRPr lang="en-US" altLang="zh-CN" dirty="0" smtClean="0">
-              <a:solidFill>
-                <a:srgbClr val="FF0000"/>
-              </a:solidFill>
-            </a:endParaRPr>
+            <a:endParaRPr lang="en-US" altLang="zh-CN" dirty="0" smtClean="0"/>
           </a:p>
           <a:p>
             <a:pPr marL="914400" lvl="1" indent="-457200">
@@ -4719,6 +4662,96 @@
 </file>
 
 <file path=ppt/slides/slide17.xml><?xml version="1.0" encoding="utf-8"?>
+<p:sld xmlns:a="http://schemas.openxmlformats.org/drawingml/2006/main" xmlns:r="http://schemas.openxmlformats.org/officeDocument/2006/relationships" xmlns:p="http://schemas.openxmlformats.org/presentationml/2006/main">
+  <p:cSld>
+    <p:spTree>
+      <p:nvGrpSpPr>
+        <p:cNvPr id="1" name=""/>
+        <p:cNvGrpSpPr/>
+        <p:nvPr/>
+      </p:nvGrpSpPr>
+      <p:grpSpPr>
+        <a:xfrm>
+          <a:off x="0" y="0"/>
+          <a:ext cx="0" cy="0"/>
+          <a:chOff x="0" y="0"/>
+          <a:chExt cx="0" cy="0"/>
+        </a:xfrm>
+      </p:grpSpPr>
+      <p:sp>
+        <p:nvSpPr>
+          <p:cNvPr id="2" name="标题 1"/>
+          <p:cNvSpPr>
+            <a:spLocks noGrp="1"/>
+          </p:cNvSpPr>
+          <p:nvPr>
+            <p:ph type="title"/>
+          </p:nvPr>
+        </p:nvSpPr>
+        <p:spPr/>
+        <p:txBody>
+          <a:bodyPr/>
+          <a:lstStyle/>
+          <a:p>
+            <a:endParaRPr lang="zh-CN" altLang="en-US"/>
+          </a:p>
+        </p:txBody>
+      </p:sp>
+      <p:sp>
+        <p:nvSpPr>
+          <p:cNvPr id="3" name="内容占位符 2"/>
+          <p:cNvSpPr>
+            <a:spLocks noGrp="1"/>
+          </p:cNvSpPr>
+          <p:nvPr>
+            <p:ph idx="1"/>
+          </p:nvPr>
+        </p:nvSpPr>
+        <p:spPr/>
+        <p:txBody>
+          <a:bodyPr/>
+          <a:lstStyle/>
+          <a:p>
+            <a:r>
+              <a:rPr lang="en-US" altLang="zh-CN" smtClean="0"/>
+              <a:t>B C n:n</a:t>
+            </a:r>
+            <a:endParaRPr lang="en-US" altLang="zh-CN" dirty="0" smtClean="0"/>
+          </a:p>
+          <a:p>
+            <a:r>
+              <a:rPr lang="en-US" altLang="zh-CN" dirty="0" smtClean="0"/>
+              <a:t>C D 1:n</a:t>
+            </a:r>
+          </a:p>
+          <a:p>
+            <a:r>
+              <a:rPr lang="en-US" altLang="zh-CN" dirty="0" smtClean="0"/>
+              <a:t>D E n:n</a:t>
+            </a:r>
+          </a:p>
+          <a:p>
+            <a:r>
+              <a:rPr lang="en-US" altLang="zh-CN" dirty="0" smtClean="0"/>
+              <a:t>C F n:n</a:t>
+            </a:r>
+          </a:p>
+        </p:txBody>
+      </p:sp>
+    </p:spTree>
+    <p:extLst>
+      <p:ext uri="{BB962C8B-B14F-4D97-AF65-F5344CB8AC3E}">
+        <p14:creationId xmlns:p14="http://schemas.microsoft.com/office/powerpoint/2010/main" val="1250437346"/>
+      </p:ext>
+    </p:extLst>
+  </p:cSld>
+  <p:clrMapOvr>
+    <a:masterClrMapping/>
+  </p:clrMapOvr>
+</p:sld>
+</file>
+
+<file path=ppt/slides/slide18.xml><?xml version="1.0" encoding="utf-8"?>
 <p:sld xmlns:a="http://schemas.openxmlformats.org/drawingml/2006/main" xmlns:r="http://schemas.openxmlformats.org/officeDocument/2006/relationships" xmlns:p="http://schemas.openxmlformats.org/presentationml/2006/main">
   <p:cSld>
     <p:spTree>
@@ -4834,7 +4867,7 @@
 </p:sld>
 </file>
 
-<file path=ppt/slides/slide18.xml><?xml version="1.0" encoding="utf-8"?>
+<file path=ppt/slides/slide19.xml><?xml version="1.0" encoding="utf-8"?>
 <p:sld xmlns:a="http://schemas.openxmlformats.org/drawingml/2006/main" xmlns:r="http://schemas.openxmlformats.org/officeDocument/2006/relationships" xmlns:p="http://schemas.openxmlformats.org/presentationml/2006/main">
   <p:cSld>
     <p:spTree>
@@ -5280,215 +5313,6 @@
 </p:sld>
 </file>
 
-<file path=ppt/slides/slide19.xml><?xml version="1.0" encoding="utf-8"?>
-<p:sld xmlns:a="http://schemas.openxmlformats.org/drawingml/2006/main" xmlns:r="http://schemas.openxmlformats.org/officeDocument/2006/relationships" xmlns:p="http://schemas.openxmlformats.org/presentationml/2006/main">
-  <p:cSld>
-    <p:spTree>
-      <p:nvGrpSpPr>
-        <p:cNvPr id="1" name=""/>
-        <p:cNvGrpSpPr/>
-        <p:nvPr/>
-      </p:nvGrpSpPr>
-      <p:grpSpPr>
-        <a:xfrm>
-          <a:off x="0" y="0"/>
-          <a:ext cx="0" cy="0"/>
-          <a:chOff x="0" y="0"/>
-          <a:chExt cx="0" cy="0"/>
-        </a:xfrm>
-      </p:grpSpPr>
-      <p:sp>
-        <p:nvSpPr>
-          <p:cNvPr id="2" name="标题 1"/>
-          <p:cNvSpPr>
-            <a:spLocks noGrp="1"/>
-          </p:cNvSpPr>
-          <p:nvPr>
-            <p:ph type="title"/>
-          </p:nvPr>
-        </p:nvSpPr>
-        <p:spPr/>
-        <p:txBody>
-          <a:bodyPr/>
-          <a:lstStyle/>
-          <a:p>
-            <a:r>
-              <a:rPr lang="zh-CN" altLang="en-US" dirty="0" smtClean="0"/>
-              <a:t>订单</a:t>
-            </a:r>
-            <a:endParaRPr lang="zh-CN" altLang="en-US" dirty="0"/>
-          </a:p>
-        </p:txBody>
-      </p:sp>
-      <p:sp>
-        <p:nvSpPr>
-          <p:cNvPr id="3" name="内容占位符 2"/>
-          <p:cNvSpPr>
-            <a:spLocks noGrp="1"/>
-          </p:cNvSpPr>
-          <p:nvPr>
-            <p:ph idx="1"/>
-          </p:nvPr>
-        </p:nvSpPr>
-        <p:spPr/>
-        <p:txBody>
-          <a:bodyPr/>
-          <a:lstStyle/>
-          <a:p>
-            <a:r>
-              <a:rPr lang="zh-CN" altLang="en-US" dirty="0" smtClean="0"/>
-              <a:t>验收条件</a:t>
-            </a:r>
-            <a:endParaRPr lang="en-US" altLang="zh-CN" dirty="0" smtClean="0"/>
-          </a:p>
-          <a:p>
-            <a:pPr marL="971550" lvl="1" indent="-514350">
-              <a:buFont typeface="+mj-lt"/>
-              <a:buAutoNum type="arabicPeriod"/>
-            </a:pPr>
-            <a:r>
-              <a:rPr lang="zh-CN" altLang="en-US" dirty="0"/>
-              <a:t>管理</a:t>
-            </a:r>
-            <a:r>
-              <a:rPr lang="zh-CN" altLang="en-US" dirty="0" smtClean="0"/>
-              <a:t>员能够</a:t>
-            </a:r>
-            <a:r>
-              <a:rPr lang="zh-CN" altLang="en-US" dirty="0" smtClean="0">
-                <a:solidFill>
-                  <a:srgbClr val="FF0000"/>
-                </a:solidFill>
-              </a:rPr>
-              <a:t>（待完</a:t>
-            </a:r>
-            <a:r>
-              <a:rPr lang="zh-CN" altLang="en-US" dirty="0">
-                <a:solidFill>
-                  <a:srgbClr val="FF0000"/>
-                </a:solidFill>
-              </a:rPr>
-              <a:t>善</a:t>
-            </a:r>
-            <a:r>
-              <a:rPr lang="zh-CN" altLang="en-US" dirty="0" smtClean="0">
-                <a:solidFill>
-                  <a:srgbClr val="FF0000"/>
-                </a:solidFill>
-              </a:rPr>
-              <a:t>）</a:t>
-            </a:r>
-            <a:endParaRPr lang="en-US" altLang="zh-CN" dirty="0" smtClean="0"/>
-          </a:p>
-          <a:p>
-            <a:pPr marL="971550" lvl="1" indent="-514350">
-              <a:buFont typeface="+mj-lt"/>
-              <a:buAutoNum type="arabicPeriod"/>
-            </a:pPr>
-            <a:r>
-              <a:rPr lang="zh-CN" altLang="en-US" dirty="0" smtClean="0"/>
-              <a:t>商业公司（渠道）能够查看该渠道所有订单信息</a:t>
-            </a:r>
-            <a:endParaRPr lang="en-US" altLang="zh-CN" dirty="0" smtClean="0"/>
-          </a:p>
-          <a:p>
-            <a:pPr marL="971550" lvl="1" indent="-514350">
-              <a:buFont typeface="+mj-lt"/>
-              <a:buAutoNum type="arabicPeriod"/>
-            </a:pPr>
-            <a:r>
-              <a:rPr lang="zh-CN" altLang="en-US" dirty="0"/>
-              <a:t>药厂（销售主管</a:t>
-            </a:r>
-            <a:r>
-              <a:rPr lang="zh-CN" altLang="en-US" dirty="0" smtClean="0"/>
-              <a:t>）能够查看该厂所有订单信息</a:t>
-            </a:r>
-            <a:endParaRPr lang="en-US" altLang="zh-CN" dirty="0" smtClean="0"/>
-          </a:p>
-          <a:p>
-            <a:pPr marL="971550" lvl="1" indent="-514350">
-              <a:buFont typeface="+mj-lt"/>
-              <a:buAutoNum type="arabicPeriod"/>
-            </a:pPr>
-            <a:r>
-              <a:rPr lang="zh-CN" altLang="en-US" dirty="0"/>
-              <a:t>药</a:t>
-            </a:r>
-            <a:r>
-              <a:rPr lang="zh-CN" altLang="en-US" dirty="0" smtClean="0"/>
-              <a:t>厂（销售主管）能够审批享受下属申请的订单</a:t>
-            </a:r>
-            <a:endParaRPr lang="en-US" altLang="zh-CN" dirty="0" smtClean="0"/>
-          </a:p>
-          <a:p>
-            <a:pPr marL="971550" lvl="1" indent="-514350">
-              <a:buFont typeface="+mj-lt"/>
-              <a:buAutoNum type="arabicPeriod"/>
-            </a:pPr>
-            <a:r>
-              <a:rPr lang="zh-CN" altLang="en-US" dirty="0"/>
-              <a:t>药</a:t>
-            </a:r>
-            <a:r>
-              <a:rPr lang="zh-CN" altLang="en-US" dirty="0" smtClean="0"/>
-              <a:t>厂（销售员）能够向上级申请订单</a:t>
-            </a:r>
-            <a:endParaRPr lang="en-US" altLang="zh-CN" dirty="0" smtClean="0"/>
-          </a:p>
-          <a:p>
-            <a:pPr marL="971550" lvl="1" indent="-514350">
-              <a:buFont typeface="+mj-lt"/>
-              <a:buAutoNum type="arabicPeriod"/>
-            </a:pPr>
-            <a:r>
-              <a:rPr lang="zh-CN" altLang="en-US" dirty="0" smtClean="0"/>
-              <a:t>药厂（销售员）能够查看所有该人发起的所有订单</a:t>
-            </a:r>
-            <a:endParaRPr lang="en-US" altLang="zh-CN" dirty="0" smtClean="0"/>
-          </a:p>
-          <a:p>
-            <a:pPr marL="971550" lvl="1" indent="-514350">
-              <a:buFont typeface="+mj-lt"/>
-              <a:buAutoNum type="arabicPeriod"/>
-            </a:pPr>
-            <a:r>
-              <a:rPr lang="zh-CN" altLang="en-US" dirty="0"/>
-              <a:t>订</a:t>
-            </a:r>
-            <a:r>
-              <a:rPr lang="zh-CN" altLang="en-US" dirty="0" smtClean="0"/>
-              <a:t>单信息包含</a:t>
-            </a:r>
-            <a:r>
-              <a:rPr lang="zh-CN" altLang="en-US" dirty="0">
-                <a:solidFill>
-                  <a:srgbClr val="FF0000"/>
-                </a:solidFill>
-              </a:rPr>
-              <a:t>（需定义）</a:t>
-            </a:r>
-            <a:endParaRPr lang="en-US" altLang="zh-CN" dirty="0" smtClean="0"/>
-          </a:p>
-          <a:p>
-            <a:pPr lvl="1"/>
-            <a:endParaRPr lang="zh-CN" altLang="en-US" dirty="0"/>
-          </a:p>
-        </p:txBody>
-      </p:sp>
-    </p:spTree>
-    <p:extLst>
-      <p:ext uri="{BB962C8B-B14F-4D97-AF65-F5344CB8AC3E}">
-        <p14:creationId xmlns:p14="http://schemas.microsoft.com/office/powerpoint/2010/main" val="996244678"/>
-      </p:ext>
-    </p:extLst>
-  </p:cSld>
-  <p:clrMapOvr>
-    <a:masterClrMapping/>
-  </p:clrMapOvr>
-</p:sld>
-</file>
-
 <file path=ppt/slides/slide2.xml><?xml version="1.0" encoding="utf-8"?>
 <p:sld xmlns:a="http://schemas.openxmlformats.org/drawingml/2006/main" xmlns:r="http://schemas.openxmlformats.org/officeDocument/2006/relationships" xmlns:p="http://schemas.openxmlformats.org/presentationml/2006/main">
   <p:cSld>
@@ -5594,6 +5418,215 @@
 </file>
 
 <file path=ppt/slides/slide20.xml><?xml version="1.0" encoding="utf-8"?>
+<p:sld xmlns:a="http://schemas.openxmlformats.org/drawingml/2006/main" xmlns:r="http://schemas.openxmlformats.org/officeDocument/2006/relationships" xmlns:p="http://schemas.openxmlformats.org/presentationml/2006/main">
+  <p:cSld>
+    <p:spTree>
+      <p:nvGrpSpPr>
+        <p:cNvPr id="1" name=""/>
+        <p:cNvGrpSpPr/>
+        <p:nvPr/>
+      </p:nvGrpSpPr>
+      <p:grpSpPr>
+        <a:xfrm>
+          <a:off x="0" y="0"/>
+          <a:ext cx="0" cy="0"/>
+          <a:chOff x="0" y="0"/>
+          <a:chExt cx="0" cy="0"/>
+        </a:xfrm>
+      </p:grpSpPr>
+      <p:sp>
+        <p:nvSpPr>
+          <p:cNvPr id="2" name="标题 1"/>
+          <p:cNvSpPr>
+            <a:spLocks noGrp="1"/>
+          </p:cNvSpPr>
+          <p:nvPr>
+            <p:ph type="title"/>
+          </p:nvPr>
+        </p:nvSpPr>
+        <p:spPr/>
+        <p:txBody>
+          <a:bodyPr/>
+          <a:lstStyle/>
+          <a:p>
+            <a:r>
+              <a:rPr lang="zh-CN" altLang="en-US" dirty="0" smtClean="0"/>
+              <a:t>订单</a:t>
+            </a:r>
+            <a:endParaRPr lang="zh-CN" altLang="en-US" dirty="0"/>
+          </a:p>
+        </p:txBody>
+      </p:sp>
+      <p:sp>
+        <p:nvSpPr>
+          <p:cNvPr id="3" name="内容占位符 2"/>
+          <p:cNvSpPr>
+            <a:spLocks noGrp="1"/>
+          </p:cNvSpPr>
+          <p:nvPr>
+            <p:ph idx="1"/>
+          </p:nvPr>
+        </p:nvSpPr>
+        <p:spPr/>
+        <p:txBody>
+          <a:bodyPr/>
+          <a:lstStyle/>
+          <a:p>
+            <a:r>
+              <a:rPr lang="zh-CN" altLang="en-US" dirty="0" smtClean="0"/>
+              <a:t>验收条件</a:t>
+            </a:r>
+            <a:endParaRPr lang="en-US" altLang="zh-CN" dirty="0" smtClean="0"/>
+          </a:p>
+          <a:p>
+            <a:pPr marL="971550" lvl="1" indent="-514350">
+              <a:buFont typeface="+mj-lt"/>
+              <a:buAutoNum type="arabicPeriod"/>
+            </a:pPr>
+            <a:r>
+              <a:rPr lang="zh-CN" altLang="en-US" dirty="0"/>
+              <a:t>管理</a:t>
+            </a:r>
+            <a:r>
+              <a:rPr lang="zh-CN" altLang="en-US" dirty="0" smtClean="0"/>
+              <a:t>员能够</a:t>
+            </a:r>
+            <a:r>
+              <a:rPr lang="zh-CN" altLang="en-US" dirty="0" smtClean="0">
+                <a:solidFill>
+                  <a:srgbClr val="FF0000"/>
+                </a:solidFill>
+              </a:rPr>
+              <a:t>（待完</a:t>
+            </a:r>
+            <a:r>
+              <a:rPr lang="zh-CN" altLang="en-US" dirty="0">
+                <a:solidFill>
+                  <a:srgbClr val="FF0000"/>
+                </a:solidFill>
+              </a:rPr>
+              <a:t>善</a:t>
+            </a:r>
+            <a:r>
+              <a:rPr lang="zh-CN" altLang="en-US" dirty="0" smtClean="0">
+                <a:solidFill>
+                  <a:srgbClr val="FF0000"/>
+                </a:solidFill>
+              </a:rPr>
+              <a:t>）</a:t>
+            </a:r>
+            <a:endParaRPr lang="en-US" altLang="zh-CN" dirty="0" smtClean="0"/>
+          </a:p>
+          <a:p>
+            <a:pPr marL="971550" lvl="1" indent="-514350">
+              <a:buFont typeface="+mj-lt"/>
+              <a:buAutoNum type="arabicPeriod"/>
+            </a:pPr>
+            <a:r>
+              <a:rPr lang="zh-CN" altLang="en-US" dirty="0" smtClean="0"/>
+              <a:t>商业公司（渠道）能够查看该渠道所有订单信息</a:t>
+            </a:r>
+            <a:endParaRPr lang="en-US" altLang="zh-CN" dirty="0" smtClean="0"/>
+          </a:p>
+          <a:p>
+            <a:pPr marL="971550" lvl="1" indent="-514350">
+              <a:buFont typeface="+mj-lt"/>
+              <a:buAutoNum type="arabicPeriod"/>
+            </a:pPr>
+            <a:r>
+              <a:rPr lang="zh-CN" altLang="en-US" dirty="0"/>
+              <a:t>药厂（销售主管</a:t>
+            </a:r>
+            <a:r>
+              <a:rPr lang="zh-CN" altLang="en-US" dirty="0" smtClean="0"/>
+              <a:t>）能够查看该厂所有订单信息</a:t>
+            </a:r>
+            <a:endParaRPr lang="en-US" altLang="zh-CN" dirty="0" smtClean="0"/>
+          </a:p>
+          <a:p>
+            <a:pPr marL="971550" lvl="1" indent="-514350">
+              <a:buFont typeface="+mj-lt"/>
+              <a:buAutoNum type="arabicPeriod"/>
+            </a:pPr>
+            <a:r>
+              <a:rPr lang="zh-CN" altLang="en-US" dirty="0"/>
+              <a:t>药</a:t>
+            </a:r>
+            <a:r>
+              <a:rPr lang="zh-CN" altLang="en-US" dirty="0" smtClean="0"/>
+              <a:t>厂（销售主管）能够审批享受下属申请的订单</a:t>
+            </a:r>
+            <a:endParaRPr lang="en-US" altLang="zh-CN" dirty="0" smtClean="0"/>
+          </a:p>
+          <a:p>
+            <a:pPr marL="971550" lvl="1" indent="-514350">
+              <a:buFont typeface="+mj-lt"/>
+              <a:buAutoNum type="arabicPeriod"/>
+            </a:pPr>
+            <a:r>
+              <a:rPr lang="zh-CN" altLang="en-US" dirty="0"/>
+              <a:t>药</a:t>
+            </a:r>
+            <a:r>
+              <a:rPr lang="zh-CN" altLang="en-US" dirty="0" smtClean="0"/>
+              <a:t>厂（销售员）能够向上级申请订单</a:t>
+            </a:r>
+            <a:endParaRPr lang="en-US" altLang="zh-CN" dirty="0" smtClean="0"/>
+          </a:p>
+          <a:p>
+            <a:pPr marL="971550" lvl="1" indent="-514350">
+              <a:buFont typeface="+mj-lt"/>
+              <a:buAutoNum type="arabicPeriod"/>
+            </a:pPr>
+            <a:r>
+              <a:rPr lang="zh-CN" altLang="en-US" dirty="0" smtClean="0"/>
+              <a:t>药厂（销售员）能够查看所有该人发起的所有订单</a:t>
+            </a:r>
+            <a:endParaRPr lang="en-US" altLang="zh-CN" dirty="0" smtClean="0"/>
+          </a:p>
+          <a:p>
+            <a:pPr marL="971550" lvl="1" indent="-514350">
+              <a:buFont typeface="+mj-lt"/>
+              <a:buAutoNum type="arabicPeriod"/>
+            </a:pPr>
+            <a:r>
+              <a:rPr lang="zh-CN" altLang="en-US" dirty="0"/>
+              <a:t>订</a:t>
+            </a:r>
+            <a:r>
+              <a:rPr lang="zh-CN" altLang="en-US" dirty="0" smtClean="0"/>
+              <a:t>单信息包含</a:t>
+            </a:r>
+            <a:r>
+              <a:rPr lang="zh-CN" altLang="en-US" dirty="0">
+                <a:solidFill>
+                  <a:srgbClr val="FF0000"/>
+                </a:solidFill>
+              </a:rPr>
+              <a:t>（需定义）</a:t>
+            </a:r>
+            <a:endParaRPr lang="en-US" altLang="zh-CN" dirty="0" smtClean="0"/>
+          </a:p>
+          <a:p>
+            <a:pPr lvl="1"/>
+            <a:endParaRPr lang="zh-CN" altLang="en-US" dirty="0"/>
+          </a:p>
+        </p:txBody>
+      </p:sp>
+    </p:spTree>
+    <p:extLst>
+      <p:ext uri="{BB962C8B-B14F-4D97-AF65-F5344CB8AC3E}">
+        <p14:creationId xmlns:p14="http://schemas.microsoft.com/office/powerpoint/2010/main" val="996244678"/>
+      </p:ext>
+    </p:extLst>
+  </p:cSld>
+  <p:clrMapOvr>
+    <a:masterClrMapping/>
+  </p:clrMapOvr>
+</p:sld>
+</file>
+
+<file path=ppt/slides/slide21.xml><?xml version="1.0" encoding="utf-8"?>
 <p:sld xmlns:a="http://schemas.openxmlformats.org/drawingml/2006/main" xmlns:r="http://schemas.openxmlformats.org/officeDocument/2006/relationships" xmlns:p="http://schemas.openxmlformats.org/presentationml/2006/main">
   <p:cSld>
     <p:spTree>
@@ -5795,7 +5828,7 @@
 </p:sld>
 </file>
 
-<file path=ppt/slides/slide21.xml><?xml version="1.0" encoding="utf-8"?>
+<file path=ppt/slides/slide22.xml><?xml version="1.0" encoding="utf-8"?>
 <p:sld xmlns:a="http://schemas.openxmlformats.org/drawingml/2006/main" xmlns:r="http://schemas.openxmlformats.org/officeDocument/2006/relationships" xmlns:p="http://schemas.openxmlformats.org/presentationml/2006/main">
   <p:cSld>
     <p:spTree>
@@ -5916,7 +5949,7 @@
 </p:sld>
 </file>
 
-<file path=ppt/slides/slide22.xml><?xml version="1.0" encoding="utf-8"?>
+<file path=ppt/slides/slide23.xml><?xml version="1.0" encoding="utf-8"?>
 <p:sld xmlns:a="http://schemas.openxmlformats.org/drawingml/2006/main" xmlns:r="http://schemas.openxmlformats.org/officeDocument/2006/relationships" xmlns:p="http://schemas.openxmlformats.org/presentationml/2006/main">
   <p:cSld>
     <p:spTree>
@@ -6383,7 +6416,7 @@
 </p:sld>
 </file>
 
-<file path=ppt/slides/slide23.xml><?xml version="1.0" encoding="utf-8"?>
+<file path=ppt/slides/slide24.xml><?xml version="1.0" encoding="utf-8"?>
 <p:sld xmlns:a="http://schemas.openxmlformats.org/drawingml/2006/main" xmlns:r="http://schemas.openxmlformats.org/officeDocument/2006/relationships" xmlns:p="http://schemas.openxmlformats.org/presentationml/2006/main">
   <p:cSld>
     <p:spTree>
@@ -6626,7 +6659,7 @@
 </p:sld>
 </file>
 
-<file path=ppt/slides/slide24.xml><?xml version="1.0" encoding="utf-8"?>
+<file path=ppt/slides/slide25.xml><?xml version="1.0" encoding="utf-8"?>
 <p:sld xmlns:a="http://schemas.openxmlformats.org/drawingml/2006/main" xmlns:r="http://schemas.openxmlformats.org/officeDocument/2006/relationships" xmlns:p="http://schemas.openxmlformats.org/presentationml/2006/main">
   <p:cSld>
     <p:spTree>
@@ -6753,7 +6786,7 @@
 </p:sld>
 </file>
 
-<file path=ppt/slides/slide25.xml><?xml version="1.0" encoding="utf-8"?>
+<file path=ppt/slides/slide26.xml><?xml version="1.0" encoding="utf-8"?>
 <p:sld xmlns:a="http://schemas.openxmlformats.org/drawingml/2006/main" xmlns:r="http://schemas.openxmlformats.org/officeDocument/2006/relationships" xmlns:p="http://schemas.openxmlformats.org/presentationml/2006/main">
   <p:cSld>
     <p:spTree>
@@ -6874,7 +6907,7 @@
 </p:sld>
 </file>
 
-<file path=ppt/slides/slide26.xml><?xml version="1.0" encoding="utf-8"?>
+<file path=ppt/slides/slide27.xml><?xml version="1.0" encoding="utf-8"?>
 <p:sld xmlns:a="http://schemas.openxmlformats.org/drawingml/2006/main" xmlns:r="http://schemas.openxmlformats.org/officeDocument/2006/relationships" xmlns:p="http://schemas.openxmlformats.org/presentationml/2006/main">
   <p:cSld>
     <p:spTree>
@@ -7349,7 +7382,7 @@
 </p:sld>
 </file>
 
-<file path=ppt/slides/slide27.xml><?xml version="1.0" encoding="utf-8"?>
+<file path=ppt/slides/slide28.xml><?xml version="1.0" encoding="utf-8"?>
 <p:sld xmlns:a="http://schemas.openxmlformats.org/drawingml/2006/main" xmlns:r="http://schemas.openxmlformats.org/officeDocument/2006/relationships" xmlns:p="http://schemas.openxmlformats.org/presentationml/2006/main">
   <p:cSld>
     <p:spTree>
@@ -7618,7 +7651,7 @@
 </p:sld>
 </file>
 
-<file path=ppt/slides/slide28.xml><?xml version="1.0" encoding="utf-8"?>
+<file path=ppt/slides/slide29.xml><?xml version="1.0" encoding="utf-8"?>
 <p:sld xmlns:a="http://schemas.openxmlformats.org/drawingml/2006/main" xmlns:r="http://schemas.openxmlformats.org/officeDocument/2006/relationships" xmlns:p="http://schemas.openxmlformats.org/presentationml/2006/main">
   <p:cSld>
     <p:spTree>
@@ -7741,7 +7774,217 @@
 </p:sld>
 </file>
 
-<file path=ppt/slides/slide29.xml><?xml version="1.0" encoding="utf-8"?>
+<file path=ppt/slides/slide3.xml><?xml version="1.0" encoding="utf-8"?>
+<p:sld xmlns:a="http://schemas.openxmlformats.org/drawingml/2006/main" xmlns:r="http://schemas.openxmlformats.org/officeDocument/2006/relationships" xmlns:p="http://schemas.openxmlformats.org/presentationml/2006/main">
+  <p:cSld>
+    <p:spTree>
+      <p:nvGrpSpPr>
+        <p:cNvPr id="1" name=""/>
+        <p:cNvGrpSpPr/>
+        <p:nvPr/>
+      </p:nvGrpSpPr>
+      <p:grpSpPr>
+        <a:xfrm>
+          <a:off x="0" y="0"/>
+          <a:ext cx="0" cy="0"/>
+          <a:chOff x="0" y="0"/>
+          <a:chExt cx="0" cy="0"/>
+        </a:xfrm>
+      </p:grpSpPr>
+      <p:sp>
+        <p:nvSpPr>
+          <p:cNvPr id="2" name="标题 1"/>
+          <p:cNvSpPr>
+            <a:spLocks noGrp="1"/>
+          </p:cNvSpPr>
+          <p:nvPr>
+            <p:ph type="title"/>
+          </p:nvPr>
+        </p:nvSpPr>
+        <p:spPr/>
+        <p:txBody>
+          <a:bodyPr/>
+          <a:lstStyle/>
+          <a:p>
+            <a:r>
+              <a:rPr lang="zh-CN" altLang="en-US" dirty="0"/>
+              <a:t>用</a:t>
+            </a:r>
+            <a:r>
+              <a:rPr lang="zh-CN" altLang="en-US" dirty="0" smtClean="0"/>
+              <a:t>户登录</a:t>
+            </a:r>
+            <a:endParaRPr lang="zh-CN" altLang="en-US" dirty="0"/>
+          </a:p>
+        </p:txBody>
+      </p:sp>
+      <p:sp>
+        <p:nvSpPr>
+          <p:cNvPr id="3" name="内容占位符 2"/>
+          <p:cNvSpPr>
+            <a:spLocks noGrp="1"/>
+          </p:cNvSpPr>
+          <p:nvPr>
+            <p:ph idx="1"/>
+          </p:nvPr>
+        </p:nvSpPr>
+        <p:spPr/>
+        <p:txBody>
+          <a:bodyPr/>
+          <a:lstStyle/>
+          <a:p>
+            <a:r>
+              <a:rPr lang="zh-CN" altLang="en-US" dirty="0"/>
+              <a:t>验收条件</a:t>
+            </a:r>
+            <a:endParaRPr lang="en-US" altLang="zh-CN" dirty="0" smtClean="0"/>
+          </a:p>
+          <a:p>
+            <a:pPr marL="914400" lvl="1" indent="-457200">
+              <a:buFont typeface="+mj-lt"/>
+              <a:buAutoNum type="arabicPeriod"/>
+            </a:pPr>
+            <a:r>
+              <a:rPr lang="zh-CN" altLang="en-US" dirty="0" smtClean="0"/>
+              <a:t>用户可以注册用户至谭雅系统（公众号入口）</a:t>
+            </a:r>
+            <a:endParaRPr lang="en-US" altLang="zh-CN" dirty="0" smtClean="0"/>
+          </a:p>
+          <a:p>
+            <a:pPr marL="914400" lvl="1" indent="-457200">
+              <a:buFont typeface="+mj-lt"/>
+              <a:buAutoNum type="arabicPeriod"/>
+            </a:pPr>
+            <a:r>
+              <a:rPr lang="zh-CN" altLang="en-US" dirty="0"/>
+              <a:t>用</a:t>
+            </a:r>
+            <a:r>
+              <a:rPr lang="zh-CN" altLang="en-US" dirty="0" smtClean="0"/>
+              <a:t>户能够修改密码（发送短信验证码）（微信登录）</a:t>
+            </a:r>
+            <a:endParaRPr lang="en-US" altLang="zh-CN" dirty="0" smtClean="0"/>
+          </a:p>
+          <a:p>
+            <a:pPr marL="914400" lvl="1" indent="-457200">
+              <a:buFont typeface="+mj-lt"/>
+              <a:buAutoNum type="arabicPeriod"/>
+            </a:pPr>
+            <a:r>
+              <a:rPr lang="zh-CN" altLang="en-US" dirty="0"/>
+              <a:t>用</a:t>
+            </a:r>
+            <a:r>
+              <a:rPr lang="zh-CN" altLang="en-US" dirty="0" smtClean="0"/>
+              <a:t>户能够使用微信账号登录</a:t>
+            </a:r>
+            <a:endParaRPr lang="en-US" altLang="zh-CN" dirty="0" smtClean="0"/>
+          </a:p>
+          <a:p>
+            <a:pPr marL="914400" lvl="1" indent="-457200">
+              <a:buFont typeface="+mj-lt"/>
+              <a:buAutoNum type="arabicPeriod"/>
+            </a:pPr>
+            <a:r>
+              <a:rPr lang="zh-CN" altLang="en-US" dirty="0" smtClean="0"/>
+              <a:t>用户需要输入个人信息</a:t>
+            </a:r>
+            <a:r>
+              <a:rPr lang="zh-CN" altLang="en-US" dirty="0">
+                <a:solidFill>
+                  <a:srgbClr val="FF0000"/>
+                </a:solidFill>
+              </a:rPr>
+              <a:t>（需定义</a:t>
+            </a:r>
+            <a:r>
+              <a:rPr lang="zh-CN" altLang="en-US" dirty="0" smtClean="0">
+                <a:solidFill>
+                  <a:srgbClr val="FF0000"/>
+                </a:solidFill>
+              </a:rPr>
+              <a:t>）</a:t>
+            </a:r>
+            <a:endParaRPr lang="en-US" altLang="zh-CN" dirty="0" smtClean="0">
+              <a:solidFill>
+                <a:srgbClr val="FF0000"/>
+              </a:solidFill>
+            </a:endParaRPr>
+          </a:p>
+          <a:p>
+            <a:pPr marL="1371600" lvl="2" indent="-457200">
+              <a:buFont typeface="+mj-lt"/>
+              <a:buAutoNum type="arabicPeriod"/>
+            </a:pPr>
+            <a:r>
+              <a:rPr lang="zh-CN" altLang="en-US" dirty="0"/>
+              <a:t>姓</a:t>
+            </a:r>
+            <a:r>
+              <a:rPr lang="zh-CN" altLang="en-US" dirty="0" smtClean="0"/>
+              <a:t>名</a:t>
+            </a:r>
+            <a:endParaRPr lang="en-US" altLang="zh-CN" dirty="0" smtClean="0"/>
+          </a:p>
+          <a:p>
+            <a:pPr marL="1371600" lvl="2" indent="-457200">
+              <a:buFont typeface="+mj-lt"/>
+              <a:buAutoNum type="arabicPeriod"/>
+            </a:pPr>
+            <a:r>
+              <a:rPr lang="zh-CN" altLang="en-US" dirty="0"/>
+              <a:t>联</a:t>
+            </a:r>
+            <a:r>
+              <a:rPr lang="zh-CN" altLang="en-US" dirty="0" smtClean="0"/>
+              <a:t>系方式</a:t>
+            </a:r>
+            <a:endParaRPr lang="en-US" altLang="zh-CN" dirty="0" smtClean="0"/>
+          </a:p>
+          <a:p>
+            <a:pPr marL="1371600" lvl="2" indent="-457200">
+              <a:buFont typeface="+mj-lt"/>
+              <a:buAutoNum type="arabicPeriod"/>
+            </a:pPr>
+            <a:r>
+              <a:rPr lang="zh-CN" altLang="en-US" dirty="0" smtClean="0"/>
+              <a:t>邮箱</a:t>
+            </a:r>
+            <a:endParaRPr lang="en-US" altLang="zh-CN" dirty="0" smtClean="0"/>
+          </a:p>
+          <a:p>
+            <a:pPr marL="1371600" lvl="2" indent="-457200">
+              <a:buFont typeface="+mj-lt"/>
+              <a:buAutoNum type="arabicPeriod"/>
+            </a:pPr>
+            <a:endParaRPr lang="en-US" altLang="zh-CN" dirty="0"/>
+          </a:p>
+          <a:p>
+            <a:pPr marL="914400" lvl="1" indent="-457200">
+              <a:buFont typeface="+mj-lt"/>
+              <a:buAutoNum type="arabicPeriod"/>
+            </a:pPr>
+            <a:endParaRPr lang="en-US" altLang="zh-CN" dirty="0" smtClean="0"/>
+          </a:p>
+          <a:p>
+            <a:endParaRPr lang="zh-CN" altLang="en-US" dirty="0"/>
+          </a:p>
+        </p:txBody>
+      </p:sp>
+    </p:spTree>
+    <p:extLst>
+      <p:ext uri="{BB962C8B-B14F-4D97-AF65-F5344CB8AC3E}">
+        <p14:creationId xmlns:p14="http://schemas.microsoft.com/office/powerpoint/2010/main" val="3480020597"/>
+      </p:ext>
+    </p:extLst>
+  </p:cSld>
+  <p:clrMapOvr>
+    <a:masterClrMapping/>
+  </p:clrMapOvr>
+</p:sld>
+</file>
+
+<file path=ppt/slides/slide30.xml><?xml version="1.0" encoding="utf-8"?>
 <p:sld xmlns:a="http://schemas.openxmlformats.org/drawingml/2006/main" xmlns:r="http://schemas.openxmlformats.org/officeDocument/2006/relationships" xmlns:p="http://schemas.openxmlformats.org/presentationml/2006/main">
   <p:cSld>
     <p:spTree>
@@ -7858,229 +8101,7 @@
 </p:sld>
 </file>
 
-<file path=ppt/slides/slide3.xml><?xml version="1.0" encoding="utf-8"?>
-<p:sld xmlns:a="http://schemas.openxmlformats.org/drawingml/2006/main" xmlns:r="http://schemas.openxmlformats.org/officeDocument/2006/relationships" xmlns:p="http://schemas.openxmlformats.org/presentationml/2006/main">
-  <p:cSld>
-    <p:spTree>
-      <p:nvGrpSpPr>
-        <p:cNvPr id="1" name=""/>
-        <p:cNvGrpSpPr/>
-        <p:nvPr/>
-      </p:nvGrpSpPr>
-      <p:grpSpPr>
-        <a:xfrm>
-          <a:off x="0" y="0"/>
-          <a:ext cx="0" cy="0"/>
-          <a:chOff x="0" y="0"/>
-          <a:chExt cx="0" cy="0"/>
-        </a:xfrm>
-      </p:grpSpPr>
-      <p:sp>
-        <p:nvSpPr>
-          <p:cNvPr id="2" name="标题 1"/>
-          <p:cNvSpPr>
-            <a:spLocks noGrp="1"/>
-          </p:cNvSpPr>
-          <p:nvPr>
-            <p:ph type="title"/>
-          </p:nvPr>
-        </p:nvSpPr>
-        <p:spPr/>
-        <p:txBody>
-          <a:bodyPr/>
-          <a:lstStyle/>
-          <a:p>
-            <a:r>
-              <a:rPr lang="zh-CN" altLang="en-US" dirty="0"/>
-              <a:t>用</a:t>
-            </a:r>
-            <a:r>
-              <a:rPr lang="zh-CN" altLang="en-US" dirty="0" smtClean="0"/>
-              <a:t>户登录</a:t>
-            </a:r>
-            <a:endParaRPr lang="zh-CN" altLang="en-US" dirty="0"/>
-          </a:p>
-        </p:txBody>
-      </p:sp>
-      <p:sp>
-        <p:nvSpPr>
-          <p:cNvPr id="3" name="内容占位符 2"/>
-          <p:cNvSpPr>
-            <a:spLocks noGrp="1"/>
-          </p:cNvSpPr>
-          <p:nvPr>
-            <p:ph idx="1"/>
-          </p:nvPr>
-        </p:nvSpPr>
-        <p:spPr/>
-        <p:txBody>
-          <a:bodyPr/>
-          <a:lstStyle/>
-          <a:p>
-            <a:r>
-              <a:rPr lang="zh-CN" altLang="en-US" dirty="0"/>
-              <a:t>验收条件</a:t>
-            </a:r>
-            <a:endParaRPr lang="en-US" altLang="zh-CN" dirty="0" smtClean="0"/>
-          </a:p>
-          <a:p>
-            <a:pPr marL="914400" lvl="1" indent="-457200">
-              <a:buFont typeface="+mj-lt"/>
-              <a:buAutoNum type="arabicPeriod"/>
-            </a:pPr>
-            <a:r>
-              <a:rPr lang="zh-CN" altLang="en-US" dirty="0" smtClean="0"/>
-              <a:t>用户可以注册用户至谭雅系</a:t>
-            </a:r>
-            <a:r>
-              <a:rPr lang="zh-CN" altLang="en-US" dirty="0" smtClean="0"/>
-              <a:t>统</a:t>
-            </a:r>
-            <a:r>
-              <a:rPr lang="zh-CN" altLang="en-US" dirty="0" smtClean="0"/>
-              <a:t>（公众号入口）</a:t>
-            </a:r>
-            <a:endParaRPr lang="en-US" altLang="zh-CN" dirty="0" smtClean="0"/>
-          </a:p>
-          <a:p>
-            <a:pPr marL="914400" lvl="1" indent="-457200">
-              <a:buFont typeface="+mj-lt"/>
-              <a:buAutoNum type="arabicPeriod"/>
-            </a:pPr>
-            <a:r>
-              <a:rPr lang="zh-CN" altLang="en-US" dirty="0"/>
-              <a:t>用</a:t>
-            </a:r>
-            <a:r>
-              <a:rPr lang="zh-CN" altLang="en-US" dirty="0" smtClean="0"/>
-              <a:t>户能够修改密码（发送短信验证码</a:t>
-            </a:r>
-            <a:r>
-              <a:rPr lang="zh-CN" altLang="en-US" dirty="0" smtClean="0"/>
-              <a:t>）（微信登录）</a:t>
-            </a:r>
-            <a:endParaRPr lang="en-US" altLang="zh-CN" dirty="0" smtClean="0"/>
-          </a:p>
-          <a:p>
-            <a:pPr marL="914400" lvl="1" indent="-457200">
-              <a:buFont typeface="+mj-lt"/>
-              <a:buAutoNum type="arabicPeriod"/>
-            </a:pPr>
-            <a:r>
-              <a:rPr lang="zh-CN" altLang="en-US" dirty="0"/>
-              <a:t>用</a:t>
-            </a:r>
-            <a:r>
-              <a:rPr lang="zh-CN" altLang="en-US" dirty="0" smtClean="0"/>
-              <a:t>户能够使用微信账号登录</a:t>
-            </a:r>
-            <a:endParaRPr lang="en-US" altLang="zh-CN" dirty="0" smtClean="0"/>
-          </a:p>
-          <a:p>
-            <a:pPr marL="914400" lvl="1" indent="-457200">
-              <a:buFont typeface="+mj-lt"/>
-              <a:buAutoNum type="arabicPeriod"/>
-            </a:pPr>
-            <a:r>
-              <a:rPr lang="zh-CN" altLang="en-US" dirty="0" smtClean="0"/>
-              <a:t>用户需要输入个人信息</a:t>
-            </a:r>
-            <a:r>
-              <a:rPr lang="zh-CN" altLang="en-US" dirty="0">
-                <a:solidFill>
-                  <a:srgbClr val="FF0000"/>
-                </a:solidFill>
-              </a:rPr>
-              <a:t>（需定义</a:t>
-            </a:r>
-            <a:r>
-              <a:rPr lang="zh-CN" altLang="en-US" dirty="0" smtClean="0">
-                <a:solidFill>
-                  <a:srgbClr val="FF0000"/>
-                </a:solidFill>
-              </a:rPr>
-              <a:t>）</a:t>
-            </a:r>
-            <a:endParaRPr lang="en-US" altLang="zh-CN" dirty="0" smtClean="0">
-              <a:solidFill>
-                <a:srgbClr val="FF0000"/>
-              </a:solidFill>
-            </a:endParaRPr>
-          </a:p>
-          <a:p>
-            <a:pPr marL="1371600" lvl="2" indent="-457200">
-              <a:buFont typeface="+mj-lt"/>
-              <a:buAutoNum type="arabicPeriod"/>
-            </a:pPr>
-            <a:r>
-              <a:rPr lang="zh-CN" altLang="en-US" dirty="0"/>
-              <a:t>姓</a:t>
-            </a:r>
-            <a:r>
-              <a:rPr lang="zh-CN" altLang="en-US" dirty="0" smtClean="0"/>
-              <a:t>名</a:t>
-            </a:r>
-            <a:endParaRPr lang="en-US" altLang="zh-CN" dirty="0" smtClean="0"/>
-          </a:p>
-          <a:p>
-            <a:pPr marL="1371600" lvl="2" indent="-457200">
-              <a:buFont typeface="+mj-lt"/>
-              <a:buAutoNum type="arabicPeriod"/>
-            </a:pPr>
-            <a:r>
-              <a:rPr lang="zh-CN" altLang="en-US" dirty="0"/>
-              <a:t>联</a:t>
-            </a:r>
-            <a:r>
-              <a:rPr lang="zh-CN" altLang="en-US" dirty="0" smtClean="0"/>
-              <a:t>系方式</a:t>
-            </a:r>
-            <a:endParaRPr lang="en-US" altLang="zh-CN" dirty="0" smtClean="0"/>
-          </a:p>
-          <a:p>
-            <a:pPr marL="1371600" lvl="2" indent="-457200">
-              <a:buFont typeface="+mj-lt"/>
-              <a:buAutoNum type="arabicPeriod"/>
-            </a:pPr>
-            <a:r>
-              <a:rPr lang="zh-CN" altLang="en-US" dirty="0" smtClean="0"/>
-              <a:t>邮箱</a:t>
-            </a:r>
-            <a:endParaRPr lang="en-US" altLang="zh-CN" dirty="0" smtClean="0"/>
-          </a:p>
-          <a:p>
-            <a:pPr marL="1371600" lvl="2" indent="-457200">
-              <a:buFont typeface="+mj-lt"/>
-              <a:buAutoNum type="arabicPeriod"/>
-            </a:pPr>
-            <a:endParaRPr lang="en-US" altLang="zh-CN" dirty="0"/>
-          </a:p>
-          <a:p>
-            <a:pPr marL="914400" lvl="1" indent="-457200">
-              <a:buFont typeface="+mj-lt"/>
-              <a:buAutoNum type="arabicPeriod"/>
-            </a:pPr>
-            <a:endParaRPr lang="en-US" altLang="zh-CN" dirty="0" smtClean="0"/>
-          </a:p>
-          <a:p>
-            <a:endParaRPr lang="zh-CN" altLang="en-US" dirty="0"/>
-          </a:p>
-        </p:txBody>
-      </p:sp>
-    </p:spTree>
-    <p:extLst>
-      <p:ext uri="{BB962C8B-B14F-4D97-AF65-F5344CB8AC3E}">
-        <p14:creationId xmlns:p14="http://schemas.microsoft.com/office/powerpoint/2010/main" val="3480020597"/>
-      </p:ext>
-    </p:extLst>
-  </p:cSld>
-  <p:clrMapOvr>
-    <a:masterClrMapping/>
-  </p:clrMapOvr>
-</p:sld>
-</file>
-
-<file path=ppt/slides/slide30.xml><?xml version="1.0" encoding="utf-8"?>
+<file path=ppt/slides/slide31.xml><?xml version="1.0" encoding="utf-8"?>
 <p:sld xmlns:a="http://schemas.openxmlformats.org/drawingml/2006/main" xmlns:r="http://schemas.openxmlformats.org/officeDocument/2006/relationships" xmlns:p="http://schemas.openxmlformats.org/presentationml/2006/main">
   <p:cSld>
     <p:spTree>
@@ -8197,120 +8218,6 @@
 </p:sld>
 </file>
 
-<file path=ppt/slides/slide31.xml><?xml version="1.0" encoding="utf-8"?>
-<p:sld xmlns:a="http://schemas.openxmlformats.org/drawingml/2006/main" xmlns:r="http://schemas.openxmlformats.org/officeDocument/2006/relationships" xmlns:p="http://schemas.openxmlformats.org/presentationml/2006/main">
-  <p:cSld>
-    <p:spTree>
-      <p:nvGrpSpPr>
-        <p:cNvPr id="1" name=""/>
-        <p:cNvGrpSpPr/>
-        <p:nvPr/>
-      </p:nvGrpSpPr>
-      <p:grpSpPr>
-        <a:xfrm>
-          <a:off x="0" y="0"/>
-          <a:ext cx="0" cy="0"/>
-          <a:chOff x="0" y="0"/>
-          <a:chExt cx="0" cy="0"/>
-        </a:xfrm>
-      </p:grpSpPr>
-      <p:sp>
-        <p:nvSpPr>
-          <p:cNvPr id="2" name="标题 1"/>
-          <p:cNvSpPr>
-            <a:spLocks noGrp="1"/>
-          </p:cNvSpPr>
-          <p:nvPr>
-            <p:ph type="title"/>
-          </p:nvPr>
-        </p:nvSpPr>
-        <p:spPr/>
-        <p:txBody>
-          <a:bodyPr/>
-          <a:lstStyle/>
-          <a:p>
-            <a:r>
-              <a:rPr lang="zh-CN" altLang="en-US" dirty="0" smtClean="0"/>
-              <a:t>统计</a:t>
-            </a:r>
-            <a:endParaRPr lang="zh-CN" altLang="en-US" dirty="0"/>
-          </a:p>
-        </p:txBody>
-      </p:sp>
-      <p:sp>
-        <p:nvSpPr>
-          <p:cNvPr id="3" name="内容占位符 2"/>
-          <p:cNvSpPr>
-            <a:spLocks noGrp="1"/>
-          </p:cNvSpPr>
-          <p:nvPr>
-            <p:ph idx="1"/>
-          </p:nvPr>
-        </p:nvSpPr>
-        <p:spPr/>
-        <p:txBody>
-          <a:bodyPr/>
-          <a:lstStyle/>
-          <a:p>
-            <a:r>
-              <a:rPr lang="en-US" altLang="zh-CN" dirty="0" smtClean="0"/>
-              <a:t>E-&gt;D </a:t>
-            </a:r>
-            <a:r>
-              <a:rPr lang="zh-CN" altLang="en-US" dirty="0" smtClean="0"/>
-              <a:t>促销进展</a:t>
-            </a:r>
-            <a:endParaRPr lang="en-US" altLang="zh-CN" dirty="0" smtClean="0"/>
-          </a:p>
-          <a:p>
-            <a:r>
-              <a:rPr lang="zh-CN" altLang="en-US" dirty="0" smtClean="0"/>
-              <a:t>调用商务公司</a:t>
-            </a:r>
-            <a:r>
-              <a:rPr lang="en-US" altLang="zh-CN" dirty="0" smtClean="0"/>
-              <a:t>(</a:t>
-            </a:r>
-            <a:r>
-              <a:rPr lang="en-US" altLang="zh-CN" dirty="0"/>
-              <a:t>B</a:t>
-            </a:r>
-            <a:r>
-              <a:rPr lang="en-US" altLang="zh-CN" dirty="0" smtClean="0"/>
-              <a:t>) IT</a:t>
-            </a:r>
-            <a:r>
-              <a:rPr lang="zh-CN" altLang="en-US" dirty="0" smtClean="0"/>
-              <a:t>接口 </a:t>
-            </a:r>
-            <a:r>
-              <a:rPr lang="en-US" altLang="zh-CN" dirty="0" smtClean="0"/>
-              <a:t>&lt;</a:t>
-            </a:r>
-            <a:r>
-              <a:rPr lang="zh-CN" altLang="en-US" dirty="0" smtClean="0"/>
-              <a:t>依赖商务公司实现</a:t>
-            </a:r>
-            <a:r>
-              <a:rPr lang="en-US" altLang="zh-CN" dirty="0" smtClean="0"/>
-              <a:t>&gt;</a:t>
-            </a:r>
-          </a:p>
-        </p:txBody>
-      </p:sp>
-    </p:spTree>
-    <p:extLst>
-      <p:ext uri="{BB962C8B-B14F-4D97-AF65-F5344CB8AC3E}">
-        <p14:creationId xmlns:p14="http://schemas.microsoft.com/office/powerpoint/2010/main" val="3811325720"/>
-      </p:ext>
-    </p:extLst>
-  </p:cSld>
-  <p:clrMapOvr>
-    <a:masterClrMapping/>
-  </p:clrMapOvr>
-</p:sld>
-</file>
-
 <file path=ppt/slides/slide32.xml><?xml version="1.0" encoding="utf-8"?>
 <p:sld xmlns:a="http://schemas.openxmlformats.org/drawingml/2006/main" xmlns:r="http://schemas.openxmlformats.org/officeDocument/2006/relationships" xmlns:p="http://schemas.openxmlformats.org/presentationml/2006/main">
   <p:cSld>
@@ -8345,7 +8252,7 @@
           <a:p>
             <a:r>
               <a:rPr lang="zh-CN" altLang="en-US" dirty="0" smtClean="0"/>
-              <a:t>额外说明</a:t>
+              <a:t>统计</a:t>
             </a:r>
             <a:endParaRPr lang="zh-CN" altLang="en-US" dirty="0"/>
           </a:p>
@@ -8367,35 +8274,55 @@
           <a:lstStyle/>
           <a:p>
             <a:r>
-              <a:rPr lang="zh-CN" altLang="en-US" dirty="0" smtClean="0"/>
-              <a:t>活动 需要起始</a:t>
-            </a:r>
-            <a:r>
-              <a:rPr lang="zh-CN" altLang="en-US" dirty="0"/>
-              <a:t>结束</a:t>
-            </a:r>
-            <a:r>
-              <a:rPr lang="zh-CN" altLang="en-US" dirty="0" smtClean="0"/>
-              <a:t>时间</a:t>
-            </a:r>
-            <a:endParaRPr lang="en-US" altLang="zh-CN" dirty="0" smtClean="0"/>
-          </a:p>
-          <a:p>
-            <a:r>
-              <a:rPr lang="zh-CN" altLang="en-US" dirty="0" smtClean="0"/>
-              <a:t>发起申请 管理员控制权限</a:t>
-            </a:r>
-            <a:endParaRPr lang="en-US" altLang="zh-CN" dirty="0" smtClean="0"/>
-          </a:p>
-          <a:p>
-            <a:endParaRPr lang="zh-CN" altLang="en-US" dirty="0"/>
+              <a:rPr lang="en-US" altLang="zh-CN" dirty="0" smtClean="0"/>
+              <a:t>E-&gt;D </a:t>
+            </a:r>
+            <a:r>
+              <a:rPr lang="zh-CN" altLang="en-US" dirty="0" smtClean="0"/>
+              <a:t>促销进展</a:t>
+            </a:r>
+            <a:endParaRPr lang="en-US" altLang="zh-CN" dirty="0" smtClean="0"/>
+          </a:p>
+          <a:p>
+            <a:r>
+              <a:rPr lang="zh-CN" altLang="en-US" dirty="0" smtClean="0"/>
+              <a:t>调用商务公司</a:t>
+            </a:r>
+            <a:r>
+              <a:rPr lang="en-US" altLang="zh-CN" dirty="0" smtClean="0"/>
+              <a:t>(</a:t>
+            </a:r>
+            <a:r>
+              <a:rPr lang="en-US" altLang="zh-CN" dirty="0"/>
+              <a:t>B</a:t>
+            </a:r>
+            <a:r>
+              <a:rPr lang="en-US" altLang="zh-CN" dirty="0" smtClean="0"/>
+              <a:t>) IT</a:t>
+            </a:r>
+            <a:r>
+              <a:rPr lang="zh-CN" altLang="en-US" dirty="0" smtClean="0"/>
+              <a:t>接口 </a:t>
+            </a:r>
+            <a:r>
+              <a:rPr lang="en-US" altLang="zh-CN" dirty="0" smtClean="0"/>
+              <a:t>&lt;</a:t>
+            </a:r>
+            <a:r>
+              <a:rPr lang="zh-CN" altLang="en-US" dirty="0" smtClean="0"/>
+              <a:t>依赖商务公司实现</a:t>
+            </a:r>
+            <a:r>
+              <a:rPr lang="en-US" altLang="zh-CN" dirty="0" smtClean="0"/>
+              <a:t>&gt;</a:t>
+            </a:r>
           </a:p>
         </p:txBody>
       </p:sp>
     </p:spTree>
     <p:extLst>
       <p:ext uri="{BB962C8B-B14F-4D97-AF65-F5344CB8AC3E}">
-        <p14:creationId xmlns:p14="http://schemas.microsoft.com/office/powerpoint/2010/main" val="3960749661"/>
+        <p14:creationId xmlns:p14="http://schemas.microsoft.com/office/powerpoint/2010/main" val="3811325720"/>
       </p:ext>
     </p:extLst>
   </p:cSld>
@@ -8439,7 +8366,7 @@
           <a:p>
             <a:r>
               <a:rPr lang="zh-CN" altLang="en-US" dirty="0" smtClean="0"/>
-              <a:t>问题</a:t>
+              <a:t>额外说明</a:t>
             </a:r>
             <a:endParaRPr lang="zh-CN" altLang="en-US" dirty="0"/>
           </a:p>
@@ -8461,61 +8388,23 @@
           <a:lstStyle/>
           <a:p>
             <a:r>
-              <a:rPr lang="en-US" altLang="zh-CN" dirty="0" smtClean="0"/>
-              <a:t>D</a:t>
-            </a:r>
-            <a:r>
-              <a:rPr lang="zh-CN" altLang="en-US" dirty="0" smtClean="0"/>
-              <a:t>是否需要有效期设置</a:t>
-            </a:r>
-            <a:endParaRPr lang="en-US" altLang="zh-CN" dirty="0" smtClean="0"/>
-          </a:p>
-          <a:p>
-            <a:r>
-              <a:rPr lang="en-US" altLang="zh-CN" dirty="0" smtClean="0"/>
-              <a:t>-&gt;</a:t>
-            </a:r>
-            <a:r>
-              <a:rPr lang="zh-CN" altLang="en-US" dirty="0" smtClean="0"/>
-              <a:t>不需要</a:t>
-            </a:r>
-            <a:endParaRPr lang="en-US" altLang="zh-CN" dirty="0" smtClean="0"/>
-          </a:p>
-          <a:p>
-            <a:r>
-              <a:rPr lang="zh-CN" altLang="en-US" dirty="0"/>
-              <a:t>对</a:t>
-            </a:r>
-            <a:r>
-              <a:rPr lang="zh-CN" altLang="en-US" dirty="0" smtClean="0"/>
-              <a:t>公活动 由</a:t>
-            </a:r>
-            <a:r>
-              <a:rPr lang="en-US" altLang="zh-CN" dirty="0" smtClean="0"/>
-              <a:t>C</a:t>
-            </a:r>
-            <a:r>
-              <a:rPr lang="zh-CN" altLang="en-US" dirty="0" smtClean="0"/>
-              <a:t>发起 是否对所有下属</a:t>
-            </a:r>
-            <a:r>
-              <a:rPr lang="en-US" altLang="zh-CN" dirty="0" smtClean="0"/>
-              <a:t>D</a:t>
-            </a:r>
-            <a:r>
-              <a:rPr lang="zh-CN" altLang="en-US" dirty="0" smtClean="0"/>
-              <a:t>都可见</a:t>
-            </a:r>
-            <a:endParaRPr lang="en-US" altLang="zh-CN" dirty="0" smtClean="0"/>
-          </a:p>
-          <a:p>
-            <a:r>
-              <a:rPr lang="en-US" altLang="zh-CN" dirty="0" smtClean="0"/>
-              <a:t>-&gt;</a:t>
-            </a:r>
-            <a:r>
-              <a:rPr lang="zh-CN" altLang="en-US" dirty="0" smtClean="0"/>
-              <a:t>是的</a:t>
+              <a:rPr lang="zh-CN" altLang="en-US" dirty="0" smtClean="0"/>
+              <a:t>活动 需要起始</a:t>
+            </a:r>
+            <a:r>
+              <a:rPr lang="zh-CN" altLang="en-US" dirty="0"/>
+              <a:t>结束</a:t>
+            </a:r>
+            <a:r>
+              <a:rPr lang="zh-CN" altLang="en-US" dirty="0" smtClean="0"/>
+              <a:t>时间</a:t>
+            </a:r>
+            <a:endParaRPr lang="en-US" altLang="zh-CN" dirty="0" smtClean="0"/>
+          </a:p>
+          <a:p>
+            <a:r>
+              <a:rPr lang="zh-CN" altLang="en-US" dirty="0" smtClean="0"/>
+              <a:t>发起申请 管理员控制权限</a:t>
             </a:r>
             <a:endParaRPr lang="en-US" altLang="zh-CN" dirty="0" smtClean="0"/>
           </a:p>
@@ -8527,7 +8416,7 @@
     </p:spTree>
     <p:extLst>
       <p:ext uri="{BB962C8B-B14F-4D97-AF65-F5344CB8AC3E}">
-        <p14:creationId xmlns:p14="http://schemas.microsoft.com/office/powerpoint/2010/main" val="3097716602"/>
+        <p14:creationId xmlns:p14="http://schemas.microsoft.com/office/powerpoint/2010/main" val="3960749661"/>
       </p:ext>
     </p:extLst>
   </p:cSld>
@@ -8569,6 +8458,10 @@
           <a:bodyPr/>
           <a:lstStyle/>
           <a:p>
+            <a:r>
+              <a:rPr lang="zh-CN" altLang="en-US" dirty="0" smtClean="0"/>
+              <a:t>问题</a:t>
+            </a:r>
             <a:endParaRPr lang="zh-CN" altLang="en-US" dirty="0"/>
           </a:p>
         </p:txBody>
@@ -8589,149 +8482,63 @@
           <a:lstStyle/>
           <a:p>
             <a:r>
-              <a:rPr lang="zh-CN" altLang="zh-CN" dirty="0" smtClean="0"/>
-              <a:t>在</a:t>
-            </a:r>
-            <a:r>
-              <a:rPr lang="en-US" altLang="zh-CN" dirty="0"/>
-              <a:t>A</a:t>
-            </a:r>
-            <a:r>
-              <a:rPr lang="zh-CN" altLang="zh-CN" dirty="0"/>
-              <a:t>、</a:t>
-            </a:r>
-            <a:r>
-              <a:rPr lang="en-US" altLang="zh-CN" dirty="0"/>
-              <a:t>B</a:t>
-            </a:r>
-            <a:r>
-              <a:rPr lang="zh-CN" altLang="zh-CN" dirty="0"/>
-              <a:t>、</a:t>
-            </a:r>
-            <a:r>
-              <a:rPr lang="en-US" altLang="zh-CN" dirty="0"/>
+              <a:rPr lang="en-US" altLang="zh-CN" dirty="0" smtClean="0"/>
+              <a:t>D</a:t>
+            </a:r>
+            <a:r>
+              <a:rPr lang="zh-CN" altLang="en-US" dirty="0" smtClean="0"/>
+              <a:t>是否需要有效期设置</a:t>
+            </a:r>
+            <a:endParaRPr lang="en-US" altLang="zh-CN" dirty="0" smtClean="0"/>
+          </a:p>
+          <a:p>
+            <a:r>
+              <a:rPr lang="en-US" altLang="zh-CN" dirty="0" smtClean="0"/>
+              <a:t>-&gt;</a:t>
+            </a:r>
+            <a:r>
+              <a:rPr lang="zh-CN" altLang="en-US" dirty="0" smtClean="0"/>
+              <a:t>不需要</a:t>
+            </a:r>
+            <a:endParaRPr lang="en-US" altLang="zh-CN" dirty="0" smtClean="0"/>
+          </a:p>
+          <a:p>
+            <a:r>
+              <a:rPr lang="zh-CN" altLang="en-US" dirty="0"/>
+              <a:t>对</a:t>
+            </a:r>
+            <a:r>
+              <a:rPr lang="zh-CN" altLang="en-US" dirty="0" smtClean="0"/>
+              <a:t>公活动 由</a:t>
+            </a:r>
+            <a:r>
+              <a:rPr lang="en-US" altLang="zh-CN" dirty="0" smtClean="0"/>
               <a:t>C</a:t>
             </a:r>
             <a:r>
-              <a:rPr lang="zh-CN" altLang="zh-CN" dirty="0"/>
-              <a:t>关系上，</a:t>
-            </a:r>
-            <a:r>
-              <a:rPr lang="en-US" altLang="zh-CN" dirty="0"/>
-              <a:t>B </a:t>
-            </a:r>
-            <a:r>
-              <a:rPr lang="zh-CN" altLang="zh-CN" dirty="0"/>
-              <a:t>添加</a:t>
-            </a:r>
-            <a:r>
-              <a:rPr lang="en-US" altLang="zh-CN" dirty="0"/>
-              <a:t>C </a:t>
-            </a:r>
-            <a:r>
-              <a:rPr lang="zh-CN" altLang="zh-CN" dirty="0"/>
-              <a:t>的时候会固定渠道</a:t>
-            </a:r>
-            <a:r>
-              <a:rPr lang="en-US" altLang="zh-CN" dirty="0"/>
-              <a:t>,</a:t>
-            </a:r>
-            <a:r>
-              <a:rPr lang="zh-CN" altLang="zh-CN" dirty="0"/>
-              <a:t>渠道就是</a:t>
-            </a:r>
-            <a:r>
-              <a:rPr lang="en-US" altLang="zh-CN" dirty="0"/>
-              <a:t>B</a:t>
-            </a:r>
-            <a:r>
-              <a:rPr lang="zh-CN" altLang="zh-CN" dirty="0"/>
-              <a:t>的名称。可否在</a:t>
-            </a:r>
-            <a:r>
-              <a:rPr lang="en-US" altLang="zh-CN" dirty="0"/>
-              <a:t>A</a:t>
-            </a:r>
-            <a:r>
-              <a:rPr lang="zh-CN" altLang="zh-CN" dirty="0"/>
-              <a:t>添加</a:t>
-            </a:r>
-            <a:r>
-              <a:rPr lang="en-US" altLang="zh-CN" dirty="0"/>
-              <a:t>B </a:t>
-            </a:r>
-            <a:r>
-              <a:rPr lang="zh-CN" altLang="zh-CN" dirty="0"/>
-              <a:t>的时候可以给这个</a:t>
-            </a:r>
-            <a:r>
-              <a:rPr lang="en-US" altLang="zh-CN" dirty="0"/>
-              <a:t>B</a:t>
-            </a:r>
-            <a:r>
-              <a:rPr lang="zh-CN" altLang="zh-CN" dirty="0"/>
-              <a:t>命名多个名称。这样</a:t>
-            </a:r>
-            <a:r>
-              <a:rPr lang="en-US" altLang="zh-CN" dirty="0"/>
-              <a:t>C</a:t>
-            </a:r>
-            <a:r>
-              <a:rPr lang="zh-CN" altLang="zh-CN" dirty="0"/>
-              <a:t>、</a:t>
-            </a:r>
-            <a:r>
-              <a:rPr lang="en-US" altLang="zh-CN" dirty="0"/>
+              <a:rPr lang="zh-CN" altLang="en-US" dirty="0" smtClean="0"/>
+              <a:t>发起 是否对所有下属</a:t>
+            </a:r>
+            <a:r>
+              <a:rPr lang="en-US" altLang="zh-CN" dirty="0" smtClean="0"/>
               <a:t>D</a:t>
             </a:r>
             <a:r>
-              <a:rPr lang="zh-CN" altLang="zh-CN" dirty="0"/>
-              <a:t>就可以在这些名称中直选渠道。这个</a:t>
-            </a:r>
-            <a:r>
-              <a:rPr lang="en-US" altLang="zh-CN" dirty="0"/>
-              <a:t>B </a:t>
-            </a:r>
-            <a:r>
-              <a:rPr lang="zh-CN" altLang="zh-CN" dirty="0"/>
-              <a:t>就是虚拟的一个多渠道的</a:t>
-            </a:r>
-            <a:r>
-              <a:rPr lang="en-US" altLang="zh-CN" dirty="0"/>
-              <a:t>B</a:t>
-            </a:r>
-            <a:r>
-              <a:rPr lang="zh-CN" altLang="zh-CN" dirty="0"/>
-              <a:t>。虚拟</a:t>
-            </a:r>
-            <a:r>
-              <a:rPr lang="en-US" altLang="zh-CN" dirty="0"/>
-              <a:t>B </a:t>
-            </a:r>
-            <a:r>
-              <a:rPr lang="zh-CN" altLang="zh-CN" dirty="0"/>
-              <a:t>不会参与后期有可能对接</a:t>
-            </a:r>
-            <a:r>
-              <a:rPr lang="en-US" altLang="zh-CN" dirty="0" err="1"/>
-              <a:t>erp</a:t>
-            </a:r>
-            <a:r>
-              <a:rPr lang="zh-CN" altLang="zh-CN" dirty="0"/>
-              <a:t>。</a:t>
-            </a:r>
-          </a:p>
-          <a:p>
-            <a:pPr lvl="1"/>
-            <a:r>
-              <a:rPr lang="zh-CN" altLang="en-US" dirty="0" smtClean="0"/>
-              <a:t>用户故事是什么？</a:t>
-            </a:r>
-            <a:endParaRPr lang="en-US" altLang="zh-CN" dirty="0" smtClean="0"/>
-          </a:p>
-          <a:p>
-            <a:pPr lvl="1"/>
-            <a:endParaRPr lang="en-US" altLang="zh-CN" dirty="0"/>
+              <a:rPr lang="zh-CN" altLang="en-US" dirty="0" smtClean="0"/>
+              <a:t>都可见</a:t>
+            </a:r>
+            <a:endParaRPr lang="en-US" altLang="zh-CN" dirty="0" smtClean="0"/>
+          </a:p>
+          <a:p>
+            <a:r>
+              <a:rPr lang="en-US" altLang="zh-CN" dirty="0" smtClean="0"/>
+              <a:t>-&gt;</a:t>
+            </a:r>
+            <a:r>
+              <a:rPr lang="zh-CN" altLang="en-US" dirty="0" smtClean="0"/>
+              <a:t>是的</a:t>
+            </a:r>
+            <a:endParaRPr lang="en-US" altLang="zh-CN" dirty="0" smtClean="0"/>
           </a:p>
           <a:p>
             <a:endParaRPr lang="zh-CN" altLang="en-US" dirty="0"/>
@@ -8741,7 +8548,7 @@
     </p:spTree>
     <p:extLst>
       <p:ext uri="{BB962C8B-B14F-4D97-AF65-F5344CB8AC3E}">
-        <p14:creationId xmlns:p14="http://schemas.microsoft.com/office/powerpoint/2010/main" val="1117892518"/>
+        <p14:creationId xmlns:p14="http://schemas.microsoft.com/office/powerpoint/2010/main" val="3097716602"/>
       </p:ext>
     </p:extLst>
   </p:cSld>
@@ -8783,7 +8590,7 @@
           <a:bodyPr/>
           <a:lstStyle/>
           <a:p>
-            <a:endParaRPr lang="zh-CN" altLang="en-US"/>
+            <a:endParaRPr lang="zh-CN" altLang="en-US" dirty="0"/>
           </a:p>
         </p:txBody>
       </p:sp>
@@ -8802,89 +8609,178 @@
           <a:bodyPr/>
           <a:lstStyle/>
           <a:p>
+            <a:r>
+              <a:rPr lang="zh-CN" altLang="zh-CN" dirty="0" smtClean="0"/>
+              <a:t>在</a:t>
+            </a:r>
+            <a:r>
+              <a:rPr lang="en-US" altLang="zh-CN" dirty="0"/>
+              <a:t>A</a:t>
+            </a:r>
+            <a:r>
+              <a:rPr lang="zh-CN" altLang="zh-CN" dirty="0"/>
+              <a:t>、</a:t>
+            </a:r>
+            <a:r>
+              <a:rPr lang="en-US" altLang="zh-CN" dirty="0"/>
+              <a:t>B</a:t>
+            </a:r>
+            <a:r>
+              <a:rPr lang="zh-CN" altLang="zh-CN" dirty="0"/>
+              <a:t>、</a:t>
+            </a:r>
+            <a:r>
+              <a:rPr lang="en-US" altLang="zh-CN" dirty="0"/>
+              <a:t>C</a:t>
+            </a:r>
+            <a:r>
+              <a:rPr lang="zh-CN" altLang="zh-CN" dirty="0"/>
+              <a:t>关系上，</a:t>
+            </a:r>
+            <a:r>
+              <a:rPr lang="en-US" altLang="zh-CN" dirty="0"/>
+              <a:t>B </a:t>
+            </a:r>
+            <a:r>
+              <a:rPr lang="zh-CN" altLang="zh-CN" dirty="0"/>
+              <a:t>添加</a:t>
+            </a:r>
+            <a:r>
+              <a:rPr lang="en-US" altLang="zh-CN" dirty="0"/>
+              <a:t>C </a:t>
+            </a:r>
+            <a:r>
+              <a:rPr lang="zh-CN" altLang="zh-CN" dirty="0"/>
+              <a:t>的时候会固定渠道</a:t>
+            </a:r>
+            <a:r>
+              <a:rPr lang="en-US" altLang="zh-CN" dirty="0"/>
+              <a:t>,</a:t>
+            </a:r>
+            <a:r>
+              <a:rPr lang="zh-CN" altLang="zh-CN" dirty="0"/>
+              <a:t>渠道就是</a:t>
+            </a:r>
+            <a:r>
+              <a:rPr lang="en-US" altLang="zh-CN" dirty="0"/>
+              <a:t>B</a:t>
+            </a:r>
+            <a:r>
+              <a:rPr lang="zh-CN" altLang="zh-CN" dirty="0"/>
+              <a:t>的名称。可否在</a:t>
+            </a:r>
+            <a:r>
+              <a:rPr lang="en-US" altLang="zh-CN" dirty="0"/>
+              <a:t>A</a:t>
+            </a:r>
+            <a:r>
+              <a:rPr lang="zh-CN" altLang="zh-CN" dirty="0"/>
+              <a:t>添加</a:t>
+            </a:r>
+            <a:r>
+              <a:rPr lang="en-US" altLang="zh-CN" dirty="0"/>
+              <a:t>B </a:t>
+            </a:r>
+            <a:r>
+              <a:rPr lang="zh-CN" altLang="zh-CN" dirty="0"/>
+              <a:t>的时候可以给这个</a:t>
+            </a:r>
+            <a:r>
+              <a:rPr lang="en-US" altLang="zh-CN" dirty="0"/>
+              <a:t>B</a:t>
+            </a:r>
+            <a:r>
+              <a:rPr lang="zh-CN" altLang="zh-CN" dirty="0"/>
+              <a:t>命名多个名称。这样</a:t>
+            </a:r>
+            <a:r>
+              <a:rPr lang="en-US" altLang="zh-CN" dirty="0"/>
+              <a:t>C</a:t>
+            </a:r>
+            <a:r>
+              <a:rPr lang="zh-CN" altLang="zh-CN" dirty="0"/>
+              <a:t>、</a:t>
+            </a:r>
             <a:r>
               <a:rPr lang="en-US" altLang="zh-CN" dirty="0"/>
               <a:t>D</a:t>
             </a:r>
             <a:r>
               <a:rPr lang="zh-CN" altLang="zh-CN" dirty="0"/>
-              <a:t>只有显示有效期截止时间。不设置有效期。如离职在</a:t>
+              <a:t>就可以在这些名称中直选渠道。这个</a:t>
             </a:r>
             <a:r>
               <a:rPr lang="en-US" altLang="zh-CN" dirty="0"/>
+              <a:t>B </a:t>
+            </a:r>
+            <a:r>
+              <a:rPr lang="zh-CN" altLang="zh-CN" dirty="0"/>
+              <a:t>就是虚拟的一个多渠道的</a:t>
+            </a:r>
+            <a:r>
+              <a:rPr lang="en-US" altLang="zh-CN" dirty="0"/>
+              <a:t>B</a:t>
+            </a:r>
+            <a:r>
+              <a:rPr lang="zh-CN" altLang="zh-CN" dirty="0"/>
+              <a:t>。虚拟</a:t>
+            </a:r>
+            <a:r>
+              <a:rPr lang="en-US" altLang="zh-CN" dirty="0"/>
+              <a:t>B </a:t>
+            </a:r>
+            <a:r>
+              <a:rPr lang="zh-CN" altLang="zh-CN" dirty="0"/>
+              <a:t>不会参与后期有可能对接</a:t>
+            </a:r>
+            <a:r>
+              <a:rPr lang="en-US" altLang="zh-CN" dirty="0" err="1"/>
+              <a:t>erp</a:t>
+            </a:r>
+            <a:r>
+              <a:rPr lang="zh-CN" altLang="zh-CN" dirty="0"/>
+              <a:t>。</a:t>
+            </a:r>
+          </a:p>
+          <a:p>
+            <a:pPr lvl="1"/>
+            <a:r>
+              <a:rPr lang="en-US" altLang="zh-CN" dirty="0" smtClean="0"/>
+              <a:t>B</a:t>
+            </a:r>
+            <a:r>
+              <a:rPr lang="zh-CN" altLang="en-US" dirty="0" smtClean="0"/>
+              <a:t>不接入本系统</a:t>
+            </a:r>
+            <a:r>
+              <a:rPr lang="en-US" altLang="zh-CN" dirty="0" smtClean="0"/>
+              <a:t>, </a:t>
+            </a:r>
+            <a:r>
+              <a:rPr lang="zh-CN" altLang="en-US" dirty="0" smtClean="0"/>
+              <a:t>由</a:t>
+            </a:r>
+            <a:r>
+              <a:rPr lang="en-US" altLang="zh-CN" dirty="0" smtClean="0"/>
               <a:t>C</a:t>
             </a:r>
             <a:r>
-              <a:rPr lang="zh-CN" altLang="zh-CN" dirty="0"/>
-              <a:t>级要有删除这个坑位的人。要不</a:t>
-            </a:r>
-            <a:r>
-              <a:rPr lang="en-US" altLang="zh-CN" dirty="0"/>
-              <a:t>D</a:t>
-            </a:r>
-            <a:r>
-              <a:rPr lang="zh-CN" altLang="zh-CN" dirty="0"/>
-              <a:t>不能在这个渠道下进行另外</a:t>
-            </a:r>
-            <a:r>
-              <a:rPr lang="en-US" altLang="zh-CN" dirty="0"/>
-              <a:t>C</a:t>
-            </a:r>
-            <a:r>
-              <a:rPr lang="zh-CN" altLang="zh-CN" dirty="0"/>
-              <a:t>的添</a:t>
-            </a:r>
-            <a:r>
-              <a:rPr lang="zh-CN" altLang="zh-CN" dirty="0" smtClean="0"/>
-              <a:t>加</a:t>
-            </a:r>
-            <a:r>
-              <a:rPr lang="zh-CN" altLang="en-US" dirty="0" smtClean="0"/>
-              <a:t>。</a:t>
+              <a:rPr lang="zh-CN" altLang="en-US" dirty="0" smtClean="0"/>
+              <a:t>虚拟</a:t>
+            </a:r>
+            <a:r>
+              <a:rPr lang="en-US" altLang="zh-CN" dirty="0" smtClean="0"/>
+              <a:t>B </a:t>
+            </a:r>
+            <a:r>
+              <a:rPr lang="zh-CN" altLang="en-US" dirty="0" smtClean="0"/>
+              <a:t>保证系统的完整性</a:t>
             </a:r>
             <a:endParaRPr lang="en-US" altLang="zh-CN" dirty="0" smtClean="0"/>
           </a:p>
           <a:p>
             <a:pPr lvl="1"/>
-            <a:r>
-              <a:rPr lang="zh-CN" altLang="en-US" dirty="0" smtClean="0"/>
-              <a:t>是否可以等同理解为一</a:t>
-            </a:r>
-            <a:r>
-              <a:rPr lang="zh-CN" altLang="en-US" dirty="0"/>
-              <a:t>个人只能成为一个</a:t>
-            </a:r>
-            <a:r>
-              <a:rPr lang="en-US" altLang="zh-CN" dirty="0"/>
-              <a:t>D</a:t>
-            </a:r>
-            <a:r>
-              <a:rPr lang="zh-CN" altLang="en-US" dirty="0"/>
-              <a:t>角</a:t>
-            </a:r>
-            <a:r>
-              <a:rPr lang="zh-CN" altLang="en-US" dirty="0" smtClean="0"/>
-              <a:t>色</a:t>
-            </a:r>
-            <a:r>
-              <a:rPr lang="en-US" altLang="zh-CN" dirty="0" smtClean="0"/>
-              <a:t>?</a:t>
-            </a:r>
-            <a:endParaRPr lang="en-US" altLang="zh-CN" dirty="0" smtClean="0">
-              <a:solidFill>
-                <a:srgbClr val="FF0000"/>
-              </a:solidFill>
-            </a:endParaRPr>
-          </a:p>
-          <a:p>
-            <a:pPr marL="0" indent="0">
-              <a:buNone/>
-            </a:pPr>
-            <a:endParaRPr lang="en-US" altLang="zh-CN" dirty="0">
-              <a:solidFill>
-                <a:srgbClr val="FF0000"/>
-              </a:solidFill>
-            </a:endParaRPr>
+            <a:endParaRPr lang="en-US" altLang="zh-CN" dirty="0"/>
           </a:p>
           <a:p>
             <a:endParaRPr lang="zh-CN" altLang="en-US" dirty="0"/>
@@ -8894,7 +8790,146 @@
     </p:spTree>
     <p:extLst>
       <p:ext uri="{BB962C8B-B14F-4D97-AF65-F5344CB8AC3E}">
-        <p14:creationId xmlns:p14="http://schemas.microsoft.com/office/powerpoint/2010/main" val="964372417"/>
+        <p14:creationId xmlns:p14="http://schemas.microsoft.com/office/powerpoint/2010/main" val="1117892518"/>
+      </p:ext>
+    </p:extLst>
+  </p:cSld>
+  <p:clrMapOvr>
+    <a:masterClrMapping/>
+  </p:clrMapOvr>
+</p:sld>
+</file>
+
+<file path=ppt/slides/slide36.xml><?xml version="1.0" encoding="utf-8"?>
+<p:sld xmlns:a="http://schemas.openxmlformats.org/drawingml/2006/main" xmlns:r="http://schemas.openxmlformats.org/officeDocument/2006/relationships" xmlns:p="http://schemas.openxmlformats.org/presentationml/2006/main">
+  <p:cSld>
+    <p:spTree>
+      <p:nvGrpSpPr>
+        <p:cNvPr id="1" name=""/>
+        <p:cNvGrpSpPr/>
+        <p:nvPr/>
+      </p:nvGrpSpPr>
+      <p:grpSpPr>
+        <a:xfrm>
+          <a:off x="0" y="0"/>
+          <a:ext cx="0" cy="0"/>
+          <a:chOff x="0" y="0"/>
+          <a:chExt cx="0" cy="0"/>
+        </a:xfrm>
+      </p:grpSpPr>
+      <p:sp>
+        <p:nvSpPr>
+          <p:cNvPr id="2" name="标题 1"/>
+          <p:cNvSpPr>
+            <a:spLocks noGrp="1"/>
+          </p:cNvSpPr>
+          <p:nvPr>
+            <p:ph type="title"/>
+          </p:nvPr>
+        </p:nvSpPr>
+        <p:spPr/>
+        <p:txBody>
+          <a:bodyPr/>
+          <a:lstStyle/>
+          <a:p>
+            <a:endParaRPr lang="zh-CN" altLang="en-US" dirty="0"/>
+          </a:p>
+        </p:txBody>
+      </p:sp>
+      <p:sp>
+        <p:nvSpPr>
+          <p:cNvPr id="3" name="内容占位符 2"/>
+          <p:cNvSpPr>
+            <a:spLocks noGrp="1"/>
+          </p:cNvSpPr>
+          <p:nvPr>
+            <p:ph idx="1"/>
+          </p:nvPr>
+        </p:nvSpPr>
+        <p:spPr/>
+        <p:txBody>
+          <a:bodyPr/>
+          <a:lstStyle/>
+          <a:p>
+            <a:r>
+              <a:rPr lang="zh-CN" altLang="en-US" dirty="0" smtClean="0"/>
+              <a:t>订单 商品 </a:t>
+            </a:r>
+            <a:r>
+              <a:rPr lang="en-US" altLang="zh-CN" dirty="0" smtClean="0"/>
+              <a:t>1:n</a:t>
+            </a:r>
+          </a:p>
+          <a:p>
+            <a:r>
+              <a:rPr lang="zh-CN" altLang="en-US" dirty="0" smtClean="0"/>
+              <a:t>活动 商品 </a:t>
+            </a:r>
+            <a:r>
+              <a:rPr lang="en-US" altLang="zh-CN" dirty="0" smtClean="0"/>
+              <a:t>1:1</a:t>
+            </a:r>
+          </a:p>
+          <a:p>
+            <a:r>
+              <a:rPr lang="zh-CN" altLang="en-US" dirty="0" smtClean="0"/>
+              <a:t>促销 商品 </a:t>
+            </a:r>
+            <a:r>
+              <a:rPr lang="en-US" altLang="zh-CN" dirty="0" smtClean="0"/>
+              <a:t>1:1</a:t>
+            </a:r>
+          </a:p>
+          <a:p>
+            <a:r>
+              <a:rPr lang="zh-CN" altLang="en-US" dirty="0" smtClean="0"/>
+              <a:t>一个商品 普通订单</a:t>
+            </a:r>
+            <a:r>
+              <a:rPr lang="en-US" altLang="zh-CN" dirty="0" smtClean="0"/>
+              <a:t>+</a:t>
+            </a:r>
+            <a:r>
+              <a:rPr lang="zh-CN" altLang="en-US" dirty="0" smtClean="0"/>
+              <a:t>活动订单 </a:t>
+            </a:r>
+            <a:r>
+              <a:rPr lang="en-US" altLang="zh-CN" dirty="0" smtClean="0"/>
+              <a:t>2</a:t>
+            </a:r>
+            <a:r>
+              <a:rPr lang="zh-CN" altLang="en-US" dirty="0" smtClean="0"/>
+              <a:t>条订单</a:t>
+            </a:r>
+            <a:endParaRPr lang="en-US" altLang="zh-CN" dirty="0" smtClean="0"/>
+          </a:p>
+          <a:p>
+            <a:endParaRPr lang="en-US" altLang="zh-CN" dirty="0"/>
+          </a:p>
+          <a:p>
+            <a:r>
+              <a:rPr lang="zh-CN" altLang="en-US" dirty="0" smtClean="0"/>
+              <a:t>促销上报 </a:t>
+            </a:r>
+            <a:endParaRPr lang="en-US" altLang="zh-CN" dirty="0" smtClean="0"/>
+          </a:p>
+          <a:p>
+            <a:r>
+              <a:rPr lang="en-US" altLang="zh-CN" dirty="0" smtClean="0"/>
+              <a:t>D</a:t>
+            </a:r>
+            <a:r>
+              <a:rPr lang="zh-CN" altLang="en-US" dirty="0" smtClean="0"/>
+              <a:t>确认 积分</a:t>
+            </a:r>
+            <a:endParaRPr lang="zh-CN" altLang="en-US" dirty="0"/>
+          </a:p>
+        </p:txBody>
+      </p:sp>
+    </p:spTree>
+    <p:extLst>
+      <p:ext uri="{BB962C8B-B14F-4D97-AF65-F5344CB8AC3E}">
+        <p14:creationId xmlns:p14="http://schemas.microsoft.com/office/powerpoint/2010/main" val="1933941984"/>
       </p:ext>
     </p:extLst>
   </p:cSld>
@@ -9622,15 +9657,7 @@
                   <a:srgbClr val="FF0000"/>
                 </a:solidFill>
               </a:rPr>
-              <a:t>（需定义</a:t>
-            </a:r>
-            <a:r>
-              <a:rPr lang="zh-CN" altLang="en-US" dirty="0" smtClean="0">
-                <a:solidFill>
-                  <a:srgbClr val="FF0000"/>
-                </a:solidFill>
-              </a:rPr>
-              <a:t>）</a:t>
+              <a:t>（需定义）</a:t>
             </a:r>
             <a:endParaRPr lang="en-US" altLang="zh-CN" dirty="0" smtClean="0">
               <a:solidFill>
@@ -10155,7 +10182,7 @@
   <a:extraClrSchemeLst/>
   <a:extLst>
     <a:ext uri="{05A4C25C-085E-4340-85A3-A5531E510DB2}">
-      <thm15:themeFamily xmlns:thm15="http://schemas.microsoft.com/office/thememl/2012/main" name="Office Theme" id="{62F939B6-93AF-4DB8-9C6B-D6C7DFDC589F}" vid="{4A3C46E8-61CC-4603-A589-7422A47A8E4A}"/>
+      <thm15:themeFamily xmlns:thm15="http://schemas.microsoft.com/office/thememl/2012/main" xmlns="" name="Office Theme" id="{62F939B6-93AF-4DB8-9C6B-D6C7DFDC589F}" vid="{4A3C46E8-61CC-4603-A589-7422A47A8E4A}"/>
     </a:ext>
   </a:extLst>
 </a:theme>

--- a/doc/prd.pptx
+++ b/doc/prd.pptx
@@ -34,13 +34,14 @@
     <p:sldId id="285" r:id="rId28"/>
     <p:sldId id="286" r:id="rId29"/>
     <p:sldId id="266" r:id="rId30"/>
-    <p:sldId id="260" r:id="rId31"/>
-    <p:sldId id="268" r:id="rId32"/>
-    <p:sldId id="262" r:id="rId33"/>
-    <p:sldId id="263" r:id="rId34"/>
-    <p:sldId id="267" r:id="rId35"/>
-    <p:sldId id="290" r:id="rId36"/>
-    <p:sldId id="292" r:id="rId37"/>
+    <p:sldId id="294" r:id="rId31"/>
+    <p:sldId id="260" r:id="rId32"/>
+    <p:sldId id="268" r:id="rId33"/>
+    <p:sldId id="262" r:id="rId34"/>
+    <p:sldId id="263" r:id="rId35"/>
+    <p:sldId id="267" r:id="rId36"/>
+    <p:sldId id="290" r:id="rId37"/>
+    <p:sldId id="292" r:id="rId38"/>
   </p:sldIdLst>
   <p:sldSz cx="12192000" cy="6858000"/>
   <p:notesSz cx="6858000" cy="9144000"/>
@@ -141,7 +142,7 @@
   </p:defaultTextStyle>
   <p:extLst>
     <p:ext uri="{EFAFB233-063F-42B5-8137-9DF3F51BA10A}">
-      <p15:sldGuideLst xmlns:p15="http://schemas.microsoft.com/office/powerpoint/2012/main" xmlns="">
+      <p15:sldGuideLst xmlns="" xmlns:p15="http://schemas.microsoft.com/office/powerpoint/2012/main">
         <p15:guide id="1" orient="horz" pos="2160">
           <p15:clr>
             <a:srgbClr val="A4A3A4"/>
@@ -4491,11 +4492,7 @@
             </a:r>
             <a:r>
               <a:rPr lang="zh-CN" altLang="en-US" dirty="0" smtClean="0"/>
-              <a:t>绑定复制去别的</a:t>
-            </a:r>
-            <a:r>
-              <a:rPr lang="zh-CN" altLang="en-US" dirty="0" smtClean="0"/>
-              <a:t>渠道 但不是实时备份）</a:t>
+              <a:t>绑定复制去别的渠道 但不是实时备份）</a:t>
             </a:r>
             <a:endParaRPr lang="en-US" altLang="zh-CN" dirty="0" smtClean="0"/>
           </a:p>
@@ -8016,6 +8013,1865 @@
           <a:bodyPr/>
           <a:lstStyle/>
           <a:p>
+            <a:endParaRPr lang="zh-CN" altLang="en-US"/>
+          </a:p>
+        </p:txBody>
+      </p:sp>
+      <p:graphicFrame>
+        <p:nvGraphicFramePr>
+          <p:cNvPr id="4" name="内容占位符 3"/>
+          <p:cNvGraphicFramePr>
+            <a:graphicFrameLocks noGrp="1"/>
+          </p:cNvGraphicFramePr>
+          <p:nvPr>
+            <p:ph idx="1"/>
+          </p:nvPr>
+        </p:nvGraphicFramePr>
+        <p:xfrm>
+          <a:off x="1434465" y="2309654"/>
+          <a:ext cx="9323070" cy="3383280"/>
+        </p:xfrm>
+        <a:graphic>
+          <a:graphicData uri="http://schemas.openxmlformats.org/drawingml/2006/table">
+            <a:tbl>
+              <a:tblPr firstRow="1" firstCol="1" bandRow="1">
+                <a:tableStyleId>{5C22544A-7EE6-4342-B048-85BDC9FD1C3A}</a:tableStyleId>
+              </a:tblPr>
+              <a:tblGrid>
+                <a:gridCol w="673735"/>
+                <a:gridCol w="673735"/>
+                <a:gridCol w="699135"/>
+                <a:gridCol w="755015"/>
+                <a:gridCol w="566420"/>
+                <a:gridCol w="692150"/>
+                <a:gridCol w="573405"/>
+                <a:gridCol w="581025"/>
+                <a:gridCol w="440055"/>
+                <a:gridCol w="410845"/>
+                <a:gridCol w="692150"/>
+                <a:gridCol w="673100"/>
+                <a:gridCol w="431800"/>
+                <a:gridCol w="431800"/>
+                <a:gridCol w="419100"/>
+                <a:gridCol w="609600"/>
+              </a:tblGrid>
+              <a:tr h="182880">
+                <a:tc gridSpan="11">
+                  <a:txBody>
+                    <a:bodyPr/>
+                    <a:lstStyle/>
+                    <a:p>
+                      <a:pPr algn="ctr">
+                        <a:spcAft>
+                          <a:spcPts val="0"/>
+                        </a:spcAft>
+                      </a:pPr>
+                      <a:r>
+                        <a:rPr lang="en-US" sz="1100" kern="0">
+                          <a:effectLst/>
+                        </a:rPr>
+                        <a:t>C</a:t>
+                      </a:r>
+                      <a:r>
+                        <a:rPr lang="zh-CN" sz="1100" kern="0">
+                          <a:effectLst/>
+                        </a:rPr>
+                        <a:t>级进行使用</a:t>
+                      </a:r>
+                      <a:endParaRPr lang="zh-CN" sz="1050" kern="100">
+                        <a:effectLst/>
+                        <a:latin typeface="Calibri"/>
+                        <a:ea typeface="宋体"/>
+                        <a:cs typeface="Times New Roman"/>
+                      </a:endParaRPr>
+                    </a:p>
+                  </a:txBody>
+                  <a:tcPr marL="68580" marR="68580" marT="0" marB="0" anchor="b"/>
+                </a:tc>
+                <a:tc hMerge="1">
+                  <a:txBody>
+                    <a:bodyPr/>
+                    <a:lstStyle/>
+                    <a:p>
+                      <a:endParaRPr lang="zh-CN" altLang="en-US"/>
+                    </a:p>
+                  </a:txBody>
+                  <a:tcPr/>
+                </a:tc>
+                <a:tc hMerge="1">
+                  <a:txBody>
+                    <a:bodyPr/>
+                    <a:lstStyle/>
+                    <a:p>
+                      <a:endParaRPr lang="zh-CN" altLang="en-US"/>
+                    </a:p>
+                  </a:txBody>
+                  <a:tcPr/>
+                </a:tc>
+                <a:tc hMerge="1">
+                  <a:txBody>
+                    <a:bodyPr/>
+                    <a:lstStyle/>
+                    <a:p>
+                      <a:endParaRPr lang="zh-CN" altLang="en-US"/>
+                    </a:p>
+                  </a:txBody>
+                  <a:tcPr/>
+                </a:tc>
+                <a:tc hMerge="1">
+                  <a:txBody>
+                    <a:bodyPr/>
+                    <a:lstStyle/>
+                    <a:p>
+                      <a:endParaRPr lang="zh-CN" altLang="en-US"/>
+                    </a:p>
+                  </a:txBody>
+                  <a:tcPr/>
+                </a:tc>
+                <a:tc hMerge="1">
+                  <a:txBody>
+                    <a:bodyPr/>
+                    <a:lstStyle/>
+                    <a:p>
+                      <a:endParaRPr lang="zh-CN" altLang="en-US"/>
+                    </a:p>
+                  </a:txBody>
+                  <a:tcPr/>
+                </a:tc>
+                <a:tc hMerge="1">
+                  <a:txBody>
+                    <a:bodyPr/>
+                    <a:lstStyle/>
+                    <a:p>
+                      <a:endParaRPr lang="zh-CN" altLang="en-US"/>
+                    </a:p>
+                  </a:txBody>
+                  <a:tcPr/>
+                </a:tc>
+                <a:tc hMerge="1">
+                  <a:txBody>
+                    <a:bodyPr/>
+                    <a:lstStyle/>
+                    <a:p>
+                      <a:endParaRPr lang="zh-CN" altLang="en-US"/>
+                    </a:p>
+                  </a:txBody>
+                  <a:tcPr/>
+                </a:tc>
+                <a:tc hMerge="1">
+                  <a:txBody>
+                    <a:bodyPr/>
+                    <a:lstStyle/>
+                    <a:p>
+                      <a:endParaRPr lang="zh-CN" altLang="en-US"/>
+                    </a:p>
+                  </a:txBody>
+                  <a:tcPr/>
+                </a:tc>
+                <a:tc hMerge="1">
+                  <a:txBody>
+                    <a:bodyPr/>
+                    <a:lstStyle/>
+                    <a:p>
+                      <a:endParaRPr lang="zh-CN" altLang="en-US"/>
+                    </a:p>
+                  </a:txBody>
+                  <a:tcPr/>
+                </a:tc>
+                <a:tc hMerge="1">
+                  <a:txBody>
+                    <a:bodyPr/>
+                    <a:lstStyle/>
+                    <a:p>
+                      <a:endParaRPr lang="zh-CN" altLang="en-US"/>
+                    </a:p>
+                  </a:txBody>
+                  <a:tcPr/>
+                </a:tc>
+                <a:tc gridSpan="5">
+                  <a:txBody>
+                    <a:bodyPr/>
+                    <a:lstStyle/>
+                    <a:p>
+                      <a:pPr algn="ctr">
+                        <a:spcAft>
+                          <a:spcPts val="0"/>
+                        </a:spcAft>
+                      </a:pPr>
+                      <a:r>
+                        <a:rPr lang="en-US" sz="1100" kern="0">
+                          <a:effectLst/>
+                        </a:rPr>
+                        <a:t>D</a:t>
+                      </a:r>
+                      <a:r>
+                        <a:rPr lang="zh-CN" sz="1100" kern="0">
+                          <a:effectLst/>
+                        </a:rPr>
+                        <a:t>级进行使用</a:t>
+                      </a:r>
+                      <a:endParaRPr lang="zh-CN" sz="1050" kern="100">
+                        <a:effectLst/>
+                        <a:latin typeface="Calibri"/>
+                        <a:ea typeface="宋体"/>
+                        <a:cs typeface="Times New Roman"/>
+                      </a:endParaRPr>
+                    </a:p>
+                  </a:txBody>
+                  <a:tcPr marL="68580" marR="68580" marT="0" marB="0" anchor="b"/>
+                </a:tc>
+                <a:tc hMerge="1">
+                  <a:txBody>
+                    <a:bodyPr/>
+                    <a:lstStyle/>
+                    <a:p>
+                      <a:endParaRPr lang="zh-CN" altLang="en-US"/>
+                    </a:p>
+                  </a:txBody>
+                  <a:tcPr/>
+                </a:tc>
+                <a:tc hMerge="1">
+                  <a:txBody>
+                    <a:bodyPr/>
+                    <a:lstStyle/>
+                    <a:p>
+                      <a:endParaRPr lang="zh-CN" altLang="en-US"/>
+                    </a:p>
+                  </a:txBody>
+                  <a:tcPr/>
+                </a:tc>
+                <a:tc hMerge="1">
+                  <a:txBody>
+                    <a:bodyPr/>
+                    <a:lstStyle/>
+                    <a:p>
+                      <a:endParaRPr lang="zh-CN" altLang="en-US"/>
+                    </a:p>
+                  </a:txBody>
+                  <a:tcPr/>
+                </a:tc>
+                <a:tc hMerge="1">
+                  <a:txBody>
+                    <a:bodyPr/>
+                    <a:lstStyle/>
+                    <a:p>
+                      <a:endParaRPr lang="zh-CN" altLang="en-US"/>
+                    </a:p>
+                  </a:txBody>
+                  <a:tcPr/>
+                </a:tc>
+              </a:tr>
+              <a:tr h="182880">
+                <a:tc gridSpan="3">
+                  <a:txBody>
+                    <a:bodyPr/>
+                    <a:lstStyle/>
+                    <a:p>
+                      <a:pPr algn="ctr">
+                        <a:spcAft>
+                          <a:spcPts val="0"/>
+                        </a:spcAft>
+                      </a:pPr>
+                      <a:r>
+                        <a:rPr lang="zh-CN" sz="1100" kern="0">
+                          <a:effectLst/>
+                        </a:rPr>
+                        <a:t>公共显示</a:t>
+                      </a:r>
+                      <a:endParaRPr lang="zh-CN" sz="1050" kern="100">
+                        <a:effectLst/>
+                        <a:latin typeface="Calibri"/>
+                        <a:ea typeface="宋体"/>
+                        <a:cs typeface="Times New Roman"/>
+                      </a:endParaRPr>
+                    </a:p>
+                  </a:txBody>
+                  <a:tcPr marL="68580" marR="68580" marT="0" marB="0" anchor="b"/>
+                </a:tc>
+                <a:tc hMerge="1">
+                  <a:txBody>
+                    <a:bodyPr/>
+                    <a:lstStyle/>
+                    <a:p>
+                      <a:endParaRPr lang="zh-CN" altLang="en-US"/>
+                    </a:p>
+                  </a:txBody>
+                  <a:tcPr/>
+                </a:tc>
+                <a:tc hMerge="1">
+                  <a:txBody>
+                    <a:bodyPr/>
+                    <a:lstStyle/>
+                    <a:p>
+                      <a:endParaRPr lang="zh-CN" altLang="en-US"/>
+                    </a:p>
+                  </a:txBody>
+                  <a:tcPr/>
+                </a:tc>
+                <a:tc gridSpan="3">
+                  <a:txBody>
+                    <a:bodyPr/>
+                    <a:lstStyle/>
+                    <a:p>
+                      <a:pPr algn="ctr">
+                        <a:spcAft>
+                          <a:spcPts val="0"/>
+                        </a:spcAft>
+                      </a:pPr>
+                      <a:r>
+                        <a:rPr lang="zh-CN" sz="1100" kern="0">
+                          <a:effectLst/>
+                        </a:rPr>
+                        <a:t>订单　</a:t>
+                      </a:r>
+                      <a:endParaRPr lang="zh-CN" sz="1050" kern="100">
+                        <a:effectLst/>
+                        <a:latin typeface="Calibri"/>
+                        <a:ea typeface="宋体"/>
+                        <a:cs typeface="Times New Roman"/>
+                      </a:endParaRPr>
+                    </a:p>
+                  </a:txBody>
+                  <a:tcPr marL="68580" marR="68580" marT="0" marB="0" anchor="b"/>
+                </a:tc>
+                <a:tc hMerge="1">
+                  <a:txBody>
+                    <a:bodyPr/>
+                    <a:lstStyle/>
+                    <a:p>
+                      <a:endParaRPr lang="zh-CN" altLang="en-US"/>
+                    </a:p>
+                  </a:txBody>
+                  <a:tcPr/>
+                </a:tc>
+                <a:tc hMerge="1">
+                  <a:txBody>
+                    <a:bodyPr/>
+                    <a:lstStyle/>
+                    <a:p>
+                      <a:endParaRPr lang="zh-CN" altLang="en-US"/>
+                    </a:p>
+                  </a:txBody>
+                  <a:tcPr/>
+                </a:tc>
+                <a:tc>
+                  <a:txBody>
+                    <a:bodyPr/>
+                    <a:lstStyle/>
+                    <a:p>
+                      <a:pPr algn="ctr">
+                        <a:spcAft>
+                          <a:spcPts val="0"/>
+                        </a:spcAft>
+                      </a:pPr>
+                      <a:r>
+                        <a:rPr lang="zh-CN" sz="1100" kern="0">
+                          <a:effectLst/>
+                        </a:rPr>
+                        <a:t>　</a:t>
+                      </a:r>
+                      <a:endParaRPr lang="zh-CN" sz="1050" kern="100">
+                        <a:effectLst/>
+                        <a:latin typeface="Calibri"/>
+                        <a:ea typeface="宋体"/>
+                        <a:cs typeface="Times New Roman"/>
+                      </a:endParaRPr>
+                    </a:p>
+                  </a:txBody>
+                  <a:tcPr marL="68580" marR="68580" marT="0" marB="0" anchor="b"/>
+                </a:tc>
+                <a:tc gridSpan="4">
+                  <a:txBody>
+                    <a:bodyPr/>
+                    <a:lstStyle/>
+                    <a:p>
+                      <a:pPr algn="ctr">
+                        <a:spcAft>
+                          <a:spcPts val="0"/>
+                        </a:spcAft>
+                      </a:pPr>
+                      <a:r>
+                        <a:rPr lang="zh-CN" sz="1100" kern="0">
+                          <a:effectLst/>
+                        </a:rPr>
+                        <a:t>活动订单</a:t>
+                      </a:r>
+                      <a:endParaRPr lang="zh-CN" sz="1050" kern="100">
+                        <a:effectLst/>
+                        <a:latin typeface="Calibri"/>
+                        <a:ea typeface="宋体"/>
+                        <a:cs typeface="Times New Roman"/>
+                      </a:endParaRPr>
+                    </a:p>
+                  </a:txBody>
+                  <a:tcPr marL="68580" marR="68580" marT="0" marB="0" anchor="b"/>
+                </a:tc>
+                <a:tc hMerge="1">
+                  <a:txBody>
+                    <a:bodyPr/>
+                    <a:lstStyle/>
+                    <a:p>
+                      <a:endParaRPr lang="zh-CN" altLang="en-US"/>
+                    </a:p>
+                  </a:txBody>
+                  <a:tcPr/>
+                </a:tc>
+                <a:tc hMerge="1">
+                  <a:txBody>
+                    <a:bodyPr/>
+                    <a:lstStyle/>
+                    <a:p>
+                      <a:endParaRPr lang="zh-CN" altLang="en-US"/>
+                    </a:p>
+                  </a:txBody>
+                  <a:tcPr/>
+                </a:tc>
+                <a:tc hMerge="1">
+                  <a:txBody>
+                    <a:bodyPr/>
+                    <a:lstStyle/>
+                    <a:p>
+                      <a:endParaRPr lang="zh-CN" altLang="en-US"/>
+                    </a:p>
+                  </a:txBody>
+                  <a:tcPr/>
+                </a:tc>
+                <a:tc gridSpan="5">
+                  <a:txBody>
+                    <a:bodyPr/>
+                    <a:lstStyle/>
+                    <a:p>
+                      <a:pPr algn="ctr">
+                        <a:spcAft>
+                          <a:spcPts val="0"/>
+                        </a:spcAft>
+                      </a:pPr>
+                      <a:r>
+                        <a:rPr lang="zh-CN" sz="1100" kern="0">
+                          <a:effectLst/>
+                        </a:rPr>
+                        <a:t>促销订单</a:t>
+                      </a:r>
+                      <a:endParaRPr lang="zh-CN" sz="1050" kern="100">
+                        <a:effectLst/>
+                        <a:latin typeface="Calibri"/>
+                        <a:ea typeface="宋体"/>
+                        <a:cs typeface="Times New Roman"/>
+                      </a:endParaRPr>
+                    </a:p>
+                  </a:txBody>
+                  <a:tcPr marL="68580" marR="68580" marT="0" marB="0" anchor="b"/>
+                </a:tc>
+                <a:tc hMerge="1">
+                  <a:txBody>
+                    <a:bodyPr/>
+                    <a:lstStyle/>
+                    <a:p>
+                      <a:endParaRPr lang="zh-CN" altLang="en-US"/>
+                    </a:p>
+                  </a:txBody>
+                  <a:tcPr/>
+                </a:tc>
+                <a:tc hMerge="1">
+                  <a:txBody>
+                    <a:bodyPr/>
+                    <a:lstStyle/>
+                    <a:p>
+                      <a:endParaRPr lang="zh-CN" altLang="en-US"/>
+                    </a:p>
+                  </a:txBody>
+                  <a:tcPr/>
+                </a:tc>
+                <a:tc hMerge="1">
+                  <a:txBody>
+                    <a:bodyPr/>
+                    <a:lstStyle/>
+                    <a:p>
+                      <a:endParaRPr lang="zh-CN" altLang="en-US"/>
+                    </a:p>
+                  </a:txBody>
+                  <a:tcPr/>
+                </a:tc>
+                <a:tc hMerge="1">
+                  <a:txBody>
+                    <a:bodyPr/>
+                    <a:lstStyle/>
+                    <a:p>
+                      <a:endParaRPr lang="zh-CN" altLang="en-US"/>
+                    </a:p>
+                  </a:txBody>
+                  <a:tcPr/>
+                </a:tc>
+              </a:tr>
+              <a:tr h="365760">
+                <a:tc>
+                  <a:txBody>
+                    <a:bodyPr/>
+                    <a:lstStyle/>
+                    <a:p>
+                      <a:pPr algn="l">
+                        <a:spcAft>
+                          <a:spcPts val="0"/>
+                        </a:spcAft>
+                      </a:pPr>
+                      <a:r>
+                        <a:rPr lang="zh-CN" sz="1100" kern="0">
+                          <a:effectLst/>
+                        </a:rPr>
+                        <a:t>产品展示</a:t>
+                      </a:r>
+                      <a:endParaRPr lang="zh-CN" sz="1050" kern="100">
+                        <a:effectLst/>
+                        <a:latin typeface="Calibri"/>
+                        <a:ea typeface="宋体"/>
+                        <a:cs typeface="Times New Roman"/>
+                      </a:endParaRPr>
+                    </a:p>
+                  </a:txBody>
+                  <a:tcPr marL="68580" marR="68580" marT="0" marB="0" anchor="b"/>
+                </a:tc>
+                <a:tc>
+                  <a:txBody>
+                    <a:bodyPr/>
+                    <a:lstStyle/>
+                    <a:p>
+                      <a:pPr algn="l">
+                        <a:spcAft>
+                          <a:spcPts val="0"/>
+                        </a:spcAft>
+                      </a:pPr>
+                      <a:r>
+                        <a:rPr lang="zh-CN" sz="1100" kern="0">
+                          <a:effectLst/>
+                        </a:rPr>
+                        <a:t>产品名称</a:t>
+                      </a:r>
+                      <a:endParaRPr lang="zh-CN" sz="1050" kern="100">
+                        <a:effectLst/>
+                        <a:latin typeface="Calibri"/>
+                        <a:ea typeface="宋体"/>
+                        <a:cs typeface="Times New Roman"/>
+                      </a:endParaRPr>
+                    </a:p>
+                  </a:txBody>
+                  <a:tcPr marL="68580" marR="68580" marT="0" marB="0" anchor="b"/>
+                </a:tc>
+                <a:tc>
+                  <a:txBody>
+                    <a:bodyPr/>
+                    <a:lstStyle/>
+                    <a:p>
+                      <a:pPr algn="l">
+                        <a:spcAft>
+                          <a:spcPts val="0"/>
+                        </a:spcAft>
+                      </a:pPr>
+                      <a:r>
+                        <a:rPr lang="zh-CN" sz="1100" kern="0">
+                          <a:effectLst/>
+                        </a:rPr>
+                        <a:t>生产单位</a:t>
+                      </a:r>
+                      <a:endParaRPr lang="zh-CN" sz="1050" kern="100">
+                        <a:effectLst/>
+                        <a:latin typeface="Calibri"/>
+                        <a:ea typeface="宋体"/>
+                        <a:cs typeface="Times New Roman"/>
+                      </a:endParaRPr>
+                    </a:p>
+                  </a:txBody>
+                  <a:tcPr marL="68580" marR="68580" marT="0" marB="0" anchor="b"/>
+                </a:tc>
+                <a:tc>
+                  <a:txBody>
+                    <a:bodyPr/>
+                    <a:lstStyle/>
+                    <a:p>
+                      <a:pPr algn="l">
+                        <a:spcAft>
+                          <a:spcPts val="0"/>
+                        </a:spcAft>
+                      </a:pPr>
+                      <a:r>
+                        <a:rPr lang="zh-CN" sz="1100" kern="0">
+                          <a:effectLst/>
+                        </a:rPr>
+                        <a:t>规格</a:t>
+                      </a:r>
+                      <a:endParaRPr lang="zh-CN" sz="1050" kern="100">
+                        <a:effectLst/>
+                        <a:latin typeface="Calibri"/>
+                        <a:ea typeface="宋体"/>
+                        <a:cs typeface="Times New Roman"/>
+                      </a:endParaRPr>
+                    </a:p>
+                  </a:txBody>
+                  <a:tcPr marL="68580" marR="68580" marT="0" marB="0" anchor="b"/>
+                </a:tc>
+                <a:tc>
+                  <a:txBody>
+                    <a:bodyPr/>
+                    <a:lstStyle/>
+                    <a:p>
+                      <a:pPr algn="l">
+                        <a:spcAft>
+                          <a:spcPts val="0"/>
+                        </a:spcAft>
+                      </a:pPr>
+                      <a:r>
+                        <a:rPr lang="zh-CN" sz="1100" kern="0">
+                          <a:effectLst/>
+                        </a:rPr>
+                        <a:t>价格</a:t>
+                      </a:r>
+                      <a:endParaRPr lang="zh-CN" sz="1050" kern="100">
+                        <a:effectLst/>
+                        <a:latin typeface="Calibri"/>
+                        <a:ea typeface="宋体"/>
+                        <a:cs typeface="Times New Roman"/>
+                      </a:endParaRPr>
+                    </a:p>
+                  </a:txBody>
+                  <a:tcPr marL="68580" marR="68580" marT="0" marB="0" anchor="b"/>
+                </a:tc>
+                <a:tc>
+                  <a:txBody>
+                    <a:bodyPr/>
+                    <a:lstStyle/>
+                    <a:p>
+                      <a:pPr algn="l">
+                        <a:spcAft>
+                          <a:spcPts val="0"/>
+                        </a:spcAft>
+                      </a:pPr>
+                      <a:r>
+                        <a:rPr lang="zh-CN" sz="1100" kern="0">
+                          <a:effectLst/>
+                        </a:rPr>
+                        <a:t>信息备注</a:t>
+                      </a:r>
+                      <a:endParaRPr lang="zh-CN" sz="1050" kern="100">
+                        <a:effectLst/>
+                        <a:latin typeface="Calibri"/>
+                        <a:ea typeface="宋体"/>
+                        <a:cs typeface="Times New Roman"/>
+                      </a:endParaRPr>
+                    </a:p>
+                  </a:txBody>
+                  <a:tcPr marL="68580" marR="68580" marT="0" marB="0" anchor="b"/>
+                </a:tc>
+                <a:tc>
+                  <a:txBody>
+                    <a:bodyPr/>
+                    <a:lstStyle/>
+                    <a:p>
+                      <a:pPr algn="l">
+                        <a:spcAft>
+                          <a:spcPts val="0"/>
+                        </a:spcAft>
+                      </a:pPr>
+                      <a:r>
+                        <a:rPr lang="en-US" sz="1100" kern="0">
+                          <a:effectLst/>
+                        </a:rPr>
+                        <a:t>C</a:t>
+                      </a:r>
+                      <a:r>
+                        <a:rPr lang="zh-CN" sz="1100" kern="0">
+                          <a:effectLst/>
+                        </a:rPr>
+                        <a:t>级设置时显示名称</a:t>
+                      </a:r>
+                      <a:endParaRPr lang="zh-CN" sz="1050" kern="100">
+                        <a:effectLst/>
+                        <a:latin typeface="Calibri"/>
+                        <a:ea typeface="宋体"/>
+                        <a:cs typeface="Times New Roman"/>
+                      </a:endParaRPr>
+                    </a:p>
+                  </a:txBody>
+                  <a:tcPr marL="68580" marR="68580" marT="0" marB="0" anchor="b"/>
+                </a:tc>
+                <a:tc>
+                  <a:txBody>
+                    <a:bodyPr/>
+                    <a:lstStyle/>
+                    <a:p>
+                      <a:pPr algn="l">
+                        <a:spcAft>
+                          <a:spcPts val="0"/>
+                        </a:spcAft>
+                      </a:pPr>
+                      <a:r>
+                        <a:rPr lang="zh-CN" sz="1100" kern="0">
+                          <a:effectLst/>
+                        </a:rPr>
+                        <a:t>基数</a:t>
+                      </a:r>
+                      <a:endParaRPr lang="zh-CN" sz="1050" kern="100">
+                        <a:effectLst/>
+                        <a:latin typeface="Calibri"/>
+                        <a:ea typeface="宋体"/>
+                        <a:cs typeface="Times New Roman"/>
+                      </a:endParaRPr>
+                    </a:p>
+                  </a:txBody>
+                  <a:tcPr marL="68580" marR="68580" marT="0" marB="0" anchor="b"/>
+                </a:tc>
+                <a:tc>
+                  <a:txBody>
+                    <a:bodyPr/>
+                    <a:lstStyle/>
+                    <a:p>
+                      <a:pPr algn="l">
+                        <a:spcAft>
+                          <a:spcPts val="0"/>
+                        </a:spcAft>
+                      </a:pPr>
+                      <a:r>
+                        <a:rPr lang="zh-CN" sz="1100" kern="0">
+                          <a:effectLst/>
+                        </a:rPr>
+                        <a:t>价格</a:t>
+                      </a:r>
+                      <a:endParaRPr lang="zh-CN" sz="1050" kern="100">
+                        <a:effectLst/>
+                        <a:latin typeface="Calibri"/>
+                        <a:ea typeface="宋体"/>
+                        <a:cs typeface="Times New Roman"/>
+                      </a:endParaRPr>
+                    </a:p>
+                  </a:txBody>
+                  <a:tcPr marL="68580" marR="68580" marT="0" marB="0" anchor="b"/>
+                </a:tc>
+                <a:tc>
+                  <a:txBody>
+                    <a:bodyPr/>
+                    <a:lstStyle/>
+                    <a:p>
+                      <a:pPr algn="l">
+                        <a:spcAft>
+                          <a:spcPts val="0"/>
+                        </a:spcAft>
+                      </a:pPr>
+                      <a:r>
+                        <a:rPr lang="zh-CN" sz="1100" kern="0">
+                          <a:effectLst/>
+                        </a:rPr>
+                        <a:t>时间</a:t>
+                      </a:r>
+                      <a:endParaRPr lang="zh-CN" sz="1050" kern="100">
+                        <a:effectLst/>
+                        <a:latin typeface="Calibri"/>
+                        <a:ea typeface="宋体"/>
+                        <a:cs typeface="Times New Roman"/>
+                      </a:endParaRPr>
+                    </a:p>
+                  </a:txBody>
+                  <a:tcPr marL="68580" marR="68580" marT="0" marB="0" anchor="b"/>
+                </a:tc>
+                <a:tc>
+                  <a:txBody>
+                    <a:bodyPr/>
+                    <a:lstStyle/>
+                    <a:p>
+                      <a:pPr algn="l">
+                        <a:spcAft>
+                          <a:spcPts val="0"/>
+                        </a:spcAft>
+                      </a:pPr>
+                      <a:r>
+                        <a:rPr lang="zh-CN" sz="1100" kern="0">
+                          <a:effectLst/>
+                        </a:rPr>
+                        <a:t>信息备注</a:t>
+                      </a:r>
+                      <a:endParaRPr lang="zh-CN" sz="1050" kern="100">
+                        <a:effectLst/>
+                        <a:latin typeface="Calibri"/>
+                        <a:ea typeface="宋体"/>
+                        <a:cs typeface="Times New Roman"/>
+                      </a:endParaRPr>
+                    </a:p>
+                  </a:txBody>
+                  <a:tcPr marL="68580" marR="68580" marT="0" marB="0" anchor="b"/>
+                </a:tc>
+                <a:tc>
+                  <a:txBody>
+                    <a:bodyPr/>
+                    <a:lstStyle/>
+                    <a:p>
+                      <a:pPr algn="l">
+                        <a:spcAft>
+                          <a:spcPts val="0"/>
+                        </a:spcAft>
+                      </a:pPr>
+                      <a:r>
+                        <a:rPr lang="en-US" sz="1100" kern="0">
+                          <a:effectLst/>
+                        </a:rPr>
+                        <a:t>D</a:t>
+                      </a:r>
+                      <a:r>
+                        <a:rPr lang="zh-CN" sz="1100" kern="0">
+                          <a:effectLst/>
+                        </a:rPr>
+                        <a:t>级设置时显示名称</a:t>
+                      </a:r>
+                      <a:endParaRPr lang="zh-CN" sz="1050" kern="100">
+                        <a:effectLst/>
+                        <a:latin typeface="Calibri"/>
+                        <a:ea typeface="宋体"/>
+                        <a:cs typeface="Times New Roman"/>
+                      </a:endParaRPr>
+                    </a:p>
+                  </a:txBody>
+                  <a:tcPr marL="68580" marR="68580" marT="0" marB="0" anchor="b"/>
+                </a:tc>
+                <a:tc>
+                  <a:txBody>
+                    <a:bodyPr/>
+                    <a:lstStyle/>
+                    <a:p>
+                      <a:pPr algn="l">
+                        <a:spcAft>
+                          <a:spcPts val="0"/>
+                        </a:spcAft>
+                      </a:pPr>
+                      <a:r>
+                        <a:rPr lang="zh-CN" sz="1100" kern="0">
+                          <a:effectLst/>
+                        </a:rPr>
+                        <a:t>基数</a:t>
+                      </a:r>
+                      <a:endParaRPr lang="zh-CN" sz="1050" kern="100">
+                        <a:effectLst/>
+                        <a:latin typeface="Calibri"/>
+                        <a:ea typeface="宋体"/>
+                        <a:cs typeface="Times New Roman"/>
+                      </a:endParaRPr>
+                    </a:p>
+                  </a:txBody>
+                  <a:tcPr marL="68580" marR="68580" marT="0" marB="0" anchor="b"/>
+                </a:tc>
+                <a:tc>
+                  <a:txBody>
+                    <a:bodyPr/>
+                    <a:lstStyle/>
+                    <a:p>
+                      <a:pPr algn="l">
+                        <a:spcAft>
+                          <a:spcPts val="0"/>
+                        </a:spcAft>
+                      </a:pPr>
+                      <a:r>
+                        <a:rPr lang="zh-CN" sz="1100" kern="0">
+                          <a:effectLst/>
+                        </a:rPr>
+                        <a:t>积分</a:t>
+                      </a:r>
+                      <a:endParaRPr lang="zh-CN" sz="1050" kern="100">
+                        <a:effectLst/>
+                        <a:latin typeface="Calibri"/>
+                        <a:ea typeface="宋体"/>
+                        <a:cs typeface="Times New Roman"/>
+                      </a:endParaRPr>
+                    </a:p>
+                  </a:txBody>
+                  <a:tcPr marL="68580" marR="68580" marT="0" marB="0" anchor="b"/>
+                </a:tc>
+                <a:tc>
+                  <a:txBody>
+                    <a:bodyPr/>
+                    <a:lstStyle/>
+                    <a:p>
+                      <a:pPr algn="l">
+                        <a:spcAft>
+                          <a:spcPts val="0"/>
+                        </a:spcAft>
+                      </a:pPr>
+                      <a:r>
+                        <a:rPr lang="zh-CN" sz="1100" kern="0">
+                          <a:effectLst/>
+                        </a:rPr>
+                        <a:t>时间</a:t>
+                      </a:r>
+                      <a:endParaRPr lang="zh-CN" sz="1050" kern="100">
+                        <a:effectLst/>
+                        <a:latin typeface="Calibri"/>
+                        <a:ea typeface="宋体"/>
+                        <a:cs typeface="Times New Roman"/>
+                      </a:endParaRPr>
+                    </a:p>
+                  </a:txBody>
+                  <a:tcPr marL="68580" marR="68580" marT="0" marB="0" anchor="b"/>
+                </a:tc>
+                <a:tc>
+                  <a:txBody>
+                    <a:bodyPr/>
+                    <a:lstStyle/>
+                    <a:p>
+                      <a:pPr algn="l">
+                        <a:spcAft>
+                          <a:spcPts val="0"/>
+                        </a:spcAft>
+                      </a:pPr>
+                      <a:r>
+                        <a:rPr lang="zh-CN" sz="1100" kern="0">
+                          <a:effectLst/>
+                        </a:rPr>
+                        <a:t>信息备注</a:t>
+                      </a:r>
+                      <a:endParaRPr lang="zh-CN" sz="1050" kern="100">
+                        <a:effectLst/>
+                        <a:latin typeface="Calibri"/>
+                        <a:ea typeface="宋体"/>
+                        <a:cs typeface="Times New Roman"/>
+                      </a:endParaRPr>
+                    </a:p>
+                  </a:txBody>
+                  <a:tcPr marL="68580" marR="68580" marT="0" marB="0" anchor="b"/>
+                </a:tc>
+              </a:tr>
+              <a:tr h="548640">
+                <a:tc>
+                  <a:txBody>
+                    <a:bodyPr/>
+                    <a:lstStyle/>
+                    <a:p>
+                      <a:pPr algn="l">
+                        <a:spcAft>
+                          <a:spcPts val="0"/>
+                        </a:spcAft>
+                      </a:pPr>
+                      <a:r>
+                        <a:rPr lang="zh-CN" sz="1100" kern="0">
+                          <a:effectLst/>
+                        </a:rPr>
+                        <a:t>　</a:t>
+                      </a:r>
+                      <a:endParaRPr lang="zh-CN" sz="1050" kern="100">
+                        <a:effectLst/>
+                        <a:latin typeface="Calibri"/>
+                        <a:ea typeface="宋体"/>
+                        <a:cs typeface="Times New Roman"/>
+                      </a:endParaRPr>
+                    </a:p>
+                  </a:txBody>
+                  <a:tcPr marL="68580" marR="68580" marT="0" marB="0" anchor="b"/>
+                </a:tc>
+                <a:tc>
+                  <a:txBody>
+                    <a:bodyPr/>
+                    <a:lstStyle/>
+                    <a:p>
+                      <a:pPr algn="l">
+                        <a:spcAft>
+                          <a:spcPts val="0"/>
+                        </a:spcAft>
+                      </a:pPr>
+                      <a:r>
+                        <a:rPr lang="zh-CN" sz="1100" kern="0">
+                          <a:effectLst/>
+                        </a:rPr>
+                        <a:t>　</a:t>
+                      </a:r>
+                      <a:endParaRPr lang="zh-CN" sz="1050" kern="100">
+                        <a:effectLst/>
+                        <a:latin typeface="Calibri"/>
+                        <a:ea typeface="宋体"/>
+                        <a:cs typeface="Times New Roman"/>
+                      </a:endParaRPr>
+                    </a:p>
+                  </a:txBody>
+                  <a:tcPr marL="68580" marR="68580" marT="0" marB="0" anchor="b"/>
+                </a:tc>
+                <a:tc>
+                  <a:txBody>
+                    <a:bodyPr/>
+                    <a:lstStyle/>
+                    <a:p>
+                      <a:pPr algn="l">
+                        <a:spcAft>
+                          <a:spcPts val="0"/>
+                        </a:spcAft>
+                      </a:pPr>
+                      <a:r>
+                        <a:rPr lang="zh-CN" sz="1100" kern="0">
+                          <a:effectLst/>
+                        </a:rPr>
+                        <a:t>　</a:t>
+                      </a:r>
+                      <a:endParaRPr lang="zh-CN" sz="1050" kern="100">
+                        <a:effectLst/>
+                        <a:latin typeface="Calibri"/>
+                        <a:ea typeface="宋体"/>
+                        <a:cs typeface="Times New Roman"/>
+                      </a:endParaRPr>
+                    </a:p>
+                  </a:txBody>
+                  <a:tcPr marL="68580" marR="68580" marT="0" marB="0" anchor="b"/>
+                </a:tc>
+                <a:tc>
+                  <a:txBody>
+                    <a:bodyPr/>
+                    <a:lstStyle/>
+                    <a:p>
+                      <a:pPr algn="l">
+                        <a:spcAft>
+                          <a:spcPts val="0"/>
+                        </a:spcAft>
+                      </a:pPr>
+                      <a:r>
+                        <a:rPr lang="zh-CN" sz="1100" kern="0">
+                          <a:effectLst/>
+                        </a:rPr>
+                        <a:t>　</a:t>
+                      </a:r>
+                      <a:endParaRPr lang="zh-CN" sz="1050" kern="100">
+                        <a:effectLst/>
+                        <a:latin typeface="Calibri"/>
+                        <a:ea typeface="宋体"/>
+                        <a:cs typeface="Times New Roman"/>
+                      </a:endParaRPr>
+                    </a:p>
+                  </a:txBody>
+                  <a:tcPr marL="68580" marR="68580" marT="0" marB="0" anchor="b"/>
+                </a:tc>
+                <a:tc>
+                  <a:txBody>
+                    <a:bodyPr/>
+                    <a:lstStyle/>
+                    <a:p>
+                      <a:pPr algn="l">
+                        <a:spcAft>
+                          <a:spcPts val="0"/>
+                        </a:spcAft>
+                      </a:pPr>
+                      <a:r>
+                        <a:rPr lang="zh-CN" sz="1100" kern="0">
+                          <a:effectLst/>
+                        </a:rPr>
+                        <a:t>　</a:t>
+                      </a:r>
+                      <a:endParaRPr lang="zh-CN" sz="1050" kern="100">
+                        <a:effectLst/>
+                        <a:latin typeface="Calibri"/>
+                        <a:ea typeface="宋体"/>
+                        <a:cs typeface="Times New Roman"/>
+                      </a:endParaRPr>
+                    </a:p>
+                  </a:txBody>
+                  <a:tcPr marL="68580" marR="68580" marT="0" marB="0" anchor="b"/>
+                </a:tc>
+                <a:tc>
+                  <a:txBody>
+                    <a:bodyPr/>
+                    <a:lstStyle/>
+                    <a:p>
+                      <a:pPr algn="l">
+                        <a:spcAft>
+                          <a:spcPts val="0"/>
+                        </a:spcAft>
+                      </a:pPr>
+                      <a:r>
+                        <a:rPr lang="zh-CN" sz="1100" kern="0">
+                          <a:effectLst/>
+                        </a:rPr>
+                        <a:t>　</a:t>
+                      </a:r>
+                      <a:endParaRPr lang="zh-CN" sz="1050" kern="100">
+                        <a:effectLst/>
+                        <a:latin typeface="Calibri"/>
+                        <a:ea typeface="宋体"/>
+                        <a:cs typeface="Times New Roman"/>
+                      </a:endParaRPr>
+                    </a:p>
+                  </a:txBody>
+                  <a:tcPr marL="68580" marR="68580" marT="0" marB="0" anchor="b"/>
+                </a:tc>
+                <a:tc>
+                  <a:txBody>
+                    <a:bodyPr/>
+                    <a:lstStyle/>
+                    <a:p>
+                      <a:pPr algn="l">
+                        <a:spcAft>
+                          <a:spcPts val="0"/>
+                        </a:spcAft>
+                      </a:pPr>
+                      <a:r>
+                        <a:rPr lang="en-US" sz="1100" kern="0">
+                          <a:effectLst/>
+                        </a:rPr>
+                        <a:t>D</a:t>
+                      </a:r>
+                      <a:r>
+                        <a:rPr lang="zh-CN" sz="1100" kern="0">
+                          <a:effectLst/>
+                        </a:rPr>
+                        <a:t>级使用时显示名称</a:t>
+                      </a:r>
+                      <a:endParaRPr lang="zh-CN" sz="1050" kern="100">
+                        <a:effectLst/>
+                        <a:latin typeface="Calibri"/>
+                        <a:ea typeface="宋体"/>
+                        <a:cs typeface="Times New Roman"/>
+                      </a:endParaRPr>
+                    </a:p>
+                  </a:txBody>
+                  <a:tcPr marL="68580" marR="68580" marT="0" marB="0" anchor="b"/>
+                </a:tc>
+                <a:tc>
+                  <a:txBody>
+                    <a:bodyPr/>
+                    <a:lstStyle/>
+                    <a:p>
+                      <a:pPr algn="l">
+                        <a:spcAft>
+                          <a:spcPts val="0"/>
+                        </a:spcAft>
+                      </a:pPr>
+                      <a:r>
+                        <a:rPr lang="zh-CN" sz="1100" kern="0">
+                          <a:effectLst/>
+                        </a:rPr>
+                        <a:t>填写数量</a:t>
+                      </a:r>
+                      <a:r>
+                        <a:rPr lang="en-US" sz="1100" kern="0">
+                          <a:effectLst/>
+                        </a:rPr>
+                        <a:t>=</a:t>
+                      </a:r>
+                      <a:r>
+                        <a:rPr lang="zh-CN" sz="1100" kern="0">
+                          <a:effectLst/>
+                        </a:rPr>
+                        <a:t>多少个基数</a:t>
+                      </a:r>
+                      <a:endParaRPr lang="zh-CN" sz="1050" kern="100">
+                        <a:effectLst/>
+                        <a:latin typeface="Calibri"/>
+                        <a:ea typeface="宋体"/>
+                        <a:cs typeface="Times New Roman"/>
+                      </a:endParaRPr>
+                    </a:p>
+                  </a:txBody>
+                  <a:tcPr marL="68580" marR="68580" marT="0" marB="0" anchor="b"/>
+                </a:tc>
+                <a:tc>
+                  <a:txBody>
+                    <a:bodyPr/>
+                    <a:lstStyle/>
+                    <a:p>
+                      <a:pPr algn="l">
+                        <a:spcAft>
+                          <a:spcPts val="0"/>
+                        </a:spcAft>
+                      </a:pPr>
+                      <a:r>
+                        <a:rPr lang="zh-CN" sz="1100" kern="0">
+                          <a:effectLst/>
+                        </a:rPr>
+                        <a:t>价格</a:t>
+                      </a:r>
+                      <a:endParaRPr lang="zh-CN" sz="1050" kern="100">
+                        <a:effectLst/>
+                        <a:latin typeface="Calibri"/>
+                        <a:ea typeface="宋体"/>
+                        <a:cs typeface="Times New Roman"/>
+                      </a:endParaRPr>
+                    </a:p>
+                  </a:txBody>
+                  <a:tcPr marL="68580" marR="68580" marT="0" marB="0" anchor="b"/>
+                </a:tc>
+                <a:tc>
+                  <a:txBody>
+                    <a:bodyPr/>
+                    <a:lstStyle/>
+                    <a:p>
+                      <a:pPr algn="l">
+                        <a:spcAft>
+                          <a:spcPts val="0"/>
+                        </a:spcAft>
+                      </a:pPr>
+                      <a:r>
+                        <a:rPr lang="zh-CN" sz="1100" kern="0">
+                          <a:effectLst/>
+                        </a:rPr>
+                        <a:t>　</a:t>
+                      </a:r>
+                      <a:endParaRPr lang="zh-CN" sz="1050" kern="100">
+                        <a:effectLst/>
+                        <a:latin typeface="Calibri"/>
+                        <a:ea typeface="宋体"/>
+                        <a:cs typeface="Times New Roman"/>
+                      </a:endParaRPr>
+                    </a:p>
+                  </a:txBody>
+                  <a:tcPr marL="68580" marR="68580" marT="0" marB="0" anchor="b"/>
+                </a:tc>
+                <a:tc>
+                  <a:txBody>
+                    <a:bodyPr/>
+                    <a:lstStyle/>
+                    <a:p>
+                      <a:pPr algn="l">
+                        <a:spcAft>
+                          <a:spcPts val="0"/>
+                        </a:spcAft>
+                      </a:pPr>
+                      <a:r>
+                        <a:rPr lang="zh-CN" sz="1100" kern="0">
+                          <a:effectLst/>
+                        </a:rPr>
+                        <a:t>　</a:t>
+                      </a:r>
+                      <a:endParaRPr lang="zh-CN" sz="1050" kern="100">
+                        <a:effectLst/>
+                        <a:latin typeface="Calibri"/>
+                        <a:ea typeface="宋体"/>
+                        <a:cs typeface="Times New Roman"/>
+                      </a:endParaRPr>
+                    </a:p>
+                  </a:txBody>
+                  <a:tcPr marL="68580" marR="68580" marT="0" marB="0" anchor="b"/>
+                </a:tc>
+                <a:tc>
+                  <a:txBody>
+                    <a:bodyPr/>
+                    <a:lstStyle/>
+                    <a:p>
+                      <a:pPr algn="l">
+                        <a:spcAft>
+                          <a:spcPts val="0"/>
+                        </a:spcAft>
+                      </a:pPr>
+                      <a:r>
+                        <a:rPr lang="en-US" sz="1100" kern="0">
+                          <a:effectLst/>
+                        </a:rPr>
+                        <a:t>E</a:t>
+                      </a:r>
+                      <a:r>
+                        <a:rPr lang="zh-CN" sz="1100" kern="0">
+                          <a:effectLst/>
+                        </a:rPr>
+                        <a:t>级使用时显示名称</a:t>
+                      </a:r>
+                      <a:endParaRPr lang="zh-CN" sz="1050" kern="100">
+                        <a:effectLst/>
+                        <a:latin typeface="Calibri"/>
+                        <a:ea typeface="宋体"/>
+                        <a:cs typeface="Times New Roman"/>
+                      </a:endParaRPr>
+                    </a:p>
+                  </a:txBody>
+                  <a:tcPr marL="68580" marR="68580" marT="0" marB="0" anchor="b"/>
+                </a:tc>
+                <a:tc>
+                  <a:txBody>
+                    <a:bodyPr/>
+                    <a:lstStyle/>
+                    <a:p>
+                      <a:pPr algn="l">
+                        <a:spcAft>
+                          <a:spcPts val="0"/>
+                        </a:spcAft>
+                      </a:pPr>
+                      <a:r>
+                        <a:rPr lang="zh-CN" sz="1100" kern="0">
+                          <a:effectLst/>
+                        </a:rPr>
+                        <a:t>填写数量</a:t>
+                      </a:r>
+                      <a:endParaRPr lang="zh-CN" sz="1050" kern="100">
+                        <a:effectLst/>
+                        <a:latin typeface="Calibri"/>
+                        <a:ea typeface="宋体"/>
+                        <a:cs typeface="Times New Roman"/>
+                      </a:endParaRPr>
+                    </a:p>
+                  </a:txBody>
+                  <a:tcPr marL="68580" marR="68580" marT="0" marB="0" anchor="b"/>
+                </a:tc>
+                <a:tc>
+                  <a:txBody>
+                    <a:bodyPr/>
+                    <a:lstStyle/>
+                    <a:p>
+                      <a:pPr algn="l">
+                        <a:spcAft>
+                          <a:spcPts val="0"/>
+                        </a:spcAft>
+                      </a:pPr>
+                      <a:r>
+                        <a:rPr lang="zh-CN" sz="1100" kern="0">
+                          <a:effectLst/>
+                        </a:rPr>
+                        <a:t>计算统计</a:t>
+                      </a:r>
+                      <a:endParaRPr lang="zh-CN" sz="1050" kern="100">
+                        <a:effectLst/>
+                        <a:latin typeface="Calibri"/>
+                        <a:ea typeface="宋体"/>
+                        <a:cs typeface="Times New Roman"/>
+                      </a:endParaRPr>
+                    </a:p>
+                  </a:txBody>
+                  <a:tcPr marL="68580" marR="68580" marT="0" marB="0" anchor="b"/>
+                </a:tc>
+                <a:tc>
+                  <a:txBody>
+                    <a:bodyPr/>
+                    <a:lstStyle/>
+                    <a:p>
+                      <a:pPr algn="l">
+                        <a:spcAft>
+                          <a:spcPts val="0"/>
+                        </a:spcAft>
+                      </a:pPr>
+                      <a:r>
+                        <a:rPr lang="zh-CN" sz="1100" kern="0">
+                          <a:effectLst/>
+                        </a:rPr>
+                        <a:t>　</a:t>
+                      </a:r>
+                      <a:endParaRPr lang="zh-CN" sz="1050" kern="100">
+                        <a:effectLst/>
+                        <a:latin typeface="Calibri"/>
+                        <a:ea typeface="宋体"/>
+                        <a:cs typeface="Times New Roman"/>
+                      </a:endParaRPr>
+                    </a:p>
+                  </a:txBody>
+                  <a:tcPr marL="68580" marR="68580" marT="0" marB="0" anchor="b"/>
+                </a:tc>
+                <a:tc>
+                  <a:txBody>
+                    <a:bodyPr/>
+                    <a:lstStyle/>
+                    <a:p>
+                      <a:pPr algn="l">
+                        <a:spcAft>
+                          <a:spcPts val="0"/>
+                        </a:spcAft>
+                      </a:pPr>
+                      <a:r>
+                        <a:rPr lang="zh-CN" sz="1100" kern="0">
+                          <a:effectLst/>
+                        </a:rPr>
+                        <a:t>　</a:t>
+                      </a:r>
+                      <a:endParaRPr lang="zh-CN" sz="1050" kern="100">
+                        <a:effectLst/>
+                        <a:latin typeface="Calibri"/>
+                        <a:ea typeface="宋体"/>
+                        <a:cs typeface="Times New Roman"/>
+                      </a:endParaRPr>
+                    </a:p>
+                  </a:txBody>
+                  <a:tcPr marL="68580" marR="68580" marT="0" marB="0" anchor="b"/>
+                </a:tc>
+              </a:tr>
+              <a:tr h="1463040">
+                <a:tc>
+                  <a:txBody>
+                    <a:bodyPr/>
+                    <a:lstStyle/>
+                    <a:p>
+                      <a:pPr algn="l">
+                        <a:spcAft>
+                          <a:spcPts val="0"/>
+                        </a:spcAft>
+                      </a:pPr>
+                      <a:r>
+                        <a:rPr lang="zh-CN" sz="1100" kern="0">
+                          <a:effectLst/>
+                        </a:rPr>
+                        <a:t>产品照片</a:t>
+                      </a:r>
+                      <a:endParaRPr lang="zh-CN" sz="1050" kern="100">
+                        <a:effectLst/>
+                        <a:latin typeface="Calibri"/>
+                        <a:ea typeface="宋体"/>
+                        <a:cs typeface="Times New Roman"/>
+                      </a:endParaRPr>
+                    </a:p>
+                  </a:txBody>
+                  <a:tcPr marL="68580" marR="68580" marT="0" marB="0" anchor="b"/>
+                </a:tc>
+                <a:tc>
+                  <a:txBody>
+                    <a:bodyPr/>
+                    <a:lstStyle/>
+                    <a:p>
+                      <a:pPr algn="l">
+                        <a:spcAft>
+                          <a:spcPts val="0"/>
+                        </a:spcAft>
+                      </a:pPr>
+                      <a:r>
+                        <a:rPr lang="zh-CN" sz="1100" kern="0">
+                          <a:effectLst/>
+                        </a:rPr>
+                        <a:t>产品名称</a:t>
+                      </a:r>
+                      <a:endParaRPr lang="zh-CN" sz="1050" kern="100">
+                        <a:effectLst/>
+                        <a:latin typeface="Calibri"/>
+                        <a:ea typeface="宋体"/>
+                        <a:cs typeface="Times New Roman"/>
+                      </a:endParaRPr>
+                    </a:p>
+                  </a:txBody>
+                  <a:tcPr marL="68580" marR="68580" marT="0" marB="0" anchor="b"/>
+                </a:tc>
+                <a:tc>
+                  <a:txBody>
+                    <a:bodyPr/>
+                    <a:lstStyle/>
+                    <a:p>
+                      <a:pPr algn="l">
+                        <a:spcAft>
+                          <a:spcPts val="0"/>
+                        </a:spcAft>
+                      </a:pPr>
+                      <a:r>
+                        <a:rPr lang="zh-CN" sz="1100" kern="0">
+                          <a:effectLst/>
+                        </a:rPr>
+                        <a:t>生产企业名称</a:t>
+                      </a:r>
+                      <a:endParaRPr lang="zh-CN" sz="1050" kern="100">
+                        <a:effectLst/>
+                        <a:latin typeface="Calibri"/>
+                        <a:ea typeface="宋体"/>
+                        <a:cs typeface="Times New Roman"/>
+                      </a:endParaRPr>
+                    </a:p>
+                  </a:txBody>
+                  <a:tcPr marL="68580" marR="68580" marT="0" marB="0" anchor="b"/>
+                </a:tc>
+                <a:tc>
+                  <a:txBody>
+                    <a:bodyPr/>
+                    <a:lstStyle/>
+                    <a:p>
+                      <a:pPr algn="l">
+                        <a:spcAft>
+                          <a:spcPts val="0"/>
+                        </a:spcAft>
+                      </a:pPr>
+                      <a:r>
+                        <a:rPr lang="zh-CN" sz="1100" kern="0">
+                          <a:effectLst/>
+                        </a:rPr>
+                        <a:t>（</a:t>
+                      </a:r>
+                      <a:r>
+                        <a:rPr lang="en-US" sz="1100" kern="0">
+                          <a:effectLst/>
+                        </a:rPr>
+                        <a:t>ml</a:t>
+                      </a:r>
+                      <a:r>
+                        <a:rPr lang="zh-CN" sz="1100" kern="0">
+                          <a:effectLst/>
+                        </a:rPr>
+                        <a:t>）</a:t>
+                      </a:r>
+                      <a:r>
+                        <a:rPr lang="en-US" sz="1100" kern="0">
+                          <a:effectLst/>
+                        </a:rPr>
+                        <a:t>/</a:t>
+                      </a:r>
+                      <a:r>
+                        <a:rPr lang="zh-CN" sz="1100" kern="0">
+                          <a:effectLst/>
+                        </a:rPr>
+                        <a:t>（瓶）</a:t>
+                      </a:r>
+                      <a:endParaRPr lang="zh-CN" sz="1050" kern="100">
+                        <a:effectLst/>
+                        <a:latin typeface="Calibri"/>
+                        <a:ea typeface="宋体"/>
+                        <a:cs typeface="Times New Roman"/>
+                      </a:endParaRPr>
+                    </a:p>
+                  </a:txBody>
+                  <a:tcPr marL="68580" marR="68580" marT="0" marB="0" anchor="b"/>
+                </a:tc>
+                <a:tc>
+                  <a:txBody>
+                    <a:bodyPr/>
+                    <a:lstStyle/>
+                    <a:p>
+                      <a:pPr algn="l">
+                        <a:spcAft>
+                          <a:spcPts val="0"/>
+                        </a:spcAft>
+                      </a:pPr>
+                      <a:r>
+                        <a:rPr lang="zh-CN" sz="1100" kern="0">
+                          <a:effectLst/>
+                        </a:rPr>
+                        <a:t>单价（商业出货价）</a:t>
+                      </a:r>
+                      <a:endParaRPr lang="zh-CN" sz="1050" kern="100">
+                        <a:effectLst/>
+                        <a:latin typeface="Calibri"/>
+                        <a:ea typeface="宋体"/>
+                        <a:cs typeface="Times New Roman"/>
+                      </a:endParaRPr>
+                    </a:p>
+                  </a:txBody>
+                  <a:tcPr marL="68580" marR="68580" marT="0" marB="0" anchor="b"/>
+                </a:tc>
+                <a:tc>
+                  <a:txBody>
+                    <a:bodyPr/>
+                    <a:lstStyle/>
+                    <a:p>
+                      <a:pPr algn="l">
+                        <a:spcAft>
+                          <a:spcPts val="0"/>
+                        </a:spcAft>
+                      </a:pPr>
+                      <a:r>
+                        <a:rPr lang="zh-CN" sz="1100" kern="0">
+                          <a:effectLst/>
+                        </a:rPr>
+                        <a:t>　</a:t>
+                      </a:r>
+                      <a:endParaRPr lang="zh-CN" sz="1050" kern="100">
+                        <a:effectLst/>
+                        <a:latin typeface="Calibri"/>
+                        <a:ea typeface="宋体"/>
+                        <a:cs typeface="Times New Roman"/>
+                      </a:endParaRPr>
+                    </a:p>
+                  </a:txBody>
+                  <a:tcPr marL="68580" marR="68580" marT="0" marB="0" anchor="b"/>
+                </a:tc>
+                <a:tc>
+                  <a:txBody>
+                    <a:bodyPr/>
+                    <a:lstStyle/>
+                    <a:p>
+                      <a:pPr algn="l">
+                        <a:spcAft>
+                          <a:spcPts val="0"/>
+                        </a:spcAft>
+                      </a:pPr>
+                      <a:r>
+                        <a:rPr lang="zh-CN" sz="1100" kern="0">
+                          <a:effectLst/>
+                        </a:rPr>
+                        <a:t>　</a:t>
+                      </a:r>
+                      <a:endParaRPr lang="zh-CN" sz="1050" kern="100">
+                        <a:effectLst/>
+                        <a:latin typeface="Calibri"/>
+                        <a:ea typeface="宋体"/>
+                        <a:cs typeface="Times New Roman"/>
+                      </a:endParaRPr>
+                    </a:p>
+                  </a:txBody>
+                  <a:tcPr marL="68580" marR="68580" marT="0" marB="0" anchor="b"/>
+                </a:tc>
+                <a:tc>
+                  <a:txBody>
+                    <a:bodyPr/>
+                    <a:lstStyle/>
+                    <a:p>
+                      <a:pPr algn="l">
+                        <a:spcAft>
+                          <a:spcPts val="0"/>
+                        </a:spcAft>
+                      </a:pPr>
+                      <a:r>
+                        <a:rPr lang="zh-CN" sz="1100" kern="0">
+                          <a:effectLst/>
+                        </a:rPr>
+                        <a:t>以该数为最低购进数选择数量时为这个数的倍数</a:t>
+                      </a:r>
+                      <a:endParaRPr lang="zh-CN" sz="1050" kern="100">
+                        <a:effectLst/>
+                        <a:latin typeface="Calibri"/>
+                        <a:ea typeface="宋体"/>
+                        <a:cs typeface="Times New Roman"/>
+                      </a:endParaRPr>
+                    </a:p>
+                  </a:txBody>
+                  <a:tcPr marL="68580" marR="68580" marT="0" marB="0" anchor="b"/>
+                </a:tc>
+                <a:tc>
+                  <a:txBody>
+                    <a:bodyPr/>
+                    <a:lstStyle/>
+                    <a:p>
+                      <a:pPr algn="l">
+                        <a:spcAft>
+                          <a:spcPts val="0"/>
+                        </a:spcAft>
+                      </a:pPr>
+                      <a:r>
+                        <a:rPr lang="zh-CN" sz="1100" kern="0">
+                          <a:effectLst/>
+                        </a:rPr>
+                        <a:t>该基数的价格</a:t>
+                      </a:r>
+                      <a:endParaRPr lang="zh-CN" sz="1050" kern="100">
+                        <a:effectLst/>
+                        <a:latin typeface="Calibri"/>
+                        <a:ea typeface="宋体"/>
+                        <a:cs typeface="Times New Roman"/>
+                      </a:endParaRPr>
+                    </a:p>
+                  </a:txBody>
+                  <a:tcPr marL="68580" marR="68580" marT="0" marB="0" anchor="b"/>
+                </a:tc>
+                <a:tc>
+                  <a:txBody>
+                    <a:bodyPr/>
+                    <a:lstStyle/>
+                    <a:p>
+                      <a:pPr algn="l">
+                        <a:spcAft>
+                          <a:spcPts val="0"/>
+                        </a:spcAft>
+                      </a:pPr>
+                      <a:r>
+                        <a:rPr lang="zh-CN" sz="1100" kern="0">
+                          <a:effectLst/>
+                        </a:rPr>
+                        <a:t>执行该活动的限制</a:t>
+                      </a:r>
+                      <a:endParaRPr lang="zh-CN" sz="1050" kern="100">
+                        <a:effectLst/>
+                        <a:latin typeface="Calibri"/>
+                        <a:ea typeface="宋体"/>
+                        <a:cs typeface="Times New Roman"/>
+                      </a:endParaRPr>
+                    </a:p>
+                  </a:txBody>
+                  <a:tcPr marL="68580" marR="68580" marT="0" marB="0" anchor="b"/>
+                </a:tc>
+                <a:tc>
+                  <a:txBody>
+                    <a:bodyPr/>
+                    <a:lstStyle/>
+                    <a:p>
+                      <a:pPr algn="l">
+                        <a:spcAft>
+                          <a:spcPts val="0"/>
+                        </a:spcAft>
+                      </a:pPr>
+                      <a:r>
+                        <a:rPr lang="zh-CN" sz="1100" kern="0">
+                          <a:effectLst/>
+                        </a:rPr>
+                        <a:t>用于赠品模式下的使用该信息，例如价格和正常售卖没区别单有一个赠品</a:t>
+                      </a:r>
+                      <a:endParaRPr lang="zh-CN" sz="1050" kern="100">
+                        <a:effectLst/>
+                        <a:latin typeface="Calibri"/>
+                        <a:ea typeface="宋体"/>
+                        <a:cs typeface="Times New Roman"/>
+                      </a:endParaRPr>
+                    </a:p>
+                  </a:txBody>
+                  <a:tcPr marL="68580" marR="68580" marT="0" marB="0" anchor="b"/>
+                </a:tc>
+                <a:tc>
+                  <a:txBody>
+                    <a:bodyPr/>
+                    <a:lstStyle/>
+                    <a:p>
+                      <a:pPr algn="l">
+                        <a:spcAft>
+                          <a:spcPts val="0"/>
+                        </a:spcAft>
+                      </a:pPr>
+                      <a:r>
+                        <a:rPr lang="zh-CN" sz="1100" kern="0">
+                          <a:effectLst/>
+                        </a:rPr>
+                        <a:t>　</a:t>
+                      </a:r>
+                      <a:endParaRPr lang="zh-CN" sz="1050" kern="100">
+                        <a:effectLst/>
+                        <a:latin typeface="Calibri"/>
+                        <a:ea typeface="宋体"/>
+                        <a:cs typeface="Times New Roman"/>
+                      </a:endParaRPr>
+                    </a:p>
+                  </a:txBody>
+                  <a:tcPr marL="68580" marR="68580" marT="0" marB="0" anchor="b"/>
+                </a:tc>
+                <a:tc>
+                  <a:txBody>
+                    <a:bodyPr/>
+                    <a:lstStyle/>
+                    <a:p>
+                      <a:pPr algn="l">
+                        <a:spcAft>
+                          <a:spcPts val="0"/>
+                        </a:spcAft>
+                      </a:pPr>
+                      <a:r>
+                        <a:rPr lang="zh-CN" sz="1100" kern="0">
+                          <a:effectLst/>
+                        </a:rPr>
+                        <a:t>该基数统一设定为</a:t>
+                      </a:r>
+                      <a:r>
+                        <a:rPr lang="en-US" sz="1100" kern="0">
+                          <a:effectLst/>
+                        </a:rPr>
+                        <a:t>1</a:t>
+                      </a:r>
+                      <a:endParaRPr lang="zh-CN" sz="1050" kern="100">
+                        <a:effectLst/>
+                        <a:latin typeface="Calibri"/>
+                        <a:ea typeface="宋体"/>
+                        <a:cs typeface="Times New Roman"/>
+                      </a:endParaRPr>
+                    </a:p>
+                  </a:txBody>
+                  <a:tcPr marL="68580" marR="68580" marT="0" marB="0" anchor="b"/>
+                </a:tc>
+                <a:tc>
+                  <a:txBody>
+                    <a:bodyPr/>
+                    <a:lstStyle/>
+                    <a:p>
+                      <a:pPr algn="l">
+                        <a:spcAft>
+                          <a:spcPts val="0"/>
+                        </a:spcAft>
+                      </a:pPr>
+                      <a:r>
+                        <a:rPr lang="zh-CN" sz="1100" kern="0">
+                          <a:effectLst/>
+                        </a:rPr>
+                        <a:t>对应该基数的积分数</a:t>
+                      </a:r>
+                      <a:endParaRPr lang="zh-CN" sz="1050" kern="100">
+                        <a:effectLst/>
+                        <a:latin typeface="Calibri"/>
+                        <a:ea typeface="宋体"/>
+                        <a:cs typeface="Times New Roman"/>
+                      </a:endParaRPr>
+                    </a:p>
+                  </a:txBody>
+                  <a:tcPr marL="68580" marR="68580" marT="0" marB="0" anchor="b"/>
+                </a:tc>
+                <a:tc>
+                  <a:txBody>
+                    <a:bodyPr/>
+                    <a:lstStyle/>
+                    <a:p>
+                      <a:pPr algn="l">
+                        <a:spcAft>
+                          <a:spcPts val="0"/>
+                        </a:spcAft>
+                      </a:pPr>
+                      <a:r>
+                        <a:rPr lang="zh-CN" sz="1100" kern="0">
+                          <a:effectLst/>
+                        </a:rPr>
+                        <a:t>执行该活动的限制</a:t>
+                      </a:r>
+                      <a:endParaRPr lang="zh-CN" sz="1050" kern="100">
+                        <a:effectLst/>
+                        <a:latin typeface="Calibri"/>
+                        <a:ea typeface="宋体"/>
+                        <a:cs typeface="Times New Roman"/>
+                      </a:endParaRPr>
+                    </a:p>
+                  </a:txBody>
+                  <a:tcPr marL="68580" marR="68580" marT="0" marB="0" anchor="b"/>
+                </a:tc>
+                <a:tc>
+                  <a:txBody>
+                    <a:bodyPr/>
+                    <a:lstStyle/>
+                    <a:p>
+                      <a:pPr algn="l">
+                        <a:spcAft>
+                          <a:spcPts val="0"/>
+                        </a:spcAft>
+                      </a:pPr>
+                      <a:r>
+                        <a:rPr lang="zh-CN" sz="1100" kern="0" dirty="0">
+                          <a:effectLst/>
+                        </a:rPr>
+                        <a:t>　</a:t>
+                      </a:r>
+                      <a:endParaRPr lang="zh-CN" sz="1050" kern="100" dirty="0">
+                        <a:effectLst/>
+                        <a:latin typeface="Calibri"/>
+                        <a:ea typeface="宋体"/>
+                        <a:cs typeface="Times New Roman"/>
+                      </a:endParaRPr>
+                    </a:p>
+                  </a:txBody>
+                  <a:tcPr marL="68580" marR="68580" marT="0" marB="0" anchor="b"/>
+                </a:tc>
+              </a:tr>
+            </a:tbl>
+          </a:graphicData>
+        </a:graphic>
+      </p:graphicFrame>
+    </p:spTree>
+    <p:extLst>
+      <p:ext uri="{BB962C8B-B14F-4D97-AF65-F5344CB8AC3E}">
+        <p14:creationId xmlns:p14="http://schemas.microsoft.com/office/powerpoint/2010/main" val="1194748483"/>
+      </p:ext>
+    </p:extLst>
+  </p:cSld>
+  <p:clrMapOvr>
+    <a:masterClrMapping/>
+  </p:clrMapOvr>
+</p:sld>
+</file>
+
+<file path=ppt/slides/slide31.xml><?xml version="1.0" encoding="utf-8"?>
+<p:sld xmlns:a="http://schemas.openxmlformats.org/drawingml/2006/main" xmlns:r="http://schemas.openxmlformats.org/officeDocument/2006/relationships" xmlns:p="http://schemas.openxmlformats.org/presentationml/2006/main">
+  <p:cSld>
+    <p:spTree>
+      <p:nvGrpSpPr>
+        <p:cNvPr id="1" name=""/>
+        <p:cNvGrpSpPr/>
+        <p:nvPr/>
+      </p:nvGrpSpPr>
+      <p:grpSpPr>
+        <a:xfrm>
+          <a:off x="0" y="0"/>
+          <a:ext cx="0" cy="0"/>
+          <a:chOff x="0" y="0"/>
+          <a:chExt cx="0" cy="0"/>
+        </a:xfrm>
+      </p:grpSpPr>
+      <p:sp>
+        <p:nvSpPr>
+          <p:cNvPr id="2" name="标题 1"/>
+          <p:cNvSpPr>
+            <a:spLocks noGrp="1"/>
+          </p:cNvSpPr>
+          <p:nvPr>
+            <p:ph type="title"/>
+          </p:nvPr>
+        </p:nvSpPr>
+        <p:spPr/>
+        <p:txBody>
+          <a:bodyPr/>
+          <a:lstStyle/>
+          <a:p>
             <a:r>
               <a:rPr lang="zh-CN" altLang="en-US" dirty="0" smtClean="0"/>
               <a:t>公告</a:t>
@@ -8101,7 +9957,7 @@
 </p:sld>
 </file>
 
-<file path=ppt/slides/slide31.xml><?xml version="1.0" encoding="utf-8"?>
+<file path=ppt/slides/slide32.xml><?xml version="1.0" encoding="utf-8"?>
 <p:sld xmlns:a="http://schemas.openxmlformats.org/drawingml/2006/main" xmlns:r="http://schemas.openxmlformats.org/officeDocument/2006/relationships" xmlns:p="http://schemas.openxmlformats.org/presentationml/2006/main">
   <p:cSld>
     <p:spTree>
@@ -8218,120 +10074,6 @@
 </p:sld>
 </file>
 
-<file path=ppt/slides/slide32.xml><?xml version="1.0" encoding="utf-8"?>
-<p:sld xmlns:a="http://schemas.openxmlformats.org/drawingml/2006/main" xmlns:r="http://schemas.openxmlformats.org/officeDocument/2006/relationships" xmlns:p="http://schemas.openxmlformats.org/presentationml/2006/main">
-  <p:cSld>
-    <p:spTree>
-      <p:nvGrpSpPr>
-        <p:cNvPr id="1" name=""/>
-        <p:cNvGrpSpPr/>
-        <p:nvPr/>
-      </p:nvGrpSpPr>
-      <p:grpSpPr>
-        <a:xfrm>
-          <a:off x="0" y="0"/>
-          <a:ext cx="0" cy="0"/>
-          <a:chOff x="0" y="0"/>
-          <a:chExt cx="0" cy="0"/>
-        </a:xfrm>
-      </p:grpSpPr>
-      <p:sp>
-        <p:nvSpPr>
-          <p:cNvPr id="2" name="标题 1"/>
-          <p:cNvSpPr>
-            <a:spLocks noGrp="1"/>
-          </p:cNvSpPr>
-          <p:nvPr>
-            <p:ph type="title"/>
-          </p:nvPr>
-        </p:nvSpPr>
-        <p:spPr/>
-        <p:txBody>
-          <a:bodyPr/>
-          <a:lstStyle/>
-          <a:p>
-            <a:r>
-              <a:rPr lang="zh-CN" altLang="en-US" dirty="0" smtClean="0"/>
-              <a:t>统计</a:t>
-            </a:r>
-            <a:endParaRPr lang="zh-CN" altLang="en-US" dirty="0"/>
-          </a:p>
-        </p:txBody>
-      </p:sp>
-      <p:sp>
-        <p:nvSpPr>
-          <p:cNvPr id="3" name="内容占位符 2"/>
-          <p:cNvSpPr>
-            <a:spLocks noGrp="1"/>
-          </p:cNvSpPr>
-          <p:nvPr>
-            <p:ph idx="1"/>
-          </p:nvPr>
-        </p:nvSpPr>
-        <p:spPr/>
-        <p:txBody>
-          <a:bodyPr/>
-          <a:lstStyle/>
-          <a:p>
-            <a:r>
-              <a:rPr lang="en-US" altLang="zh-CN" dirty="0" smtClean="0"/>
-              <a:t>E-&gt;D </a:t>
-            </a:r>
-            <a:r>
-              <a:rPr lang="zh-CN" altLang="en-US" dirty="0" smtClean="0"/>
-              <a:t>促销进展</a:t>
-            </a:r>
-            <a:endParaRPr lang="en-US" altLang="zh-CN" dirty="0" smtClean="0"/>
-          </a:p>
-          <a:p>
-            <a:r>
-              <a:rPr lang="zh-CN" altLang="en-US" dirty="0" smtClean="0"/>
-              <a:t>调用商务公司</a:t>
-            </a:r>
-            <a:r>
-              <a:rPr lang="en-US" altLang="zh-CN" dirty="0" smtClean="0"/>
-              <a:t>(</a:t>
-            </a:r>
-            <a:r>
-              <a:rPr lang="en-US" altLang="zh-CN" dirty="0"/>
-              <a:t>B</a:t>
-            </a:r>
-            <a:r>
-              <a:rPr lang="en-US" altLang="zh-CN" dirty="0" smtClean="0"/>
-              <a:t>) IT</a:t>
-            </a:r>
-            <a:r>
-              <a:rPr lang="zh-CN" altLang="en-US" dirty="0" smtClean="0"/>
-              <a:t>接口 </a:t>
-            </a:r>
-            <a:r>
-              <a:rPr lang="en-US" altLang="zh-CN" dirty="0" smtClean="0"/>
-              <a:t>&lt;</a:t>
-            </a:r>
-            <a:r>
-              <a:rPr lang="zh-CN" altLang="en-US" dirty="0" smtClean="0"/>
-              <a:t>依赖商务公司实现</a:t>
-            </a:r>
-            <a:r>
-              <a:rPr lang="en-US" altLang="zh-CN" dirty="0" smtClean="0"/>
-              <a:t>&gt;</a:t>
-            </a:r>
-          </a:p>
-        </p:txBody>
-      </p:sp>
-    </p:spTree>
-    <p:extLst>
-      <p:ext uri="{BB962C8B-B14F-4D97-AF65-F5344CB8AC3E}">
-        <p14:creationId xmlns:p14="http://schemas.microsoft.com/office/powerpoint/2010/main" val="3811325720"/>
-      </p:ext>
-    </p:extLst>
-  </p:cSld>
-  <p:clrMapOvr>
-    <a:masterClrMapping/>
-  </p:clrMapOvr>
-</p:sld>
-</file>
-
 <file path=ppt/slides/slide33.xml><?xml version="1.0" encoding="utf-8"?>
 <p:sld xmlns:a="http://schemas.openxmlformats.org/drawingml/2006/main" xmlns:r="http://schemas.openxmlformats.org/officeDocument/2006/relationships" xmlns:p="http://schemas.openxmlformats.org/presentationml/2006/main">
   <p:cSld>
@@ -8366,7 +10108,7 @@
           <a:p>
             <a:r>
               <a:rPr lang="zh-CN" altLang="en-US" dirty="0" smtClean="0"/>
-              <a:t>额外说明</a:t>
+              <a:t>统计</a:t>
             </a:r>
             <a:endParaRPr lang="zh-CN" altLang="en-US" dirty="0"/>
           </a:p>
@@ -8388,35 +10130,55 @@
           <a:lstStyle/>
           <a:p>
             <a:r>
-              <a:rPr lang="zh-CN" altLang="en-US" dirty="0" smtClean="0"/>
-              <a:t>活动 需要起始</a:t>
-            </a:r>
-            <a:r>
-              <a:rPr lang="zh-CN" altLang="en-US" dirty="0"/>
-              <a:t>结束</a:t>
-            </a:r>
-            <a:r>
-              <a:rPr lang="zh-CN" altLang="en-US" dirty="0" smtClean="0"/>
-              <a:t>时间</a:t>
-            </a:r>
-            <a:endParaRPr lang="en-US" altLang="zh-CN" dirty="0" smtClean="0"/>
-          </a:p>
-          <a:p>
-            <a:r>
-              <a:rPr lang="zh-CN" altLang="en-US" dirty="0" smtClean="0"/>
-              <a:t>发起申请 管理员控制权限</a:t>
-            </a:r>
-            <a:endParaRPr lang="en-US" altLang="zh-CN" dirty="0" smtClean="0"/>
-          </a:p>
-          <a:p>
-            <a:endParaRPr lang="zh-CN" altLang="en-US" dirty="0"/>
+              <a:rPr lang="en-US" altLang="zh-CN" dirty="0" smtClean="0"/>
+              <a:t>E-&gt;D </a:t>
+            </a:r>
+            <a:r>
+              <a:rPr lang="zh-CN" altLang="en-US" dirty="0" smtClean="0"/>
+              <a:t>促销进展</a:t>
+            </a:r>
+            <a:endParaRPr lang="en-US" altLang="zh-CN" dirty="0" smtClean="0"/>
+          </a:p>
+          <a:p>
+            <a:r>
+              <a:rPr lang="zh-CN" altLang="en-US" dirty="0" smtClean="0"/>
+              <a:t>调用商务公司</a:t>
+            </a:r>
+            <a:r>
+              <a:rPr lang="en-US" altLang="zh-CN" dirty="0" smtClean="0"/>
+              <a:t>(</a:t>
+            </a:r>
+            <a:r>
+              <a:rPr lang="en-US" altLang="zh-CN" dirty="0"/>
+              <a:t>B</a:t>
+            </a:r>
+            <a:r>
+              <a:rPr lang="en-US" altLang="zh-CN" dirty="0" smtClean="0"/>
+              <a:t>) IT</a:t>
+            </a:r>
+            <a:r>
+              <a:rPr lang="zh-CN" altLang="en-US" dirty="0" smtClean="0"/>
+              <a:t>接口 </a:t>
+            </a:r>
+            <a:r>
+              <a:rPr lang="en-US" altLang="zh-CN" dirty="0" smtClean="0"/>
+              <a:t>&lt;</a:t>
+            </a:r>
+            <a:r>
+              <a:rPr lang="zh-CN" altLang="en-US" dirty="0" smtClean="0"/>
+              <a:t>依赖商务公司实现</a:t>
+            </a:r>
+            <a:r>
+              <a:rPr lang="en-US" altLang="zh-CN" dirty="0" smtClean="0"/>
+              <a:t>&gt;</a:t>
+            </a:r>
           </a:p>
         </p:txBody>
       </p:sp>
     </p:spTree>
     <p:extLst>
       <p:ext uri="{BB962C8B-B14F-4D97-AF65-F5344CB8AC3E}">
-        <p14:creationId xmlns:p14="http://schemas.microsoft.com/office/powerpoint/2010/main" val="3960749661"/>
+        <p14:creationId xmlns:p14="http://schemas.microsoft.com/office/powerpoint/2010/main" val="3811325720"/>
       </p:ext>
     </p:extLst>
   </p:cSld>
@@ -8460,7 +10222,7 @@
           <a:p>
             <a:r>
               <a:rPr lang="zh-CN" altLang="en-US" dirty="0" smtClean="0"/>
-              <a:t>问题</a:t>
+              <a:t>额外说明</a:t>
             </a:r>
             <a:endParaRPr lang="zh-CN" altLang="en-US" dirty="0"/>
           </a:p>
@@ -8482,61 +10244,23 @@
           <a:lstStyle/>
           <a:p>
             <a:r>
-              <a:rPr lang="en-US" altLang="zh-CN" dirty="0" smtClean="0"/>
-              <a:t>D</a:t>
-            </a:r>
-            <a:r>
-              <a:rPr lang="zh-CN" altLang="en-US" dirty="0" smtClean="0"/>
-              <a:t>是否需要有效期设置</a:t>
-            </a:r>
-            <a:endParaRPr lang="en-US" altLang="zh-CN" dirty="0" smtClean="0"/>
-          </a:p>
-          <a:p>
-            <a:r>
-              <a:rPr lang="en-US" altLang="zh-CN" dirty="0" smtClean="0"/>
-              <a:t>-&gt;</a:t>
-            </a:r>
-            <a:r>
-              <a:rPr lang="zh-CN" altLang="en-US" dirty="0" smtClean="0"/>
-              <a:t>不需要</a:t>
-            </a:r>
-            <a:endParaRPr lang="en-US" altLang="zh-CN" dirty="0" smtClean="0"/>
-          </a:p>
-          <a:p>
-            <a:r>
-              <a:rPr lang="zh-CN" altLang="en-US" dirty="0"/>
-              <a:t>对</a:t>
-            </a:r>
-            <a:r>
-              <a:rPr lang="zh-CN" altLang="en-US" dirty="0" smtClean="0"/>
-              <a:t>公活动 由</a:t>
-            </a:r>
-            <a:r>
-              <a:rPr lang="en-US" altLang="zh-CN" dirty="0" smtClean="0"/>
-              <a:t>C</a:t>
-            </a:r>
-            <a:r>
-              <a:rPr lang="zh-CN" altLang="en-US" dirty="0" smtClean="0"/>
-              <a:t>发起 是否对所有下属</a:t>
-            </a:r>
-            <a:r>
-              <a:rPr lang="en-US" altLang="zh-CN" dirty="0" smtClean="0"/>
-              <a:t>D</a:t>
-            </a:r>
-            <a:r>
-              <a:rPr lang="zh-CN" altLang="en-US" dirty="0" smtClean="0"/>
-              <a:t>都可见</a:t>
-            </a:r>
-            <a:endParaRPr lang="en-US" altLang="zh-CN" dirty="0" smtClean="0"/>
-          </a:p>
-          <a:p>
-            <a:r>
-              <a:rPr lang="en-US" altLang="zh-CN" dirty="0" smtClean="0"/>
-              <a:t>-&gt;</a:t>
-            </a:r>
-            <a:r>
-              <a:rPr lang="zh-CN" altLang="en-US" dirty="0" smtClean="0"/>
-              <a:t>是的</a:t>
+              <a:rPr lang="zh-CN" altLang="en-US" dirty="0" smtClean="0"/>
+              <a:t>活动 需要起始</a:t>
+            </a:r>
+            <a:r>
+              <a:rPr lang="zh-CN" altLang="en-US" dirty="0"/>
+              <a:t>结束</a:t>
+            </a:r>
+            <a:r>
+              <a:rPr lang="zh-CN" altLang="en-US" dirty="0" smtClean="0"/>
+              <a:t>时间</a:t>
+            </a:r>
+            <a:endParaRPr lang="en-US" altLang="zh-CN" dirty="0" smtClean="0"/>
+          </a:p>
+          <a:p>
+            <a:r>
+              <a:rPr lang="zh-CN" altLang="en-US" dirty="0" smtClean="0"/>
+              <a:t>发起申请 管理员控制权限</a:t>
             </a:r>
             <a:endParaRPr lang="en-US" altLang="zh-CN" dirty="0" smtClean="0"/>
           </a:p>
@@ -8548,7 +10272,7 @@
     </p:spTree>
     <p:extLst>
       <p:ext uri="{BB962C8B-B14F-4D97-AF65-F5344CB8AC3E}">
-        <p14:creationId xmlns:p14="http://schemas.microsoft.com/office/powerpoint/2010/main" val="3097716602"/>
+        <p14:creationId xmlns:p14="http://schemas.microsoft.com/office/powerpoint/2010/main" val="3960749661"/>
       </p:ext>
     </p:extLst>
   </p:cSld>
@@ -8590,6 +10314,138 @@
           <a:bodyPr/>
           <a:lstStyle/>
           <a:p>
+            <a:r>
+              <a:rPr lang="zh-CN" altLang="en-US" dirty="0" smtClean="0"/>
+              <a:t>问题</a:t>
+            </a:r>
+            <a:endParaRPr lang="zh-CN" altLang="en-US" dirty="0"/>
+          </a:p>
+        </p:txBody>
+      </p:sp>
+      <p:sp>
+        <p:nvSpPr>
+          <p:cNvPr id="3" name="内容占位符 2"/>
+          <p:cNvSpPr>
+            <a:spLocks noGrp="1"/>
+          </p:cNvSpPr>
+          <p:nvPr>
+            <p:ph idx="1"/>
+          </p:nvPr>
+        </p:nvSpPr>
+        <p:spPr/>
+        <p:txBody>
+          <a:bodyPr/>
+          <a:lstStyle/>
+          <a:p>
+            <a:r>
+              <a:rPr lang="en-US" altLang="zh-CN" dirty="0" smtClean="0"/>
+              <a:t>D</a:t>
+            </a:r>
+            <a:r>
+              <a:rPr lang="zh-CN" altLang="en-US" dirty="0" smtClean="0"/>
+              <a:t>是否需要有效期设置</a:t>
+            </a:r>
+            <a:endParaRPr lang="en-US" altLang="zh-CN" dirty="0" smtClean="0"/>
+          </a:p>
+          <a:p>
+            <a:r>
+              <a:rPr lang="en-US" altLang="zh-CN" dirty="0" smtClean="0"/>
+              <a:t>-&gt;</a:t>
+            </a:r>
+            <a:r>
+              <a:rPr lang="zh-CN" altLang="en-US" dirty="0" smtClean="0"/>
+              <a:t>不需要</a:t>
+            </a:r>
+            <a:endParaRPr lang="en-US" altLang="zh-CN" dirty="0" smtClean="0"/>
+          </a:p>
+          <a:p>
+            <a:r>
+              <a:rPr lang="zh-CN" altLang="en-US" dirty="0"/>
+              <a:t>对</a:t>
+            </a:r>
+            <a:r>
+              <a:rPr lang="zh-CN" altLang="en-US" dirty="0" smtClean="0"/>
+              <a:t>公活动 由</a:t>
+            </a:r>
+            <a:r>
+              <a:rPr lang="en-US" altLang="zh-CN" dirty="0" smtClean="0"/>
+              <a:t>C</a:t>
+            </a:r>
+            <a:r>
+              <a:rPr lang="zh-CN" altLang="en-US" dirty="0" smtClean="0"/>
+              <a:t>发起 是否对所有下属</a:t>
+            </a:r>
+            <a:r>
+              <a:rPr lang="en-US" altLang="zh-CN" dirty="0" smtClean="0"/>
+              <a:t>D</a:t>
+            </a:r>
+            <a:r>
+              <a:rPr lang="zh-CN" altLang="en-US" dirty="0" smtClean="0"/>
+              <a:t>都可见</a:t>
+            </a:r>
+            <a:endParaRPr lang="en-US" altLang="zh-CN" dirty="0" smtClean="0"/>
+          </a:p>
+          <a:p>
+            <a:r>
+              <a:rPr lang="en-US" altLang="zh-CN" dirty="0" smtClean="0"/>
+              <a:t>-&gt;</a:t>
+            </a:r>
+            <a:r>
+              <a:rPr lang="zh-CN" altLang="en-US" dirty="0" smtClean="0"/>
+              <a:t>是的</a:t>
+            </a:r>
+            <a:endParaRPr lang="en-US" altLang="zh-CN" dirty="0" smtClean="0"/>
+          </a:p>
+          <a:p>
+            <a:endParaRPr lang="zh-CN" altLang="en-US" dirty="0"/>
+          </a:p>
+        </p:txBody>
+      </p:sp>
+    </p:spTree>
+    <p:extLst>
+      <p:ext uri="{BB962C8B-B14F-4D97-AF65-F5344CB8AC3E}">
+        <p14:creationId xmlns:p14="http://schemas.microsoft.com/office/powerpoint/2010/main" val="3097716602"/>
+      </p:ext>
+    </p:extLst>
+  </p:cSld>
+  <p:clrMapOvr>
+    <a:masterClrMapping/>
+  </p:clrMapOvr>
+</p:sld>
+</file>
+
+<file path=ppt/slides/slide36.xml><?xml version="1.0" encoding="utf-8"?>
+<p:sld xmlns:a="http://schemas.openxmlformats.org/drawingml/2006/main" xmlns:r="http://schemas.openxmlformats.org/officeDocument/2006/relationships" xmlns:p="http://schemas.openxmlformats.org/presentationml/2006/main">
+  <p:cSld>
+    <p:spTree>
+      <p:nvGrpSpPr>
+        <p:cNvPr id="1" name=""/>
+        <p:cNvGrpSpPr/>
+        <p:nvPr/>
+      </p:nvGrpSpPr>
+      <p:grpSpPr>
+        <a:xfrm>
+          <a:off x="0" y="0"/>
+          <a:ext cx="0" cy="0"/>
+          <a:chOff x="0" y="0"/>
+          <a:chExt cx="0" cy="0"/>
+        </a:xfrm>
+      </p:grpSpPr>
+      <p:sp>
+        <p:nvSpPr>
+          <p:cNvPr id="2" name="标题 1"/>
+          <p:cNvSpPr>
+            <a:spLocks noGrp="1"/>
+          </p:cNvSpPr>
+          <p:nvPr>
+            <p:ph type="title"/>
+          </p:nvPr>
+        </p:nvSpPr>
+        <p:spPr/>
+        <p:txBody>
+          <a:bodyPr/>
+          <a:lstStyle/>
+          <a:p>
             <a:endParaRPr lang="zh-CN" altLang="en-US" dirty="0"/>
           </a:p>
         </p:txBody>
@@ -8800,7 +10656,7 @@
 </p:sld>
 </file>
 
-<file path=ppt/slides/slide36.xml><?xml version="1.0" encoding="utf-8"?>
+<file path=ppt/slides/slide37.xml><?xml version="1.0" encoding="utf-8"?>
 <p:sld xmlns:a="http://schemas.openxmlformats.org/drawingml/2006/main" xmlns:r="http://schemas.openxmlformats.org/officeDocument/2006/relationships" xmlns:p="http://schemas.openxmlformats.org/presentationml/2006/main">
   <p:cSld>
     <p:spTree>
@@ -10182,7 +12038,7 @@
   <a:extraClrSchemeLst/>
   <a:extLst>
     <a:ext uri="{05A4C25C-085E-4340-85A3-A5531E510DB2}">
-      <thm15:themeFamily xmlns:thm15="http://schemas.microsoft.com/office/thememl/2012/main" xmlns="" name="Office Theme" id="{62F939B6-93AF-4DB8-9C6B-D6C7DFDC589F}" vid="{4A3C46E8-61CC-4603-A589-7422A47A8E4A}"/>
+      <thm15:themeFamily xmlns="" xmlns:thm15="http://schemas.microsoft.com/office/thememl/2012/main" name="Office Theme" id="{62F939B6-93AF-4DB8-9C6B-D6C7DFDC589F}" vid="{4A3C46E8-61CC-4603-A589-7422A47A8E4A}"/>
     </a:ext>
   </a:extLst>
 </a:theme>

--- a/doc/prd.pptx
+++ b/doc/prd.pptx
@@ -142,7 +142,7 @@
   </p:defaultTextStyle>
   <p:extLst>
     <p:ext uri="{EFAFB233-063F-42B5-8137-9DF3F51BA10A}">
-      <p15:sldGuideLst xmlns="" xmlns:p15="http://schemas.microsoft.com/office/powerpoint/2012/main">
+      <p15:sldGuideLst xmlns:p15="http://schemas.microsoft.com/office/powerpoint/2012/main">
         <p15:guide id="1" orient="horz" pos="2160">
           <p15:clr>
             <a:srgbClr val="A4A3A4"/>
@@ -290,7 +290,7 @@
           <a:p>
             <a:fld id="{62CB6374-0130-47DC-BFAA-34D9BE735771}" type="datetimeFigureOut">
               <a:rPr lang="zh-CN" altLang="en-US" smtClean="0"/>
-              <a:t>2019/1/18</a:t>
+              <a:t>2019/1/21</a:t>
             </a:fld>
             <a:endParaRPr lang="zh-CN" altLang="en-US"/>
           </a:p>
@@ -460,7 +460,7 @@
           <a:p>
             <a:fld id="{62CB6374-0130-47DC-BFAA-34D9BE735771}" type="datetimeFigureOut">
               <a:rPr lang="zh-CN" altLang="en-US" smtClean="0"/>
-              <a:t>2019/1/18</a:t>
+              <a:t>2019/1/21</a:t>
             </a:fld>
             <a:endParaRPr lang="zh-CN" altLang="en-US"/>
           </a:p>
@@ -640,7 +640,7 @@
           <a:p>
             <a:fld id="{62CB6374-0130-47DC-BFAA-34D9BE735771}" type="datetimeFigureOut">
               <a:rPr lang="zh-CN" altLang="en-US" smtClean="0"/>
-              <a:t>2019/1/18</a:t>
+              <a:t>2019/1/21</a:t>
             </a:fld>
             <a:endParaRPr lang="zh-CN" altLang="en-US"/>
           </a:p>
@@ -810,7 +810,7 @@
           <a:p>
             <a:fld id="{62CB6374-0130-47DC-BFAA-34D9BE735771}" type="datetimeFigureOut">
               <a:rPr lang="zh-CN" altLang="en-US" smtClean="0"/>
-              <a:t>2019/1/18</a:t>
+              <a:t>2019/1/21</a:t>
             </a:fld>
             <a:endParaRPr lang="zh-CN" altLang="en-US"/>
           </a:p>
@@ -1056,7 +1056,7 @@
           <a:p>
             <a:fld id="{62CB6374-0130-47DC-BFAA-34D9BE735771}" type="datetimeFigureOut">
               <a:rPr lang="zh-CN" altLang="en-US" smtClean="0"/>
-              <a:t>2019/1/18</a:t>
+              <a:t>2019/1/21</a:t>
             </a:fld>
             <a:endParaRPr lang="zh-CN" altLang="en-US"/>
           </a:p>
@@ -1288,7 +1288,7 @@
           <a:p>
             <a:fld id="{62CB6374-0130-47DC-BFAA-34D9BE735771}" type="datetimeFigureOut">
               <a:rPr lang="zh-CN" altLang="en-US" smtClean="0"/>
-              <a:t>2019/1/18</a:t>
+              <a:t>2019/1/21</a:t>
             </a:fld>
             <a:endParaRPr lang="zh-CN" altLang="en-US"/>
           </a:p>
@@ -1655,7 +1655,7 @@
           <a:p>
             <a:fld id="{62CB6374-0130-47DC-BFAA-34D9BE735771}" type="datetimeFigureOut">
               <a:rPr lang="zh-CN" altLang="en-US" smtClean="0"/>
-              <a:t>2019/1/18</a:t>
+              <a:t>2019/1/21</a:t>
             </a:fld>
             <a:endParaRPr lang="zh-CN" altLang="en-US"/>
           </a:p>
@@ -1773,7 +1773,7 @@
           <a:p>
             <a:fld id="{62CB6374-0130-47DC-BFAA-34D9BE735771}" type="datetimeFigureOut">
               <a:rPr lang="zh-CN" altLang="en-US" smtClean="0"/>
-              <a:t>2019/1/18</a:t>
+              <a:t>2019/1/21</a:t>
             </a:fld>
             <a:endParaRPr lang="zh-CN" altLang="en-US"/>
           </a:p>
@@ -1868,7 +1868,7 @@
           <a:p>
             <a:fld id="{62CB6374-0130-47DC-BFAA-34D9BE735771}" type="datetimeFigureOut">
               <a:rPr lang="zh-CN" altLang="en-US" smtClean="0"/>
-              <a:t>2019/1/18</a:t>
+              <a:t>2019/1/21</a:t>
             </a:fld>
             <a:endParaRPr lang="zh-CN" altLang="en-US"/>
           </a:p>
@@ -2145,7 +2145,7 @@
           <a:p>
             <a:fld id="{62CB6374-0130-47DC-BFAA-34D9BE735771}" type="datetimeFigureOut">
               <a:rPr lang="zh-CN" altLang="en-US" smtClean="0"/>
-              <a:t>2019/1/18</a:t>
+              <a:t>2019/1/21</a:t>
             </a:fld>
             <a:endParaRPr lang="zh-CN" altLang="en-US"/>
           </a:p>
@@ -2398,7 +2398,7 @@
           <a:p>
             <a:fld id="{62CB6374-0130-47DC-BFAA-34D9BE735771}" type="datetimeFigureOut">
               <a:rPr lang="zh-CN" altLang="en-US" smtClean="0"/>
-              <a:t>2019/1/18</a:t>
+              <a:t>2019/1/21</a:t>
             </a:fld>
             <a:endParaRPr lang="zh-CN" altLang="en-US"/>
           </a:p>
@@ -2611,7 +2611,7 @@
           <a:p>
             <a:fld id="{62CB6374-0130-47DC-BFAA-34D9BE735771}" type="datetimeFigureOut">
               <a:rPr lang="zh-CN" altLang="en-US" smtClean="0"/>
-              <a:t>2019/1/18</a:t>
+              <a:t>2019/1/21</a:t>
             </a:fld>
             <a:endParaRPr lang="zh-CN" altLang="en-US"/>
           </a:p>
@@ -4455,46 +4455,112 @@
               <a:buAutoNum type="arabicPeriod"/>
             </a:pPr>
             <a:r>
-              <a:rPr lang="en-US" altLang="zh-CN" dirty="0" smtClean="0"/>
+              <a:rPr lang="en-US" altLang="zh-CN" dirty="0" smtClean="0">
+                <a:solidFill>
+                  <a:schemeClr val="bg1">
+                    <a:lumMod val="75000"/>
+                  </a:schemeClr>
+                </a:solidFill>
+              </a:rPr>
               <a:t>C</a:t>
             </a:r>
             <a:r>
-              <a:rPr lang="zh-CN" altLang="en-US" dirty="0" smtClean="0"/>
+              <a:rPr lang="zh-CN" altLang="en-US" dirty="0" smtClean="0">
+                <a:solidFill>
+                  <a:schemeClr val="bg1">
+                    <a:lumMod val="75000"/>
+                  </a:schemeClr>
+                </a:solidFill>
+              </a:rPr>
               <a:t>角色添加到渠道保留组织构（</a:t>
             </a:r>
             <a:r>
-              <a:rPr lang="en-US" altLang="zh-CN" dirty="0" smtClean="0"/>
+              <a:rPr lang="en-US" altLang="zh-CN" dirty="0" smtClean="0">
+                <a:solidFill>
+                  <a:schemeClr val="bg1">
+                    <a:lumMod val="75000"/>
+                  </a:schemeClr>
+                </a:solidFill>
+              </a:rPr>
               <a:t>C-D</a:t>
             </a:r>
             <a:r>
-              <a:rPr lang="zh-CN" altLang="en-US" dirty="0" smtClean="0"/>
+              <a:rPr lang="zh-CN" altLang="en-US" dirty="0" smtClean="0">
+                <a:solidFill>
+                  <a:schemeClr val="bg1">
+                    <a:lumMod val="75000"/>
+                  </a:schemeClr>
+                </a:solidFill>
+              </a:rPr>
               <a:t>）</a:t>
             </a:r>
             <a:r>
-              <a:rPr lang="en-US" altLang="zh-CN" dirty="0" smtClean="0"/>
+              <a:rPr lang="en-US" altLang="zh-CN" dirty="0" smtClean="0">
+                <a:solidFill>
+                  <a:schemeClr val="bg1">
+                    <a:lumMod val="75000"/>
+                  </a:schemeClr>
+                </a:solidFill>
+              </a:rPr>
               <a:t>--</a:t>
             </a:r>
             <a:r>
-              <a:rPr lang="zh-CN" altLang="en-US" dirty="0" smtClean="0"/>
+              <a:rPr lang="zh-CN" altLang="en-US" dirty="0" smtClean="0">
+                <a:solidFill>
+                  <a:schemeClr val="bg1">
+                    <a:lumMod val="75000"/>
+                  </a:schemeClr>
+                </a:solidFill>
+              </a:rPr>
               <a:t>保留名称</a:t>
             </a:r>
             <a:r>
-              <a:rPr lang="en-US" altLang="zh-CN" dirty="0" smtClean="0"/>
+              <a:rPr lang="en-US" altLang="zh-CN" dirty="0" smtClean="0">
+                <a:solidFill>
+                  <a:schemeClr val="bg1">
+                    <a:lumMod val="75000"/>
+                  </a:schemeClr>
+                </a:solidFill>
+              </a:rPr>
               <a:t>— </a:t>
             </a:r>
             <a:r>
-              <a:rPr lang="zh-CN" altLang="en-US" dirty="0" smtClean="0"/>
+              <a:rPr lang="zh-CN" altLang="en-US" dirty="0" smtClean="0">
+                <a:solidFill>
+                  <a:schemeClr val="bg1">
+                    <a:lumMod val="75000"/>
+                  </a:schemeClr>
+                </a:solidFill>
+              </a:rPr>
               <a:t>（</a:t>
             </a:r>
             <a:r>
-              <a:rPr lang="en-US" altLang="zh-CN" dirty="0" smtClean="0"/>
+              <a:rPr lang="en-US" altLang="zh-CN" dirty="0" smtClean="0">
+                <a:solidFill>
+                  <a:schemeClr val="bg1">
+                    <a:lumMod val="75000"/>
+                  </a:schemeClr>
+                </a:solidFill>
+              </a:rPr>
               <a:t>C/D</a:t>
             </a:r>
             <a:r>
-              <a:rPr lang="zh-CN" altLang="en-US" dirty="0" smtClean="0"/>
+              <a:rPr lang="zh-CN" altLang="en-US" dirty="0" smtClean="0">
+                <a:solidFill>
+                  <a:schemeClr val="bg1">
+                    <a:lumMod val="75000"/>
+                  </a:schemeClr>
+                </a:solidFill>
+              </a:rPr>
               <a:t>绑定复制去别的渠道 但不是实时备份）</a:t>
             </a:r>
-            <a:endParaRPr lang="en-US" altLang="zh-CN" dirty="0" smtClean="0"/>
+            <a:endParaRPr lang="en-US" altLang="zh-CN" dirty="0" smtClean="0">
+              <a:solidFill>
+                <a:schemeClr val="bg1">
+                  <a:lumMod val="75000"/>
+                </a:schemeClr>
+              </a:solidFill>
+            </a:endParaRPr>
           </a:p>
           <a:p>
             <a:pPr marL="1371600" lvl="2" indent="-457200">
@@ -4530,7 +4596,11 @@
             </a:r>
             <a:r>
               <a:rPr lang="zh-CN" altLang="en-US" dirty="0" smtClean="0"/>
-              <a:t>绑定）</a:t>
+              <a:t>绑定</a:t>
+            </a:r>
+            <a:r>
+              <a:rPr lang="zh-CN" altLang="en-US" dirty="0" smtClean="0"/>
+              <a:t>）</a:t>
             </a:r>
             <a:endParaRPr lang="en-US" altLang="zh-CN" dirty="0" smtClean="0"/>
           </a:p>
@@ -4540,6 +4610,10 @@
               <a:buAutoNum type="arabicPeriod"/>
             </a:pPr>
             <a:r>
+              <a:rPr lang="zh-CN" altLang="en-US" dirty="0"/>
+              <a:t>一个用户</a:t>
+            </a:r>
+            <a:r>
               <a:rPr lang="zh-CN" altLang="en-US" dirty="0" smtClean="0"/>
               <a:t>可以多次接受</a:t>
             </a:r>
@@ -4557,15 +4631,7 @@
             </a:r>
             <a:r>
               <a:rPr lang="zh-CN" altLang="en-US" dirty="0" smtClean="0"/>
-              <a:t>，只接受</a:t>
-            </a:r>
-            <a:r>
-              <a:rPr lang="zh-CN" altLang="en-US" dirty="0"/>
-              <a:t>促</a:t>
-            </a:r>
-            <a:r>
-              <a:rPr lang="zh-CN" altLang="en-US" dirty="0" smtClean="0"/>
-              <a:t>销活动）</a:t>
+              <a:t>，只接受促销活动）</a:t>
             </a:r>
             <a:endParaRPr lang="en-US" altLang="zh-CN" dirty="0" smtClean="0"/>
           </a:p>
@@ -4618,15 +4684,33 @@
               <a:buAutoNum type="arabicPeriod"/>
             </a:pPr>
             <a:r>
-              <a:rPr lang="en-US" altLang="zh-CN" dirty="0" smtClean="0"/>
+              <a:rPr lang="en-US" altLang="zh-CN" dirty="0" smtClean="0">
+                <a:solidFill>
+                  <a:schemeClr val="bg1">
+                    <a:lumMod val="75000"/>
+                  </a:schemeClr>
+                </a:solidFill>
+              </a:rPr>
               <a:t>F</a:t>
             </a:r>
             <a:r>
-              <a:rPr lang="zh-CN" altLang="en-US" dirty="0" smtClean="0"/>
+              <a:rPr lang="zh-CN" altLang="en-US" dirty="0" smtClean="0">
+                <a:solidFill>
+                  <a:schemeClr val="bg1">
+                    <a:lumMod val="75000"/>
+                  </a:schemeClr>
+                </a:solidFill>
+              </a:rPr>
               <a:t>可以受雇于所有的</a:t>
             </a:r>
             <a:r>
-              <a:rPr lang="en-US" altLang="zh-CN" dirty="0" smtClean="0"/>
+              <a:rPr lang="en-US" altLang="zh-CN" dirty="0" smtClean="0">
+                <a:solidFill>
+                  <a:schemeClr val="bg1">
+                    <a:lumMod val="75000"/>
+                  </a:schemeClr>
+                </a:solidFill>
+              </a:rPr>
               <a:t>C ()</a:t>
             </a:r>
           </a:p>
@@ -4710,10 +4794,9 @@
           <a:lstStyle/>
           <a:p>
             <a:r>
-              <a:rPr lang="en-US" altLang="zh-CN" smtClean="0"/>
+              <a:rPr lang="en-US" altLang="zh-CN" dirty="0" smtClean="0"/>
               <a:t>B C n:n</a:t>
             </a:r>
-            <a:endParaRPr lang="en-US" altLang="zh-CN" dirty="0" smtClean="0"/>
           </a:p>
           <a:p>
             <a:r>
@@ -6584,9 +6667,17 @@
             </a:r>
             <a:r>
               <a:rPr lang="zh-CN" altLang="en-US" dirty="0"/>
-              <a:t>动信息</a:t>
-            </a:r>
-            <a:endParaRPr lang="en-US" altLang="zh-CN" dirty="0"/>
+              <a:t>动</a:t>
+            </a:r>
+            <a:r>
+              <a:rPr lang="zh-CN" altLang="en-US" dirty="0" smtClean="0"/>
+              <a:t>信息</a:t>
+            </a:r>
+            <a:endParaRPr lang="en-US" altLang="zh-CN" dirty="0">
+              <a:solidFill>
+                <a:srgbClr val="FF0000"/>
+              </a:solidFill>
+            </a:endParaRPr>
           </a:p>
           <a:p>
             <a:pPr marL="971550" lvl="1" indent="-514350">
@@ -6595,15 +6686,7 @@
             </a:pPr>
             <a:r>
               <a:rPr lang="zh-CN" altLang="en-US" dirty="0" smtClean="0"/>
-              <a:t>药厂（销售主管）能够</a:t>
-            </a:r>
-            <a:r>
-              <a:rPr lang="zh-CN" altLang="en-US" dirty="0"/>
-              <a:t>查看该厂所</a:t>
-            </a:r>
-            <a:r>
-              <a:rPr lang="zh-CN" altLang="en-US" dirty="0" smtClean="0"/>
-              <a:t>有活动信息</a:t>
+              <a:t>药厂（销售员）能够查看所属药厂所有活动信息</a:t>
             </a:r>
             <a:endParaRPr lang="en-US" altLang="zh-CN" dirty="0" smtClean="0"/>
           </a:p>
@@ -6614,18 +6697,11 @@
             </a:pPr>
             <a:r>
               <a:rPr lang="zh-CN" altLang="en-US" dirty="0" smtClean="0"/>
-              <a:t>药厂（销售员）能够查看所属药厂所有活动信息</a:t>
-            </a:r>
-            <a:endParaRPr lang="en-US" altLang="zh-CN" dirty="0" smtClean="0"/>
-          </a:p>
-          <a:p>
-            <a:pPr marL="971550" lvl="1" indent="-514350">
-              <a:buFont typeface="+mj-lt"/>
-              <a:buAutoNum type="arabicPeriod"/>
-            </a:pPr>
-            <a:r>
-              <a:rPr lang="zh-CN" altLang="en-US" dirty="0" smtClean="0"/>
-              <a:t>活动信息包含</a:t>
+              <a:t>活</a:t>
+            </a:r>
+            <a:r>
+              <a:rPr lang="zh-CN" altLang="en-US" dirty="0" smtClean="0"/>
+              <a:t>动信息包含</a:t>
             </a:r>
             <a:r>
               <a:rPr lang="zh-CN" altLang="en-US" dirty="0">
@@ -7355,8 +7431,8 @@
               <a:t>促</a:t>
             </a:r>
             <a:r>
-              <a:rPr lang="zh-CN" altLang="en-US" dirty="0"/>
-              <a:t>销</a:t>
+              <a:rPr lang="zh-CN" altLang="en-US" dirty="0" smtClean="0"/>
+              <a:t>销，确认促销进展情况</a:t>
             </a:r>
             <a:endParaRPr lang="en-US" altLang="zh-CN" dirty="0" smtClean="0"/>
           </a:p>
@@ -7853,14 +7929,32 @@
               <a:buAutoNum type="arabicPeriod"/>
             </a:pPr>
             <a:r>
-              <a:rPr lang="zh-CN" altLang="en-US" dirty="0"/>
+              <a:rPr lang="zh-CN" altLang="en-US" dirty="0">
+                <a:solidFill>
+                  <a:schemeClr val="bg1">
+                    <a:lumMod val="75000"/>
+                  </a:schemeClr>
+                </a:solidFill>
+              </a:rPr>
               <a:t>用</a:t>
             </a:r>
             <a:r>
-              <a:rPr lang="zh-CN" altLang="en-US" dirty="0" smtClean="0"/>
+              <a:rPr lang="zh-CN" altLang="en-US" dirty="0" smtClean="0">
+                <a:solidFill>
+                  <a:schemeClr val="bg1">
+                    <a:lumMod val="75000"/>
+                  </a:schemeClr>
+                </a:solidFill>
+              </a:rPr>
               <a:t>户能够修改密码（发送短信验证码）（微信登录）</a:t>
             </a:r>
-            <a:endParaRPr lang="en-US" altLang="zh-CN" dirty="0" smtClean="0"/>
+            <a:endParaRPr lang="en-US" altLang="zh-CN" dirty="0" smtClean="0">
+              <a:solidFill>
+                <a:schemeClr val="bg1">
+                  <a:lumMod val="75000"/>
+                </a:schemeClr>
+              </a:solidFill>
+            </a:endParaRPr>
           </a:p>
           <a:p>
             <a:pPr marL="914400" lvl="1" indent="-457200">
@@ -8067,18 +8161,18 @@
                         </a:spcAft>
                       </a:pPr>
                       <a:r>
-                        <a:rPr lang="en-US" sz="1100" kern="0">
+                        <a:rPr lang="en-US" sz="1100" kern="0" dirty="0">
                           <a:effectLst/>
                         </a:rPr>
                         <a:t>C</a:t>
                       </a:r>
                       <a:r>
-                        <a:rPr lang="zh-CN" sz="1100" kern="0">
+                        <a:rPr lang="zh-CN" sz="1100" kern="0" dirty="0">
                           <a:effectLst/>
                         </a:rPr>
                         <a:t>级进行使用</a:t>
                       </a:r>
-                      <a:endParaRPr lang="zh-CN" sz="1050" kern="100">
+                      <a:endParaRPr lang="zh-CN" sz="1050" kern="100" dirty="0">
                         <a:effectLst/>
                         <a:latin typeface="Calibri"/>
                         <a:ea typeface="宋体"/>
@@ -8319,12 +8413,12 @@
                         </a:spcAft>
                       </a:pPr>
                       <a:r>
-                        <a:rPr lang="zh-CN" sz="1100" kern="0">
+                        <a:rPr lang="zh-CN" sz="1100" kern="0" dirty="0">
                           <a:effectLst/>
                         </a:rPr>
                         <a:t>订单　</a:t>
                       </a:r>
-                      <a:endParaRPr lang="zh-CN" sz="1050" kern="100">
+                      <a:endParaRPr lang="zh-CN" sz="1050" kern="100" dirty="0">
                         <a:effectLst/>
                         <a:latin typeface="Calibri"/>
                         <a:ea typeface="宋体"/>
@@ -8365,12 +8459,12 @@
                         </a:spcAft>
                       </a:pPr>
                       <a:r>
-                        <a:rPr lang="zh-CN" sz="1100" kern="0">
+                        <a:rPr lang="zh-CN" sz="1100" kern="0" dirty="0">
                           <a:effectLst/>
                         </a:rPr>
                         <a:t>　</a:t>
                       </a:r>
-                      <a:endParaRPr lang="zh-CN" sz="1050" kern="100">
+                      <a:endParaRPr lang="zh-CN" sz="1050" kern="100" dirty="0">
                         <a:effectLst/>
                         <a:latin typeface="Calibri"/>
                         <a:ea typeface="宋体"/>
@@ -8391,12 +8485,12 @@
                         </a:spcAft>
                       </a:pPr>
                       <a:r>
-                        <a:rPr lang="zh-CN" sz="1100" kern="0">
+                        <a:rPr lang="zh-CN" sz="1100" kern="0" dirty="0">
                           <a:effectLst/>
                         </a:rPr>
                         <a:t>活动订单</a:t>
                       </a:r>
-                      <a:endParaRPr lang="zh-CN" sz="1050" kern="100">
+                      <a:endParaRPr lang="zh-CN" sz="1050" kern="100" dirty="0">
                         <a:effectLst/>
                         <a:latin typeface="Calibri"/>
                         <a:ea typeface="宋体"/>
@@ -8567,12 +8661,12 @@
                         </a:spcAft>
                       </a:pPr>
                       <a:r>
-                        <a:rPr lang="zh-CN" sz="1100" kern="0">
+                        <a:rPr lang="zh-CN" sz="1100" kern="0" dirty="0">
                           <a:effectLst/>
                         </a:rPr>
                         <a:t>生产单位</a:t>
                       </a:r>
-                      <a:endParaRPr lang="zh-CN" sz="1050" kern="100">
+                      <a:endParaRPr lang="zh-CN" sz="1050" kern="100" dirty="0">
                         <a:effectLst/>
                         <a:latin typeface="Calibri"/>
                         <a:ea typeface="宋体"/>
@@ -8645,12 +8739,12 @@
                         </a:spcAft>
                       </a:pPr>
                       <a:r>
-                        <a:rPr lang="zh-CN" sz="1100" kern="0">
+                        <a:rPr lang="zh-CN" sz="1100" kern="0" dirty="0">
                           <a:effectLst/>
                         </a:rPr>
                         <a:t>信息备注</a:t>
                       </a:r>
-                      <a:endParaRPr lang="zh-CN" sz="1050" kern="100">
+                      <a:endParaRPr lang="zh-CN" sz="1050" kern="100" dirty="0">
                         <a:effectLst/>
                         <a:latin typeface="Calibri"/>
                         <a:ea typeface="宋体"/>
@@ -8671,18 +8765,18 @@
                         </a:spcAft>
                       </a:pPr>
                       <a:r>
-                        <a:rPr lang="en-US" sz="1100" kern="0">
+                        <a:rPr lang="en-US" sz="1100" kern="0" dirty="0">
                           <a:effectLst/>
                         </a:rPr>
                         <a:t>C</a:t>
                       </a:r>
                       <a:r>
-                        <a:rPr lang="zh-CN" sz="1100" kern="0">
+                        <a:rPr lang="zh-CN" sz="1100" kern="0" dirty="0">
                           <a:effectLst/>
                         </a:rPr>
                         <a:t>级设置时显示名称</a:t>
                       </a:r>
-                      <a:endParaRPr lang="zh-CN" sz="1050" kern="100">
+                      <a:endParaRPr lang="zh-CN" sz="1050" kern="100" dirty="0">
                         <a:effectLst/>
                         <a:latin typeface="Calibri"/>
                         <a:ea typeface="宋体"/>
@@ -8971,12 +9065,12 @@
                         </a:spcAft>
                       </a:pPr>
                       <a:r>
-                        <a:rPr lang="zh-CN" sz="1100" kern="0">
+                        <a:rPr lang="zh-CN" sz="1100" kern="0" dirty="0">
                           <a:effectLst/>
                         </a:rPr>
                         <a:t>　</a:t>
                       </a:r>
-                      <a:endParaRPr lang="zh-CN" sz="1050" kern="100">
+                      <a:endParaRPr lang="zh-CN" sz="1050" kern="100" dirty="0">
                         <a:effectLst/>
                         <a:latin typeface="Calibri"/>
                         <a:ea typeface="宋体"/>
@@ -9645,12 +9739,12 @@
                         </a:spcAft>
                       </a:pPr>
                       <a:r>
-                        <a:rPr lang="zh-CN" sz="1100" kern="0">
+                        <a:rPr lang="zh-CN" sz="1100" kern="0" dirty="0">
                           <a:effectLst/>
                         </a:rPr>
                         <a:t>执行该活动的限制</a:t>
                       </a:r>
-                      <a:endParaRPr lang="zh-CN" sz="1050" kern="100">
+                      <a:endParaRPr lang="zh-CN" sz="1050" kern="100" dirty="0">
                         <a:effectLst/>
                         <a:latin typeface="Calibri"/>
                         <a:ea typeface="宋体"/>
@@ -12038,7 +12132,7 @@
   <a:extraClrSchemeLst/>
   <a:extLst>
     <a:ext uri="{05A4C25C-085E-4340-85A3-A5531E510DB2}">
-      <thm15:themeFamily xmlns="" xmlns:thm15="http://schemas.microsoft.com/office/thememl/2012/main" name="Office Theme" id="{62F939B6-93AF-4DB8-9C6B-D6C7DFDC589F}" vid="{4A3C46E8-61CC-4603-A589-7422A47A8E4A}"/>
+      <thm15:themeFamily xmlns:thm15="http://schemas.microsoft.com/office/thememl/2012/main" name="Office Theme" id="{62F939B6-93AF-4DB8-9C6B-D6C7DFDC589F}" vid="{4A3C46E8-61CC-4603-A589-7422A47A8E4A}"/>
     </a:ext>
   </a:extLst>
 </a:theme>
